--- a/benr/Attention.pptx
+++ b/benr/Attention.pptx
@@ -7,24 +7,23 @@
   <p:sldIdLst>
     <p:sldId id="256" r:id="rId2"/>
     <p:sldId id="257" r:id="rId3"/>
-    <p:sldId id="258" r:id="rId4"/>
-    <p:sldId id="259" r:id="rId5"/>
-    <p:sldId id="260" r:id="rId6"/>
-    <p:sldId id="261" r:id="rId7"/>
-    <p:sldId id="262" r:id="rId8"/>
-    <p:sldId id="263" r:id="rId9"/>
-    <p:sldId id="264" r:id="rId10"/>
-    <p:sldId id="265" r:id="rId11"/>
-    <p:sldId id="266" r:id="rId12"/>
-    <p:sldId id="267" r:id="rId13"/>
-    <p:sldId id="268" r:id="rId14"/>
-    <p:sldId id="269" r:id="rId15"/>
-    <p:sldId id="270" r:id="rId16"/>
-    <p:sldId id="271" r:id="rId17"/>
-    <p:sldId id="272" r:id="rId18"/>
-    <p:sldId id="273" r:id="rId19"/>
-    <p:sldId id="274" r:id="rId20"/>
-    <p:sldId id="275" r:id="rId21"/>
+    <p:sldId id="276" r:id="rId4"/>
+    <p:sldId id="258" r:id="rId5"/>
+    <p:sldId id="259" r:id="rId6"/>
+    <p:sldId id="260" r:id="rId7"/>
+    <p:sldId id="261" r:id="rId8"/>
+    <p:sldId id="262" r:id="rId9"/>
+    <p:sldId id="263" r:id="rId10"/>
+    <p:sldId id="264" r:id="rId11"/>
+    <p:sldId id="265" r:id="rId12"/>
+    <p:sldId id="266" r:id="rId13"/>
+    <p:sldId id="267" r:id="rId14"/>
+    <p:sldId id="270" r:id="rId15"/>
+    <p:sldId id="271" r:id="rId16"/>
+    <p:sldId id="272" r:id="rId17"/>
+    <p:sldId id="273" r:id="rId18"/>
+    <p:sldId id="274" r:id="rId19"/>
+    <p:sldId id="275" r:id="rId20"/>
   </p:sldIdLst>
   <p:sldSz cx="12192000" cy="6858000"/>
   <p:notesSz cx="6858000" cy="9144000"/>
@@ -278,7 +277,7 @@
           <a:p>
             <a:fld id="{AE551F73-05F3-476B-AE1A-8A449826A4FF}" type="datetimeFigureOut">
               <a:rPr lang="en-US" smtClean="0"/>
-              <a:t>2/12/2023</a:t>
+              <a:t>2/17/2023</a:t>
             </a:fld>
             <a:endParaRPr lang="en-US"/>
           </a:p>
@@ -476,7 +475,7 @@
           <a:p>
             <a:fld id="{AE551F73-05F3-476B-AE1A-8A449826A4FF}" type="datetimeFigureOut">
               <a:rPr lang="en-US" smtClean="0"/>
-              <a:t>2/12/2023</a:t>
+              <a:t>2/17/2023</a:t>
             </a:fld>
             <a:endParaRPr lang="en-US"/>
           </a:p>
@@ -684,7 +683,7 @@
           <a:p>
             <a:fld id="{AE551F73-05F3-476B-AE1A-8A449826A4FF}" type="datetimeFigureOut">
               <a:rPr lang="en-US" smtClean="0"/>
-              <a:t>2/12/2023</a:t>
+              <a:t>2/17/2023</a:t>
             </a:fld>
             <a:endParaRPr lang="en-US"/>
           </a:p>
@@ -882,7 +881,7 @@
           <a:p>
             <a:fld id="{AE551F73-05F3-476B-AE1A-8A449826A4FF}" type="datetimeFigureOut">
               <a:rPr lang="en-US" smtClean="0"/>
-              <a:t>2/12/2023</a:t>
+              <a:t>2/17/2023</a:t>
             </a:fld>
             <a:endParaRPr lang="en-US"/>
           </a:p>
@@ -1157,7 +1156,7 @@
           <a:p>
             <a:fld id="{AE551F73-05F3-476B-AE1A-8A449826A4FF}" type="datetimeFigureOut">
               <a:rPr lang="en-US" smtClean="0"/>
-              <a:t>2/12/2023</a:t>
+              <a:t>2/17/2023</a:t>
             </a:fld>
             <a:endParaRPr lang="en-US"/>
           </a:p>
@@ -1422,7 +1421,7 @@
           <a:p>
             <a:fld id="{AE551F73-05F3-476B-AE1A-8A449826A4FF}" type="datetimeFigureOut">
               <a:rPr lang="en-US" smtClean="0"/>
-              <a:t>2/12/2023</a:t>
+              <a:t>2/17/2023</a:t>
             </a:fld>
             <a:endParaRPr lang="en-US"/>
           </a:p>
@@ -1834,7 +1833,7 @@
           <a:p>
             <a:fld id="{AE551F73-05F3-476B-AE1A-8A449826A4FF}" type="datetimeFigureOut">
               <a:rPr lang="en-US" smtClean="0"/>
-              <a:t>2/12/2023</a:t>
+              <a:t>2/17/2023</a:t>
             </a:fld>
             <a:endParaRPr lang="en-US"/>
           </a:p>
@@ -1975,7 +1974,7 @@
           <a:p>
             <a:fld id="{AE551F73-05F3-476B-AE1A-8A449826A4FF}" type="datetimeFigureOut">
               <a:rPr lang="en-US" smtClean="0"/>
-              <a:t>2/12/2023</a:t>
+              <a:t>2/17/2023</a:t>
             </a:fld>
             <a:endParaRPr lang="en-US"/>
           </a:p>
@@ -2088,7 +2087,7 @@
           <a:p>
             <a:fld id="{AE551F73-05F3-476B-AE1A-8A449826A4FF}" type="datetimeFigureOut">
               <a:rPr lang="en-US" smtClean="0"/>
-              <a:t>2/12/2023</a:t>
+              <a:t>2/17/2023</a:t>
             </a:fld>
             <a:endParaRPr lang="en-US"/>
           </a:p>
@@ -2399,7 +2398,7 @@
           <a:p>
             <a:fld id="{AE551F73-05F3-476B-AE1A-8A449826A4FF}" type="datetimeFigureOut">
               <a:rPr lang="en-US" smtClean="0"/>
-              <a:t>2/12/2023</a:t>
+              <a:t>2/17/2023</a:t>
             </a:fld>
             <a:endParaRPr lang="en-US"/>
           </a:p>
@@ -2687,7 +2686,7 @@
           <a:p>
             <a:fld id="{AE551F73-05F3-476B-AE1A-8A449826A4FF}" type="datetimeFigureOut">
               <a:rPr lang="en-US" smtClean="0"/>
-              <a:t>2/12/2023</a:t>
+              <a:t>2/17/2023</a:t>
             </a:fld>
             <a:endParaRPr lang="en-US"/>
           </a:p>
@@ -2928,7 +2927,7 @@
           <a:p>
             <a:fld id="{AE551F73-05F3-476B-AE1A-8A449826A4FF}" type="datetimeFigureOut">
               <a:rPr lang="en-US" smtClean="0"/>
-              <a:t>2/12/2023</a:t>
+              <a:t>2/17/2023</a:t>
             </a:fld>
             <a:endParaRPr lang="en-US"/>
           </a:p>
@@ -3966,6 +3965,41 @@
           </a:p>
         </p:txBody>
       </p:sp>
+      <p:sp>
+        <p:nvSpPr>
+          <p:cNvPr id="5" name="TextBox 4">
+            <a:extLst>
+              <a:ext uri="{FF2B5EF4-FFF2-40B4-BE49-F238E27FC236}">
+                <a16:creationId xmlns:a16="http://schemas.microsoft.com/office/drawing/2014/main" id="{2EAFB8D5-7770-A201-0B1D-6DEC801D3644}"/>
+              </a:ext>
+            </a:extLst>
+          </p:cNvPr>
+          <p:cNvSpPr txBox="1"/>
+          <p:nvPr/>
+        </p:nvSpPr>
+        <p:spPr>
+          <a:xfrm>
+            <a:off x="3048000" y="3248344"/>
+            <a:ext cx="6096000" cy="369332"/>
+          </a:xfrm>
+          <a:prstGeom prst="rect">
+            <a:avLst/>
+          </a:prstGeom>
+          <a:noFill/>
+        </p:spPr>
+        <p:txBody>
+          <a:bodyPr wrap="square">
+            <a:spAutoFit/>
+          </a:bodyPr>
+          <a:lstStyle/>
+          <a:p>
+            <a:r>
+              <a:rPr lang="en-US" dirty="0"/>
+              <a:t>https://en.wikipedia.org/wiki/Isolated_ground#p-lang-btn</a:t>
+            </a:r>
+          </a:p>
+        </p:txBody>
+      </p:sp>
     </p:spTree>
     <p:extLst>
       <p:ext uri="{BB962C8B-B14F-4D97-AF65-F5344CB8AC3E}">
@@ -4258,7 +4292,7 @@
           <p:cNvPr id="2" name="Title 1">
             <a:extLst>
               <a:ext uri="{FF2B5EF4-FFF2-40B4-BE49-F238E27FC236}">
-                <a16:creationId xmlns:a16="http://schemas.microsoft.com/office/drawing/2014/main" id="{EBC5EF4D-1712-BEA8-1597-7CD750E4E759}"/>
+                <a16:creationId xmlns:a16="http://schemas.microsoft.com/office/drawing/2014/main" id="{F71B561A-13AC-C492-B6A7-FB325F6DC675}"/>
               </a:ext>
             </a:extLst>
           </p:cNvPr>
@@ -4282,8 +4316,8 @@
           <a:lstStyle/>
           <a:p>
             <a:r>
-              <a:rPr lang="en-US" sz="4000"/>
-              <a:t>Attention is all you need</a:t>
+              <a:rPr lang="en-US" sz="4000" dirty="0"/>
+              <a:t>Not all inputs are equal</a:t>
             </a:r>
           </a:p>
         </p:txBody>
@@ -4361,7 +4395,7 @@
           <p:cNvPr id="3" name="Content Placeholder 2">
             <a:extLst>
               <a:ext uri="{FF2B5EF4-FFF2-40B4-BE49-F238E27FC236}">
-                <a16:creationId xmlns:a16="http://schemas.microsoft.com/office/drawing/2014/main" id="{D4CF7761-D07D-A8EB-D66E-9171A48AA515}"/>
+                <a16:creationId xmlns:a16="http://schemas.microsoft.com/office/drawing/2014/main" id="{F14AFE79-3A67-B0D0-071D-AA85D1E64F26}"/>
               </a:ext>
             </a:extLst>
           </p:cNvPr>
@@ -4385,19 +4419,479 @@
           <a:lstStyle/>
           <a:p>
             <a:r>
-              <a:rPr lang="en-US" sz="2200"/>
+              <a:rPr lang="en-US" sz="2200" dirty="0"/>
+              <a:t>The point is to apply weights to the inputs</a:t>
+            </a:r>
+          </a:p>
+          <a:p>
+            <a:r>
+              <a:rPr lang="en-US" sz="2200" dirty="0"/>
+              <a:t>In </a:t>
+            </a:r>
+            <a:r>
+              <a:rPr lang="en-US" sz="2200" b="0" i="1" dirty="0">
+                <a:effectLst/>
+              </a:rPr>
+              <a:t>2016: Neural Machine Translation by Jointly Learning to Align and Translate</a:t>
+            </a:r>
+            <a:r>
+              <a:rPr lang="en-US" sz="2200" b="0" i="0" dirty="0">
+                <a:effectLst/>
+              </a:rPr>
+              <a:t>, </a:t>
+            </a:r>
+            <a:r>
+              <a:rPr lang="en-US" sz="2200" dirty="0"/>
+              <a:t>the weighting coefficients were found using a single-layer, feed-forward network that was co-trained with the rest of the model</a:t>
+            </a:r>
+          </a:p>
+          <a:p>
+            <a:r>
+              <a:rPr lang="en-US" sz="2200" dirty="0"/>
+              <a:t>In practice this worked well, but problematic due to being a memory / computation hog</a:t>
+            </a:r>
+          </a:p>
+        </p:txBody>
+      </p:sp>
+    </p:spTree>
+    <p:extLst>
+      <p:ext uri="{BB962C8B-B14F-4D97-AF65-F5344CB8AC3E}">
+        <p14:creationId xmlns:p14="http://schemas.microsoft.com/office/powerpoint/2010/main" val="335513003"/>
+      </p:ext>
+    </p:extLst>
+  </p:cSld>
+  <p:clrMapOvr>
+    <a:masterClrMapping/>
+  </p:clrMapOvr>
+</p:sld>
+</file>
+
+<file path=ppt/slides/slide11.xml><?xml version="1.0" encoding="utf-8"?>
+<p:sld xmlns:a="http://schemas.openxmlformats.org/drawingml/2006/main" xmlns:r="http://schemas.openxmlformats.org/officeDocument/2006/relationships" xmlns:p="http://schemas.openxmlformats.org/presentationml/2006/main">
+  <p:cSld>
+    <p:bg>
+      <p:bgPr>
+        <a:solidFill>
+          <a:schemeClr val="bg1"/>
+        </a:solidFill>
+        <a:effectLst/>
+      </p:bgPr>
+    </p:bg>
+    <p:spTree>
+      <p:nvGrpSpPr>
+        <p:cNvPr id="1" name=""/>
+        <p:cNvGrpSpPr/>
+        <p:nvPr/>
+      </p:nvGrpSpPr>
+      <p:grpSpPr>
+        <a:xfrm>
+          <a:off x="0" y="0"/>
+          <a:ext cx="0" cy="0"/>
+          <a:chOff x="0" y="0"/>
+          <a:chExt cx="0" cy="0"/>
+        </a:xfrm>
+      </p:grpSpPr>
+      <p:sp useBgFill="1">
+        <p:nvSpPr>
+          <p:cNvPr id="8" name="Rectangle 7">
+            <a:extLst>
+              <a:ext uri="{FF2B5EF4-FFF2-40B4-BE49-F238E27FC236}">
+                <a16:creationId xmlns:a16="http://schemas.microsoft.com/office/drawing/2014/main" id="{DAF1966E-FD40-4A4A-B61B-C4DF7FA05F06}"/>
+              </a:ext>
+              <a:ext uri="{C183D7F6-B498-43B3-948B-1728B52AA6E4}">
+                <adec:decorative xmlns:adec="http://schemas.microsoft.com/office/drawing/2017/decorative" val="1"/>
+              </a:ext>
+            </a:extLst>
+          </p:cNvPr>
+          <p:cNvSpPr>
+            <a:spLocks noGrp="1" noRot="1" noChangeAspect="1" noMove="1" noResize="1" noEditPoints="1" noAdjustHandles="1" noChangeArrowheads="1" noChangeShapeType="1" noTextEdit="1"/>
+          </p:cNvSpPr>
+          <p:nvPr>
+            <p:extLst>
+              <p:ext uri="{386F3935-93C4-4BCD-93E2-E3B085C9AB24}">
+                <p16:designElem xmlns:p16="http://schemas.microsoft.com/office/powerpoint/2015/main" val="1"/>
+              </p:ext>
+            </p:extLst>
+          </p:nvPr>
+        </p:nvSpPr>
+        <p:spPr>
+          <a:xfrm>
+            <a:off x="0" y="0"/>
+            <a:ext cx="12192000" cy="6858000"/>
+          </a:xfrm>
+          <a:prstGeom prst="rect">
+            <a:avLst/>
+          </a:prstGeom>
+          <a:ln>
+            <a:noFill/>
+          </a:ln>
+        </p:spPr>
+        <p:style>
+          <a:lnRef idx="2">
+            <a:schemeClr val="accent1">
+              <a:shade val="50000"/>
+            </a:schemeClr>
+          </a:lnRef>
+          <a:fillRef idx="1">
+            <a:schemeClr val="accent1"/>
+          </a:fillRef>
+          <a:effectRef idx="0">
+            <a:schemeClr val="accent1"/>
+          </a:effectRef>
+          <a:fontRef idx="minor">
+            <a:schemeClr val="lt1"/>
+          </a:fontRef>
+        </p:style>
+        <p:txBody>
+          <a:bodyPr rtlCol="0" anchor="ctr"/>
+          <a:lstStyle/>
+          <a:p>
+            <a:pPr algn="ctr"/>
+            <a:endParaRPr lang="en-US"/>
+          </a:p>
+        </p:txBody>
+      </p:sp>
+      <p:sp useBgFill="1">
+        <p:nvSpPr>
+          <p:cNvPr id="10" name="Rectangle 9">
+            <a:extLst>
+              <a:ext uri="{FF2B5EF4-FFF2-40B4-BE49-F238E27FC236}">
+                <a16:creationId xmlns:a16="http://schemas.microsoft.com/office/drawing/2014/main" id="{047BFA19-D45E-416B-A404-7AF2F3F27017}"/>
+              </a:ext>
+              <a:ext uri="{C183D7F6-B498-43B3-948B-1728B52AA6E4}">
+                <adec:decorative xmlns:adec="http://schemas.microsoft.com/office/drawing/2017/decorative" val="1"/>
+              </a:ext>
+            </a:extLst>
+          </p:cNvPr>
+          <p:cNvSpPr>
+            <a:spLocks noGrp="1" noRot="1" noChangeAspect="1" noMove="1" noResize="1" noEditPoints="1" noAdjustHandles="1" noChangeArrowheads="1" noChangeShapeType="1" noTextEdit="1"/>
+          </p:cNvSpPr>
+          <p:nvPr>
+            <p:extLst>
+              <p:ext uri="{386F3935-93C4-4BCD-93E2-E3B085C9AB24}">
+                <p16:designElem xmlns:p16="http://schemas.microsoft.com/office/powerpoint/2015/main" val="1"/>
+              </p:ext>
+            </p:extLst>
+          </p:nvPr>
+        </p:nvSpPr>
+        <p:spPr>
+          <a:xfrm>
+            <a:off x="558209" y="0"/>
+            <a:ext cx="11167447" cy="2018806"/>
+          </a:xfrm>
+          <a:prstGeom prst="rect">
+            <a:avLst/>
+          </a:prstGeom>
+          <a:ln w="9525">
+            <a:solidFill>
+              <a:srgbClr val="E1E1E1"/>
+            </a:solidFill>
+          </a:ln>
+          <a:effectLst>
+            <a:outerShdw blurRad="50800" dist="38100" dir="2700000" algn="tl" rotWithShape="0">
+              <a:schemeClr val="bg1">
+                <a:lumMod val="85000"/>
+                <a:alpha val="50000"/>
+              </a:schemeClr>
+            </a:outerShdw>
+          </a:effectLst>
+        </p:spPr>
+        <p:style>
+          <a:lnRef idx="2">
+            <a:schemeClr val="accent1">
+              <a:shade val="50000"/>
+            </a:schemeClr>
+          </a:lnRef>
+          <a:fillRef idx="1">
+            <a:schemeClr val="accent1"/>
+          </a:fillRef>
+          <a:effectRef idx="0">
+            <a:schemeClr val="accent1"/>
+          </a:effectRef>
+          <a:fontRef idx="minor">
+            <a:schemeClr val="lt1"/>
+          </a:fontRef>
+        </p:style>
+        <p:txBody>
+          <a:bodyPr rtlCol="0" anchor="ctr"/>
+          <a:lstStyle/>
+          <a:p>
+            <a:pPr marL="0" marR="0" lvl="0" indent="0" algn="ctr" defTabSz="914400" rtl="0" eaLnBrk="1" fontAlgn="auto" latinLnBrk="0" hangingPunct="1">
+              <a:lnSpc>
+                <a:spcPct val="100000"/>
+              </a:lnSpc>
+              <a:spcBef>
+                <a:spcPts val="0"/>
+              </a:spcBef>
+              <a:spcAft>
+                <a:spcPts val="0"/>
+              </a:spcAft>
+              <a:buClrTx/>
+              <a:buSzTx/>
+              <a:buFontTx/>
+              <a:buNone/>
+              <a:tabLst/>
+              <a:defRPr/>
+            </a:pPr>
+            <a:endParaRPr kumimoji="0" lang="en-US" sz="1800" b="0" i="0" u="none" strike="noStrike" kern="1200" cap="none" spc="0" normalizeH="0" baseline="0" noProof="0">
+              <a:ln>
+                <a:noFill/>
+              </a:ln>
+              <a:solidFill>
+                <a:prstClr val="white"/>
+              </a:solidFill>
+              <a:effectLst/>
+              <a:uLnTx/>
+              <a:uFillTx/>
+              <a:latin typeface="Calibri" panose="020F0502020204030204"/>
+              <a:ea typeface="+mn-ea"/>
+              <a:cs typeface="+mn-cs"/>
+            </a:endParaRPr>
+          </a:p>
+        </p:txBody>
+      </p:sp>
+      <p:sp useBgFill="1">
+        <p:nvSpPr>
+          <p:cNvPr id="12" name="Rectangle 11">
+            <a:extLst>
+              <a:ext uri="{FF2B5EF4-FFF2-40B4-BE49-F238E27FC236}">
+                <a16:creationId xmlns:a16="http://schemas.microsoft.com/office/drawing/2014/main" id="{8E0105E7-23DB-4CF2-8258-FF47C7620F6E}"/>
+              </a:ext>
+              <a:ext uri="{C183D7F6-B498-43B3-948B-1728B52AA6E4}">
+                <adec:decorative xmlns:adec="http://schemas.microsoft.com/office/drawing/2017/decorative" val="1"/>
+              </a:ext>
+            </a:extLst>
+          </p:cNvPr>
+          <p:cNvSpPr>
+            <a:spLocks noGrp="1" noRot="1" noChangeAspect="1" noMove="1" noResize="1" noEditPoints="1" noAdjustHandles="1" noChangeArrowheads="1" noChangeShapeType="1" noTextEdit="1"/>
+          </p:cNvSpPr>
+          <p:nvPr>
+            <p:extLst>
+              <p:ext uri="{386F3935-93C4-4BCD-93E2-E3B085C9AB24}">
+                <p16:designElem xmlns:p16="http://schemas.microsoft.com/office/powerpoint/2015/main" val="1"/>
+              </p:ext>
+            </p:extLst>
+          </p:nvPr>
+        </p:nvSpPr>
+        <p:spPr>
+          <a:xfrm>
+            <a:off x="566928" y="0"/>
+            <a:ext cx="11155680" cy="2011680"/>
+          </a:xfrm>
+          <a:prstGeom prst="rect">
+            <a:avLst/>
+          </a:prstGeom>
+          <a:ln w="9525">
+            <a:noFill/>
+          </a:ln>
+          <a:effectLst/>
+        </p:spPr>
+        <p:style>
+          <a:lnRef idx="2">
+            <a:schemeClr val="accent1">
+              <a:shade val="50000"/>
+            </a:schemeClr>
+          </a:lnRef>
+          <a:fillRef idx="1">
+            <a:schemeClr val="accent1"/>
+          </a:fillRef>
+          <a:effectRef idx="0">
+            <a:schemeClr val="accent1"/>
+          </a:effectRef>
+          <a:fontRef idx="minor">
+            <a:schemeClr val="lt1"/>
+          </a:fontRef>
+        </p:style>
+        <p:txBody>
+          <a:bodyPr rtlCol="0" anchor="ctr"/>
+          <a:lstStyle/>
+          <a:p>
+            <a:pPr marL="0" marR="0" lvl="0" indent="0" algn="ctr" defTabSz="914400" rtl="0" eaLnBrk="1" fontAlgn="auto" latinLnBrk="0" hangingPunct="1">
+              <a:lnSpc>
+                <a:spcPct val="100000"/>
+              </a:lnSpc>
+              <a:spcBef>
+                <a:spcPts val="0"/>
+              </a:spcBef>
+              <a:spcAft>
+                <a:spcPts val="0"/>
+              </a:spcAft>
+              <a:buClrTx/>
+              <a:buSzTx/>
+              <a:buFontTx/>
+              <a:buNone/>
+              <a:tabLst/>
+              <a:defRPr/>
+            </a:pPr>
+            <a:endParaRPr kumimoji="0" lang="en-US" sz="1800" b="0" i="0" u="none" strike="noStrike" kern="1200" cap="none" spc="0" normalizeH="0" baseline="0" noProof="0">
+              <a:ln>
+                <a:noFill/>
+              </a:ln>
+              <a:solidFill>
+                <a:prstClr val="white"/>
+              </a:solidFill>
+              <a:effectLst/>
+              <a:uLnTx/>
+              <a:uFillTx/>
+              <a:latin typeface="Calibri" panose="020F0502020204030204"/>
+              <a:ea typeface="+mn-ea"/>
+              <a:cs typeface="+mn-cs"/>
+            </a:endParaRPr>
+          </a:p>
+        </p:txBody>
+      </p:sp>
+      <p:sp>
+        <p:nvSpPr>
+          <p:cNvPr id="2" name="Title 1">
+            <a:extLst>
+              <a:ext uri="{FF2B5EF4-FFF2-40B4-BE49-F238E27FC236}">
+                <a16:creationId xmlns:a16="http://schemas.microsoft.com/office/drawing/2014/main" id="{EBC5EF4D-1712-BEA8-1597-7CD750E4E759}"/>
+              </a:ext>
+            </a:extLst>
+          </p:cNvPr>
+          <p:cNvSpPr>
+            <a:spLocks noGrp="1"/>
+          </p:cNvSpPr>
+          <p:nvPr>
+            <p:ph type="title"/>
+          </p:nvPr>
+        </p:nvSpPr>
+        <p:spPr>
+          <a:xfrm>
+            <a:off x="1115568" y="548640"/>
+            <a:ext cx="10168128" cy="1179576"/>
+          </a:xfrm>
+        </p:spPr>
+        <p:txBody>
+          <a:bodyPr>
+            <a:normAutofit/>
+          </a:bodyPr>
+          <a:lstStyle/>
+          <a:p>
+            <a:r>
+              <a:rPr lang="en-US" sz="4000"/>
+              <a:t>Attention is all you need</a:t>
+            </a:r>
+          </a:p>
+        </p:txBody>
+      </p:sp>
+      <p:sp>
+        <p:nvSpPr>
+          <p:cNvPr id="14" name="Rectangle 13">
+            <a:extLst>
+              <a:ext uri="{FF2B5EF4-FFF2-40B4-BE49-F238E27FC236}">
+                <a16:creationId xmlns:a16="http://schemas.microsoft.com/office/drawing/2014/main" id="{074B4F7D-14B2-478B-8BF5-01E4E0C5D263}"/>
+              </a:ext>
+              <a:ext uri="{C183D7F6-B498-43B3-948B-1728B52AA6E4}">
+                <adec:decorative xmlns:adec="http://schemas.microsoft.com/office/drawing/2017/decorative" val="1"/>
+              </a:ext>
+            </a:extLst>
+          </p:cNvPr>
+          <p:cNvSpPr>
+            <a:spLocks noGrp="1" noRot="1" noChangeAspect="1" noMove="1" noResize="1" noEditPoints="1" noAdjustHandles="1" noChangeArrowheads="1" noChangeShapeType="1" noTextEdit="1"/>
+          </p:cNvSpPr>
+          <p:nvPr>
+            <p:extLst>
+              <p:ext uri="{386F3935-93C4-4BCD-93E2-E3B085C9AB24}">
+                <p16:designElem xmlns:p16="http://schemas.microsoft.com/office/powerpoint/2015/main" val="1"/>
+              </p:ext>
+            </p:extLst>
+          </p:nvPr>
+        </p:nvSpPr>
+        <p:spPr>
+          <a:xfrm>
+            <a:off x="498834" y="758952"/>
+            <a:ext cx="128016" cy="704088"/>
+          </a:xfrm>
+          <a:prstGeom prst="rect">
+            <a:avLst/>
+          </a:prstGeom>
+          <a:solidFill>
+            <a:schemeClr val="accent2"/>
+          </a:solidFill>
+          <a:ln>
+            <a:noFill/>
+          </a:ln>
+        </p:spPr>
+        <p:style>
+          <a:lnRef idx="2">
+            <a:schemeClr val="accent1">
+              <a:shade val="50000"/>
+            </a:schemeClr>
+          </a:lnRef>
+          <a:fillRef idx="1">
+            <a:schemeClr val="accent1"/>
+          </a:fillRef>
+          <a:effectRef idx="0">
+            <a:schemeClr val="accent1"/>
+          </a:effectRef>
+          <a:fontRef idx="minor">
+            <a:schemeClr val="lt1"/>
+          </a:fontRef>
+        </p:style>
+        <p:txBody>
+          <a:bodyPr rtlCol="0" anchor="ctr"/>
+          <a:lstStyle/>
+          <a:p>
+            <a:pPr algn="ctr"/>
+            <a:endParaRPr lang="en-US">
+              <a:solidFill>
+                <a:prstClr val="white"/>
+              </a:solidFill>
+              <a:latin typeface="Calibri" panose="020F0502020204030204"/>
+            </a:endParaRPr>
+          </a:p>
+        </p:txBody>
+      </p:sp>
+      <p:sp>
+        <p:nvSpPr>
+          <p:cNvPr id="3" name="Content Placeholder 2">
+            <a:extLst>
+              <a:ext uri="{FF2B5EF4-FFF2-40B4-BE49-F238E27FC236}">
+                <a16:creationId xmlns:a16="http://schemas.microsoft.com/office/drawing/2014/main" id="{D4CF7761-D07D-A8EB-D66E-9171A48AA515}"/>
+              </a:ext>
+            </a:extLst>
+          </p:cNvPr>
+          <p:cNvSpPr>
+            <a:spLocks noGrp="1"/>
+          </p:cNvSpPr>
+          <p:nvPr>
+            <p:ph idx="1"/>
+          </p:nvPr>
+        </p:nvSpPr>
+        <p:spPr>
+          <a:xfrm>
+            <a:off x="1115568" y="2481943"/>
+            <a:ext cx="10168128" cy="3695020"/>
+          </a:xfrm>
+        </p:spPr>
+        <p:txBody>
+          <a:bodyPr>
+            <a:normAutofit/>
+          </a:bodyPr>
+          <a:lstStyle/>
+          <a:p>
+            <a:r>
+              <a:rPr lang="en-US" sz="2200" dirty="0"/>
               <a:t>In 2017 a paper was released by Google showing that attention was powerful enough, and that one could dispense with RNNs and CNNs altogether,</a:t>
             </a:r>
           </a:p>
           <a:p>
             <a:r>
-              <a:rPr lang="en-US" sz="2200"/>
+              <a:rPr lang="en-US" sz="2200" dirty="0"/>
               <a:t>The fundamental idea is that if the embedding is done well enough, then the simple dot product is good enough to produce a similarity metric between elements of the input sequence</a:t>
             </a:r>
           </a:p>
           <a:p>
-            <a:r>
-              <a:rPr lang="en-US" sz="2200"/>
+            <a:pPr lvl="1"/>
+            <a:r>
+              <a:rPr lang="en-US" sz="1800" dirty="0"/>
+              <a:t>How?</a:t>
+            </a:r>
+          </a:p>
+          <a:p>
+            <a:r>
+              <a:rPr lang="en-US" sz="2200" dirty="0"/>
               <a:t>Highly parallelizable over RNNs, greatly reduced footprint over CNNs</a:t>
             </a:r>
           </a:p>
@@ -4416,7 +4910,7 @@
 </p:sld>
 </file>
 
-<file path=ppt/slides/slide11.xml><?xml version="1.0" encoding="utf-8"?>
+<file path=ppt/slides/slide12.xml><?xml version="1.0" encoding="utf-8"?>
 <p:sld xmlns:a="http://schemas.openxmlformats.org/drawingml/2006/main" xmlns:r="http://schemas.openxmlformats.org/officeDocument/2006/relationships" xmlns:p="http://schemas.openxmlformats.org/presentationml/2006/main">
   <p:cSld>
     <p:bg>
@@ -5395,18 +5889,26 @@
           <a:lstStyle/>
           <a:p>
             <a:r>
-              <a:rPr lang="en-US" sz="2400"/>
-              <a:t>Note the weight matrix</a:t>
-            </a:r>
-          </a:p>
-          <a:p>
-            <a:r>
-              <a:rPr lang="en-US" sz="2400"/>
-              <a:t>In the most basic implementation, the weight matrix doesn’t even have to be learned (but will be partially so later)</a:t>
-            </a:r>
-          </a:p>
-          <a:p>
-            <a:endParaRPr lang="en-US" sz="2400"/>
+              <a:rPr lang="en-US" sz="2400" dirty="0"/>
+              <a:t>Note the weight matrix, </a:t>
+            </a:r>
+            <a:r>
+              <a:rPr lang="en-US" sz="2400" i="1" dirty="0"/>
+              <a:t>w</a:t>
+            </a:r>
+            <a:r>
+              <a:rPr lang="en-US" sz="2400" dirty="0"/>
+              <a:t>. This is used instead of a neural network for weighting.</a:t>
+            </a:r>
+          </a:p>
+          <a:p>
+            <a:r>
+              <a:rPr lang="en-US" sz="2400" dirty="0"/>
+              <a:t>In the most basic implementation, the weight matrix doesn’t even have to be learned (but is)</a:t>
+            </a:r>
+          </a:p>
+          <a:p>
+            <a:endParaRPr lang="en-US" sz="2400" dirty="0"/>
           </a:p>
         </p:txBody>
       </p:sp>
@@ -5469,7 +5971,7 @@
 </p:sld>
 </file>
 
-<file path=ppt/slides/slide12.xml><?xml version="1.0" encoding="utf-8"?>
+<file path=ppt/slides/slide13.xml><?xml version="1.0" encoding="utf-8"?>
 <p:sld xmlns:a="http://schemas.openxmlformats.org/drawingml/2006/main" xmlns:r="http://schemas.openxmlformats.org/officeDocument/2006/relationships" xmlns:p="http://schemas.openxmlformats.org/presentationml/2006/main">
   <p:cSld>
     <p:spTree>
@@ -5545,13 +6047,13 @@
         </p:spPr>
         <p:txBody>
           <a:bodyPr anchor="ctr">
-            <a:normAutofit fontScale="92500" lnSpcReduction="20000"/>
+            <a:normAutofit fontScale="85000" lnSpcReduction="20000"/>
           </a:bodyPr>
           <a:lstStyle/>
           <a:p>
             <a:r>
               <a:rPr lang="en-US" sz="2200" dirty="0"/>
-              <a:t>Each embedding vector is dotted with all others to produce </a:t>
+              <a:t>Each embedding vector is dotted with all others, this finds similarity </a:t>
             </a:r>
           </a:p>
           <a:p>
@@ -5690,162 +6192,6 @@
     <p:extLst>
       <p:ext uri="{BB962C8B-B14F-4D97-AF65-F5344CB8AC3E}">
         <p14:creationId xmlns:p14="http://schemas.microsoft.com/office/powerpoint/2010/main" val="138751981"/>
-      </p:ext>
-    </p:extLst>
-  </p:cSld>
-  <p:clrMapOvr>
-    <a:masterClrMapping/>
-  </p:clrMapOvr>
-</p:sld>
-</file>
-
-<file path=ppt/slides/slide13.xml><?xml version="1.0" encoding="utf-8"?>
-<p:sld xmlns:a="http://schemas.openxmlformats.org/drawingml/2006/main" xmlns:r="http://schemas.openxmlformats.org/officeDocument/2006/relationships" xmlns:p="http://schemas.openxmlformats.org/presentationml/2006/main">
-  <p:cSld>
-    <p:bg>
-      <p:bgPr>
-        <a:solidFill>
-          <a:schemeClr val="bg1"/>
-        </a:solidFill>
-        <a:effectLst/>
-      </p:bgPr>
-    </p:bg>
-    <p:spTree>
-      <p:nvGrpSpPr>
-        <p:cNvPr id="1" name=""/>
-        <p:cNvGrpSpPr/>
-        <p:nvPr/>
-      </p:nvGrpSpPr>
-      <p:grpSpPr>
-        <a:xfrm>
-          <a:off x="0" y="0"/>
-          <a:ext cx="0" cy="0"/>
-          <a:chOff x="0" y="0"/>
-          <a:chExt cx="0" cy="0"/>
-        </a:xfrm>
-      </p:grpSpPr>
-      <p:sp>
-        <p:nvSpPr>
-          <p:cNvPr id="2" name="Title 1">
-            <a:extLst>
-              <a:ext uri="{FF2B5EF4-FFF2-40B4-BE49-F238E27FC236}">
-                <a16:creationId xmlns:a16="http://schemas.microsoft.com/office/drawing/2014/main" id="{EBC5EF4D-1712-BEA8-1597-7CD750E4E759}"/>
-              </a:ext>
-            </a:extLst>
-          </p:cNvPr>
-          <p:cNvSpPr>
-            <a:spLocks noGrp="1"/>
-          </p:cNvSpPr>
-          <p:nvPr>
-            <p:ph type="title"/>
-          </p:nvPr>
-        </p:nvSpPr>
-        <p:spPr>
-          <a:xfrm>
-            <a:off x="1913468" y="365125"/>
-            <a:ext cx="9440332" cy="1325563"/>
-          </a:xfrm>
-        </p:spPr>
-        <p:txBody>
-          <a:bodyPr>
-            <a:normAutofit/>
-          </a:bodyPr>
-          <a:lstStyle/>
-          <a:p>
-            <a:r>
-              <a:rPr lang="en-US" sz="5400"/>
-              <a:t>The vectorized form</a:t>
-            </a:r>
-          </a:p>
-        </p:txBody>
-      </p:sp>
-      <p:pic>
-        <p:nvPicPr>
-          <p:cNvPr id="7" name="Picture 6">
-            <a:extLst>
-              <a:ext uri="{FF2B5EF4-FFF2-40B4-BE49-F238E27FC236}">
-                <a16:creationId xmlns:a16="http://schemas.microsoft.com/office/drawing/2014/main" id="{95C6C0D4-55DE-8259-9520-D1AA106D7170}"/>
-              </a:ext>
-            </a:extLst>
-          </p:cNvPr>
-          <p:cNvPicPr>
-            <a:picLocks noChangeAspect="1"/>
-          </p:cNvPicPr>
-          <p:nvPr/>
-        </p:nvPicPr>
-        <p:blipFill>
-          <a:blip r:embed="rId2"/>
-          <a:stretch>
-            <a:fillRect/>
-          </a:stretch>
-        </p:blipFill>
-        <p:spPr>
-          <a:xfrm>
-            <a:off x="838200" y="750000"/>
-            <a:ext cx="914400" cy="555812"/>
-          </a:xfrm>
-          <a:prstGeom prst="rect">
-            <a:avLst/>
-          </a:prstGeom>
-        </p:spPr>
-      </p:pic>
-      <p:sp>
-        <p:nvSpPr>
-          <p:cNvPr id="3" name="Content Placeholder 2">
-            <a:extLst>
-              <a:ext uri="{FF2B5EF4-FFF2-40B4-BE49-F238E27FC236}">
-                <a16:creationId xmlns:a16="http://schemas.microsoft.com/office/drawing/2014/main" id="{D4CF7761-D07D-A8EB-D66E-9171A48AA515}"/>
-              </a:ext>
-            </a:extLst>
-          </p:cNvPr>
-          <p:cNvSpPr>
-            <a:spLocks noGrp="1"/>
-          </p:cNvSpPr>
-          <p:nvPr>
-            <p:ph idx="1"/>
-          </p:nvPr>
-        </p:nvSpPr>
-        <p:spPr>
-          <a:xfrm>
-            <a:off x="838200" y="1825625"/>
-            <a:ext cx="10515600" cy="4351338"/>
-          </a:xfrm>
-        </p:spPr>
-        <p:txBody>
-          <a:bodyPr>
-            <a:normAutofit/>
-          </a:bodyPr>
-          <a:lstStyle/>
-          <a:p>
-            <a:r>
-              <a:rPr lang="en-US"/>
-              <a:t>The input vectors can be used to form a single matrix, call it X.</a:t>
-            </a:r>
-          </a:p>
-          <a:p>
-            <a:r>
-              <a:rPr lang="en-US"/>
-              <a:t>Then the weight matrix, W’, can be formed by</a:t>
-            </a:r>
-          </a:p>
-          <a:p>
-            <a:r>
-              <a:rPr lang="en-US"/>
-              <a:t>The resultant matrix can then have a row-wise softmax applied so that each input vector’s weighted input corresponds to a single row in the matrix. This becomes matrix W. </a:t>
-            </a:r>
-          </a:p>
-          <a:p>
-            <a:r>
-              <a:rPr lang="en-US"/>
-              <a:t>Then we simply multiply the weight matrix W by T to produce the result.</a:t>
-            </a:r>
-          </a:p>
-        </p:txBody>
-      </p:sp>
-    </p:spTree>
-    <p:extLst>
-      <p:ext uri="{BB962C8B-B14F-4D97-AF65-F5344CB8AC3E}">
-        <p14:creationId xmlns:p14="http://schemas.microsoft.com/office/powerpoint/2010/main" val="1404885254"/>
       </p:ext>
     </p:extLst>
   </p:cSld>
@@ -5882,10 +6228,10 @@
       </p:grpSpPr>
       <p:sp useBgFill="1">
         <p:nvSpPr>
-          <p:cNvPr id="17" name="Rectangle 16">
-            <a:extLst>
-              <a:ext uri="{FF2B5EF4-FFF2-40B4-BE49-F238E27FC236}">
-                <a16:creationId xmlns:a16="http://schemas.microsoft.com/office/drawing/2014/main" id="{0550F5B9-399F-4FAD-AE6C-ED65F9A43A74}"/>
+          <p:cNvPr id="24" name="Rectangle 23">
+            <a:extLst>
+              <a:ext uri="{FF2B5EF4-FFF2-40B4-BE49-F238E27FC236}">
+                <a16:creationId xmlns:a16="http://schemas.microsoft.com/office/drawing/2014/main" id="{D2854001-B4AF-4E18-9D2E-33E37F97A82D}"/>
               </a:ext>
               <a:ext uri="{C183D7F6-B498-43B3-948B-1728B52AA6E4}">
                 <adec:decorative xmlns:adec="http://schemas.microsoft.com/office/drawing/2017/decorative" val="1"/>
@@ -5940,12 +6286,47 @@
           </a:p>
         </p:txBody>
       </p:sp>
-      <p:sp useBgFill="1">
-        <p:nvSpPr>
-          <p:cNvPr id="19" name="Rectangle 18">
-            <a:extLst>
-              <a:ext uri="{FF2B5EF4-FFF2-40B4-BE49-F238E27FC236}">
-                <a16:creationId xmlns:a16="http://schemas.microsoft.com/office/drawing/2014/main" id="{C062E60F-5CD4-4268-8359-8076634680E5}"/>
+      <p:sp>
+        <p:nvSpPr>
+          <p:cNvPr id="2" name="Title 1">
+            <a:extLst>
+              <a:ext uri="{FF2B5EF4-FFF2-40B4-BE49-F238E27FC236}">
+                <a16:creationId xmlns:a16="http://schemas.microsoft.com/office/drawing/2014/main" id="{EBC5EF4D-1712-BEA8-1597-7CD750E4E759}"/>
+              </a:ext>
+            </a:extLst>
+          </p:cNvPr>
+          <p:cNvSpPr>
+            <a:spLocks noGrp="1"/>
+          </p:cNvSpPr>
+          <p:nvPr>
+            <p:ph type="title"/>
+          </p:nvPr>
+        </p:nvSpPr>
+        <p:spPr>
+          <a:xfrm>
+            <a:off x="612648" y="1078992"/>
+            <a:ext cx="6268770" cy="1536192"/>
+          </a:xfrm>
+        </p:spPr>
+        <p:txBody>
+          <a:bodyPr anchor="b">
+            <a:normAutofit/>
+          </a:bodyPr>
+          <a:lstStyle/>
+          <a:p>
+            <a:r>
+              <a:rPr lang="en-US" sz="5200"/>
+              <a:t>Some immediate problems</a:t>
+            </a:r>
+          </a:p>
+        </p:txBody>
+      </p:sp>
+      <p:sp>
+        <p:nvSpPr>
+          <p:cNvPr id="26" name="Rectangle 25">
+            <a:extLst>
+              <a:ext uri="{FF2B5EF4-FFF2-40B4-BE49-F238E27FC236}">
+                <a16:creationId xmlns:a16="http://schemas.microsoft.com/office/drawing/2014/main" id="{8AEA628B-C8FF-4D0B-B111-F101F580B15D}"/>
               </a:ext>
               <a:ext uri="{C183D7F6-B498-43B3-948B-1728B52AA6E4}">
                 <adec:decorative xmlns:adec="http://schemas.microsoft.com/office/drawing/2017/decorative" val="1"/>
@@ -5964,26 +6345,19 @@
           </p:nvPr>
         </p:nvSpPr>
         <p:spPr>
-          <a:xfrm>
-            <a:off x="554416" y="288350"/>
-            <a:ext cx="11167447" cy="2089317"/>
+          <a:xfrm rot="5400000">
+            <a:off x="853202" y="363389"/>
+            <a:ext cx="73152" cy="548640"/>
           </a:xfrm>
           <a:prstGeom prst="rect">
             <a:avLst/>
           </a:prstGeom>
-          <a:ln w="12700">
-            <a:solidFill>
-              <a:srgbClr val="DEDEDE"/>
-            </a:solidFill>
+          <a:solidFill>
+            <a:schemeClr val="accent2"/>
+          </a:solidFill>
+          <a:ln>
+            <a:noFill/>
           </a:ln>
-          <a:effectLst>
-            <a:outerShdw blurRad="50800" dist="38100" dir="2700000" algn="tl" rotWithShape="0">
-              <a:schemeClr val="bg2">
-                <a:lumMod val="85000"/>
-                <a:alpha val="50000"/>
-              </a:schemeClr>
-            </a:outerShdw>
-          </a:effectLst>
         </p:spPr>
         <p:style>
           <a:lnRef idx="2">
@@ -6041,45 +6415,10 @@
       </p:sp>
       <p:sp>
         <p:nvSpPr>
-          <p:cNvPr id="2" name="Title 1">
-            <a:extLst>
-              <a:ext uri="{FF2B5EF4-FFF2-40B4-BE49-F238E27FC236}">
-                <a16:creationId xmlns:a16="http://schemas.microsoft.com/office/drawing/2014/main" id="{05B462F1-C180-2283-7339-0B49070EFF39}"/>
-              </a:ext>
-            </a:extLst>
-          </p:cNvPr>
-          <p:cNvSpPr>
-            <a:spLocks noGrp="1"/>
-          </p:cNvSpPr>
-          <p:nvPr>
-            <p:ph type="title"/>
-          </p:nvPr>
-        </p:nvSpPr>
-        <p:spPr>
-          <a:xfrm>
-            <a:off x="841248" y="510047"/>
-            <a:ext cx="3300984" cy="1645920"/>
-          </a:xfrm>
-        </p:spPr>
-        <p:txBody>
-          <a:bodyPr>
-            <a:normAutofit/>
-          </a:bodyPr>
-          <a:lstStyle/>
-          <a:p>
-            <a:r>
-              <a:rPr lang="en-US" sz="2800"/>
-              <a:t>It looks like this</a:t>
-            </a:r>
-          </a:p>
-        </p:txBody>
-      </p:sp>
-      <p:sp>
-        <p:nvSpPr>
-          <p:cNvPr id="21" name="Rectangle 20">
-            <a:extLst>
-              <a:ext uri="{FF2B5EF4-FFF2-40B4-BE49-F238E27FC236}">
-                <a16:creationId xmlns:a16="http://schemas.microsoft.com/office/drawing/2014/main" id="{BB341EC3-1810-4D33-BA3F-E2D0AA0ECFB6}"/>
+          <p:cNvPr id="28" name="Rectangle 27">
+            <a:extLst>
+              <a:ext uri="{FF2B5EF4-FFF2-40B4-BE49-F238E27FC236}">
+                <a16:creationId xmlns:a16="http://schemas.microsoft.com/office/drawing/2014/main" id="{42663BD0-064C-40FC-A331-F49FCA9536AA}"/>
               </a:ext>
               <a:ext uri="{C183D7F6-B498-43B3-948B-1728B52AA6E4}">
                 <adec:decorative xmlns:adec="http://schemas.microsoft.com/office/drawing/2017/decorative" val="1"/>
@@ -6099,18 +6438,19 @@
         </p:nvSpPr>
         <p:spPr>
           <a:xfrm>
-            <a:off x="490408" y="980964"/>
-            <a:ext cx="128016" cy="704088"/>
+            <a:off x="618506" y="2935541"/>
+            <a:ext cx="6217920" cy="18288"/>
           </a:xfrm>
           <a:prstGeom prst="rect">
             <a:avLst/>
           </a:prstGeom>
           <a:solidFill>
-            <a:schemeClr val="accent2"/>
+            <a:srgbClr val="D5D5D5"/>
           </a:solidFill>
-          <a:ln>
+          <a:ln w="3175">
             <a:noFill/>
           </a:ln>
+          <a:effectLst/>
         </p:spPr>
         <p:style>
           <a:lnRef idx="2">
@@ -6132,139 +6472,22 @@
           <a:bodyPr rtlCol="0" anchor="ctr"/>
           <a:lstStyle/>
           <a:p>
-            <a:pPr marL="0" marR="0" lvl="0" indent="0" algn="ctr" defTabSz="914400" rtl="0" eaLnBrk="1" fontAlgn="auto" latinLnBrk="0" hangingPunct="1">
-              <a:lnSpc>
-                <a:spcPct val="100000"/>
-              </a:lnSpc>
-              <a:spcBef>
-                <a:spcPts val="0"/>
-              </a:spcBef>
-              <a:spcAft>
-                <a:spcPts val="0"/>
-              </a:spcAft>
-              <a:buClrTx/>
-              <a:buSzTx/>
-              <a:buFontTx/>
-              <a:buNone/>
-              <a:tabLst/>
-              <a:defRPr/>
-            </a:pPr>
-            <a:endParaRPr kumimoji="0" lang="en-US" sz="1800" b="0" i="0" u="none" strike="noStrike" kern="1200" cap="none" spc="0" normalizeH="0" baseline="0" noProof="0" dirty="0">
-              <a:ln>
-                <a:noFill/>
-              </a:ln>
+            <a:pPr algn="ctr"/>
+            <a:endParaRPr lang="en-US">
               <a:solidFill>
                 <a:prstClr val="white"/>
               </a:solidFill>
-              <a:effectLst/>
-              <a:uLnTx/>
-              <a:uFillTx/>
               <a:latin typeface="Calibri" panose="020F0502020204030204"/>
-              <a:ea typeface="+mn-ea"/>
-              <a:cs typeface="+mn-cs"/>
             </a:endParaRPr>
           </a:p>
         </p:txBody>
       </p:sp>
       <p:sp>
         <p:nvSpPr>
-          <p:cNvPr id="23" name="Rectangle 22">
-            <a:extLst>
-              <a:ext uri="{FF2B5EF4-FFF2-40B4-BE49-F238E27FC236}">
-                <a16:creationId xmlns:a16="http://schemas.microsoft.com/office/drawing/2014/main" id="{10127CDE-2B99-47A8-BB3C-7D17519105E0}"/>
-              </a:ext>
-              <a:ext uri="{C183D7F6-B498-43B3-948B-1728B52AA6E4}">
-                <adec:decorative xmlns:adec="http://schemas.microsoft.com/office/drawing/2017/decorative" val="1"/>
-              </a:ext>
-            </a:extLst>
-          </p:cNvPr>
-          <p:cNvSpPr>
-            <a:spLocks noGrp="1" noRot="1" noChangeAspect="1" noMove="1" noResize="1" noEditPoints="1" noAdjustHandles="1" noChangeArrowheads="1" noChangeShapeType="1" noTextEdit="1"/>
-          </p:cNvSpPr>
-          <p:nvPr>
-            <p:extLst>
-              <p:ext uri="{386F3935-93C4-4BCD-93E2-E3B085C9AB24}">
-                <p16:designElem xmlns:p16="http://schemas.microsoft.com/office/powerpoint/2015/main" val="1"/>
-              </p:ext>
-            </p:extLst>
-          </p:nvPr>
-        </p:nvSpPr>
-        <p:spPr>
-          <a:xfrm rot="5400000">
-            <a:off x="3610864" y="1323863"/>
-            <a:ext cx="1463040" cy="18288"/>
-          </a:xfrm>
-          <a:prstGeom prst="rect">
-            <a:avLst/>
-          </a:prstGeom>
-          <a:solidFill>
-            <a:srgbClr val="D5D5D5"/>
-          </a:solidFill>
-          <a:ln w="3175">
-            <a:noFill/>
-          </a:ln>
-          <a:effectLst/>
-        </p:spPr>
-        <p:style>
-          <a:lnRef idx="2">
-            <a:schemeClr val="accent1">
-              <a:shade val="50000"/>
-            </a:schemeClr>
-          </a:lnRef>
-          <a:fillRef idx="1">
-            <a:schemeClr val="accent1"/>
-          </a:fillRef>
-          <a:effectRef idx="0">
-            <a:schemeClr val="accent1"/>
-          </a:effectRef>
-          <a:fontRef idx="minor">
-            <a:schemeClr val="lt1"/>
-          </a:fontRef>
-        </p:style>
-        <p:txBody>
-          <a:bodyPr rtlCol="0" anchor="ctr"/>
-          <a:lstStyle/>
-          <a:p>
-            <a:pPr marL="0" marR="0" lvl="0" indent="0" algn="ctr" defTabSz="914400" rtl="0" eaLnBrk="1" fontAlgn="auto" latinLnBrk="0" hangingPunct="1">
-              <a:lnSpc>
-                <a:spcPct val="100000"/>
-              </a:lnSpc>
-              <a:spcBef>
-                <a:spcPts val="0"/>
-              </a:spcBef>
-              <a:spcAft>
-                <a:spcPts val="0"/>
-              </a:spcAft>
-              <a:buClrTx/>
-              <a:buSzTx/>
-              <a:buFontTx/>
-              <a:buNone/>
-              <a:tabLst/>
-              <a:defRPr/>
-            </a:pPr>
-            <a:endParaRPr kumimoji="0" lang="en-US" sz="1800" b="0" i="0" u="none" strike="noStrike" kern="1200" cap="none" spc="0" normalizeH="0" baseline="0" noProof="0">
-              <a:ln>
-                <a:noFill/>
-              </a:ln>
-              <a:solidFill>
-                <a:prstClr val="white"/>
-              </a:solidFill>
-              <a:effectLst/>
-              <a:uLnTx/>
-              <a:uFillTx/>
-              <a:latin typeface="Calibri" panose="020F0502020204030204"/>
-              <a:ea typeface="+mn-ea"/>
-              <a:cs typeface="+mn-cs"/>
-            </a:endParaRPr>
-          </a:p>
-        </p:txBody>
-      </p:sp>
-      <p:sp>
-        <p:nvSpPr>
           <p:cNvPr id="3" name="Content Placeholder 2">
             <a:extLst>
               <a:ext uri="{FF2B5EF4-FFF2-40B4-BE49-F238E27FC236}">
-                <a16:creationId xmlns:a16="http://schemas.microsoft.com/office/drawing/2014/main" id="{96F5230B-F8A4-C8E4-4C74-A1C627ED0DD6}"/>
+                <a16:creationId xmlns:a16="http://schemas.microsoft.com/office/drawing/2014/main" id="{D4CF7761-D07D-A8EB-D66E-9171A48AA515}"/>
               </a:ext>
             </a:extLst>
           </p:cNvPr>
@@ -6277,41 +6500,35 @@
         </p:nvSpPr>
         <p:spPr>
           <a:xfrm>
-            <a:off x="4581144" y="510047"/>
-            <a:ext cx="6858000" cy="1645920"/>
-          </a:xfrm>
-        </p:spPr>
-        <p:txBody>
-          <a:bodyPr anchor="ctr">
+            <a:off x="639270" y="3355848"/>
+            <a:ext cx="6244957" cy="2825496"/>
+          </a:xfrm>
+        </p:spPr>
+        <p:txBody>
+          <a:bodyPr>
             <a:normAutofit/>
           </a:bodyPr>
           <a:lstStyle/>
           <a:p>
             <a:r>
-              <a:rPr lang="en-US" sz="1800"/>
-              <a:t>X transpose X</a:t>
-            </a:r>
-          </a:p>
-          <a:p>
-            <a:r>
-              <a:rPr lang="en-US" sz="1800"/>
-              <a:t>Row-wise softmax</a:t>
-            </a:r>
-          </a:p>
-          <a:p>
-            <a:r>
-              <a:rPr lang="en-US" sz="1800"/>
-              <a:t>X transpose is dotted with W’ to produce the result</a:t>
+              <a:rPr lang="en-US" sz="2200" dirty="0"/>
+              <a:t>Since each embedding vector is dotted with all other vectors, it will also be dotted with itself (and therefore likely the largest). Typically, this isn’t a problem, but it’s not necessarily optimal. </a:t>
+            </a:r>
+          </a:p>
+          <a:p>
+            <a:r>
+              <a:rPr lang="en-US" sz="2200" dirty="0"/>
+              <a:t>There are no tunable or learnable parameters as of yet</a:t>
             </a:r>
           </a:p>
         </p:txBody>
       </p:sp>
       <p:pic>
         <p:nvPicPr>
-          <p:cNvPr id="10" name="Picture 9">
-            <a:extLst>
-              <a:ext uri="{FF2B5EF4-FFF2-40B4-BE49-F238E27FC236}">
-                <a16:creationId xmlns:a16="http://schemas.microsoft.com/office/drawing/2014/main" id="{9E6D6B06-048F-8E7E-0B71-9D7F87B6DC4A}"/>
+          <p:cNvPr id="19" name="Picture 4" descr="Question mark on green pastel background">
+            <a:extLst>
+              <a:ext uri="{FF2B5EF4-FFF2-40B4-BE49-F238E27FC236}">
+                <a16:creationId xmlns:a16="http://schemas.microsoft.com/office/drawing/2014/main" id="{FA825D66-3ED3-6E04-BA6B-8D839F843F86}"/>
               </a:ext>
             </a:extLst>
           </p:cNvPr>
@@ -6320,76 +6537,15 @@
           </p:cNvPicPr>
           <p:nvPr/>
         </p:nvPicPr>
-        <p:blipFill>
+        <p:blipFill rotWithShape="1">
           <a:blip r:embed="rId2"/>
-          <a:stretch>
-            <a:fillRect/>
-          </a:stretch>
+          <a:srcRect l="42672" r="2862" b="1"/>
+          <a:stretch/>
         </p:blipFill>
         <p:spPr>
           <a:xfrm>
-            <a:off x="613193" y="2606462"/>
-            <a:ext cx="3473629" cy="3639312"/>
-          </a:xfrm>
-          <a:prstGeom prst="rect">
-            <a:avLst/>
-          </a:prstGeom>
-        </p:spPr>
-      </p:pic>
-      <p:pic>
-        <p:nvPicPr>
-          <p:cNvPr id="8" name="Picture 7">
-            <a:extLst>
-              <a:ext uri="{FF2B5EF4-FFF2-40B4-BE49-F238E27FC236}">
-                <a16:creationId xmlns:a16="http://schemas.microsoft.com/office/drawing/2014/main" id="{EBCF34E1-C070-60AE-0CA4-E69035A3CB80}"/>
-              </a:ext>
-            </a:extLst>
-          </p:cNvPr>
-          <p:cNvPicPr>
-            <a:picLocks noChangeAspect="1"/>
-          </p:cNvPicPr>
-          <p:nvPr/>
-        </p:nvPicPr>
-        <p:blipFill>
-          <a:blip r:embed="rId3"/>
-          <a:stretch>
-            <a:fillRect/>
-          </a:stretch>
-        </p:blipFill>
-        <p:spPr>
-          <a:xfrm>
-            <a:off x="4368476" y="2606462"/>
-            <a:ext cx="3542694" cy="3639312"/>
-          </a:xfrm>
-          <a:prstGeom prst="rect">
-            <a:avLst/>
-          </a:prstGeom>
-        </p:spPr>
-      </p:pic>
-      <p:pic>
-        <p:nvPicPr>
-          <p:cNvPr id="12" name="Picture 11">
-            <a:extLst>
-              <a:ext uri="{FF2B5EF4-FFF2-40B4-BE49-F238E27FC236}">
-                <a16:creationId xmlns:a16="http://schemas.microsoft.com/office/drawing/2014/main" id="{3BB99276-ED48-846D-7EEE-1EE3B516291F}"/>
-              </a:ext>
-            </a:extLst>
-          </p:cNvPr>
-          <p:cNvPicPr>
-            <a:picLocks noChangeAspect="1"/>
-          </p:cNvPicPr>
-          <p:nvPr/>
-        </p:nvPicPr>
-        <p:blipFill>
-          <a:blip r:embed="rId4"/>
-          <a:stretch>
-            <a:fillRect/>
-          </a:stretch>
-        </p:blipFill>
-        <p:spPr>
-          <a:xfrm>
-            <a:off x="8137415" y="2934932"/>
-            <a:ext cx="3584448" cy="2982372"/>
+            <a:off x="7684007" y="603504"/>
+            <a:ext cx="4050792" cy="5577840"/>
           </a:xfrm>
           <a:prstGeom prst="rect">
             <a:avLst/>
@@ -6399,7 +6555,7 @@
     </p:spTree>
     <p:extLst>
       <p:ext uri="{BB962C8B-B14F-4D97-AF65-F5344CB8AC3E}">
-        <p14:creationId xmlns:p14="http://schemas.microsoft.com/office/powerpoint/2010/main" val="3877627368"/>
+        <p14:creationId xmlns:p14="http://schemas.microsoft.com/office/powerpoint/2010/main" val="3710280074"/>
       </p:ext>
     </p:extLst>
   </p:cSld>
@@ -6434,12 +6590,235 @@
           <a:chExt cx="0" cy="0"/>
         </a:xfrm>
       </p:grpSpPr>
+      <p:sp>
+        <p:nvSpPr>
+          <p:cNvPr id="2" name="Title 1">
+            <a:extLst>
+              <a:ext uri="{FF2B5EF4-FFF2-40B4-BE49-F238E27FC236}">
+                <a16:creationId xmlns:a16="http://schemas.microsoft.com/office/drawing/2014/main" id="{99912B7F-E6C3-1793-C0B0-42F7143C7C93}"/>
+              </a:ext>
+            </a:extLst>
+          </p:cNvPr>
+          <p:cNvSpPr>
+            <a:spLocks noGrp="1"/>
+          </p:cNvSpPr>
+          <p:nvPr>
+            <p:ph type="title"/>
+          </p:nvPr>
+        </p:nvSpPr>
+        <p:spPr>
+          <a:xfrm>
+            <a:off x="4965430" y="629268"/>
+            <a:ext cx="6586491" cy="1286160"/>
+          </a:xfrm>
+        </p:spPr>
+        <p:txBody>
+          <a:bodyPr anchor="b">
+            <a:normAutofit/>
+          </a:bodyPr>
+          <a:lstStyle/>
+          <a:p>
+            <a:r>
+              <a:rPr lang="en-US" sz="4100"/>
+              <a:t>Keys, values and queries: making things tunable</a:t>
+            </a:r>
+          </a:p>
+        </p:txBody>
+      </p:sp>
+      <p:sp>
+        <p:nvSpPr>
+          <p:cNvPr id="13" name="Content Placeholder 2">
+            <a:extLst>
+              <a:ext uri="{FF2B5EF4-FFF2-40B4-BE49-F238E27FC236}">
+                <a16:creationId xmlns:a16="http://schemas.microsoft.com/office/drawing/2014/main" id="{9B94F27D-C34E-CF98-521F-297D486B9FC6}"/>
+              </a:ext>
+            </a:extLst>
+          </p:cNvPr>
+          <p:cNvSpPr>
+            <a:spLocks noGrp="1"/>
+          </p:cNvSpPr>
+          <p:nvPr>
+            <p:ph idx="1"/>
+          </p:nvPr>
+        </p:nvSpPr>
+        <p:spPr>
+          <a:xfrm>
+            <a:off x="4965431" y="2438400"/>
+            <a:ext cx="6586489" cy="3785419"/>
+          </a:xfrm>
+        </p:spPr>
+        <p:txBody>
+          <a:bodyPr>
+            <a:normAutofit/>
+          </a:bodyPr>
+          <a:lstStyle/>
+          <a:p>
+            <a:r>
+              <a:rPr lang="en-US" sz="2000"/>
+              <a:t>The paper introduces an alternate view of the embedding vectors depending on how they’re being used. </a:t>
+            </a:r>
+          </a:p>
+          <a:p>
+            <a:pPr lvl="1"/>
+            <a:r>
+              <a:rPr lang="en-US" sz="2000"/>
+              <a:t>As the input vector it’s known as the “value”,</a:t>
+            </a:r>
+          </a:p>
+          <a:p>
+            <a:pPr lvl="1"/>
+            <a:r>
+              <a:rPr lang="en-US" sz="2000"/>
+              <a:t>As the input vector being dotted against all other vectors it’s the “query”, </a:t>
+            </a:r>
+          </a:p>
+          <a:p>
+            <a:pPr lvl="1"/>
+            <a:r>
+              <a:rPr lang="en-US" sz="2000"/>
+              <a:t>The “other vectors” are known as they “keys”</a:t>
+            </a:r>
+          </a:p>
+          <a:p>
+            <a:r>
+              <a:rPr lang="en-US" sz="2000"/>
+              <a:t>They take this naming scheme from databases, but it’s not entirely clear why. </a:t>
+            </a:r>
+          </a:p>
+          <a:p>
+            <a:r>
+              <a:rPr lang="en-US" sz="2000"/>
+              <a:t>Important, however, is we have three new labels for the same set of vectors</a:t>
+            </a:r>
+          </a:p>
+        </p:txBody>
+      </p:sp>
+      <p:pic>
+        <p:nvPicPr>
+          <p:cNvPr id="5" name="Picture 4" descr="Question mark on green pastel background">
+            <a:extLst>
+              <a:ext uri="{FF2B5EF4-FFF2-40B4-BE49-F238E27FC236}">
+                <a16:creationId xmlns:a16="http://schemas.microsoft.com/office/drawing/2014/main" id="{6AE27304-A6BB-998E-63F3-2C07FDCE399D}"/>
+              </a:ext>
+            </a:extLst>
+          </p:cNvPr>
+          <p:cNvPicPr>
+            <a:picLocks noChangeAspect="1"/>
+          </p:cNvPicPr>
+          <p:nvPr/>
+        </p:nvPicPr>
+        <p:blipFill rotWithShape="1">
+          <a:blip r:embed="rId2"/>
+          <a:srcRect l="44648" r="4656"/>
+          <a:stretch/>
+        </p:blipFill>
+        <p:spPr>
+          <a:xfrm>
+            <a:off x="20" y="10"/>
+            <a:ext cx="4635571" cy="6857990"/>
+          </a:xfrm>
+          <a:prstGeom prst="rect">
+            <a:avLst/>
+          </a:prstGeom>
+          <a:effectLst/>
+        </p:spPr>
+      </p:pic>
+      <p:cxnSp>
+        <p:nvCxnSpPr>
+          <p:cNvPr id="14" name="Straight Connector 8">
+            <a:extLst>
+              <a:ext uri="{FF2B5EF4-FFF2-40B4-BE49-F238E27FC236}">
+                <a16:creationId xmlns:a16="http://schemas.microsoft.com/office/drawing/2014/main" id="{A7F400EE-A8A5-48AF-B4D6-291B52C6F0B0}"/>
+              </a:ext>
+              <a:ext uri="{C183D7F6-B498-43B3-948B-1728B52AA6E4}">
+                <adec:decorative xmlns:adec="http://schemas.microsoft.com/office/drawing/2017/decorative" val="1"/>
+              </a:ext>
+            </a:extLst>
+          </p:cNvPr>
+          <p:cNvCxnSpPr>
+            <a:cxnSpLocks noGrp="1" noRot="1" noChangeAspect="1" noMove="1" noResize="1" noEditPoints="1" noAdjustHandles="1" noChangeArrowheads="1" noChangeShapeType="1"/>
+          </p:cNvCxnSpPr>
+          <p:nvPr>
+            <p:extLst>
+              <p:ext uri="{386F3935-93C4-4BCD-93E2-E3B085C9AB24}">
+                <p16:designElem xmlns:p16="http://schemas.microsoft.com/office/powerpoint/2015/main" val="1"/>
+              </p:ext>
+            </p:extLst>
+          </p:nvPr>
+        </p:nvCxnSpPr>
+        <p:spPr>
+          <a:xfrm>
+            <a:off x="5080934" y="2115117"/>
+            <a:ext cx="6309360" cy="0"/>
+          </a:xfrm>
+          <a:prstGeom prst="line">
+            <a:avLst/>
+          </a:prstGeom>
+          <a:ln w="19050">
+            <a:solidFill>
+              <a:srgbClr val="589195"/>
+            </a:solidFill>
+          </a:ln>
+        </p:spPr>
+        <p:style>
+          <a:lnRef idx="1">
+            <a:schemeClr val="accent1"/>
+          </a:lnRef>
+          <a:fillRef idx="0">
+            <a:schemeClr val="accent1"/>
+          </a:fillRef>
+          <a:effectRef idx="0">
+            <a:schemeClr val="accent1"/>
+          </a:effectRef>
+          <a:fontRef idx="minor">
+            <a:schemeClr val="tx1"/>
+          </a:fontRef>
+        </p:style>
+      </p:cxnSp>
+    </p:spTree>
+    <p:extLst>
+      <p:ext uri="{BB962C8B-B14F-4D97-AF65-F5344CB8AC3E}">
+        <p14:creationId xmlns:p14="http://schemas.microsoft.com/office/powerpoint/2010/main" val="3077588808"/>
+      </p:ext>
+    </p:extLst>
+  </p:cSld>
+  <p:clrMapOvr>
+    <a:masterClrMapping/>
+  </p:clrMapOvr>
+</p:sld>
+</file>
+
+<file path=ppt/slides/slide16.xml><?xml version="1.0" encoding="utf-8"?>
+<p:sld xmlns:a="http://schemas.openxmlformats.org/drawingml/2006/main" xmlns:r="http://schemas.openxmlformats.org/officeDocument/2006/relationships" xmlns:p="http://schemas.openxmlformats.org/presentationml/2006/main">
+  <p:cSld>
+    <p:bg>
+      <p:bgPr>
+        <a:solidFill>
+          <a:schemeClr val="bg1"/>
+        </a:solidFill>
+        <a:effectLst/>
+      </p:bgPr>
+    </p:bg>
+    <p:spTree>
+      <p:nvGrpSpPr>
+        <p:cNvPr id="1" name=""/>
+        <p:cNvGrpSpPr/>
+        <p:nvPr/>
+      </p:nvGrpSpPr>
+      <p:grpSpPr>
+        <a:xfrm>
+          <a:off x="0" y="0"/>
+          <a:ext cx="0" cy="0"/>
+          <a:chOff x="0" y="0"/>
+          <a:chExt cx="0" cy="0"/>
+        </a:xfrm>
+      </p:grpSpPr>
       <p:sp useBgFill="1">
         <p:nvSpPr>
-          <p:cNvPr id="24" name="Rectangle 23">
-            <a:extLst>
-              <a:ext uri="{FF2B5EF4-FFF2-40B4-BE49-F238E27FC236}">
-                <a16:creationId xmlns:a16="http://schemas.microsoft.com/office/drawing/2014/main" id="{D2854001-B4AF-4E18-9D2E-33E37F97A82D}"/>
+          <p:cNvPr id="17" name="Rectangle 9">
+            <a:extLst>
+              <a:ext uri="{FF2B5EF4-FFF2-40B4-BE49-F238E27FC236}">
+                <a16:creationId xmlns:a16="http://schemas.microsoft.com/office/drawing/2014/main" id="{1ECAB1E8-8195-4748-BE71-FF806D86892E}"/>
               </a:ext>
               <a:ext uri="{C183D7F6-B498-43B3-948B-1728B52AA6E4}">
                 <adec:decorative xmlns:adec="http://schemas.microsoft.com/office/drawing/2017/decorative" val="1"/>
@@ -6494,47 +6873,12 @@
           </a:p>
         </p:txBody>
       </p:sp>
-      <p:sp>
-        <p:nvSpPr>
-          <p:cNvPr id="2" name="Title 1">
-            <a:extLst>
-              <a:ext uri="{FF2B5EF4-FFF2-40B4-BE49-F238E27FC236}">
-                <a16:creationId xmlns:a16="http://schemas.microsoft.com/office/drawing/2014/main" id="{EBC5EF4D-1712-BEA8-1597-7CD750E4E759}"/>
-              </a:ext>
-            </a:extLst>
-          </p:cNvPr>
-          <p:cNvSpPr>
-            <a:spLocks noGrp="1"/>
-          </p:cNvSpPr>
-          <p:nvPr>
-            <p:ph type="title"/>
-          </p:nvPr>
-        </p:nvSpPr>
-        <p:spPr>
-          <a:xfrm>
-            <a:off x="612648" y="1078992"/>
-            <a:ext cx="6268770" cy="1536192"/>
-          </a:xfrm>
-        </p:spPr>
-        <p:txBody>
-          <a:bodyPr anchor="b">
-            <a:normAutofit/>
-          </a:bodyPr>
-          <a:lstStyle/>
-          <a:p>
-            <a:r>
-              <a:rPr lang="en-US" sz="5200"/>
-              <a:t>Some immediate problems</a:t>
-            </a:r>
-          </a:p>
-        </p:txBody>
-      </p:sp>
-      <p:sp>
-        <p:nvSpPr>
-          <p:cNvPr id="26" name="Rectangle 25">
-            <a:extLst>
-              <a:ext uri="{FF2B5EF4-FFF2-40B4-BE49-F238E27FC236}">
-                <a16:creationId xmlns:a16="http://schemas.microsoft.com/office/drawing/2014/main" id="{8AEA628B-C8FF-4D0B-B111-F101F580B15D}"/>
+      <p:sp useBgFill="1">
+        <p:nvSpPr>
+          <p:cNvPr id="18" name="!!text rectangle">
+            <a:extLst>
+              <a:ext uri="{FF2B5EF4-FFF2-40B4-BE49-F238E27FC236}">
+                <a16:creationId xmlns:a16="http://schemas.microsoft.com/office/drawing/2014/main" id="{57F6BDD4-E066-4008-8011-6CC31AEB4556}"/>
               </a:ext>
               <a:ext uri="{C183D7F6-B498-43B3-948B-1728B52AA6E4}">
                 <adec:decorative xmlns:adec="http://schemas.microsoft.com/office/drawing/2017/decorative" val="1"/>
@@ -6553,19 +6897,26 @@
           </p:nvPr>
         </p:nvSpPr>
         <p:spPr>
-          <a:xfrm rot="5400000">
-            <a:off x="853202" y="363389"/>
-            <a:ext cx="73152" cy="548640"/>
+          <a:xfrm>
+            <a:off x="409575" y="633619"/>
+            <a:ext cx="4279383" cy="5495925"/>
           </a:xfrm>
           <a:prstGeom prst="rect">
             <a:avLst/>
           </a:prstGeom>
-          <a:solidFill>
-            <a:schemeClr val="accent2"/>
-          </a:solidFill>
-          <a:ln>
-            <a:noFill/>
+          <a:ln w="9525">
+            <a:solidFill>
+              <a:srgbClr val="E1E1E1"/>
+            </a:solidFill>
           </a:ln>
+          <a:effectLst>
+            <a:outerShdw blurRad="50800" dist="38100" dir="2700000" algn="tl" rotWithShape="0">
+              <a:schemeClr val="bg1">
+                <a:lumMod val="85000"/>
+                <a:alpha val="50000"/>
+              </a:schemeClr>
+            </a:outerShdw>
+          </a:effectLst>
         </p:spPr>
         <p:style>
           <a:lnRef idx="2">
@@ -6623,10 +6974,45 @@
       </p:sp>
       <p:sp>
         <p:nvSpPr>
-          <p:cNvPr id="28" name="Rectangle 27">
-            <a:extLst>
-              <a:ext uri="{FF2B5EF4-FFF2-40B4-BE49-F238E27FC236}">
-                <a16:creationId xmlns:a16="http://schemas.microsoft.com/office/drawing/2014/main" id="{42663BD0-064C-40FC-A331-F49FCA9536AA}"/>
+          <p:cNvPr id="2" name="Title 1">
+            <a:extLst>
+              <a:ext uri="{FF2B5EF4-FFF2-40B4-BE49-F238E27FC236}">
+                <a16:creationId xmlns:a16="http://schemas.microsoft.com/office/drawing/2014/main" id="{05B462F1-C180-2283-7339-0B49070EFF39}"/>
+              </a:ext>
+            </a:extLst>
+          </p:cNvPr>
+          <p:cNvSpPr>
+            <a:spLocks noGrp="1"/>
+          </p:cNvSpPr>
+          <p:nvPr>
+            <p:ph type="title"/>
+          </p:nvPr>
+        </p:nvSpPr>
+        <p:spPr>
+          <a:xfrm>
+            <a:off x="841247" y="978619"/>
+            <a:ext cx="3410712" cy="1106424"/>
+          </a:xfrm>
+        </p:spPr>
+        <p:txBody>
+          <a:bodyPr>
+            <a:normAutofit/>
+          </a:bodyPr>
+          <a:lstStyle/>
+          <a:p>
+            <a:r>
+              <a:rPr lang="en-US" sz="2800"/>
+              <a:t>It looks like this</a:t>
+            </a:r>
+          </a:p>
+        </p:txBody>
+      </p:sp>
+      <p:sp>
+        <p:nvSpPr>
+          <p:cNvPr id="19" name="!!accent">
+            <a:extLst>
+              <a:ext uri="{FF2B5EF4-FFF2-40B4-BE49-F238E27FC236}">
+                <a16:creationId xmlns:a16="http://schemas.microsoft.com/office/drawing/2014/main" id="{2711A8FB-68FC-45FC-B01E-38F809E2D439}"/>
               </a:ext>
               <a:ext uri="{C183D7F6-B498-43B3-948B-1728B52AA6E4}">
                 <adec:decorative xmlns:adec="http://schemas.microsoft.com/office/drawing/2017/decorative" val="1"/>
@@ -6646,19 +7032,18 @@
         </p:nvSpPr>
         <p:spPr>
           <a:xfrm>
-            <a:off x="618506" y="2935541"/>
-            <a:ext cx="6217920" cy="18288"/>
+            <a:off x="345567" y="1170432"/>
+            <a:ext cx="128016" cy="704088"/>
           </a:xfrm>
           <a:prstGeom prst="rect">
             <a:avLst/>
           </a:prstGeom>
           <a:solidFill>
-            <a:srgbClr val="D5D5D5"/>
+            <a:schemeClr val="accent2"/>
           </a:solidFill>
-          <a:ln w="3175">
+          <a:ln>
             <a:noFill/>
           </a:ln>
-          <a:effectLst/>
         </p:spPr>
         <p:style>
           <a:lnRef idx="2">
@@ -6692,10 +7077,103 @@
       </p:sp>
       <p:sp>
         <p:nvSpPr>
+          <p:cNvPr id="16" name="Rectangle 15">
+            <a:extLst>
+              <a:ext uri="{FF2B5EF4-FFF2-40B4-BE49-F238E27FC236}">
+                <a16:creationId xmlns:a16="http://schemas.microsoft.com/office/drawing/2014/main" id="{2A865FE3-5FC9-4049-87CF-30019C46C0F5}"/>
+              </a:ext>
+              <a:ext uri="{C183D7F6-B498-43B3-948B-1728B52AA6E4}">
+                <adec:decorative xmlns:adec="http://schemas.microsoft.com/office/drawing/2017/decorative" val="1"/>
+              </a:ext>
+            </a:extLst>
+          </p:cNvPr>
+          <p:cNvSpPr>
+            <a:spLocks noGrp="1" noRot="1" noChangeAspect="1" noMove="1" noResize="1" noEditPoints="1" noAdjustHandles="1" noChangeArrowheads="1" noChangeShapeType="1" noTextEdit="1"/>
+          </p:cNvSpPr>
+          <p:nvPr>
+            <p:extLst>
+              <p:ext uri="{386F3935-93C4-4BCD-93E2-E3B085C9AB24}">
+                <p16:designElem xmlns:p16="http://schemas.microsoft.com/office/powerpoint/2015/main" val="1"/>
+              </p:ext>
+            </p:extLst>
+          </p:nvPr>
+        </p:nvSpPr>
+        <p:spPr>
+          <a:xfrm>
+            <a:off x="877459" y="2121408"/>
+            <a:ext cx="3328416" cy="9144"/>
+          </a:xfrm>
+          <a:prstGeom prst="rect">
+            <a:avLst/>
+          </a:prstGeom>
+          <a:solidFill>
+            <a:srgbClr val="D5D5D5"/>
+          </a:solidFill>
+          <a:ln w="3175">
+            <a:noFill/>
+          </a:ln>
+          <a:effectLst/>
+        </p:spPr>
+        <p:style>
+          <a:lnRef idx="2">
+            <a:schemeClr val="accent1">
+              <a:shade val="50000"/>
+            </a:schemeClr>
+          </a:lnRef>
+          <a:fillRef idx="1">
+            <a:schemeClr val="accent1"/>
+          </a:fillRef>
+          <a:effectRef idx="0">
+            <a:schemeClr val="accent1"/>
+          </a:effectRef>
+          <a:fontRef idx="minor">
+            <a:schemeClr val="lt1"/>
+          </a:fontRef>
+        </p:style>
+        <p:txBody>
+          <a:bodyPr rtlCol="0" anchor="ctr"/>
+          <a:lstStyle/>
+          <a:p>
+            <a:pPr marL="0" marR="0" lvl="0" indent="0" algn="ctr" defTabSz="914400" rtl="0" eaLnBrk="1" fontAlgn="auto" latinLnBrk="0" hangingPunct="1">
+              <a:lnSpc>
+                <a:spcPct val="100000"/>
+              </a:lnSpc>
+              <a:spcBef>
+                <a:spcPts val="0"/>
+              </a:spcBef>
+              <a:spcAft>
+                <a:spcPts val="0"/>
+              </a:spcAft>
+              <a:buClrTx/>
+              <a:buSzTx/>
+              <a:buFontTx/>
+              <a:buNone/>
+              <a:tabLst/>
+              <a:defRPr/>
+            </a:pPr>
+            <a:endParaRPr kumimoji="0" lang="en-US" sz="1800" b="0" i="0" u="none" strike="noStrike" kern="1200" cap="none" spc="0" normalizeH="0" baseline="0" noProof="0">
+              <a:ln>
+                <a:noFill/>
+              </a:ln>
+              <a:solidFill>
+                <a:prstClr val="white"/>
+              </a:solidFill>
+              <a:effectLst/>
+              <a:uLnTx/>
+              <a:uFillTx/>
+              <a:latin typeface="Calibri" panose="020F0502020204030204"/>
+              <a:ea typeface="+mn-ea"/>
+              <a:cs typeface="+mn-cs"/>
+            </a:endParaRPr>
+          </a:p>
+        </p:txBody>
+      </p:sp>
+      <p:sp>
+        <p:nvSpPr>
           <p:cNvPr id="3" name="Content Placeholder 2">
             <a:extLst>
               <a:ext uri="{FF2B5EF4-FFF2-40B4-BE49-F238E27FC236}">
-                <a16:creationId xmlns:a16="http://schemas.microsoft.com/office/drawing/2014/main" id="{D4CF7761-D07D-A8EB-D66E-9171A48AA515}"/>
+                <a16:creationId xmlns:a16="http://schemas.microsoft.com/office/drawing/2014/main" id="{96F5230B-F8A4-C8E4-4C74-A1C627ED0DD6}"/>
               </a:ext>
             </a:extLst>
           </p:cNvPr>
@@ -6708,8 +7186,8 @@
         </p:nvSpPr>
         <p:spPr>
           <a:xfrm>
-            <a:off x="639270" y="3355848"/>
-            <a:ext cx="6244957" cy="2825496"/>
+            <a:off x="841247" y="2359152"/>
+            <a:ext cx="3410712" cy="3425043"/>
           </a:xfrm>
         </p:spPr>
         <p:txBody>
@@ -6719,24 +7197,24 @@
           <a:lstStyle/>
           <a:p>
             <a:r>
-              <a:rPr lang="en-US" sz="2200"/>
-              <a:t>Since each embedding vector is dotted with all other vectors, it will also be dotted with itself (and therefore likely the largest). Typically this isn’t a problem, but it’s not necessarily optimal. </a:t>
-            </a:r>
-          </a:p>
-          <a:p>
-            <a:r>
-              <a:rPr lang="en-US" sz="2200"/>
-              <a:t>There are no tunable or learnable parameters as of yet</a:t>
+              <a:rPr lang="en-US" sz="1700"/>
+              <a:t>Note how the _same_ vector can be referred to using three different names</a:t>
+            </a:r>
+          </a:p>
+          <a:p>
+            <a:r>
+              <a:rPr lang="en-US" sz="1700"/>
+              <a:t>Why?</a:t>
             </a:r>
           </a:p>
         </p:txBody>
       </p:sp>
       <p:pic>
         <p:nvPicPr>
-          <p:cNvPr id="19" name="Picture 4" descr="Question mark on green pastel background">
-            <a:extLst>
-              <a:ext uri="{FF2B5EF4-FFF2-40B4-BE49-F238E27FC236}">
-                <a16:creationId xmlns:a16="http://schemas.microsoft.com/office/drawing/2014/main" id="{FA825D66-3ED3-6E04-BA6B-8D839F843F86}"/>
+          <p:cNvPr id="5" name="Picture 4">
+            <a:extLst>
+              <a:ext uri="{FF2B5EF4-FFF2-40B4-BE49-F238E27FC236}">
+                <a16:creationId xmlns:a16="http://schemas.microsoft.com/office/drawing/2014/main" id="{A1512F5F-F6EF-1FE8-6859-9240511ECC60}"/>
               </a:ext>
             </a:extLst>
           </p:cNvPr>
@@ -6747,13 +7225,13 @@
         </p:nvPicPr>
         <p:blipFill rotWithShape="1">
           <a:blip r:embed="rId2"/>
-          <a:srcRect l="42672" r="2862" b="1"/>
+          <a:srcRect l="3991" r="1" b="1"/>
           <a:stretch/>
         </p:blipFill>
         <p:spPr>
           <a:xfrm>
-            <a:off x="7684007" y="603504"/>
-            <a:ext cx="4050792" cy="5577840"/>
+            <a:off x="5124450" y="634382"/>
+            <a:ext cx="6657213" cy="5495162"/>
           </a:xfrm>
           <a:prstGeom prst="rect">
             <a:avLst/>
@@ -6763,125 +7241,7 @@
     </p:spTree>
     <p:extLst>
       <p:ext uri="{BB962C8B-B14F-4D97-AF65-F5344CB8AC3E}">
-        <p14:creationId xmlns:p14="http://schemas.microsoft.com/office/powerpoint/2010/main" val="3710280074"/>
-      </p:ext>
-    </p:extLst>
-  </p:cSld>
-  <p:clrMapOvr>
-    <a:masterClrMapping/>
-  </p:clrMapOvr>
-</p:sld>
-</file>
-
-<file path=ppt/slides/slide16.xml><?xml version="1.0" encoding="utf-8"?>
-<p:sld xmlns:a="http://schemas.openxmlformats.org/drawingml/2006/main" xmlns:r="http://schemas.openxmlformats.org/officeDocument/2006/relationships" xmlns:p="http://schemas.openxmlformats.org/presentationml/2006/main">
-  <p:cSld>
-    <p:spTree>
-      <p:nvGrpSpPr>
-        <p:cNvPr id="1" name=""/>
-        <p:cNvGrpSpPr/>
-        <p:nvPr/>
-      </p:nvGrpSpPr>
-      <p:grpSpPr>
-        <a:xfrm>
-          <a:off x="0" y="0"/>
-          <a:ext cx="0" cy="0"/>
-          <a:chOff x="0" y="0"/>
-          <a:chExt cx="0" cy="0"/>
-        </a:xfrm>
-      </p:grpSpPr>
-      <p:sp>
-        <p:nvSpPr>
-          <p:cNvPr id="2" name="Title 1">
-            <a:extLst>
-              <a:ext uri="{FF2B5EF4-FFF2-40B4-BE49-F238E27FC236}">
-                <a16:creationId xmlns:a16="http://schemas.microsoft.com/office/drawing/2014/main" id="{99912B7F-E6C3-1793-C0B0-42F7143C7C93}"/>
-              </a:ext>
-            </a:extLst>
-          </p:cNvPr>
-          <p:cNvSpPr>
-            <a:spLocks noGrp="1"/>
-          </p:cNvSpPr>
-          <p:nvPr>
-            <p:ph type="title"/>
-          </p:nvPr>
-        </p:nvSpPr>
-        <p:spPr/>
-        <p:txBody>
-          <a:bodyPr/>
-          <a:lstStyle/>
-          <a:p>
-            <a:r>
-              <a:rPr lang="en-US" dirty="0"/>
-              <a:t>Keys, values and queries</a:t>
-            </a:r>
-          </a:p>
-        </p:txBody>
-      </p:sp>
-      <p:sp>
-        <p:nvSpPr>
-          <p:cNvPr id="3" name="Content Placeholder 2">
-            <a:extLst>
-              <a:ext uri="{FF2B5EF4-FFF2-40B4-BE49-F238E27FC236}">
-                <a16:creationId xmlns:a16="http://schemas.microsoft.com/office/drawing/2014/main" id="{9B94F27D-C34E-CF98-521F-297D486B9FC6}"/>
-              </a:ext>
-            </a:extLst>
-          </p:cNvPr>
-          <p:cNvSpPr>
-            <a:spLocks noGrp="1"/>
-          </p:cNvSpPr>
-          <p:nvPr>
-            <p:ph idx="1"/>
-          </p:nvPr>
-        </p:nvSpPr>
-        <p:spPr/>
-        <p:txBody>
-          <a:bodyPr>
-            <a:normAutofit lnSpcReduction="10000"/>
-          </a:bodyPr>
-          <a:lstStyle/>
-          <a:p>
-            <a:r>
-              <a:rPr lang="en-US" dirty="0"/>
-              <a:t>The paper introduces an alternate view of the embedding vectors depending on how they’re being used. </a:t>
-            </a:r>
-          </a:p>
-          <a:p>
-            <a:r>
-              <a:rPr lang="en-US" dirty="0"/>
-              <a:t>As the input vector it’s known as the “value”,</a:t>
-            </a:r>
-          </a:p>
-          <a:p>
-            <a:r>
-              <a:rPr lang="en-US" dirty="0"/>
-              <a:t>As the input vector being dotted against all other vectors it’s the “query”, </a:t>
-            </a:r>
-          </a:p>
-          <a:p>
-            <a:r>
-              <a:rPr lang="en-US" dirty="0"/>
-              <a:t>The “other vectors” are known as they “keys”</a:t>
-            </a:r>
-          </a:p>
-          <a:p>
-            <a:r>
-              <a:rPr lang="en-US" dirty="0"/>
-              <a:t>They take this naming scheme from databases, but it’s not entirely clear why. </a:t>
-            </a:r>
-          </a:p>
-          <a:p>
-            <a:r>
-              <a:rPr lang="en-US" dirty="0"/>
-              <a:t>Important, however, is we have three new labels for the same set of vectors</a:t>
-            </a:r>
-          </a:p>
-        </p:txBody>
-      </p:sp>
-    </p:spTree>
-    <p:extLst>
-      <p:ext uri="{BB962C8B-B14F-4D97-AF65-F5344CB8AC3E}">
-        <p14:creationId xmlns:p14="http://schemas.microsoft.com/office/powerpoint/2010/main" val="3077588808"/>
+        <p14:creationId xmlns:p14="http://schemas.microsoft.com/office/powerpoint/2010/main" val="1247036467"/>
       </p:ext>
     </p:extLst>
   </p:cSld>
@@ -6918,7 +7278,7 @@
       </p:grpSpPr>
       <p:sp useBgFill="1">
         <p:nvSpPr>
-          <p:cNvPr id="17" name="Rectangle 9">
+          <p:cNvPr id="11" name="Rectangle 10">
             <a:extLst>
               <a:ext uri="{FF2B5EF4-FFF2-40B4-BE49-F238E27FC236}">
                 <a16:creationId xmlns:a16="http://schemas.microsoft.com/office/drawing/2014/main" id="{1ECAB1E8-8195-4748-BE71-FF806D86892E}"/>
@@ -6978,7 +7338,7 @@
       </p:sp>
       <p:sp useBgFill="1">
         <p:nvSpPr>
-          <p:cNvPr id="18" name="!!text rectangle">
+          <p:cNvPr id="13" name="!!text rectangle">
             <a:extLst>
               <a:ext uri="{FF2B5EF4-FFF2-40B4-BE49-F238E27FC236}">
                 <a16:creationId xmlns:a16="http://schemas.microsoft.com/office/drawing/2014/main" id="{57F6BDD4-E066-4008-8011-6CC31AEB4556}"/>
@@ -7104,15 +7464,15 @@
           <a:lstStyle/>
           <a:p>
             <a:r>
-              <a:rPr lang="en-US" sz="2800"/>
-              <a:t>It looks like this</a:t>
-            </a:r>
-          </a:p>
-        </p:txBody>
-      </p:sp>
-      <p:sp>
-        <p:nvSpPr>
-          <p:cNvPr id="19" name="!!accent">
+              <a:rPr lang="en-US" sz="2400"/>
+              <a:t>We can now add learnable weight matrices</a:t>
+            </a:r>
+          </a:p>
+        </p:txBody>
+      </p:sp>
+      <p:sp>
+        <p:nvSpPr>
+          <p:cNvPr id="15" name="!!accent">
             <a:extLst>
               <a:ext uri="{FF2B5EF4-FFF2-40B4-BE49-F238E27FC236}">
                 <a16:creationId xmlns:a16="http://schemas.microsoft.com/office/drawing/2014/main" id="{2711A8FB-68FC-45FC-B01E-38F809E2D439}"/>
@@ -7180,7 +7540,7 @@
       </p:sp>
       <p:sp>
         <p:nvSpPr>
-          <p:cNvPr id="16" name="Rectangle 15">
+          <p:cNvPr id="17" name="Rectangle 16">
             <a:extLst>
               <a:ext uri="{FF2B5EF4-FFF2-40B4-BE49-F238E27FC236}">
                 <a16:creationId xmlns:a16="http://schemas.microsoft.com/office/drawing/2014/main" id="{2A865FE3-5FC9-4049-87CF-30019C46C0F5}"/>
@@ -7300,24 +7660,33 @@
           <a:lstStyle/>
           <a:p>
             <a:r>
-              <a:rPr lang="en-US" sz="1700"/>
-              <a:t>Note how the _same_ vector can be referred to using three different names</a:t>
-            </a:r>
-          </a:p>
-          <a:p>
-            <a:r>
-              <a:rPr lang="en-US" sz="1700"/>
-              <a:t>Why?</a:t>
+              <a:rPr lang="en-US" sz="1700" dirty="0"/>
+              <a:t>Each form of x</a:t>
+            </a:r>
+            <a:r>
+              <a:rPr lang="en-US" sz="1700" baseline="30000" dirty="0"/>
+              <a:t>5 </a:t>
+            </a:r>
+            <a:r>
+              <a:rPr lang="en-US" sz="1700" dirty="0"/>
+              <a:t>can now become a different vector</a:t>
+            </a:r>
+            <a:endParaRPr lang="en-US" sz="1700" baseline="30000" dirty="0"/>
+          </a:p>
+          <a:p>
+            <a:r>
+              <a:rPr lang="en-US" sz="1700" dirty="0"/>
+              <a:t>The matrices can be learned through back prop</a:t>
             </a:r>
           </a:p>
         </p:txBody>
       </p:sp>
       <p:pic>
         <p:nvPicPr>
-          <p:cNvPr id="5" name="Picture 4">
-            <a:extLst>
-              <a:ext uri="{FF2B5EF4-FFF2-40B4-BE49-F238E27FC236}">
-                <a16:creationId xmlns:a16="http://schemas.microsoft.com/office/drawing/2014/main" id="{A1512F5F-F6EF-1FE8-6859-9240511ECC60}"/>
+          <p:cNvPr id="6" name="Picture 5">
+            <a:extLst>
+              <a:ext uri="{FF2B5EF4-FFF2-40B4-BE49-F238E27FC236}">
+                <a16:creationId xmlns:a16="http://schemas.microsoft.com/office/drawing/2014/main" id="{A694B09B-94CE-B611-C77E-78BEC699313C}"/>
               </a:ext>
             </a:extLst>
           </p:cNvPr>
@@ -7328,7 +7697,7 @@
         </p:nvPicPr>
         <p:blipFill rotWithShape="1">
           <a:blip r:embed="rId2"/>
-          <a:srcRect l="3991" r="1" b="1"/>
+          <a:srcRect l="7006" r="1529" b="1"/>
           <a:stretch/>
         </p:blipFill>
         <p:spPr>
@@ -7344,7 +7713,7 @@
     </p:spTree>
     <p:extLst>
       <p:ext uri="{BB962C8B-B14F-4D97-AF65-F5344CB8AC3E}">
-        <p14:creationId xmlns:p14="http://schemas.microsoft.com/office/powerpoint/2010/main" val="1247036467"/>
+        <p14:creationId xmlns:p14="http://schemas.microsoft.com/office/powerpoint/2010/main" val="2799099831"/>
       </p:ext>
     </p:extLst>
   </p:cSld>
@@ -7381,10 +7750,10 @@
       </p:grpSpPr>
       <p:sp useBgFill="1">
         <p:nvSpPr>
-          <p:cNvPr id="11" name="Rectangle 10">
-            <a:extLst>
-              <a:ext uri="{FF2B5EF4-FFF2-40B4-BE49-F238E27FC236}">
-                <a16:creationId xmlns:a16="http://schemas.microsoft.com/office/drawing/2014/main" id="{1ECAB1E8-8195-4748-BE71-FF806D86892E}"/>
+          <p:cNvPr id="18" name="Rectangle 9">
+            <a:extLst>
+              <a:ext uri="{FF2B5EF4-FFF2-40B4-BE49-F238E27FC236}">
+                <a16:creationId xmlns:a16="http://schemas.microsoft.com/office/drawing/2014/main" id="{5116E49A-CA4D-4983-969D-19FE3C55F387}"/>
               </a:ext>
               <a:ext uri="{C183D7F6-B498-43B3-948B-1728B52AA6E4}">
                 <adec:decorative xmlns:adec="http://schemas.microsoft.com/office/drawing/2017/decorative" val="1"/>
@@ -7441,7 +7810,7 @@
       </p:sp>
       <p:sp useBgFill="1">
         <p:nvSpPr>
-          <p:cNvPr id="13" name="!!text rectangle">
+          <p:cNvPr id="19" name="Rectangle 11">
             <a:extLst>
               <a:ext uri="{FF2B5EF4-FFF2-40B4-BE49-F238E27FC236}">
                 <a16:creationId xmlns:a16="http://schemas.microsoft.com/office/drawing/2014/main" id="{57F6BDD4-E066-4008-8011-6CC31AEB4556}"/>
@@ -7464,7 +7833,7 @@
         </p:nvSpPr>
         <p:spPr>
           <a:xfrm>
-            <a:off x="409575" y="633619"/>
+            <a:off x="7503041" y="633619"/>
             <a:ext cx="4279383" cy="5495925"/>
           </a:xfrm>
           <a:prstGeom prst="rect">
@@ -7472,7 +7841,7 @@
           </a:prstGeom>
           <a:ln w="9525">
             <a:solidFill>
-              <a:srgbClr val="E1E1E1"/>
+              <a:srgbClr val="DEDEDE"/>
             </a:solidFill>
           </a:ln>
           <a:effectLst>
@@ -7521,7 +7890,7 @@
               <a:tabLst/>
               <a:defRPr/>
             </a:pPr>
-            <a:endParaRPr kumimoji="0" lang="en-US" sz="1800" b="0" i="0" u="none" strike="noStrike" kern="1200" cap="none" spc="0" normalizeH="0" baseline="0" noProof="0">
+            <a:endParaRPr kumimoji="0" lang="en-US" sz="1800" b="0" i="0" u="none" strike="noStrike" kern="1200" cap="none" spc="0" normalizeH="0" baseline="0" noProof="0" dirty="0">
               <a:ln>
                 <a:noFill/>
               </a:ln>
@@ -7556,8 +7925,8 @@
         </p:nvSpPr>
         <p:spPr>
           <a:xfrm>
-            <a:off x="841247" y="978619"/>
-            <a:ext cx="3410712" cy="1106424"/>
+            <a:off x="7938533" y="978619"/>
+            <a:ext cx="3404594" cy="1106424"/>
           </a:xfrm>
         </p:spPr>
         <p:txBody>
@@ -7567,15 +7936,45 @@
           <a:lstStyle/>
           <a:p>
             <a:r>
-              <a:rPr lang="en-US" sz="2400"/>
-              <a:t>We can now add learnable weight matrices</a:t>
-            </a:r>
-          </a:p>
-        </p:txBody>
-      </p:sp>
-      <p:sp>
-        <p:nvSpPr>
-          <p:cNvPr id="15" name="!!accent">
+              <a:rPr lang="en-US" sz="2800"/>
+              <a:t>Scaled dot-product attention</a:t>
+            </a:r>
+          </a:p>
+        </p:txBody>
+      </p:sp>
+      <p:pic>
+        <p:nvPicPr>
+          <p:cNvPr id="5" name="Picture 4">
+            <a:extLst>
+              <a:ext uri="{FF2B5EF4-FFF2-40B4-BE49-F238E27FC236}">
+                <a16:creationId xmlns:a16="http://schemas.microsoft.com/office/drawing/2014/main" id="{78DFFE03-2E08-510B-086D-8D906EE8ED0C}"/>
+              </a:ext>
+            </a:extLst>
+          </p:cNvPr>
+          <p:cNvPicPr>
+            <a:picLocks noChangeAspect="1"/>
+          </p:cNvPicPr>
+          <p:nvPr/>
+        </p:nvPicPr>
+        <p:blipFill>
+          <a:blip r:embed="rId2"/>
+          <a:stretch>
+            <a:fillRect/>
+          </a:stretch>
+        </p:blipFill>
+        <p:spPr>
+          <a:xfrm>
+            <a:off x="1378728" y="630936"/>
+            <a:ext cx="4713192" cy="5495544"/>
+          </a:xfrm>
+          <a:prstGeom prst="rect">
+            <a:avLst/>
+          </a:prstGeom>
+        </p:spPr>
+      </p:pic>
+      <p:sp>
+        <p:nvSpPr>
+          <p:cNvPr id="20" name="Rectangle 13">
             <a:extLst>
               <a:ext uri="{FF2B5EF4-FFF2-40B4-BE49-F238E27FC236}">
                 <a16:creationId xmlns:a16="http://schemas.microsoft.com/office/drawing/2014/main" id="{2711A8FB-68FC-45FC-B01E-38F809E2D439}"/>
@@ -7598,7 +7997,7 @@
         </p:nvSpPr>
         <p:spPr>
           <a:xfrm>
-            <a:off x="345567" y="1170432"/>
+            <a:off x="7439033" y="1181536"/>
             <a:ext cx="128016" cy="704088"/>
           </a:xfrm>
           <a:prstGeom prst="rect">
@@ -7643,10 +8042,10 @@
       </p:sp>
       <p:sp>
         <p:nvSpPr>
-          <p:cNvPr id="17" name="Rectangle 16">
-            <a:extLst>
-              <a:ext uri="{FF2B5EF4-FFF2-40B4-BE49-F238E27FC236}">
-                <a16:creationId xmlns:a16="http://schemas.microsoft.com/office/drawing/2014/main" id="{2A865FE3-5FC9-4049-87CF-30019C46C0F5}"/>
+          <p:cNvPr id="21" name="Rectangle 15">
+            <a:extLst>
+              <a:ext uri="{FF2B5EF4-FFF2-40B4-BE49-F238E27FC236}">
+                <a16:creationId xmlns:a16="http://schemas.microsoft.com/office/drawing/2014/main" id="{281E2DF8-F6D8-4E5C-B76E-E082FD8C1FBD}"/>
               </a:ext>
               <a:ext uri="{C183D7F6-B498-43B3-948B-1728B52AA6E4}">
                 <adec:decorative xmlns:adec="http://schemas.microsoft.com/office/drawing/2017/decorative" val="1"/>
@@ -7666,7 +8065,7 @@
         </p:nvSpPr>
         <p:spPr>
           <a:xfrm>
-            <a:off x="877459" y="2121408"/>
+            <a:off x="7965691" y="2095174"/>
             <a:ext cx="3328416" cy="9144"/>
           </a:xfrm>
           <a:prstGeom prst="rect">
@@ -7700,36 +8099,12 @@
           <a:bodyPr rtlCol="0" anchor="ctr"/>
           <a:lstStyle/>
           <a:p>
-            <a:pPr marL="0" marR="0" lvl="0" indent="0" algn="ctr" defTabSz="914400" rtl="0" eaLnBrk="1" fontAlgn="auto" latinLnBrk="0" hangingPunct="1">
-              <a:lnSpc>
-                <a:spcPct val="100000"/>
-              </a:lnSpc>
-              <a:spcBef>
-                <a:spcPts val="0"/>
-              </a:spcBef>
-              <a:spcAft>
-                <a:spcPts val="0"/>
-              </a:spcAft>
-              <a:buClrTx/>
-              <a:buSzTx/>
-              <a:buFontTx/>
-              <a:buNone/>
-              <a:tabLst/>
-              <a:defRPr/>
-            </a:pPr>
-            <a:endParaRPr kumimoji="0" lang="en-US" sz="1800" b="0" i="0" u="none" strike="noStrike" kern="1200" cap="none" spc="0" normalizeH="0" baseline="0" noProof="0">
-              <a:ln>
-                <a:noFill/>
-              </a:ln>
+            <a:pPr algn="ctr"/>
+            <a:endParaRPr lang="en-US">
               <a:solidFill>
                 <a:prstClr val="white"/>
               </a:solidFill>
-              <a:effectLst/>
-              <a:uLnTx/>
-              <a:uFillTx/>
               <a:latin typeface="Calibri" panose="020F0502020204030204"/>
-              <a:ea typeface="+mn-ea"/>
-              <a:cs typeface="+mn-cs"/>
             </a:endParaRPr>
           </a:p>
         </p:txBody>
@@ -7752,8 +8127,8 @@
         </p:nvSpPr>
         <p:spPr>
           <a:xfrm>
-            <a:off x="841247" y="2359152"/>
-            <a:ext cx="3410712" cy="3425043"/>
+            <a:off x="7938532" y="2252870"/>
+            <a:ext cx="3404594" cy="3557016"/>
           </a:xfrm>
         </p:spPr>
         <p:txBody>
@@ -7764,59 +8139,34 @@
           <a:p>
             <a:r>
               <a:rPr lang="en-US" sz="1700"/>
-              <a:t>Each form of x</a:t>
-            </a:r>
-            <a:r>
-              <a:rPr lang="en-US" sz="1700" baseline="30000"/>
-              <a:t>5 </a:t>
-            </a:r>
+              <a:t>Query and Key matrices are then dotted,</a:t>
+            </a:r>
+            <a:endParaRPr lang="en-US" sz="1700" baseline="30000"/>
+          </a:p>
+          <a:p>
             <a:r>
               <a:rPr lang="en-US" sz="1700"/>
-              <a:t>can now become a different vector</a:t>
-            </a:r>
-            <a:endParaRPr lang="en-US" sz="1700" baseline="30000"/>
+              <a:t>Scaled (to prevent vanishing gradients),</a:t>
+            </a:r>
           </a:p>
           <a:p>
             <a:r>
               <a:rPr lang="en-US" sz="1700"/>
-              <a:t>The matrices can be learned through back prop</a:t>
-            </a:r>
-          </a:p>
-        </p:txBody>
-      </p:sp>
-      <p:pic>
-        <p:nvPicPr>
-          <p:cNvPr id="6" name="Picture 5">
-            <a:extLst>
-              <a:ext uri="{FF2B5EF4-FFF2-40B4-BE49-F238E27FC236}">
-                <a16:creationId xmlns:a16="http://schemas.microsoft.com/office/drawing/2014/main" id="{A694B09B-94CE-B611-C77E-78BEC699313C}"/>
-              </a:ext>
-            </a:extLst>
-          </p:cNvPr>
-          <p:cNvPicPr>
-            <a:picLocks noChangeAspect="1"/>
-          </p:cNvPicPr>
-          <p:nvPr/>
-        </p:nvPicPr>
-        <p:blipFill rotWithShape="1">
-          <a:blip r:embed="rId2"/>
-          <a:srcRect l="7006" r="1529" b="1"/>
-          <a:stretch/>
-        </p:blipFill>
-        <p:spPr>
-          <a:xfrm>
-            <a:off x="5124450" y="634382"/>
-            <a:ext cx="6657213" cy="5495162"/>
-          </a:xfrm>
-          <a:prstGeom prst="rect">
-            <a:avLst/>
-          </a:prstGeom>
-        </p:spPr>
-      </p:pic>
+              <a:t>Softmax, </a:t>
+            </a:r>
+          </a:p>
+          <a:p>
+            <a:r>
+              <a:rPr lang="en-US" sz="1700"/>
+              <a:t>Final dotting with the Value matrix</a:t>
+            </a:r>
+          </a:p>
+        </p:txBody>
+      </p:sp>
     </p:spTree>
     <p:extLst>
       <p:ext uri="{BB962C8B-B14F-4D97-AF65-F5344CB8AC3E}">
-        <p14:creationId xmlns:p14="http://schemas.microsoft.com/office/powerpoint/2010/main" val="2799099831"/>
+        <p14:creationId xmlns:p14="http://schemas.microsoft.com/office/powerpoint/2010/main" val="956132047"/>
       </p:ext>
     </p:extLst>
   </p:cSld>
@@ -7853,7 +8203,7 @@
       </p:grpSpPr>
       <p:sp useBgFill="1">
         <p:nvSpPr>
-          <p:cNvPr id="18" name="Rectangle 9">
+          <p:cNvPr id="11" name="Rectangle 10">
             <a:extLst>
               <a:ext uri="{FF2B5EF4-FFF2-40B4-BE49-F238E27FC236}">
                 <a16:creationId xmlns:a16="http://schemas.microsoft.com/office/drawing/2014/main" id="{5116E49A-CA4D-4983-969D-19FE3C55F387}"/>
@@ -7913,7 +8263,7 @@
       </p:sp>
       <p:sp useBgFill="1">
         <p:nvSpPr>
-          <p:cNvPr id="19" name="Rectangle 11">
+          <p:cNvPr id="13" name="Rectangle 12">
             <a:extLst>
               <a:ext uri="{FF2B5EF4-FFF2-40B4-BE49-F238E27FC236}">
                 <a16:creationId xmlns:a16="http://schemas.microsoft.com/office/drawing/2014/main" id="{57F6BDD4-E066-4008-8011-6CC31AEB4556}"/>
@@ -8040,17 +8390,17 @@
           <a:p>
             <a:r>
               <a:rPr lang="en-US" sz="2800"/>
-              <a:t>Scaled dot-product attention</a:t>
+              <a:t>Next time</a:t>
             </a:r>
           </a:p>
         </p:txBody>
       </p:sp>
       <p:pic>
         <p:nvPicPr>
-          <p:cNvPr id="5" name="Picture 4">
-            <a:extLst>
-              <a:ext uri="{FF2B5EF4-FFF2-40B4-BE49-F238E27FC236}">
-                <a16:creationId xmlns:a16="http://schemas.microsoft.com/office/drawing/2014/main" id="{78DFFE03-2E08-510B-086D-8D906EE8ED0C}"/>
+          <p:cNvPr id="6" name="Picture 5">
+            <a:extLst>
+              <a:ext uri="{FF2B5EF4-FFF2-40B4-BE49-F238E27FC236}">
+                <a16:creationId xmlns:a16="http://schemas.microsoft.com/office/drawing/2014/main" id="{E5DD0B85-AFBC-3199-5BFC-1084590AC5E9}"/>
               </a:ext>
             </a:extLst>
           </p:cNvPr>
@@ -8067,8 +8417,8 @@
         </p:blipFill>
         <p:spPr>
           <a:xfrm>
-            <a:off x="1378728" y="630936"/>
-            <a:ext cx="4713192" cy="5495544"/>
+            <a:off x="1825622" y="630936"/>
+            <a:ext cx="3819404" cy="5495544"/>
           </a:xfrm>
           <a:prstGeom prst="rect">
             <a:avLst/>
@@ -8077,7 +8427,7 @@
       </p:pic>
       <p:sp>
         <p:nvSpPr>
-          <p:cNvPr id="20" name="Rectangle 13">
+          <p:cNvPr id="15" name="Rectangle 14">
             <a:extLst>
               <a:ext uri="{FF2B5EF4-FFF2-40B4-BE49-F238E27FC236}">
                 <a16:creationId xmlns:a16="http://schemas.microsoft.com/office/drawing/2014/main" id="{2711A8FB-68FC-45FC-B01E-38F809E2D439}"/>
@@ -8145,7 +8495,7 @@
       </p:sp>
       <p:sp>
         <p:nvSpPr>
-          <p:cNvPr id="21" name="Rectangle 15">
+          <p:cNvPr id="17" name="Rectangle 16">
             <a:extLst>
               <a:ext uri="{FF2B5EF4-FFF2-40B4-BE49-F238E27FC236}">
                 <a16:creationId xmlns:a16="http://schemas.microsoft.com/office/drawing/2014/main" id="{281E2DF8-F6D8-4E5C-B76E-E082FD8C1FBD}"/>
@@ -8241,27 +8591,20 @@
           <a:lstStyle/>
           <a:p>
             <a:r>
-              <a:rPr lang="en-US" sz="1700"/>
-              <a:t>Query and Key matrices are then dotted,</a:t>
-            </a:r>
-            <a:endParaRPr lang="en-US" sz="1700" baseline="30000"/>
-          </a:p>
-          <a:p>
-            <a:r>
-              <a:rPr lang="en-US" sz="1700"/>
-              <a:t>Scaled (to prevent vanishing gradients),</a:t>
-            </a:r>
-          </a:p>
-          <a:p>
-            <a:r>
-              <a:rPr lang="en-US" sz="1700"/>
-              <a:t>Softmax, </a:t>
-            </a:r>
-          </a:p>
-          <a:p>
-            <a:r>
-              <a:rPr lang="en-US" sz="1700"/>
-              <a:t>Final dotting with the Value matrix</a:t>
+              <a:rPr lang="en-US" sz="1700" dirty="0"/>
+              <a:t>How are the matrices learned?</a:t>
+            </a:r>
+          </a:p>
+          <a:p>
+            <a:r>
+              <a:rPr lang="en-US" sz="1700" dirty="0"/>
+              <a:t>Multi-head attention</a:t>
+            </a:r>
+          </a:p>
+          <a:p>
+            <a:r>
+              <a:rPr lang="en-US" sz="1700" dirty="0"/>
+              <a:t>Transformers</a:t>
             </a:r>
           </a:p>
         </p:txBody>
@@ -8269,7 +8612,7 @@
     </p:spTree>
     <p:extLst>
       <p:ext uri="{BB962C8B-B14F-4D97-AF65-F5344CB8AC3E}">
-        <p14:creationId xmlns:p14="http://schemas.microsoft.com/office/powerpoint/2010/main" val="956132047"/>
+        <p14:creationId xmlns:p14="http://schemas.microsoft.com/office/powerpoint/2010/main" val="274231525"/>
       </p:ext>
     </p:extLst>
   </p:cSld>
@@ -8304,21 +8647,130 @@
           <a:chExt cx="0" cy="0"/>
         </a:xfrm>
       </p:grpSpPr>
-      <p:sp useBgFill="1">
-        <p:nvSpPr>
-          <p:cNvPr id="8" name="Rectangle 7">
-            <a:extLst>
-              <a:ext uri="{FF2B5EF4-FFF2-40B4-BE49-F238E27FC236}">
-                <a16:creationId xmlns:a16="http://schemas.microsoft.com/office/drawing/2014/main" id="{DAF1966E-FD40-4A4A-B61B-C4DF7FA05F06}"/>
+      <p:sp>
+        <p:nvSpPr>
+          <p:cNvPr id="2" name="Title 1">
+            <a:extLst>
+              <a:ext uri="{FF2B5EF4-FFF2-40B4-BE49-F238E27FC236}">
+                <a16:creationId xmlns:a16="http://schemas.microsoft.com/office/drawing/2014/main" id="{39624F12-E5F9-7075-1E1C-D7CD5ECE6A37}"/>
+              </a:ext>
+            </a:extLst>
+          </p:cNvPr>
+          <p:cNvSpPr>
+            <a:spLocks noGrp="1"/>
+          </p:cNvSpPr>
+          <p:nvPr>
+            <p:ph type="title"/>
+          </p:nvPr>
+        </p:nvSpPr>
+        <p:spPr>
+          <a:xfrm>
+            <a:off x="4965430" y="629268"/>
+            <a:ext cx="6586491" cy="1286160"/>
+          </a:xfrm>
+        </p:spPr>
+        <p:txBody>
+          <a:bodyPr anchor="b">
+            <a:normAutofit/>
+          </a:bodyPr>
+          <a:lstStyle/>
+          <a:p>
+            <a:r>
+              <a:rPr lang="en-US" dirty="0"/>
+              <a:t>Why is attention important?</a:t>
+            </a:r>
+          </a:p>
+        </p:txBody>
+      </p:sp>
+      <p:sp>
+        <p:nvSpPr>
+          <p:cNvPr id="3" name="Content Placeholder 2">
+            <a:extLst>
+              <a:ext uri="{FF2B5EF4-FFF2-40B4-BE49-F238E27FC236}">
+                <a16:creationId xmlns:a16="http://schemas.microsoft.com/office/drawing/2014/main" id="{16EC3815-5E4C-16D1-729D-7777FEC5E279}"/>
+              </a:ext>
+            </a:extLst>
+          </p:cNvPr>
+          <p:cNvSpPr>
+            <a:spLocks noGrp="1"/>
+          </p:cNvSpPr>
+          <p:nvPr>
+            <p:ph idx="1"/>
+          </p:nvPr>
+        </p:nvSpPr>
+        <p:spPr>
+          <a:xfrm>
+            <a:off x="4965431" y="2438400"/>
+            <a:ext cx="6586489" cy="3785419"/>
+          </a:xfrm>
+        </p:spPr>
+        <p:txBody>
+          <a:bodyPr>
+            <a:normAutofit/>
+          </a:bodyPr>
+          <a:lstStyle/>
+          <a:p>
+            <a:pPr marL="0" indent="0">
+              <a:buNone/>
+            </a:pPr>
+            <a:r>
+              <a:rPr lang="en-US" sz="2000" dirty="0"/>
+              <a:t>Attention is at the heart of all transformer models; in fact, “attention is all you need”</a:t>
+            </a:r>
+          </a:p>
+          <a:p>
+            <a:endParaRPr lang="en-US" sz="2000" dirty="0"/>
+          </a:p>
+          <a:p>
+            <a:endParaRPr lang="en-US" sz="2000" dirty="0"/>
+          </a:p>
+        </p:txBody>
+      </p:sp>
+      <p:pic>
+        <p:nvPicPr>
+          <p:cNvPr id="16" name="Picture 15" descr="One glowing light bulb in sea of unlit bulbs">
+            <a:extLst>
+              <a:ext uri="{FF2B5EF4-FFF2-40B4-BE49-F238E27FC236}">
+                <a16:creationId xmlns:a16="http://schemas.microsoft.com/office/drawing/2014/main" id="{DC9660E7-1356-FEF4-29F0-65E19891BA1D}"/>
+              </a:ext>
+            </a:extLst>
+          </p:cNvPr>
+          <p:cNvPicPr>
+            <a:picLocks noChangeAspect="1"/>
+          </p:cNvPicPr>
+          <p:nvPr/>
+        </p:nvPicPr>
+        <p:blipFill rotWithShape="1">
+          <a:blip r:embed="rId2"/>
+          <a:srcRect l="27039" r="22266"/>
+          <a:stretch/>
+        </p:blipFill>
+        <p:spPr>
+          <a:xfrm>
+            <a:off x="20" y="10"/>
+            <a:ext cx="4635571" cy="6857990"/>
+          </a:xfrm>
+          <a:prstGeom prst="rect">
+            <a:avLst/>
+          </a:prstGeom>
+          <a:effectLst/>
+        </p:spPr>
+      </p:pic>
+      <p:cxnSp>
+        <p:nvCxnSpPr>
+          <p:cNvPr id="20" name="Straight Connector 19">
+            <a:extLst>
+              <a:ext uri="{FF2B5EF4-FFF2-40B4-BE49-F238E27FC236}">
+                <a16:creationId xmlns:a16="http://schemas.microsoft.com/office/drawing/2014/main" id="{A7F400EE-A8A5-48AF-B4D6-291B52C6F0B0}"/>
               </a:ext>
               <a:ext uri="{C183D7F6-B498-43B3-948B-1728B52AA6E4}">
                 <adec:decorative xmlns:adec="http://schemas.microsoft.com/office/drawing/2017/decorative" val="1"/>
               </a:ext>
             </a:extLst>
           </p:cNvPr>
-          <p:cNvSpPr>
-            <a:spLocks noGrp="1" noRot="1" noChangeAspect="1" noMove="1" noResize="1" noEditPoints="1" noAdjustHandles="1" noChangeArrowheads="1" noChangeShapeType="1" noTextEdit="1"/>
-          </p:cNvSpPr>
+          <p:cNvCxnSpPr>
+            <a:cxnSpLocks noGrp="1" noRot="1" noChangeAspect="1" noMove="1" noResize="1" noEditPoints="1" noAdjustHandles="1" noChangeArrowheads="1" noChangeShapeType="1"/>
+          </p:cNvCxnSpPr>
           <p:nvPr>
             <p:extLst>
               <p:ext uri="{386F3935-93C4-4BCD-93E2-E3B085C9AB24}">
@@ -8326,407 +8778,36 @@
               </p:ext>
             </p:extLst>
           </p:nvPr>
-        </p:nvSpPr>
-        <p:spPr>
-          <a:xfrm>
-            <a:off x="0" y="0"/>
-            <a:ext cx="12192000" cy="6858000"/>
-          </a:xfrm>
-          <a:prstGeom prst="rect">
+        </p:nvCxnSpPr>
+        <p:spPr>
+          <a:xfrm>
+            <a:off x="5080934" y="2115117"/>
+            <a:ext cx="6309360" cy="0"/>
+          </a:xfrm>
+          <a:prstGeom prst="line">
             <a:avLst/>
           </a:prstGeom>
-          <a:ln>
-            <a:noFill/>
+          <a:ln w="19050">
+            <a:solidFill>
+              <a:srgbClr val="3A5C8F"/>
+            </a:solidFill>
           </a:ln>
         </p:spPr>
         <p:style>
-          <a:lnRef idx="2">
-            <a:schemeClr val="accent1">
-              <a:shade val="50000"/>
-            </a:schemeClr>
+          <a:lnRef idx="1">
+            <a:schemeClr val="accent1"/>
           </a:lnRef>
-          <a:fillRef idx="1">
+          <a:fillRef idx="0">
             <a:schemeClr val="accent1"/>
           </a:fillRef>
           <a:effectRef idx="0">
             <a:schemeClr val="accent1"/>
           </a:effectRef>
           <a:fontRef idx="minor">
-            <a:schemeClr val="lt1"/>
+            <a:schemeClr val="tx1"/>
           </a:fontRef>
         </p:style>
-        <p:txBody>
-          <a:bodyPr rtlCol="0" anchor="ctr"/>
-          <a:lstStyle/>
-          <a:p>
-            <a:pPr algn="ctr"/>
-            <a:endParaRPr lang="en-US"/>
-          </a:p>
-        </p:txBody>
-      </p:sp>
-      <p:sp useBgFill="1">
-        <p:nvSpPr>
-          <p:cNvPr id="10" name="Rectangle 9">
-            <a:extLst>
-              <a:ext uri="{FF2B5EF4-FFF2-40B4-BE49-F238E27FC236}">
-                <a16:creationId xmlns:a16="http://schemas.microsoft.com/office/drawing/2014/main" id="{047BFA19-D45E-416B-A404-7AF2F3F27017}"/>
-              </a:ext>
-              <a:ext uri="{C183D7F6-B498-43B3-948B-1728B52AA6E4}">
-                <adec:decorative xmlns:adec="http://schemas.microsoft.com/office/drawing/2017/decorative" val="1"/>
-              </a:ext>
-            </a:extLst>
-          </p:cNvPr>
-          <p:cNvSpPr>
-            <a:spLocks noGrp="1" noRot="1" noChangeAspect="1" noMove="1" noResize="1" noEditPoints="1" noAdjustHandles="1" noChangeArrowheads="1" noChangeShapeType="1" noTextEdit="1"/>
-          </p:cNvSpPr>
-          <p:nvPr>
-            <p:extLst>
-              <p:ext uri="{386F3935-93C4-4BCD-93E2-E3B085C9AB24}">
-                <p16:designElem xmlns:p16="http://schemas.microsoft.com/office/powerpoint/2015/main" val="1"/>
-              </p:ext>
-            </p:extLst>
-          </p:nvPr>
-        </p:nvSpPr>
-        <p:spPr>
-          <a:xfrm>
-            <a:off x="558209" y="0"/>
-            <a:ext cx="11167447" cy="2018806"/>
-          </a:xfrm>
-          <a:prstGeom prst="rect">
-            <a:avLst/>
-          </a:prstGeom>
-          <a:ln w="9525">
-            <a:solidFill>
-              <a:srgbClr val="E1E1E1"/>
-            </a:solidFill>
-          </a:ln>
-          <a:effectLst>
-            <a:outerShdw blurRad="50800" dist="38100" dir="2700000" algn="tl" rotWithShape="0">
-              <a:schemeClr val="bg1">
-                <a:lumMod val="85000"/>
-                <a:alpha val="50000"/>
-              </a:schemeClr>
-            </a:outerShdw>
-          </a:effectLst>
-        </p:spPr>
-        <p:style>
-          <a:lnRef idx="2">
-            <a:schemeClr val="accent1">
-              <a:shade val="50000"/>
-            </a:schemeClr>
-          </a:lnRef>
-          <a:fillRef idx="1">
-            <a:schemeClr val="accent1"/>
-          </a:fillRef>
-          <a:effectRef idx="0">
-            <a:schemeClr val="accent1"/>
-          </a:effectRef>
-          <a:fontRef idx="minor">
-            <a:schemeClr val="lt1"/>
-          </a:fontRef>
-        </p:style>
-        <p:txBody>
-          <a:bodyPr rtlCol="0" anchor="ctr"/>
-          <a:lstStyle/>
-          <a:p>
-            <a:pPr marL="0" marR="0" lvl="0" indent="0" algn="ctr" defTabSz="914400" rtl="0" eaLnBrk="1" fontAlgn="auto" latinLnBrk="0" hangingPunct="1">
-              <a:lnSpc>
-                <a:spcPct val="100000"/>
-              </a:lnSpc>
-              <a:spcBef>
-                <a:spcPts val="0"/>
-              </a:spcBef>
-              <a:spcAft>
-                <a:spcPts val="0"/>
-              </a:spcAft>
-              <a:buClrTx/>
-              <a:buSzTx/>
-              <a:buFontTx/>
-              <a:buNone/>
-              <a:tabLst/>
-              <a:defRPr/>
-            </a:pPr>
-            <a:endParaRPr kumimoji="0" lang="en-US" sz="1800" b="0" i="0" u="none" strike="noStrike" kern="1200" cap="none" spc="0" normalizeH="0" baseline="0" noProof="0">
-              <a:ln>
-                <a:noFill/>
-              </a:ln>
-              <a:solidFill>
-                <a:prstClr val="white"/>
-              </a:solidFill>
-              <a:effectLst/>
-              <a:uLnTx/>
-              <a:uFillTx/>
-              <a:latin typeface="Calibri" panose="020F0502020204030204"/>
-              <a:ea typeface="+mn-ea"/>
-              <a:cs typeface="+mn-cs"/>
-            </a:endParaRPr>
-          </a:p>
-        </p:txBody>
-      </p:sp>
-      <p:sp useBgFill="1">
-        <p:nvSpPr>
-          <p:cNvPr id="12" name="Rectangle 11">
-            <a:extLst>
-              <a:ext uri="{FF2B5EF4-FFF2-40B4-BE49-F238E27FC236}">
-                <a16:creationId xmlns:a16="http://schemas.microsoft.com/office/drawing/2014/main" id="{8E0105E7-23DB-4CF2-8258-FF47C7620F6E}"/>
-              </a:ext>
-              <a:ext uri="{C183D7F6-B498-43B3-948B-1728B52AA6E4}">
-                <adec:decorative xmlns:adec="http://schemas.microsoft.com/office/drawing/2017/decorative" val="1"/>
-              </a:ext>
-            </a:extLst>
-          </p:cNvPr>
-          <p:cNvSpPr>
-            <a:spLocks noGrp="1" noRot="1" noChangeAspect="1" noMove="1" noResize="1" noEditPoints="1" noAdjustHandles="1" noChangeArrowheads="1" noChangeShapeType="1" noTextEdit="1"/>
-          </p:cNvSpPr>
-          <p:nvPr>
-            <p:extLst>
-              <p:ext uri="{386F3935-93C4-4BCD-93E2-E3B085C9AB24}">
-                <p16:designElem xmlns:p16="http://schemas.microsoft.com/office/powerpoint/2015/main" val="1"/>
-              </p:ext>
-            </p:extLst>
-          </p:nvPr>
-        </p:nvSpPr>
-        <p:spPr>
-          <a:xfrm>
-            <a:off x="566928" y="0"/>
-            <a:ext cx="11155680" cy="2011680"/>
-          </a:xfrm>
-          <a:prstGeom prst="rect">
-            <a:avLst/>
-          </a:prstGeom>
-          <a:ln w="9525">
-            <a:noFill/>
-          </a:ln>
-          <a:effectLst/>
-        </p:spPr>
-        <p:style>
-          <a:lnRef idx="2">
-            <a:schemeClr val="accent1">
-              <a:shade val="50000"/>
-            </a:schemeClr>
-          </a:lnRef>
-          <a:fillRef idx="1">
-            <a:schemeClr val="accent1"/>
-          </a:fillRef>
-          <a:effectRef idx="0">
-            <a:schemeClr val="accent1"/>
-          </a:effectRef>
-          <a:fontRef idx="minor">
-            <a:schemeClr val="lt1"/>
-          </a:fontRef>
-        </p:style>
-        <p:txBody>
-          <a:bodyPr rtlCol="0" anchor="ctr"/>
-          <a:lstStyle/>
-          <a:p>
-            <a:pPr marL="0" marR="0" lvl="0" indent="0" algn="ctr" defTabSz="914400" rtl="0" eaLnBrk="1" fontAlgn="auto" latinLnBrk="0" hangingPunct="1">
-              <a:lnSpc>
-                <a:spcPct val="100000"/>
-              </a:lnSpc>
-              <a:spcBef>
-                <a:spcPts val="0"/>
-              </a:spcBef>
-              <a:spcAft>
-                <a:spcPts val="0"/>
-              </a:spcAft>
-              <a:buClrTx/>
-              <a:buSzTx/>
-              <a:buFontTx/>
-              <a:buNone/>
-              <a:tabLst/>
-              <a:defRPr/>
-            </a:pPr>
-            <a:endParaRPr kumimoji="0" lang="en-US" sz="1800" b="0" i="0" u="none" strike="noStrike" kern="1200" cap="none" spc="0" normalizeH="0" baseline="0" noProof="0">
-              <a:ln>
-                <a:noFill/>
-              </a:ln>
-              <a:solidFill>
-                <a:prstClr val="white"/>
-              </a:solidFill>
-              <a:effectLst/>
-              <a:uLnTx/>
-              <a:uFillTx/>
-              <a:latin typeface="Calibri" panose="020F0502020204030204"/>
-              <a:ea typeface="+mn-ea"/>
-              <a:cs typeface="+mn-cs"/>
-            </a:endParaRPr>
-          </a:p>
-        </p:txBody>
-      </p:sp>
-      <p:sp>
-        <p:nvSpPr>
-          <p:cNvPr id="2" name="Title 1">
-            <a:extLst>
-              <a:ext uri="{FF2B5EF4-FFF2-40B4-BE49-F238E27FC236}">
-                <a16:creationId xmlns:a16="http://schemas.microsoft.com/office/drawing/2014/main" id="{39624F12-E5F9-7075-1E1C-D7CD5ECE6A37}"/>
-              </a:ext>
-            </a:extLst>
-          </p:cNvPr>
-          <p:cNvSpPr>
-            <a:spLocks noGrp="1"/>
-          </p:cNvSpPr>
-          <p:nvPr>
-            <p:ph type="title"/>
-          </p:nvPr>
-        </p:nvSpPr>
-        <p:spPr>
-          <a:xfrm>
-            <a:off x="1115568" y="548640"/>
-            <a:ext cx="10168128" cy="1179576"/>
-          </a:xfrm>
-        </p:spPr>
-        <p:txBody>
-          <a:bodyPr>
-            <a:normAutofit/>
-          </a:bodyPr>
-          <a:lstStyle/>
-          <a:p>
-            <a:r>
-              <a:rPr lang="en-US" sz="4000" dirty="0"/>
-              <a:t>The goal: sequence to sequence </a:t>
-            </a:r>
-          </a:p>
-        </p:txBody>
-      </p:sp>
-      <p:sp>
-        <p:nvSpPr>
-          <p:cNvPr id="14" name="Rectangle 13">
-            <a:extLst>
-              <a:ext uri="{FF2B5EF4-FFF2-40B4-BE49-F238E27FC236}">
-                <a16:creationId xmlns:a16="http://schemas.microsoft.com/office/drawing/2014/main" id="{074B4F7D-14B2-478B-8BF5-01E4E0C5D263}"/>
-              </a:ext>
-              <a:ext uri="{C183D7F6-B498-43B3-948B-1728B52AA6E4}">
-                <adec:decorative xmlns:adec="http://schemas.microsoft.com/office/drawing/2017/decorative" val="1"/>
-              </a:ext>
-            </a:extLst>
-          </p:cNvPr>
-          <p:cNvSpPr>
-            <a:spLocks noGrp="1" noRot="1" noChangeAspect="1" noMove="1" noResize="1" noEditPoints="1" noAdjustHandles="1" noChangeArrowheads="1" noChangeShapeType="1" noTextEdit="1"/>
-          </p:cNvSpPr>
-          <p:nvPr>
-            <p:extLst>
-              <p:ext uri="{386F3935-93C4-4BCD-93E2-E3B085C9AB24}">
-                <p16:designElem xmlns:p16="http://schemas.microsoft.com/office/powerpoint/2015/main" val="1"/>
-              </p:ext>
-            </p:extLst>
-          </p:nvPr>
-        </p:nvSpPr>
-        <p:spPr>
-          <a:xfrm>
-            <a:off x="498834" y="758952"/>
-            <a:ext cx="128016" cy="704088"/>
-          </a:xfrm>
-          <a:prstGeom prst="rect">
-            <a:avLst/>
-          </a:prstGeom>
-          <a:solidFill>
-            <a:schemeClr val="accent2"/>
-          </a:solidFill>
-          <a:ln>
-            <a:noFill/>
-          </a:ln>
-        </p:spPr>
-        <p:style>
-          <a:lnRef idx="2">
-            <a:schemeClr val="accent1">
-              <a:shade val="50000"/>
-            </a:schemeClr>
-          </a:lnRef>
-          <a:fillRef idx="1">
-            <a:schemeClr val="accent1"/>
-          </a:fillRef>
-          <a:effectRef idx="0">
-            <a:schemeClr val="accent1"/>
-          </a:effectRef>
-          <a:fontRef idx="minor">
-            <a:schemeClr val="lt1"/>
-          </a:fontRef>
-        </p:style>
-        <p:txBody>
-          <a:bodyPr rtlCol="0" anchor="ctr"/>
-          <a:lstStyle/>
-          <a:p>
-            <a:pPr algn="ctr"/>
-            <a:endParaRPr lang="en-US">
-              <a:solidFill>
-                <a:prstClr val="white"/>
-              </a:solidFill>
-              <a:latin typeface="Calibri" panose="020F0502020204030204"/>
-            </a:endParaRPr>
-          </a:p>
-        </p:txBody>
-      </p:sp>
-      <p:sp>
-        <p:nvSpPr>
-          <p:cNvPr id="3" name="Content Placeholder 2">
-            <a:extLst>
-              <a:ext uri="{FF2B5EF4-FFF2-40B4-BE49-F238E27FC236}">
-                <a16:creationId xmlns:a16="http://schemas.microsoft.com/office/drawing/2014/main" id="{16EC3815-5E4C-16D1-729D-7777FEC5E279}"/>
-              </a:ext>
-            </a:extLst>
-          </p:cNvPr>
-          <p:cNvSpPr>
-            <a:spLocks noGrp="1"/>
-          </p:cNvSpPr>
-          <p:nvPr>
-            <p:ph idx="1"/>
-          </p:nvPr>
-        </p:nvSpPr>
-        <p:spPr>
-          <a:xfrm>
-            <a:off x="1115568" y="2481943"/>
-            <a:ext cx="10168128" cy="3695020"/>
-          </a:xfrm>
-        </p:spPr>
-        <p:txBody>
-          <a:bodyPr>
-            <a:normAutofit/>
-          </a:bodyPr>
-          <a:lstStyle/>
-          <a:p>
-            <a:r>
-              <a:rPr lang="en-US" sz="2200" dirty="0"/>
-              <a:t>A sequence-to-sequence layer is a neural network layer that takes as an input a sequence of elements and outputs another. </a:t>
-            </a:r>
-          </a:p>
-          <a:p>
-            <a:r>
-              <a:rPr lang="en-US" sz="2200" dirty="0"/>
-              <a:t>It is often used in language translation tasks, but the input can be pixels instead of words, so there’s a direct application in image processing as well.</a:t>
-            </a:r>
-          </a:p>
-          <a:p>
-            <a:r>
-              <a:rPr lang="en-US" sz="2200" dirty="0"/>
-              <a:t>Sequence-to-sequence layers can be causal (can only look backwards), or non-</a:t>
-            </a:r>
-            <a:r>
-              <a:rPr lang="en-US" sz="2200" dirty="0" err="1"/>
-              <a:t>causual</a:t>
-            </a:r>
-            <a:r>
-              <a:rPr lang="en-US" sz="2200" dirty="0"/>
-              <a:t> (forward and backwards)</a:t>
-            </a:r>
-          </a:p>
-          <a:p>
-            <a:r>
-              <a:rPr lang="en-US" sz="2200" b="1" dirty="0"/>
-              <a:t>The goal</a:t>
-            </a:r>
-            <a:r>
-              <a:rPr lang="en-US" sz="2200" dirty="0"/>
-              <a:t> is to provide an implementation which can be executed fast (in parallel) and allow for distant comparison of elements in a performant manner. </a:t>
-            </a:r>
-          </a:p>
-          <a:p>
-            <a:endParaRPr lang="en-US" sz="2200" dirty="0"/>
-          </a:p>
-          <a:p>
-            <a:endParaRPr lang="en-US" sz="2200" dirty="0"/>
-          </a:p>
-        </p:txBody>
-      </p:sp>
+      </p:cxnSp>
     </p:spTree>
     <p:extLst>
       <p:ext uri="{BB962C8B-B14F-4D97-AF65-F5344CB8AC3E}">
@@ -8740,17 +8821,9 @@
 </p:sld>
 </file>
 
-<file path=ppt/slides/slide20.xml><?xml version="1.0" encoding="utf-8"?>
+<file path=ppt/slides/slide3.xml><?xml version="1.0" encoding="utf-8"?>
 <p:sld xmlns:a="http://schemas.openxmlformats.org/drawingml/2006/main" xmlns:r="http://schemas.openxmlformats.org/officeDocument/2006/relationships" xmlns:p="http://schemas.openxmlformats.org/presentationml/2006/main">
   <p:cSld>
-    <p:bg>
-      <p:bgPr>
-        <a:solidFill>
-          <a:schemeClr val="bg1"/>
-        </a:solidFill>
-        <a:effectLst/>
-      </p:bgPr>
-    </p:bg>
     <p:spTree>
       <p:nvGrpSpPr>
         <p:cNvPr id="1" name=""/>
@@ -8765,171 +8838,12 @@
           <a:chExt cx="0" cy="0"/>
         </a:xfrm>
       </p:grpSpPr>
-      <p:sp useBgFill="1">
-        <p:nvSpPr>
-          <p:cNvPr id="11" name="Rectangle 10">
-            <a:extLst>
-              <a:ext uri="{FF2B5EF4-FFF2-40B4-BE49-F238E27FC236}">
-                <a16:creationId xmlns:a16="http://schemas.microsoft.com/office/drawing/2014/main" id="{5116E49A-CA4D-4983-969D-19FE3C55F387}"/>
-              </a:ext>
-              <a:ext uri="{C183D7F6-B498-43B3-948B-1728B52AA6E4}">
-                <adec:decorative xmlns:adec="http://schemas.microsoft.com/office/drawing/2017/decorative" val="1"/>
-              </a:ext>
-            </a:extLst>
-          </p:cNvPr>
-          <p:cNvSpPr>
-            <a:spLocks noGrp="1" noRot="1" noChangeAspect="1" noMove="1" noResize="1" noEditPoints="1" noAdjustHandles="1" noChangeArrowheads="1" noChangeShapeType="1" noTextEdit="1"/>
-          </p:cNvSpPr>
-          <p:nvPr>
-            <p:extLst>
-              <p:ext uri="{386F3935-93C4-4BCD-93E2-E3B085C9AB24}">
-                <p16:designElem xmlns:p16="http://schemas.microsoft.com/office/powerpoint/2015/main" val="1"/>
-              </p:ext>
-            </p:extLst>
-          </p:nvPr>
-        </p:nvSpPr>
-        <p:spPr>
-          <a:xfrm>
-            <a:off x="0" y="0"/>
-            <a:ext cx="12192000" cy="6858000"/>
-          </a:xfrm>
-          <a:prstGeom prst="rect">
-            <a:avLst/>
-          </a:prstGeom>
-          <a:ln>
-            <a:noFill/>
-          </a:ln>
-        </p:spPr>
-        <p:style>
-          <a:lnRef idx="2">
-            <a:schemeClr val="accent1">
-              <a:shade val="50000"/>
-            </a:schemeClr>
-          </a:lnRef>
-          <a:fillRef idx="1">
-            <a:schemeClr val="accent1"/>
-          </a:fillRef>
-          <a:effectRef idx="0">
-            <a:schemeClr val="accent1"/>
-          </a:effectRef>
-          <a:fontRef idx="minor">
-            <a:schemeClr val="lt1"/>
-          </a:fontRef>
-        </p:style>
-        <p:txBody>
-          <a:bodyPr rtlCol="0" anchor="ctr"/>
-          <a:lstStyle/>
-          <a:p>
-            <a:pPr algn="ctr"/>
-            <a:endParaRPr lang="en-US"/>
-          </a:p>
-        </p:txBody>
-      </p:sp>
-      <p:sp useBgFill="1">
-        <p:nvSpPr>
-          <p:cNvPr id="13" name="Rectangle 12">
-            <a:extLst>
-              <a:ext uri="{FF2B5EF4-FFF2-40B4-BE49-F238E27FC236}">
-                <a16:creationId xmlns:a16="http://schemas.microsoft.com/office/drawing/2014/main" id="{57F6BDD4-E066-4008-8011-6CC31AEB4556}"/>
-              </a:ext>
-              <a:ext uri="{C183D7F6-B498-43B3-948B-1728B52AA6E4}">
-                <adec:decorative xmlns:adec="http://schemas.microsoft.com/office/drawing/2017/decorative" val="1"/>
-              </a:ext>
-            </a:extLst>
-          </p:cNvPr>
-          <p:cNvSpPr>
-            <a:spLocks noGrp="1" noRot="1" noChangeAspect="1" noMove="1" noResize="1" noEditPoints="1" noAdjustHandles="1" noChangeArrowheads="1" noChangeShapeType="1" noTextEdit="1"/>
-          </p:cNvSpPr>
-          <p:nvPr>
-            <p:extLst>
-              <p:ext uri="{386F3935-93C4-4BCD-93E2-E3B085C9AB24}">
-                <p16:designElem xmlns:p16="http://schemas.microsoft.com/office/powerpoint/2015/main" val="1"/>
-              </p:ext>
-            </p:extLst>
-          </p:nvPr>
-        </p:nvSpPr>
-        <p:spPr>
-          <a:xfrm>
-            <a:off x="7503041" y="633619"/>
-            <a:ext cx="4279383" cy="5495925"/>
-          </a:xfrm>
-          <a:prstGeom prst="rect">
-            <a:avLst/>
-          </a:prstGeom>
-          <a:ln w="9525">
-            <a:solidFill>
-              <a:srgbClr val="DEDEDE"/>
-            </a:solidFill>
-          </a:ln>
-          <a:effectLst>
-            <a:outerShdw blurRad="50800" dist="38100" dir="2700000" algn="tl" rotWithShape="0">
-              <a:schemeClr val="bg1">
-                <a:lumMod val="85000"/>
-                <a:alpha val="50000"/>
-              </a:schemeClr>
-            </a:outerShdw>
-          </a:effectLst>
-        </p:spPr>
-        <p:style>
-          <a:lnRef idx="2">
-            <a:schemeClr val="accent1">
-              <a:shade val="50000"/>
-            </a:schemeClr>
-          </a:lnRef>
-          <a:fillRef idx="1">
-            <a:schemeClr val="accent1"/>
-          </a:fillRef>
-          <a:effectRef idx="0">
-            <a:schemeClr val="accent1"/>
-          </a:effectRef>
-          <a:fontRef idx="minor">
-            <a:schemeClr val="lt1"/>
-          </a:fontRef>
-        </p:style>
-        <p:txBody>
-          <a:bodyPr rtlCol="0" anchor="ctr"/>
-          <a:lstStyle/>
-          <a:p>
-            <a:pPr marL="0" marR="0" lvl="0" indent="0" algn="ctr" defTabSz="914400" rtl="0" eaLnBrk="1" fontAlgn="auto" latinLnBrk="0" hangingPunct="1">
-              <a:lnSpc>
-                <a:spcPct val="100000"/>
-              </a:lnSpc>
-              <a:spcBef>
-                <a:spcPts val="0"/>
-              </a:spcBef>
-              <a:spcAft>
-                <a:spcPts val="0"/>
-              </a:spcAft>
-              <a:buClrTx/>
-              <a:buSzTx/>
-              <a:buFontTx/>
-              <a:buNone/>
-              <a:tabLst/>
-              <a:defRPr/>
-            </a:pPr>
-            <a:endParaRPr kumimoji="0" lang="en-US" sz="1800" b="0" i="0" u="none" strike="noStrike" kern="1200" cap="none" spc="0" normalizeH="0" baseline="0" noProof="0" dirty="0">
-              <a:ln>
-                <a:noFill/>
-              </a:ln>
-              <a:solidFill>
-                <a:prstClr val="white"/>
-              </a:solidFill>
-              <a:effectLst/>
-              <a:uLnTx/>
-              <a:uFillTx/>
-              <a:latin typeface="Calibri" panose="020F0502020204030204"/>
-              <a:ea typeface="+mn-ea"/>
-              <a:cs typeface="+mn-cs"/>
-            </a:endParaRPr>
-          </a:p>
-        </p:txBody>
-      </p:sp>
       <p:sp>
         <p:nvSpPr>
           <p:cNvPr id="2" name="Title 1">
             <a:extLst>
               <a:ext uri="{FF2B5EF4-FFF2-40B4-BE49-F238E27FC236}">
-                <a16:creationId xmlns:a16="http://schemas.microsoft.com/office/drawing/2014/main" id="{05B462F1-C180-2283-7339-0B49070EFF39}"/>
+                <a16:creationId xmlns:a16="http://schemas.microsoft.com/office/drawing/2014/main" id="{39624F12-E5F9-7075-1E1C-D7CD5ECE6A37}"/>
               </a:ext>
             </a:extLst>
           </p:cNvPr>
@@ -8942,8 +8856,8 @@
         </p:nvSpPr>
         <p:spPr>
           <a:xfrm>
-            <a:off x="7938533" y="978619"/>
-            <a:ext cx="3404594" cy="1106424"/>
+            <a:off x="1115568" y="548640"/>
+            <a:ext cx="10168128" cy="1179576"/>
           </a:xfrm>
         </p:spPr>
         <p:txBody>
@@ -8953,176 +8867,9 @@
           <a:lstStyle/>
           <a:p>
             <a:r>
-              <a:rPr lang="en-US" sz="2800"/>
-              <a:t>Next time</a:t>
-            </a:r>
-          </a:p>
-        </p:txBody>
-      </p:sp>
-      <p:pic>
-        <p:nvPicPr>
-          <p:cNvPr id="6" name="Picture 5">
-            <a:extLst>
-              <a:ext uri="{FF2B5EF4-FFF2-40B4-BE49-F238E27FC236}">
-                <a16:creationId xmlns:a16="http://schemas.microsoft.com/office/drawing/2014/main" id="{E5DD0B85-AFBC-3199-5BFC-1084590AC5E9}"/>
-              </a:ext>
-            </a:extLst>
-          </p:cNvPr>
-          <p:cNvPicPr>
-            <a:picLocks noChangeAspect="1"/>
-          </p:cNvPicPr>
-          <p:nvPr/>
-        </p:nvPicPr>
-        <p:blipFill>
-          <a:blip r:embed="rId2"/>
-          <a:stretch>
-            <a:fillRect/>
-          </a:stretch>
-        </p:blipFill>
-        <p:spPr>
-          <a:xfrm>
-            <a:off x="1825622" y="630936"/>
-            <a:ext cx="3819404" cy="5495544"/>
-          </a:xfrm>
-          <a:prstGeom prst="rect">
-            <a:avLst/>
-          </a:prstGeom>
-        </p:spPr>
-      </p:pic>
-      <p:sp>
-        <p:nvSpPr>
-          <p:cNvPr id="15" name="Rectangle 14">
-            <a:extLst>
-              <a:ext uri="{FF2B5EF4-FFF2-40B4-BE49-F238E27FC236}">
-                <a16:creationId xmlns:a16="http://schemas.microsoft.com/office/drawing/2014/main" id="{2711A8FB-68FC-45FC-B01E-38F809E2D439}"/>
-              </a:ext>
-              <a:ext uri="{C183D7F6-B498-43B3-948B-1728B52AA6E4}">
-                <adec:decorative xmlns:adec="http://schemas.microsoft.com/office/drawing/2017/decorative" val="1"/>
-              </a:ext>
-            </a:extLst>
-          </p:cNvPr>
-          <p:cNvSpPr>
-            <a:spLocks noGrp="1" noRot="1" noChangeAspect="1" noMove="1" noResize="1" noEditPoints="1" noAdjustHandles="1" noChangeArrowheads="1" noChangeShapeType="1" noTextEdit="1"/>
-          </p:cNvSpPr>
-          <p:nvPr>
-            <p:extLst>
-              <p:ext uri="{386F3935-93C4-4BCD-93E2-E3B085C9AB24}">
-                <p16:designElem xmlns:p16="http://schemas.microsoft.com/office/powerpoint/2015/main" val="1"/>
-              </p:ext>
-            </p:extLst>
-          </p:nvPr>
-        </p:nvSpPr>
-        <p:spPr>
-          <a:xfrm>
-            <a:off x="7439033" y="1181536"/>
-            <a:ext cx="128016" cy="704088"/>
-          </a:xfrm>
-          <a:prstGeom prst="rect">
-            <a:avLst/>
-          </a:prstGeom>
-          <a:solidFill>
-            <a:schemeClr val="accent2"/>
-          </a:solidFill>
-          <a:ln>
-            <a:noFill/>
-          </a:ln>
-        </p:spPr>
-        <p:style>
-          <a:lnRef idx="2">
-            <a:schemeClr val="accent1">
-              <a:shade val="50000"/>
-            </a:schemeClr>
-          </a:lnRef>
-          <a:fillRef idx="1">
-            <a:schemeClr val="accent1"/>
-          </a:fillRef>
-          <a:effectRef idx="0">
-            <a:schemeClr val="accent1"/>
-          </a:effectRef>
-          <a:fontRef idx="minor">
-            <a:schemeClr val="lt1"/>
-          </a:fontRef>
-        </p:style>
-        <p:txBody>
-          <a:bodyPr rtlCol="0" anchor="ctr"/>
-          <a:lstStyle/>
-          <a:p>
-            <a:pPr algn="ctr"/>
-            <a:endParaRPr lang="en-US">
-              <a:solidFill>
-                <a:prstClr val="white"/>
-              </a:solidFill>
-              <a:latin typeface="Calibri" panose="020F0502020204030204"/>
-            </a:endParaRPr>
-          </a:p>
-        </p:txBody>
-      </p:sp>
-      <p:sp>
-        <p:nvSpPr>
-          <p:cNvPr id="17" name="Rectangle 16">
-            <a:extLst>
-              <a:ext uri="{FF2B5EF4-FFF2-40B4-BE49-F238E27FC236}">
-                <a16:creationId xmlns:a16="http://schemas.microsoft.com/office/drawing/2014/main" id="{281E2DF8-F6D8-4E5C-B76E-E082FD8C1FBD}"/>
-              </a:ext>
-              <a:ext uri="{C183D7F6-B498-43B3-948B-1728B52AA6E4}">
-                <adec:decorative xmlns:adec="http://schemas.microsoft.com/office/drawing/2017/decorative" val="1"/>
-              </a:ext>
-            </a:extLst>
-          </p:cNvPr>
-          <p:cNvSpPr>
-            <a:spLocks noGrp="1" noRot="1" noChangeAspect="1" noMove="1" noResize="1" noEditPoints="1" noAdjustHandles="1" noChangeArrowheads="1" noChangeShapeType="1" noTextEdit="1"/>
-          </p:cNvSpPr>
-          <p:nvPr>
-            <p:extLst>
-              <p:ext uri="{386F3935-93C4-4BCD-93E2-E3B085C9AB24}">
-                <p16:designElem xmlns:p16="http://schemas.microsoft.com/office/powerpoint/2015/main" val="1"/>
-              </p:ext>
-            </p:extLst>
-          </p:nvPr>
-        </p:nvSpPr>
-        <p:spPr>
-          <a:xfrm>
-            <a:off x="7965691" y="2095174"/>
-            <a:ext cx="3328416" cy="9144"/>
-          </a:xfrm>
-          <a:prstGeom prst="rect">
-            <a:avLst/>
-          </a:prstGeom>
-          <a:solidFill>
-            <a:srgbClr val="D5D5D5"/>
-          </a:solidFill>
-          <a:ln w="3175">
-            <a:noFill/>
-          </a:ln>
-          <a:effectLst/>
-        </p:spPr>
-        <p:style>
-          <a:lnRef idx="2">
-            <a:schemeClr val="accent1">
-              <a:shade val="50000"/>
-            </a:schemeClr>
-          </a:lnRef>
-          <a:fillRef idx="1">
-            <a:schemeClr val="accent1"/>
-          </a:fillRef>
-          <a:effectRef idx="0">
-            <a:schemeClr val="accent1"/>
-          </a:effectRef>
-          <a:fontRef idx="minor">
-            <a:schemeClr val="lt1"/>
-          </a:fontRef>
-        </p:style>
-        <p:txBody>
-          <a:bodyPr rtlCol="0" anchor="ctr"/>
-          <a:lstStyle/>
-          <a:p>
-            <a:pPr algn="ctr"/>
-            <a:endParaRPr lang="en-US">
-              <a:solidFill>
-                <a:prstClr val="white"/>
-              </a:solidFill>
-              <a:latin typeface="Calibri" panose="020F0502020204030204"/>
-            </a:endParaRPr>
+              <a:rPr lang="en-US" sz="4000" dirty="0"/>
+              <a:t>Attention and sequence-to-sequence models</a:t>
+            </a:r>
           </a:p>
         </p:txBody>
       </p:sp>
@@ -9131,7 +8878,7 @@
           <p:cNvPr id="3" name="Content Placeholder 2">
             <a:extLst>
               <a:ext uri="{FF2B5EF4-FFF2-40B4-BE49-F238E27FC236}">
-                <a16:creationId xmlns:a16="http://schemas.microsoft.com/office/drawing/2014/main" id="{96F5230B-F8A4-C8E4-4C74-A1C627ED0DD6}"/>
+                <a16:creationId xmlns:a16="http://schemas.microsoft.com/office/drawing/2014/main" id="{16EC3815-5E4C-16D1-729D-7777FEC5E279}"/>
               </a:ext>
             </a:extLst>
           </p:cNvPr>
@@ -9144,8 +8891,8 @@
         </p:nvSpPr>
         <p:spPr>
           <a:xfrm>
-            <a:off x="7938532" y="2252870"/>
-            <a:ext cx="3404594" cy="3557016"/>
+            <a:off x="1115568" y="2481943"/>
+            <a:ext cx="10168128" cy="3695020"/>
           </a:xfrm>
         </p:spPr>
         <p:txBody>
@@ -9155,495 +8902,60 @@
           <a:lstStyle/>
           <a:p>
             <a:r>
-              <a:rPr lang="en-US" sz="1700"/>
-              <a:t>This was a dive into one part of the transformer model</a:t>
-            </a:r>
-          </a:p>
-          <a:p>
-            <a:r>
-              <a:rPr lang="en-US" sz="1700"/>
-              <a:t>Missing: multi-head attention and the overview of how transformers use scaled dot-product attention</a:t>
-            </a:r>
+              <a:rPr lang="en-US" sz="2200" dirty="0"/>
+              <a:t>Attention is found most notably in sequence-to-sequence models</a:t>
+            </a:r>
+          </a:p>
+          <a:p>
+            <a:pPr lvl="1"/>
+            <a:r>
+              <a:rPr lang="en-US" sz="1800" dirty="0"/>
+              <a:t>A sequence-to-sequence layer is a neural network layer that takes as an input a sequence of elements and outputs another. </a:t>
+            </a:r>
+          </a:p>
+          <a:p>
+            <a:pPr lvl="1"/>
+            <a:r>
+              <a:rPr lang="en-US" sz="1800" dirty="0"/>
+              <a:t>It is often used in language translation tasks, but the input can be pixels instead of words, so there’s a direct application in image processing as well.</a:t>
+            </a:r>
+          </a:p>
+          <a:p>
+            <a:r>
+              <a:rPr lang="en-US" sz="2200" dirty="0"/>
+              <a:t>Sequence-to-sequence layers can be causal (can only look backwards), or non-</a:t>
+            </a:r>
+            <a:r>
+              <a:rPr lang="en-US" sz="2200" dirty="0" err="1"/>
+              <a:t>causual</a:t>
+            </a:r>
+            <a:r>
+              <a:rPr lang="en-US" sz="2200" dirty="0"/>
+              <a:t> (forward and backwards). The need to “look around” is where attention comes in.</a:t>
+            </a:r>
+          </a:p>
+          <a:p>
+            <a:r>
+              <a:rPr lang="en-US" sz="2200" b="1" dirty="0"/>
+              <a:t>The goal</a:t>
+            </a:r>
+            <a:r>
+              <a:rPr lang="en-US" sz="2200" dirty="0"/>
+              <a:t> is to provide an implementation which can be executed fast (in parallel) and allow for distant comparison of elements in a performant manner. </a:t>
+            </a:r>
+          </a:p>
+          <a:p>
+            <a:endParaRPr lang="en-US" sz="2200" dirty="0"/>
+          </a:p>
+          <a:p>
+            <a:endParaRPr lang="en-US" sz="2200" dirty="0"/>
           </a:p>
         </p:txBody>
       </p:sp>
     </p:spTree>
     <p:extLst>
       <p:ext uri="{BB962C8B-B14F-4D97-AF65-F5344CB8AC3E}">
-        <p14:creationId xmlns:p14="http://schemas.microsoft.com/office/powerpoint/2010/main" val="274231525"/>
-      </p:ext>
-    </p:extLst>
-  </p:cSld>
-  <p:clrMapOvr>
-    <a:masterClrMapping/>
-  </p:clrMapOvr>
-</p:sld>
-</file>
-
-<file path=ppt/slides/slide3.xml><?xml version="1.0" encoding="utf-8"?>
-<p:sld xmlns:a="http://schemas.openxmlformats.org/drawingml/2006/main" xmlns:r="http://schemas.openxmlformats.org/officeDocument/2006/relationships" xmlns:p="http://schemas.openxmlformats.org/presentationml/2006/main">
-  <p:cSld>
-    <p:bg>
-      <p:bgPr>
-        <a:solidFill>
-          <a:schemeClr val="bg1"/>
-        </a:solidFill>
-        <a:effectLst/>
-      </p:bgPr>
-    </p:bg>
-    <p:spTree>
-      <p:nvGrpSpPr>
-        <p:cNvPr id="1" name=""/>
-        <p:cNvGrpSpPr/>
-        <p:nvPr/>
-      </p:nvGrpSpPr>
-      <p:grpSpPr>
-        <a:xfrm>
-          <a:off x="0" y="0"/>
-          <a:ext cx="0" cy="0"/>
-          <a:chOff x="0" y="0"/>
-          <a:chExt cx="0" cy="0"/>
-        </a:xfrm>
-      </p:grpSpPr>
-      <p:sp useBgFill="1">
-        <p:nvSpPr>
-          <p:cNvPr id="1038" name="Rectangle 1037">
-            <a:extLst>
-              <a:ext uri="{FF2B5EF4-FFF2-40B4-BE49-F238E27FC236}">
-                <a16:creationId xmlns:a16="http://schemas.microsoft.com/office/drawing/2014/main" id="{2550BE34-C2B8-49B8-8519-67A8CAD51AE9}"/>
-              </a:ext>
-              <a:ext uri="{C183D7F6-B498-43B3-948B-1728B52AA6E4}">
-                <adec:decorative xmlns:adec="http://schemas.microsoft.com/office/drawing/2017/decorative" val="1"/>
-              </a:ext>
-            </a:extLst>
-          </p:cNvPr>
-          <p:cNvSpPr>
-            <a:spLocks noGrp="1" noRot="1" noChangeAspect="1" noMove="1" noResize="1" noEditPoints="1" noAdjustHandles="1" noChangeArrowheads="1" noChangeShapeType="1" noTextEdit="1"/>
-          </p:cNvSpPr>
-          <p:nvPr>
-            <p:extLst>
-              <p:ext uri="{386F3935-93C4-4BCD-93E2-E3B085C9AB24}">
-                <p16:designElem xmlns:p16="http://schemas.microsoft.com/office/powerpoint/2015/main" val="1"/>
-              </p:ext>
-            </p:extLst>
-          </p:nvPr>
-        </p:nvSpPr>
-        <p:spPr>
-          <a:xfrm>
-            <a:off x="0" y="0"/>
-            <a:ext cx="12192000" cy="6858000"/>
-          </a:xfrm>
-          <a:prstGeom prst="rect">
-            <a:avLst/>
-          </a:prstGeom>
-          <a:ln>
-            <a:noFill/>
-          </a:ln>
-        </p:spPr>
-        <p:style>
-          <a:lnRef idx="2">
-            <a:schemeClr val="accent1">
-              <a:shade val="50000"/>
-            </a:schemeClr>
-          </a:lnRef>
-          <a:fillRef idx="1">
-            <a:schemeClr val="accent1"/>
-          </a:fillRef>
-          <a:effectRef idx="0">
-            <a:schemeClr val="accent1"/>
-          </a:effectRef>
-          <a:fontRef idx="minor">
-            <a:schemeClr val="lt1"/>
-          </a:fontRef>
-        </p:style>
-        <p:txBody>
-          <a:bodyPr rtlCol="0" anchor="ctr"/>
-          <a:lstStyle/>
-          <a:p>
-            <a:pPr algn="ctr"/>
-            <a:endParaRPr lang="en-US"/>
-          </a:p>
-        </p:txBody>
-      </p:sp>
-      <p:sp useBgFill="1">
-        <p:nvSpPr>
-          <p:cNvPr id="1040" name="Rectangle 1039">
-            <a:extLst>
-              <a:ext uri="{FF2B5EF4-FFF2-40B4-BE49-F238E27FC236}">
-                <a16:creationId xmlns:a16="http://schemas.microsoft.com/office/drawing/2014/main" id="{A7457DD9-5A45-400A-AB4B-4B4EDECA25F1}"/>
-              </a:ext>
-              <a:ext uri="{C183D7F6-B498-43B3-948B-1728B52AA6E4}">
-                <adec:decorative xmlns:adec="http://schemas.microsoft.com/office/drawing/2017/decorative" val="1"/>
-              </a:ext>
-            </a:extLst>
-          </p:cNvPr>
-          <p:cNvSpPr>
-            <a:spLocks noGrp="1" noRot="1" noChangeAspect="1" noMove="1" noResize="1" noEditPoints="1" noAdjustHandles="1" noChangeArrowheads="1" noChangeShapeType="1" noTextEdit="1"/>
-          </p:cNvSpPr>
-          <p:nvPr>
-            <p:extLst>
-              <p:ext uri="{386F3935-93C4-4BCD-93E2-E3B085C9AB24}">
-                <p16:designElem xmlns:p16="http://schemas.microsoft.com/office/powerpoint/2015/main" val="1"/>
-              </p:ext>
-            </p:extLst>
-          </p:nvPr>
-        </p:nvSpPr>
-        <p:spPr>
-          <a:xfrm>
-            <a:off x="554416" y="365125"/>
-            <a:ext cx="11167447" cy="2089317"/>
-          </a:xfrm>
-          <a:prstGeom prst="rect">
-            <a:avLst/>
-          </a:prstGeom>
-          <a:ln w="12700">
-            <a:solidFill>
-              <a:srgbClr val="DEDEDE"/>
-            </a:solidFill>
-          </a:ln>
-          <a:effectLst>
-            <a:outerShdw blurRad="50800" dist="38100" dir="2700000" algn="tl" rotWithShape="0">
-              <a:schemeClr val="bg2">
-                <a:lumMod val="85000"/>
-                <a:alpha val="50000"/>
-              </a:schemeClr>
-            </a:outerShdw>
-          </a:effectLst>
-        </p:spPr>
-        <p:style>
-          <a:lnRef idx="2">
-            <a:schemeClr val="accent1">
-              <a:shade val="50000"/>
-            </a:schemeClr>
-          </a:lnRef>
-          <a:fillRef idx="1">
-            <a:schemeClr val="accent1"/>
-          </a:fillRef>
-          <a:effectRef idx="0">
-            <a:schemeClr val="accent1"/>
-          </a:effectRef>
-          <a:fontRef idx="minor">
-            <a:schemeClr val="lt1"/>
-          </a:fontRef>
-        </p:style>
-        <p:txBody>
-          <a:bodyPr rtlCol="0" anchor="ctr"/>
-          <a:lstStyle/>
-          <a:p>
-            <a:pPr marL="0" marR="0" lvl="0" indent="0" algn="ctr" defTabSz="914400" rtl="0" eaLnBrk="1" fontAlgn="auto" latinLnBrk="0" hangingPunct="1">
-              <a:lnSpc>
-                <a:spcPct val="100000"/>
-              </a:lnSpc>
-              <a:spcBef>
-                <a:spcPts val="0"/>
-              </a:spcBef>
-              <a:spcAft>
-                <a:spcPts val="0"/>
-              </a:spcAft>
-              <a:buClrTx/>
-              <a:buSzTx/>
-              <a:buFontTx/>
-              <a:buNone/>
-              <a:tabLst/>
-              <a:defRPr/>
-            </a:pPr>
-            <a:endParaRPr kumimoji="0" lang="en-US" sz="1800" b="0" i="0" u="none" strike="noStrike" kern="1200" cap="none" spc="0" normalizeH="0" baseline="0" noProof="0">
-              <a:ln>
-                <a:noFill/>
-              </a:ln>
-              <a:solidFill>
-                <a:prstClr val="white"/>
-              </a:solidFill>
-              <a:effectLst/>
-              <a:uLnTx/>
-              <a:uFillTx/>
-              <a:latin typeface="Calibri" panose="020F0502020204030204"/>
-              <a:ea typeface="+mn-ea"/>
-              <a:cs typeface="+mn-cs"/>
-            </a:endParaRPr>
-          </a:p>
-        </p:txBody>
-      </p:sp>
-      <p:sp>
-        <p:nvSpPr>
-          <p:cNvPr id="2" name="Title 1">
-            <a:extLst>
-              <a:ext uri="{FF2B5EF4-FFF2-40B4-BE49-F238E27FC236}">
-                <a16:creationId xmlns:a16="http://schemas.microsoft.com/office/drawing/2014/main" id="{05B462F1-C180-2283-7339-0B49070EFF39}"/>
-              </a:ext>
-            </a:extLst>
-          </p:cNvPr>
-          <p:cNvSpPr>
-            <a:spLocks noGrp="1"/>
-          </p:cNvSpPr>
-          <p:nvPr>
-            <p:ph type="title"/>
-          </p:nvPr>
-        </p:nvSpPr>
-        <p:spPr>
-          <a:xfrm>
-            <a:off x="1046746" y="586822"/>
-            <a:ext cx="3560252" cy="1645920"/>
-          </a:xfrm>
-        </p:spPr>
-        <p:txBody>
-          <a:bodyPr>
-            <a:normAutofit/>
-          </a:bodyPr>
-          <a:lstStyle/>
-          <a:p>
-            <a:r>
-              <a:rPr lang="en-US" sz="3200"/>
-              <a:t>Two forms of sequence-to-sequence</a:t>
-            </a:r>
-          </a:p>
-        </p:txBody>
-      </p:sp>
-      <p:sp>
-        <p:nvSpPr>
-          <p:cNvPr id="1042" name="Rectangle 1041">
-            <a:extLst>
-              <a:ext uri="{FF2B5EF4-FFF2-40B4-BE49-F238E27FC236}">
-                <a16:creationId xmlns:a16="http://schemas.microsoft.com/office/drawing/2014/main" id="{441CF7D6-A660-431A-B0BB-140A0D5556B6}"/>
-              </a:ext>
-              <a:ext uri="{C183D7F6-B498-43B3-948B-1728B52AA6E4}">
-                <adec:decorative xmlns:adec="http://schemas.microsoft.com/office/drawing/2017/decorative" val="1"/>
-              </a:ext>
-            </a:extLst>
-          </p:cNvPr>
-          <p:cNvSpPr>
-            <a:spLocks noGrp="1" noRot="1" noChangeAspect="1" noMove="1" noResize="1" noEditPoints="1" noAdjustHandles="1" noChangeArrowheads="1" noChangeShapeType="1" noTextEdit="1"/>
-          </p:cNvSpPr>
-          <p:nvPr>
-            <p:extLst>
-              <p:ext uri="{386F3935-93C4-4BCD-93E2-E3B085C9AB24}">
-                <p16:designElem xmlns:p16="http://schemas.microsoft.com/office/powerpoint/2015/main" val="1"/>
-              </p:ext>
-            </p:extLst>
-          </p:nvPr>
-        </p:nvSpPr>
-        <p:spPr>
-          <a:xfrm>
-            <a:off x="490408" y="1057739"/>
-            <a:ext cx="128016" cy="704088"/>
-          </a:xfrm>
-          <a:prstGeom prst="rect">
-            <a:avLst/>
-          </a:prstGeom>
-          <a:solidFill>
-            <a:schemeClr val="accent2"/>
-          </a:solidFill>
-          <a:ln>
-            <a:noFill/>
-          </a:ln>
-        </p:spPr>
-        <p:style>
-          <a:lnRef idx="2">
-            <a:schemeClr val="accent1">
-              <a:shade val="50000"/>
-            </a:schemeClr>
-          </a:lnRef>
-          <a:fillRef idx="1">
-            <a:schemeClr val="accent1"/>
-          </a:fillRef>
-          <a:effectRef idx="0">
-            <a:schemeClr val="accent1"/>
-          </a:effectRef>
-          <a:fontRef idx="minor">
-            <a:schemeClr val="lt1"/>
-          </a:fontRef>
-        </p:style>
-        <p:txBody>
-          <a:bodyPr rtlCol="0" anchor="ctr"/>
-          <a:lstStyle/>
-          <a:p>
-            <a:pPr algn="ctr"/>
-            <a:endParaRPr lang="en-US" dirty="0">
-              <a:solidFill>
-                <a:prstClr val="white"/>
-              </a:solidFill>
-              <a:latin typeface="Calibri" panose="020F0502020204030204"/>
-            </a:endParaRPr>
-          </a:p>
-        </p:txBody>
-      </p:sp>
-      <p:sp>
-        <p:nvSpPr>
-          <p:cNvPr id="1044" name="Rectangle 1043">
-            <a:extLst>
-              <a:ext uri="{FF2B5EF4-FFF2-40B4-BE49-F238E27FC236}">
-                <a16:creationId xmlns:a16="http://schemas.microsoft.com/office/drawing/2014/main" id="{0570A85B-3810-4F95-97B0-CBF4CCDB381C}"/>
-              </a:ext>
-              <a:ext uri="{C183D7F6-B498-43B3-948B-1728B52AA6E4}">
-                <adec:decorative xmlns:adec="http://schemas.microsoft.com/office/drawing/2017/decorative" val="1"/>
-              </a:ext>
-            </a:extLst>
-          </p:cNvPr>
-          <p:cNvSpPr>
-            <a:spLocks noGrp="1" noRot="1" noChangeAspect="1" noMove="1" noResize="1" noEditPoints="1" noAdjustHandles="1" noChangeArrowheads="1" noChangeShapeType="1" noTextEdit="1"/>
-          </p:cNvSpPr>
-          <p:nvPr>
-            <p:extLst>
-              <p:ext uri="{386F3935-93C4-4BCD-93E2-E3B085C9AB24}">
-                <p16:designElem xmlns:p16="http://schemas.microsoft.com/office/powerpoint/2015/main" val="1"/>
-              </p:ext>
-            </p:extLst>
-          </p:nvPr>
-        </p:nvSpPr>
-        <p:spPr>
-          <a:xfrm rot="5400000">
-            <a:off x="4243541" y="1400638"/>
-            <a:ext cx="1463040" cy="18288"/>
-          </a:xfrm>
-          <a:prstGeom prst="rect">
-            <a:avLst/>
-          </a:prstGeom>
-          <a:solidFill>
-            <a:srgbClr val="D5D5D5"/>
-          </a:solidFill>
-          <a:ln w="3175">
-            <a:noFill/>
-          </a:ln>
-          <a:effectLst/>
-        </p:spPr>
-        <p:style>
-          <a:lnRef idx="2">
-            <a:schemeClr val="accent1">
-              <a:shade val="50000"/>
-            </a:schemeClr>
-          </a:lnRef>
-          <a:fillRef idx="1">
-            <a:schemeClr val="accent1"/>
-          </a:fillRef>
-          <a:effectRef idx="0">
-            <a:schemeClr val="accent1"/>
-          </a:effectRef>
-          <a:fontRef idx="minor">
-            <a:schemeClr val="lt1"/>
-          </a:fontRef>
-        </p:style>
-        <p:txBody>
-          <a:bodyPr rtlCol="0" anchor="ctr"/>
-          <a:lstStyle/>
-          <a:p>
-            <a:pPr algn="ctr"/>
-            <a:endParaRPr lang="en-US">
-              <a:solidFill>
-                <a:prstClr val="white"/>
-              </a:solidFill>
-              <a:latin typeface="Calibri" panose="020F0502020204030204"/>
-            </a:endParaRPr>
-          </a:p>
-        </p:txBody>
-      </p:sp>
-      <p:sp>
-        <p:nvSpPr>
-          <p:cNvPr id="3" name="Content Placeholder 2">
-            <a:extLst>
-              <a:ext uri="{FF2B5EF4-FFF2-40B4-BE49-F238E27FC236}">
-                <a16:creationId xmlns:a16="http://schemas.microsoft.com/office/drawing/2014/main" id="{96F5230B-F8A4-C8E4-4C74-A1C627ED0DD6}"/>
-              </a:ext>
-            </a:extLst>
-          </p:cNvPr>
-          <p:cNvSpPr>
-            <a:spLocks noGrp="1"/>
-          </p:cNvSpPr>
-          <p:nvPr>
-            <p:ph idx="1"/>
-          </p:nvPr>
-        </p:nvSpPr>
-        <p:spPr>
-          <a:xfrm>
-            <a:off x="5351164" y="586822"/>
-            <a:ext cx="6002636" cy="1645920"/>
-          </a:xfrm>
-        </p:spPr>
-        <p:txBody>
-          <a:bodyPr anchor="ctr">
-            <a:normAutofit/>
-          </a:bodyPr>
-          <a:lstStyle/>
-          <a:p>
-            <a:r>
-              <a:rPr lang="en-US" sz="1800"/>
-              <a:t>The recurrent neural network </a:t>
-            </a:r>
-            <a:r>
-              <a:rPr lang="da-DK" sz="1800" b="0" i="0">
-                <a:effectLst/>
-                <a:latin typeface="Helvetica Neue"/>
-              </a:rPr>
-              <a:t>((Cho et al., 2014a) and (Sutskever et al., 2014))</a:t>
-            </a:r>
-            <a:endParaRPr lang="en-US" sz="1800"/>
-          </a:p>
-          <a:p>
-            <a:r>
-              <a:rPr lang="en-US" sz="1800"/>
-              <a:t>Each timestep takes as input an embedding of some sort</a:t>
-            </a:r>
-          </a:p>
-          <a:p>
-            <a:r>
-              <a:rPr lang="en-US" sz="1800"/>
-              <a:t>Each timestep is responsible for creating an embedding</a:t>
-            </a:r>
-          </a:p>
-          <a:p>
-            <a:endParaRPr lang="en-US" sz="1800"/>
-          </a:p>
-        </p:txBody>
-      </p:sp>
-      <p:pic>
-        <p:nvPicPr>
-          <p:cNvPr id="1026" name="Picture 2">
-            <a:extLst>
-              <a:ext uri="{FF2B5EF4-FFF2-40B4-BE49-F238E27FC236}">
-                <a16:creationId xmlns:a16="http://schemas.microsoft.com/office/drawing/2014/main" id="{BC943F7B-87AE-7688-68E8-BFE3051CE1EE}"/>
-              </a:ext>
-            </a:extLst>
-          </p:cNvPr>
-          <p:cNvPicPr>
-            <a:picLocks noChangeAspect="1" noChangeArrowheads="1"/>
-          </p:cNvPicPr>
-          <p:nvPr/>
-        </p:nvPicPr>
-        <p:blipFill>
-          <a:blip r:embed="rId2">
-            <a:extLst>
-              <a:ext uri="{28A0092B-C50C-407E-A947-70E740481C1C}">
-                <a14:useLocalDpi xmlns:a14="http://schemas.microsoft.com/office/drawing/2010/main" val="0"/>
-              </a:ext>
-            </a:extLst>
-          </a:blip>
-          <a:stretch>
-            <a:fillRect/>
-          </a:stretch>
-        </p:blipFill>
-        <p:spPr bwMode="auto">
-          <a:xfrm>
-            <a:off x="1495042" y="2734056"/>
-            <a:ext cx="9290307" cy="3483864"/>
-          </a:xfrm>
-          <a:prstGeom prst="rect">
-            <a:avLst/>
-          </a:prstGeom>
-          <a:noFill/>
-          <a:extLst>
-            <a:ext uri="{909E8E84-426E-40DD-AFC4-6F175D3DCCD1}">
-              <a14:hiddenFill xmlns:a14="http://schemas.microsoft.com/office/drawing/2010/main">
-                <a:solidFill>
-                  <a:srgbClr val="FFFFFF"/>
-                </a:solidFill>
-              </a14:hiddenFill>
-            </a:ext>
-          </a:extLst>
-        </p:spPr>
-      </p:pic>
-    </p:spTree>
-    <p:extLst>
-      <p:ext uri="{BB962C8B-B14F-4D97-AF65-F5344CB8AC3E}">
-        <p14:creationId xmlns:p14="http://schemas.microsoft.com/office/powerpoint/2010/main" val="2958361846"/>
+        <p14:creationId xmlns:p14="http://schemas.microsoft.com/office/powerpoint/2010/main" val="839162451"/>
       </p:ext>
     </p:extLst>
   </p:cSld>
@@ -9680,7 +8992,7 @@
       </p:grpSpPr>
       <p:sp useBgFill="1">
         <p:nvSpPr>
-          <p:cNvPr id="2055" name="Rectangle 2054">
+          <p:cNvPr id="1038" name="Rectangle 1037">
             <a:extLst>
               <a:ext uri="{FF2B5EF4-FFF2-40B4-BE49-F238E27FC236}">
                 <a16:creationId xmlns:a16="http://schemas.microsoft.com/office/drawing/2014/main" id="{2550BE34-C2B8-49B8-8519-67A8CAD51AE9}"/>
@@ -9740,7 +9052,7 @@
       </p:sp>
       <p:sp useBgFill="1">
         <p:nvSpPr>
-          <p:cNvPr id="2057" name="Rectangle 2056">
+          <p:cNvPr id="1040" name="Rectangle 1039">
             <a:extLst>
               <a:ext uri="{FF2B5EF4-FFF2-40B4-BE49-F238E27FC236}">
                 <a16:creationId xmlns:a16="http://schemas.microsoft.com/office/drawing/2014/main" id="{A7457DD9-5A45-400A-AB4B-4B4EDECA25F1}"/>
@@ -9874,7 +9186,7 @@
       </p:sp>
       <p:sp>
         <p:nvSpPr>
-          <p:cNvPr id="2059" name="Rectangle 2058">
+          <p:cNvPr id="1042" name="Rectangle 1041">
             <a:extLst>
               <a:ext uri="{FF2B5EF4-FFF2-40B4-BE49-F238E27FC236}">
                 <a16:creationId xmlns:a16="http://schemas.microsoft.com/office/drawing/2014/main" id="{441CF7D6-A660-431A-B0BB-140A0D5556B6}"/>
@@ -9942,7 +9254,7 @@
       </p:sp>
       <p:sp>
         <p:nvSpPr>
-          <p:cNvPr id="2061" name="Rectangle 2060">
+          <p:cNvPr id="1044" name="Rectangle 1043">
             <a:extLst>
               <a:ext uri="{FF2B5EF4-FFF2-40B4-BE49-F238E27FC236}">
                 <a16:creationId xmlns:a16="http://schemas.microsoft.com/office/drawing/2014/main" id="{0570A85B-3810-4F95-97B0-CBF4CCDB381C}"/>
@@ -10039,6 +9351,479 @@
           <a:p>
             <a:r>
               <a:rPr lang="en-US" sz="1800"/>
+              <a:t>The recurrent neural network </a:t>
+            </a:r>
+            <a:r>
+              <a:rPr lang="da-DK" sz="1800" b="0" i="0">
+                <a:effectLst/>
+                <a:latin typeface="Helvetica Neue"/>
+              </a:rPr>
+              <a:t>((Cho et al., 2014a) and (Sutskever et al., 2014))</a:t>
+            </a:r>
+            <a:endParaRPr lang="en-US" sz="1800"/>
+          </a:p>
+          <a:p>
+            <a:r>
+              <a:rPr lang="en-US" sz="1800"/>
+              <a:t>Each timestep takes as input an embedding of some sort</a:t>
+            </a:r>
+          </a:p>
+          <a:p>
+            <a:r>
+              <a:rPr lang="en-US" sz="1800"/>
+              <a:t>Each timestep is responsible for creating an embedding</a:t>
+            </a:r>
+          </a:p>
+          <a:p>
+            <a:endParaRPr lang="en-US" sz="1800"/>
+          </a:p>
+        </p:txBody>
+      </p:sp>
+      <p:pic>
+        <p:nvPicPr>
+          <p:cNvPr id="1026" name="Picture 2">
+            <a:extLst>
+              <a:ext uri="{FF2B5EF4-FFF2-40B4-BE49-F238E27FC236}">
+                <a16:creationId xmlns:a16="http://schemas.microsoft.com/office/drawing/2014/main" id="{BC943F7B-87AE-7688-68E8-BFE3051CE1EE}"/>
+              </a:ext>
+            </a:extLst>
+          </p:cNvPr>
+          <p:cNvPicPr>
+            <a:picLocks noChangeAspect="1" noChangeArrowheads="1"/>
+          </p:cNvPicPr>
+          <p:nvPr/>
+        </p:nvPicPr>
+        <p:blipFill>
+          <a:blip r:embed="rId2">
+            <a:extLst>
+              <a:ext uri="{28A0092B-C50C-407E-A947-70E740481C1C}">
+                <a14:useLocalDpi xmlns:a14="http://schemas.microsoft.com/office/drawing/2010/main" val="0"/>
+              </a:ext>
+            </a:extLst>
+          </a:blip>
+          <a:stretch>
+            <a:fillRect/>
+          </a:stretch>
+        </p:blipFill>
+        <p:spPr bwMode="auto">
+          <a:xfrm>
+            <a:off x="1495042" y="2734056"/>
+            <a:ext cx="9290307" cy="3483864"/>
+          </a:xfrm>
+          <a:prstGeom prst="rect">
+            <a:avLst/>
+          </a:prstGeom>
+          <a:noFill/>
+          <a:extLst>
+            <a:ext uri="{909E8E84-426E-40DD-AFC4-6F175D3DCCD1}">
+              <a14:hiddenFill xmlns:a14="http://schemas.microsoft.com/office/drawing/2010/main">
+                <a:solidFill>
+                  <a:srgbClr val="FFFFFF"/>
+                </a:solidFill>
+              </a14:hiddenFill>
+            </a:ext>
+          </a:extLst>
+        </p:spPr>
+      </p:pic>
+    </p:spTree>
+    <p:extLst>
+      <p:ext uri="{BB962C8B-B14F-4D97-AF65-F5344CB8AC3E}">
+        <p14:creationId xmlns:p14="http://schemas.microsoft.com/office/powerpoint/2010/main" val="2958361846"/>
+      </p:ext>
+    </p:extLst>
+  </p:cSld>
+  <p:clrMapOvr>
+    <a:masterClrMapping/>
+  </p:clrMapOvr>
+</p:sld>
+</file>
+
+<file path=ppt/slides/slide5.xml><?xml version="1.0" encoding="utf-8"?>
+<p:sld xmlns:a="http://schemas.openxmlformats.org/drawingml/2006/main" xmlns:r="http://schemas.openxmlformats.org/officeDocument/2006/relationships" xmlns:p="http://schemas.openxmlformats.org/presentationml/2006/main">
+  <p:cSld>
+    <p:bg>
+      <p:bgPr>
+        <a:solidFill>
+          <a:schemeClr val="bg1"/>
+        </a:solidFill>
+        <a:effectLst/>
+      </p:bgPr>
+    </p:bg>
+    <p:spTree>
+      <p:nvGrpSpPr>
+        <p:cNvPr id="1" name=""/>
+        <p:cNvGrpSpPr/>
+        <p:nvPr/>
+      </p:nvGrpSpPr>
+      <p:grpSpPr>
+        <a:xfrm>
+          <a:off x="0" y="0"/>
+          <a:ext cx="0" cy="0"/>
+          <a:chOff x="0" y="0"/>
+          <a:chExt cx="0" cy="0"/>
+        </a:xfrm>
+      </p:grpSpPr>
+      <p:sp useBgFill="1">
+        <p:nvSpPr>
+          <p:cNvPr id="2055" name="Rectangle 2054">
+            <a:extLst>
+              <a:ext uri="{FF2B5EF4-FFF2-40B4-BE49-F238E27FC236}">
+                <a16:creationId xmlns:a16="http://schemas.microsoft.com/office/drawing/2014/main" id="{2550BE34-C2B8-49B8-8519-67A8CAD51AE9}"/>
+              </a:ext>
+              <a:ext uri="{C183D7F6-B498-43B3-948B-1728B52AA6E4}">
+                <adec:decorative xmlns:adec="http://schemas.microsoft.com/office/drawing/2017/decorative" val="1"/>
+              </a:ext>
+            </a:extLst>
+          </p:cNvPr>
+          <p:cNvSpPr>
+            <a:spLocks noGrp="1" noRot="1" noChangeAspect="1" noMove="1" noResize="1" noEditPoints="1" noAdjustHandles="1" noChangeArrowheads="1" noChangeShapeType="1" noTextEdit="1"/>
+          </p:cNvSpPr>
+          <p:nvPr>
+            <p:extLst>
+              <p:ext uri="{386F3935-93C4-4BCD-93E2-E3B085C9AB24}">
+                <p16:designElem xmlns:p16="http://schemas.microsoft.com/office/powerpoint/2015/main" val="1"/>
+              </p:ext>
+            </p:extLst>
+          </p:nvPr>
+        </p:nvSpPr>
+        <p:spPr>
+          <a:xfrm>
+            <a:off x="0" y="0"/>
+            <a:ext cx="12192000" cy="6858000"/>
+          </a:xfrm>
+          <a:prstGeom prst="rect">
+            <a:avLst/>
+          </a:prstGeom>
+          <a:ln>
+            <a:noFill/>
+          </a:ln>
+        </p:spPr>
+        <p:style>
+          <a:lnRef idx="2">
+            <a:schemeClr val="accent1">
+              <a:shade val="50000"/>
+            </a:schemeClr>
+          </a:lnRef>
+          <a:fillRef idx="1">
+            <a:schemeClr val="accent1"/>
+          </a:fillRef>
+          <a:effectRef idx="0">
+            <a:schemeClr val="accent1"/>
+          </a:effectRef>
+          <a:fontRef idx="minor">
+            <a:schemeClr val="lt1"/>
+          </a:fontRef>
+        </p:style>
+        <p:txBody>
+          <a:bodyPr rtlCol="0" anchor="ctr"/>
+          <a:lstStyle/>
+          <a:p>
+            <a:pPr algn="ctr"/>
+            <a:endParaRPr lang="en-US"/>
+          </a:p>
+        </p:txBody>
+      </p:sp>
+      <p:sp useBgFill="1">
+        <p:nvSpPr>
+          <p:cNvPr id="2057" name="Rectangle 2056">
+            <a:extLst>
+              <a:ext uri="{FF2B5EF4-FFF2-40B4-BE49-F238E27FC236}">
+                <a16:creationId xmlns:a16="http://schemas.microsoft.com/office/drawing/2014/main" id="{A7457DD9-5A45-400A-AB4B-4B4EDECA25F1}"/>
+              </a:ext>
+              <a:ext uri="{C183D7F6-B498-43B3-948B-1728B52AA6E4}">
+                <adec:decorative xmlns:adec="http://schemas.microsoft.com/office/drawing/2017/decorative" val="1"/>
+              </a:ext>
+            </a:extLst>
+          </p:cNvPr>
+          <p:cNvSpPr>
+            <a:spLocks noGrp="1" noRot="1" noChangeAspect="1" noMove="1" noResize="1" noEditPoints="1" noAdjustHandles="1" noChangeArrowheads="1" noChangeShapeType="1" noTextEdit="1"/>
+          </p:cNvSpPr>
+          <p:nvPr>
+            <p:extLst>
+              <p:ext uri="{386F3935-93C4-4BCD-93E2-E3B085C9AB24}">
+                <p16:designElem xmlns:p16="http://schemas.microsoft.com/office/powerpoint/2015/main" val="1"/>
+              </p:ext>
+            </p:extLst>
+          </p:nvPr>
+        </p:nvSpPr>
+        <p:spPr>
+          <a:xfrm>
+            <a:off x="554416" y="365125"/>
+            <a:ext cx="11167447" cy="2089317"/>
+          </a:xfrm>
+          <a:prstGeom prst="rect">
+            <a:avLst/>
+          </a:prstGeom>
+          <a:ln w="12700">
+            <a:solidFill>
+              <a:srgbClr val="DEDEDE"/>
+            </a:solidFill>
+          </a:ln>
+          <a:effectLst>
+            <a:outerShdw blurRad="50800" dist="38100" dir="2700000" algn="tl" rotWithShape="0">
+              <a:schemeClr val="bg2">
+                <a:lumMod val="85000"/>
+                <a:alpha val="50000"/>
+              </a:schemeClr>
+            </a:outerShdw>
+          </a:effectLst>
+        </p:spPr>
+        <p:style>
+          <a:lnRef idx="2">
+            <a:schemeClr val="accent1">
+              <a:shade val="50000"/>
+            </a:schemeClr>
+          </a:lnRef>
+          <a:fillRef idx="1">
+            <a:schemeClr val="accent1"/>
+          </a:fillRef>
+          <a:effectRef idx="0">
+            <a:schemeClr val="accent1"/>
+          </a:effectRef>
+          <a:fontRef idx="minor">
+            <a:schemeClr val="lt1"/>
+          </a:fontRef>
+        </p:style>
+        <p:txBody>
+          <a:bodyPr rtlCol="0" anchor="ctr"/>
+          <a:lstStyle/>
+          <a:p>
+            <a:pPr marL="0" marR="0" lvl="0" indent="0" algn="ctr" defTabSz="914400" rtl="0" eaLnBrk="1" fontAlgn="auto" latinLnBrk="0" hangingPunct="1">
+              <a:lnSpc>
+                <a:spcPct val="100000"/>
+              </a:lnSpc>
+              <a:spcBef>
+                <a:spcPts val="0"/>
+              </a:spcBef>
+              <a:spcAft>
+                <a:spcPts val="0"/>
+              </a:spcAft>
+              <a:buClrTx/>
+              <a:buSzTx/>
+              <a:buFontTx/>
+              <a:buNone/>
+              <a:tabLst/>
+              <a:defRPr/>
+            </a:pPr>
+            <a:endParaRPr kumimoji="0" lang="en-US" sz="1800" b="0" i="0" u="none" strike="noStrike" kern="1200" cap="none" spc="0" normalizeH="0" baseline="0" noProof="0">
+              <a:ln>
+                <a:noFill/>
+              </a:ln>
+              <a:solidFill>
+                <a:prstClr val="white"/>
+              </a:solidFill>
+              <a:effectLst/>
+              <a:uLnTx/>
+              <a:uFillTx/>
+              <a:latin typeface="Calibri" panose="020F0502020204030204"/>
+              <a:ea typeface="+mn-ea"/>
+              <a:cs typeface="+mn-cs"/>
+            </a:endParaRPr>
+          </a:p>
+        </p:txBody>
+      </p:sp>
+      <p:sp>
+        <p:nvSpPr>
+          <p:cNvPr id="2" name="Title 1">
+            <a:extLst>
+              <a:ext uri="{FF2B5EF4-FFF2-40B4-BE49-F238E27FC236}">
+                <a16:creationId xmlns:a16="http://schemas.microsoft.com/office/drawing/2014/main" id="{05B462F1-C180-2283-7339-0B49070EFF39}"/>
+              </a:ext>
+            </a:extLst>
+          </p:cNvPr>
+          <p:cNvSpPr>
+            <a:spLocks noGrp="1"/>
+          </p:cNvSpPr>
+          <p:nvPr>
+            <p:ph type="title"/>
+          </p:nvPr>
+        </p:nvSpPr>
+        <p:spPr>
+          <a:xfrm>
+            <a:off x="1046746" y="586822"/>
+            <a:ext cx="3560252" cy="1645920"/>
+          </a:xfrm>
+        </p:spPr>
+        <p:txBody>
+          <a:bodyPr>
+            <a:normAutofit/>
+          </a:bodyPr>
+          <a:lstStyle/>
+          <a:p>
+            <a:r>
+              <a:rPr lang="en-US" sz="3200"/>
+              <a:t>Two forms of sequence-to-sequence</a:t>
+            </a:r>
+          </a:p>
+        </p:txBody>
+      </p:sp>
+      <p:sp>
+        <p:nvSpPr>
+          <p:cNvPr id="2059" name="Rectangle 2058">
+            <a:extLst>
+              <a:ext uri="{FF2B5EF4-FFF2-40B4-BE49-F238E27FC236}">
+                <a16:creationId xmlns:a16="http://schemas.microsoft.com/office/drawing/2014/main" id="{441CF7D6-A660-431A-B0BB-140A0D5556B6}"/>
+              </a:ext>
+              <a:ext uri="{C183D7F6-B498-43B3-948B-1728B52AA6E4}">
+                <adec:decorative xmlns:adec="http://schemas.microsoft.com/office/drawing/2017/decorative" val="1"/>
+              </a:ext>
+            </a:extLst>
+          </p:cNvPr>
+          <p:cNvSpPr>
+            <a:spLocks noGrp="1" noRot="1" noChangeAspect="1" noMove="1" noResize="1" noEditPoints="1" noAdjustHandles="1" noChangeArrowheads="1" noChangeShapeType="1" noTextEdit="1"/>
+          </p:cNvSpPr>
+          <p:nvPr>
+            <p:extLst>
+              <p:ext uri="{386F3935-93C4-4BCD-93E2-E3B085C9AB24}">
+                <p16:designElem xmlns:p16="http://schemas.microsoft.com/office/powerpoint/2015/main" val="1"/>
+              </p:ext>
+            </p:extLst>
+          </p:nvPr>
+        </p:nvSpPr>
+        <p:spPr>
+          <a:xfrm>
+            <a:off x="490408" y="1057739"/>
+            <a:ext cx="128016" cy="704088"/>
+          </a:xfrm>
+          <a:prstGeom prst="rect">
+            <a:avLst/>
+          </a:prstGeom>
+          <a:solidFill>
+            <a:schemeClr val="accent2"/>
+          </a:solidFill>
+          <a:ln>
+            <a:noFill/>
+          </a:ln>
+        </p:spPr>
+        <p:style>
+          <a:lnRef idx="2">
+            <a:schemeClr val="accent1">
+              <a:shade val="50000"/>
+            </a:schemeClr>
+          </a:lnRef>
+          <a:fillRef idx="1">
+            <a:schemeClr val="accent1"/>
+          </a:fillRef>
+          <a:effectRef idx="0">
+            <a:schemeClr val="accent1"/>
+          </a:effectRef>
+          <a:fontRef idx="minor">
+            <a:schemeClr val="lt1"/>
+          </a:fontRef>
+        </p:style>
+        <p:txBody>
+          <a:bodyPr rtlCol="0" anchor="ctr"/>
+          <a:lstStyle/>
+          <a:p>
+            <a:pPr algn="ctr"/>
+            <a:endParaRPr lang="en-US" dirty="0">
+              <a:solidFill>
+                <a:prstClr val="white"/>
+              </a:solidFill>
+              <a:latin typeface="Calibri" panose="020F0502020204030204"/>
+            </a:endParaRPr>
+          </a:p>
+        </p:txBody>
+      </p:sp>
+      <p:sp>
+        <p:nvSpPr>
+          <p:cNvPr id="2061" name="Rectangle 2060">
+            <a:extLst>
+              <a:ext uri="{FF2B5EF4-FFF2-40B4-BE49-F238E27FC236}">
+                <a16:creationId xmlns:a16="http://schemas.microsoft.com/office/drawing/2014/main" id="{0570A85B-3810-4F95-97B0-CBF4CCDB381C}"/>
+              </a:ext>
+              <a:ext uri="{C183D7F6-B498-43B3-948B-1728B52AA6E4}">
+                <adec:decorative xmlns:adec="http://schemas.microsoft.com/office/drawing/2017/decorative" val="1"/>
+              </a:ext>
+            </a:extLst>
+          </p:cNvPr>
+          <p:cNvSpPr>
+            <a:spLocks noGrp="1" noRot="1" noChangeAspect="1" noMove="1" noResize="1" noEditPoints="1" noAdjustHandles="1" noChangeArrowheads="1" noChangeShapeType="1" noTextEdit="1"/>
+          </p:cNvSpPr>
+          <p:nvPr>
+            <p:extLst>
+              <p:ext uri="{386F3935-93C4-4BCD-93E2-E3B085C9AB24}">
+                <p16:designElem xmlns:p16="http://schemas.microsoft.com/office/powerpoint/2015/main" val="1"/>
+              </p:ext>
+            </p:extLst>
+          </p:nvPr>
+        </p:nvSpPr>
+        <p:spPr>
+          <a:xfrm rot="5400000">
+            <a:off x="4243541" y="1400638"/>
+            <a:ext cx="1463040" cy="18288"/>
+          </a:xfrm>
+          <a:prstGeom prst="rect">
+            <a:avLst/>
+          </a:prstGeom>
+          <a:solidFill>
+            <a:srgbClr val="D5D5D5"/>
+          </a:solidFill>
+          <a:ln w="3175">
+            <a:noFill/>
+          </a:ln>
+          <a:effectLst/>
+        </p:spPr>
+        <p:style>
+          <a:lnRef idx="2">
+            <a:schemeClr val="accent1">
+              <a:shade val="50000"/>
+            </a:schemeClr>
+          </a:lnRef>
+          <a:fillRef idx="1">
+            <a:schemeClr val="accent1"/>
+          </a:fillRef>
+          <a:effectRef idx="0">
+            <a:schemeClr val="accent1"/>
+          </a:effectRef>
+          <a:fontRef idx="minor">
+            <a:schemeClr val="lt1"/>
+          </a:fontRef>
+        </p:style>
+        <p:txBody>
+          <a:bodyPr rtlCol="0" anchor="ctr"/>
+          <a:lstStyle/>
+          <a:p>
+            <a:pPr algn="ctr"/>
+            <a:endParaRPr lang="en-US">
+              <a:solidFill>
+                <a:prstClr val="white"/>
+              </a:solidFill>
+              <a:latin typeface="Calibri" panose="020F0502020204030204"/>
+            </a:endParaRPr>
+          </a:p>
+        </p:txBody>
+      </p:sp>
+      <p:sp>
+        <p:nvSpPr>
+          <p:cNvPr id="3" name="Content Placeholder 2">
+            <a:extLst>
+              <a:ext uri="{FF2B5EF4-FFF2-40B4-BE49-F238E27FC236}">
+                <a16:creationId xmlns:a16="http://schemas.microsoft.com/office/drawing/2014/main" id="{96F5230B-F8A4-C8E4-4C74-A1C627ED0DD6}"/>
+              </a:ext>
+            </a:extLst>
+          </p:cNvPr>
+          <p:cNvSpPr>
+            <a:spLocks noGrp="1"/>
+          </p:cNvSpPr>
+          <p:nvPr>
+            <p:ph idx="1"/>
+          </p:nvPr>
+        </p:nvSpPr>
+        <p:spPr>
+          <a:xfrm>
+            <a:off x="5351164" y="586822"/>
+            <a:ext cx="6002636" cy="1645920"/>
+          </a:xfrm>
+        </p:spPr>
+        <p:txBody>
+          <a:bodyPr anchor="ctr">
+            <a:normAutofit/>
+          </a:bodyPr>
+          <a:lstStyle/>
+          <a:p>
+            <a:r>
+              <a:rPr lang="en-US" sz="1800"/>
               <a:t>Very sequential, poorly parallel</a:t>
             </a:r>
           </a:p>
@@ -10112,7 +9897,7 @@
 </p:sld>
 </file>
 
-<file path=ppt/slides/slide5.xml><?xml version="1.0" encoding="utf-8"?>
+<file path=ppt/slides/slide6.xml><?xml version="1.0" encoding="utf-8"?>
 <p:sld xmlns:a="http://schemas.openxmlformats.org/drawingml/2006/main" xmlns:r="http://schemas.openxmlformats.org/officeDocument/2006/relationships" xmlns:p="http://schemas.openxmlformats.org/presentationml/2006/main">
   <p:cSld>
     <p:bg>
@@ -10519,7 +10304,7 @@
 </p:sld>
 </file>
 
-<file path=ppt/slides/slide6.xml><?xml version="1.0" encoding="utf-8"?>
+<file path=ppt/slides/slide7.xml><?xml version="1.0" encoding="utf-8"?>
 <p:sld xmlns:a="http://schemas.openxmlformats.org/drawingml/2006/main" xmlns:r="http://schemas.openxmlformats.org/officeDocument/2006/relationships" xmlns:p="http://schemas.openxmlformats.org/presentationml/2006/main">
   <p:cSld>
     <p:bg>
@@ -10805,24 +10590,31 @@
           <a:lstStyle/>
           <a:p>
             <a:r>
-              <a:rPr lang="en-US" sz="1800"/>
+              <a:rPr lang="en-US" sz="1800" dirty="0"/>
               <a:t>Between different time steps: Increasing number of operations due to interconnections to relate distant elements</a:t>
             </a:r>
           </a:p>
           <a:p>
-            <a:r>
-              <a:rPr lang="en-US" sz="1800"/>
+            <a:pPr lvl="1"/>
+            <a:r>
+              <a:rPr lang="en-US" sz="1400" dirty="0"/>
               <a:t>Linear # of operations for ConvS2S</a:t>
             </a:r>
           </a:p>
           <a:p>
-            <a:r>
-              <a:rPr lang="en-US" sz="1800"/>
-              <a:t>Logarithmic # of operations for ByteNet</a:t>
-            </a:r>
-          </a:p>
-          <a:p>
-            <a:endParaRPr lang="en-US" sz="1800"/>
+            <a:pPr lvl="1"/>
+            <a:r>
+              <a:rPr lang="en-US" sz="1400" dirty="0"/>
+              <a:t>Logarithmic # of operations for </a:t>
+            </a:r>
+            <a:r>
+              <a:rPr lang="en-US" sz="1400" dirty="0" err="1"/>
+              <a:t>ByteNet</a:t>
+            </a:r>
+            <a:endParaRPr lang="en-US" sz="1400" dirty="0"/>
+          </a:p>
+          <a:p>
+            <a:endParaRPr lang="en-US" sz="1800" dirty="0"/>
           </a:p>
         </p:txBody>
       </p:sp>
@@ -10926,7 +10718,7 @@
 </p:sld>
 </file>
 
-<file path=ppt/slides/slide7.xml><?xml version="1.0" encoding="utf-8"?>
+<file path=ppt/slides/slide8.xml><?xml version="1.0" encoding="utf-8"?>
 <p:sld xmlns:a="http://schemas.openxmlformats.org/drawingml/2006/main" xmlns:r="http://schemas.openxmlformats.org/officeDocument/2006/relationships" xmlns:p="http://schemas.openxmlformats.org/presentationml/2006/main">
   <p:cSld>
     <p:bg>
@@ -11332,7 +11124,7 @@
           <a:lstStyle/>
           <a:p>
             <a:r>
-              <a:rPr lang="en-US" sz="2200" b="0" i="0" u="sng">
+              <a:rPr lang="en-US" sz="2200" b="0" i="0" u="sng" dirty="0">
                 <a:effectLst/>
                 <a:latin typeface="Helvetica Neue"/>
                 <a:hlinkClick r:id="rId2"/>
@@ -11340,7 +11132,7 @@
               <a:t>https://arxiv.org/abs/1409.0473</a:t>
             </a:r>
             <a:r>
-              <a:rPr lang="en-US" sz="2200" b="0" i="0">
+              <a:rPr lang="en-US" sz="2200" b="0" i="0" dirty="0">
                 <a:effectLst/>
                 <a:latin typeface="Helvetica Neue"/>
               </a:rPr>
@@ -11349,27 +11141,27 @@
           </a:p>
           <a:p>
             <a:r>
-              <a:rPr lang="en-US" sz="2200"/>
+              <a:rPr lang="en-US" sz="2200" dirty="0"/>
               <a:t>Uses an RNN for the encoder and decoder</a:t>
             </a:r>
           </a:p>
           <a:p>
             <a:r>
-              <a:rPr lang="en-US" sz="2200"/>
+              <a:rPr lang="en-US" sz="2200" dirty="0"/>
               <a:t>The encoder RNN bi-directional, whereas the decoder is forward-only</a:t>
             </a:r>
           </a:p>
           <a:p>
             <a:r>
-              <a:rPr lang="en-US" sz="2200"/>
+              <a:rPr lang="en-US" sz="2200" dirty="0"/>
               <a:t>The decoder sources not only from its own latent state as it progresses, but also a weighted sum of each of the time steps of the encoder</a:t>
             </a:r>
           </a:p>
           <a:p>
-            <a:endParaRPr lang="en-US" sz="2200"/>
-          </a:p>
-          <a:p>
-            <a:endParaRPr lang="en-US" sz="2200"/>
+            <a:endParaRPr lang="en-US" sz="2200" dirty="0"/>
+          </a:p>
+          <a:p>
+            <a:endParaRPr lang="en-US" sz="2200" dirty="0"/>
           </a:p>
         </p:txBody>
       </p:sp>
@@ -11386,7 +11178,7 @@
 </p:sld>
 </file>
 
-<file path=ppt/slides/slide8.xml><?xml version="1.0" encoding="utf-8"?>
+<file path=ppt/slides/slide9.xml><?xml version="1.0" encoding="utf-8"?>
 <p:sld xmlns:a="http://schemas.openxmlformats.org/drawingml/2006/main" xmlns:r="http://schemas.openxmlformats.org/officeDocument/2006/relationships" xmlns:p="http://schemas.openxmlformats.org/presentationml/2006/main">
   <p:cSld>
     <p:bg>
@@ -11413,10 +11205,10 @@
       </p:grpSpPr>
       <p:sp useBgFill="1">
         <p:nvSpPr>
-          <p:cNvPr id="6156" name="Rectangle 6150">
-            <a:extLst>
-              <a:ext uri="{FF2B5EF4-FFF2-40B4-BE49-F238E27FC236}">
-                <a16:creationId xmlns:a16="http://schemas.microsoft.com/office/drawing/2014/main" id="{C4E4288A-DFC8-40A2-90E5-70E851A933AD}"/>
+          <p:cNvPr id="6164" name="Rectangle 6163">
+            <a:extLst>
+              <a:ext uri="{FF2B5EF4-FFF2-40B4-BE49-F238E27FC236}">
+                <a16:creationId xmlns:a16="http://schemas.microsoft.com/office/drawing/2014/main" id="{5AC1364A-3E3D-4F0D-8776-78AF3A270DD6}"/>
               </a:ext>
               <a:ext uri="{C183D7F6-B498-43B3-948B-1728B52AA6E4}">
                 <adec:decorative xmlns:adec="http://schemas.microsoft.com/office/drawing/2017/decorative" val="1"/>
@@ -11437,7 +11229,7 @@
         <p:spPr>
           <a:xfrm>
             <a:off x="0" y="0"/>
-            <a:ext cx="12192000" cy="6858000"/>
+            <a:ext cx="12188952" cy="6858000"/>
           </a:xfrm>
           <a:prstGeom prst="rect">
             <a:avLst/>
@@ -11471,21 +11263,102 @@
           </a:p>
         </p:txBody>
       </p:sp>
-      <p:grpSp>
-        <p:nvGrpSpPr>
-          <p:cNvPr id="6158" name="Group 6152">
-            <a:extLst>
-              <a:ext uri="{FF2B5EF4-FFF2-40B4-BE49-F238E27FC236}">
-                <a16:creationId xmlns:a16="http://schemas.microsoft.com/office/drawing/2014/main" id="{B63C2D82-D4FA-4A37-BB01-1E7B21E4FF20}"/>
+      <p:sp>
+        <p:nvSpPr>
+          <p:cNvPr id="2" name="Title 1">
+            <a:extLst>
+              <a:ext uri="{FF2B5EF4-FFF2-40B4-BE49-F238E27FC236}">
+                <a16:creationId xmlns:a16="http://schemas.microsoft.com/office/drawing/2014/main" id="{05B462F1-C180-2283-7339-0B49070EFF39}"/>
+              </a:ext>
+            </a:extLst>
+          </p:cNvPr>
+          <p:cNvSpPr>
+            <a:spLocks noGrp="1"/>
+          </p:cNvSpPr>
+          <p:nvPr>
+            <p:ph type="title"/>
+          </p:nvPr>
+        </p:nvSpPr>
+        <p:spPr>
+          <a:xfrm>
+            <a:off x="4797501" y="329184"/>
+            <a:ext cx="6755626" cy="1783080"/>
+          </a:xfrm>
+        </p:spPr>
+        <p:txBody>
+          <a:bodyPr anchor="b">
+            <a:normAutofit/>
+          </a:bodyPr>
+          <a:lstStyle/>
+          <a:p>
+            <a:r>
+              <a:rPr lang="en-US" sz="5400" dirty="0"/>
+              <a:t>A visual</a:t>
+            </a:r>
+          </a:p>
+        </p:txBody>
+      </p:sp>
+      <p:pic>
+        <p:nvPicPr>
+          <p:cNvPr id="6146" name="Picture 2">
+            <a:extLst>
+              <a:ext uri="{FF2B5EF4-FFF2-40B4-BE49-F238E27FC236}">
+                <a16:creationId xmlns:a16="http://schemas.microsoft.com/office/drawing/2014/main" id="{9931CE32-99F8-9D81-6F54-27E7844FC618}"/>
+              </a:ext>
+            </a:extLst>
+          </p:cNvPr>
+          <p:cNvPicPr>
+            <a:picLocks noChangeAspect="1" noChangeArrowheads="1"/>
+          </p:cNvPicPr>
+          <p:nvPr/>
+        </p:nvPicPr>
+        <p:blipFill>
+          <a:blip r:embed="rId2">
+            <a:extLst>
+              <a:ext uri="{28A0092B-C50C-407E-A947-70E740481C1C}">
+                <a14:useLocalDpi xmlns:a14="http://schemas.microsoft.com/office/drawing/2010/main" val="0"/>
+              </a:ext>
+            </a:extLst>
+          </a:blip>
+          <a:stretch>
+            <a:fillRect/>
+          </a:stretch>
+        </p:blipFill>
+        <p:spPr bwMode="auto">
+          <a:xfrm>
+            <a:off x="930973" y="0"/>
+            <a:ext cx="3230689" cy="5437014"/>
+          </a:xfrm>
+          <a:prstGeom prst="rect">
+            <a:avLst/>
+          </a:prstGeom>
+          <a:noFill/>
+          <a:extLst>
+            <a:ext uri="{909E8E84-426E-40DD-AFC4-6F175D3DCCD1}">
+              <a14:hiddenFill xmlns:a14="http://schemas.microsoft.com/office/drawing/2010/main">
+                <a:solidFill>
+                  <a:srgbClr val="FFFFFF"/>
+                </a:solidFill>
+              </a14:hiddenFill>
+            </a:ext>
+          </a:extLst>
+        </p:spPr>
+      </p:pic>
+      <p:sp>
+        <p:nvSpPr>
+          <p:cNvPr id="6166" name="sketchy line">
+            <a:extLst>
+              <a:ext uri="{FF2B5EF4-FFF2-40B4-BE49-F238E27FC236}">
+                <a16:creationId xmlns:a16="http://schemas.microsoft.com/office/drawing/2014/main" id="{3FCFB1DE-0B7E-48CC-BA90-B2AB0889F9D6}"/>
               </a:ext>
               <a:ext uri="{C183D7F6-B498-43B3-948B-1728B52AA6E4}">
                 <adec:decorative xmlns:adec="http://schemas.microsoft.com/office/drawing/2017/decorative" val="1"/>
               </a:ext>
             </a:extLst>
           </p:cNvPr>
-          <p:cNvGrpSpPr>
-            <a:grpSpLocks noGrp="1" noUngrp="1" noRot="1" noChangeAspect="1" noMove="1" noResize="1"/>
-          </p:cNvGrpSpPr>
+          <p:cNvSpPr>
+            <a:spLocks noGrp="1" noRot="1" noChangeAspect="1" noMove="1" noResize="1" noEditPoints="1" noAdjustHandles="1" noChangeArrowheads="1" noChangeShapeType="1" noTextEdit="1"/>
+          </p:cNvSpPr>
           <p:nvPr>
             <p:extLst>
               <p:ext uri="{386F3935-93C4-4BCD-93E2-E3B085C9AB24}">
@@ -11493,675 +11366,49 @@
               </p:ext>
             </p:extLst>
           </p:nvPr>
-        </p:nvGrpSpPr>
-        <p:grpSpPr>
-          <a:xfrm>
-            <a:off x="965199" y="634058"/>
-            <a:ext cx="1128382" cy="847206"/>
-            <a:chOff x="5307830" y="325570"/>
-            <a:chExt cx="1128382" cy="847206"/>
-          </a:xfrm>
-        </p:grpSpPr>
-        <p:sp>
-          <p:nvSpPr>
-            <p:cNvPr id="6154" name="Freeform 5">
-              <a:extLst>
-                <a:ext uri="{FF2B5EF4-FFF2-40B4-BE49-F238E27FC236}">
-                  <a16:creationId xmlns:a16="http://schemas.microsoft.com/office/drawing/2014/main" id="{C94E7FEF-0CE9-4AC2-94BB-02230C6DC0DF}"/>
-                </a:ext>
-                <a:ext uri="{C183D7F6-B498-43B3-948B-1728B52AA6E4}">
-                  <adec:decorative xmlns:adec="http://schemas.microsoft.com/office/drawing/2017/decorative" val="1"/>
-                </a:ext>
-              </a:extLst>
-            </p:cNvPr>
-            <p:cNvSpPr>
-              <a:spLocks/>
-            </p:cNvSpPr>
-            <p:nvPr>
-              <p:extLst>
-                <p:ext uri="{386F3935-93C4-4BCD-93E2-E3B085C9AB24}">
-                  <p16:designElem xmlns:p16="http://schemas.microsoft.com/office/powerpoint/2015/main" val="1"/>
-                </p:ext>
-              </p:extLst>
-            </p:nvPr>
-          </p:nvSpPr>
-          <p:spPr bwMode="auto">
-            <a:xfrm>
-              <a:off x="5307830" y="577396"/>
-              <a:ext cx="675351" cy="595380"/>
-            </a:xfrm>
-            <a:custGeom>
-              <a:avLst/>
-              <a:gdLst>
-                <a:gd name="T0" fmla="*/ 225 w 785"/>
-                <a:gd name="T1" fmla="*/ 692 h 692"/>
-                <a:gd name="T2" fmla="*/ 177 w 785"/>
-                <a:gd name="T3" fmla="*/ 665 h 692"/>
-                <a:gd name="T4" fmla="*/ 9 w 785"/>
-                <a:gd name="T5" fmla="*/ 374 h 692"/>
-                <a:gd name="T6" fmla="*/ 9 w 785"/>
-                <a:gd name="T7" fmla="*/ 318 h 692"/>
-                <a:gd name="T8" fmla="*/ 177 w 785"/>
-                <a:gd name="T9" fmla="*/ 27 h 692"/>
-                <a:gd name="T10" fmla="*/ 225 w 785"/>
-                <a:gd name="T11" fmla="*/ 0 h 692"/>
-                <a:gd name="T12" fmla="*/ 561 w 785"/>
-                <a:gd name="T13" fmla="*/ 0 h 692"/>
-                <a:gd name="T14" fmla="*/ 609 w 785"/>
-                <a:gd name="T15" fmla="*/ 27 h 692"/>
-                <a:gd name="T16" fmla="*/ 777 w 785"/>
-                <a:gd name="T17" fmla="*/ 318 h 692"/>
-                <a:gd name="T18" fmla="*/ 777 w 785"/>
-                <a:gd name="T19" fmla="*/ 374 h 692"/>
-                <a:gd name="T20" fmla="*/ 609 w 785"/>
-                <a:gd name="T21" fmla="*/ 665 h 692"/>
-                <a:gd name="T22" fmla="*/ 561 w 785"/>
-                <a:gd name="T23" fmla="*/ 692 h 692"/>
-                <a:gd name="T24" fmla="*/ 225 w 785"/>
-                <a:gd name="T25" fmla="*/ 692 h 692"/>
-              </a:gdLst>
-              <a:ahLst/>
-              <a:cxnLst>
-                <a:cxn ang="0">
-                  <a:pos x="T0" y="T1"/>
-                </a:cxn>
-                <a:cxn ang="0">
-                  <a:pos x="T2" y="T3"/>
-                </a:cxn>
-                <a:cxn ang="0">
-                  <a:pos x="T4" y="T5"/>
-                </a:cxn>
-                <a:cxn ang="0">
-                  <a:pos x="T6" y="T7"/>
-                </a:cxn>
-                <a:cxn ang="0">
-                  <a:pos x="T8" y="T9"/>
-                </a:cxn>
-                <a:cxn ang="0">
-                  <a:pos x="T10" y="T11"/>
-                </a:cxn>
-                <a:cxn ang="0">
-                  <a:pos x="T12" y="T13"/>
-                </a:cxn>
-                <a:cxn ang="0">
-                  <a:pos x="T14" y="T15"/>
-                </a:cxn>
-                <a:cxn ang="0">
-                  <a:pos x="T16" y="T17"/>
-                </a:cxn>
-                <a:cxn ang="0">
-                  <a:pos x="T18" y="T19"/>
-                </a:cxn>
-                <a:cxn ang="0">
-                  <a:pos x="T20" y="T21"/>
-                </a:cxn>
-                <a:cxn ang="0">
-                  <a:pos x="T22" y="T23"/>
-                </a:cxn>
-                <a:cxn ang="0">
-                  <a:pos x="T24" y="T25"/>
-                </a:cxn>
-              </a:cxnLst>
-              <a:rect l="0" t="0" r="r" b="b"/>
-              <a:pathLst>
-                <a:path w="785" h="692">
-                  <a:moveTo>
-                    <a:pt x="225" y="692"/>
-                  </a:moveTo>
-                  <a:cubicBezTo>
-                    <a:pt x="207" y="692"/>
-                    <a:pt x="185" y="680"/>
-                    <a:pt x="177" y="665"/>
-                  </a:cubicBezTo>
-                  <a:cubicBezTo>
-                    <a:pt x="9" y="374"/>
-                    <a:pt x="9" y="374"/>
-                    <a:pt x="9" y="374"/>
-                  </a:cubicBezTo>
-                  <a:cubicBezTo>
-                    <a:pt x="0" y="358"/>
-                    <a:pt x="0" y="334"/>
-                    <a:pt x="9" y="318"/>
-                  </a:cubicBezTo>
-                  <a:cubicBezTo>
-                    <a:pt x="177" y="27"/>
-                    <a:pt x="177" y="27"/>
-                    <a:pt x="177" y="27"/>
-                  </a:cubicBezTo>
-                  <a:cubicBezTo>
-                    <a:pt x="185" y="12"/>
-                    <a:pt x="207" y="0"/>
-                    <a:pt x="225" y="0"/>
-                  </a:cubicBezTo>
-                  <a:cubicBezTo>
-                    <a:pt x="561" y="0"/>
-                    <a:pt x="561" y="0"/>
-                    <a:pt x="561" y="0"/>
-                  </a:cubicBezTo>
-                  <a:cubicBezTo>
-                    <a:pt x="578" y="0"/>
-                    <a:pt x="600" y="12"/>
-                    <a:pt x="609" y="27"/>
-                  </a:cubicBezTo>
-                  <a:cubicBezTo>
-                    <a:pt x="777" y="318"/>
-                    <a:pt x="777" y="318"/>
-                    <a:pt x="777" y="318"/>
-                  </a:cubicBezTo>
-                  <a:cubicBezTo>
-                    <a:pt x="785" y="334"/>
-                    <a:pt x="785" y="358"/>
-                    <a:pt x="777" y="374"/>
-                  </a:cubicBezTo>
-                  <a:cubicBezTo>
-                    <a:pt x="609" y="665"/>
-                    <a:pt x="609" y="665"/>
-                    <a:pt x="609" y="665"/>
-                  </a:cubicBezTo>
-                  <a:cubicBezTo>
-                    <a:pt x="600" y="680"/>
-                    <a:pt x="578" y="692"/>
-                    <a:pt x="561" y="692"/>
-                  </a:cubicBezTo>
-                  <a:lnTo>
-                    <a:pt x="225" y="692"/>
-                  </a:lnTo>
-                  <a:close/>
-                </a:path>
-              </a:pathLst>
-            </a:custGeom>
-            <a:noFill/>
-            <a:ln w="28575" cmpd="sng">
-              <a:solidFill>
-                <a:schemeClr val="tx1"/>
-              </a:solidFill>
-            </a:ln>
-          </p:spPr>
-          <p:txBody>
-            <a:bodyPr vert="horz" wrap="square" lIns="91440" tIns="45720" rIns="91440" bIns="45720" numCol="1" anchor="t" anchorCtr="0" compatLnSpc="1">
-              <a:prstTxWarp prst="textNoShape">
-                <a:avLst/>
-              </a:prstTxWarp>
-            </a:bodyPr>
-            <a:lstStyle/>
-            <a:p>
-              <a:endParaRPr lang="en-US"/>
-            </a:p>
-          </p:txBody>
-        </p:sp>
-        <p:sp>
-          <p:nvSpPr>
-            <p:cNvPr id="6155" name="Freeform 5">
-              <a:extLst>
-                <a:ext uri="{FF2B5EF4-FFF2-40B4-BE49-F238E27FC236}">
-                  <a16:creationId xmlns:a16="http://schemas.microsoft.com/office/drawing/2014/main" id="{EB546CC0-C1BC-48D2-8DA9-4B60283165C9}"/>
-                </a:ext>
-                <a:ext uri="{C183D7F6-B498-43B3-948B-1728B52AA6E4}">
-                  <adec:decorative xmlns:adec="http://schemas.microsoft.com/office/drawing/2017/decorative" val="1"/>
-                </a:ext>
-              </a:extLst>
-            </p:cNvPr>
-            <p:cNvSpPr>
-              <a:spLocks/>
-            </p:cNvSpPr>
-            <p:nvPr>
-              <p:extLst>
-                <p:ext uri="{386F3935-93C4-4BCD-93E2-E3B085C9AB24}">
-                  <p16:designElem xmlns:p16="http://schemas.microsoft.com/office/powerpoint/2015/main" val="1"/>
-                </p:ext>
-              </p:extLst>
-            </p:nvPr>
-          </p:nvSpPr>
-          <p:spPr bwMode="auto">
-            <a:xfrm>
-              <a:off x="5885720" y="325570"/>
-              <a:ext cx="550492" cy="485306"/>
-            </a:xfrm>
-            <a:custGeom>
-              <a:avLst/>
-              <a:gdLst>
-                <a:gd name="T0" fmla="*/ 225 w 785"/>
-                <a:gd name="T1" fmla="*/ 692 h 692"/>
-                <a:gd name="T2" fmla="*/ 177 w 785"/>
-                <a:gd name="T3" fmla="*/ 665 h 692"/>
-                <a:gd name="T4" fmla="*/ 9 w 785"/>
-                <a:gd name="T5" fmla="*/ 374 h 692"/>
-                <a:gd name="T6" fmla="*/ 9 w 785"/>
-                <a:gd name="T7" fmla="*/ 318 h 692"/>
-                <a:gd name="T8" fmla="*/ 177 w 785"/>
-                <a:gd name="T9" fmla="*/ 27 h 692"/>
-                <a:gd name="T10" fmla="*/ 225 w 785"/>
-                <a:gd name="T11" fmla="*/ 0 h 692"/>
-                <a:gd name="T12" fmla="*/ 561 w 785"/>
-                <a:gd name="T13" fmla="*/ 0 h 692"/>
-                <a:gd name="T14" fmla="*/ 609 w 785"/>
-                <a:gd name="T15" fmla="*/ 27 h 692"/>
-                <a:gd name="T16" fmla="*/ 777 w 785"/>
-                <a:gd name="T17" fmla="*/ 318 h 692"/>
-                <a:gd name="T18" fmla="*/ 777 w 785"/>
-                <a:gd name="T19" fmla="*/ 374 h 692"/>
-                <a:gd name="T20" fmla="*/ 609 w 785"/>
-                <a:gd name="T21" fmla="*/ 665 h 692"/>
-                <a:gd name="T22" fmla="*/ 561 w 785"/>
-                <a:gd name="T23" fmla="*/ 692 h 692"/>
-                <a:gd name="T24" fmla="*/ 225 w 785"/>
-                <a:gd name="T25" fmla="*/ 692 h 692"/>
-              </a:gdLst>
-              <a:ahLst/>
-              <a:cxnLst>
-                <a:cxn ang="0">
-                  <a:pos x="T0" y="T1"/>
-                </a:cxn>
-                <a:cxn ang="0">
-                  <a:pos x="T2" y="T3"/>
-                </a:cxn>
-                <a:cxn ang="0">
-                  <a:pos x="T4" y="T5"/>
-                </a:cxn>
-                <a:cxn ang="0">
-                  <a:pos x="T6" y="T7"/>
-                </a:cxn>
-                <a:cxn ang="0">
-                  <a:pos x="T8" y="T9"/>
-                </a:cxn>
-                <a:cxn ang="0">
-                  <a:pos x="T10" y="T11"/>
-                </a:cxn>
-                <a:cxn ang="0">
-                  <a:pos x="T12" y="T13"/>
-                </a:cxn>
-                <a:cxn ang="0">
-                  <a:pos x="T14" y="T15"/>
-                </a:cxn>
-                <a:cxn ang="0">
-                  <a:pos x="T16" y="T17"/>
-                </a:cxn>
-                <a:cxn ang="0">
-                  <a:pos x="T18" y="T19"/>
-                </a:cxn>
-                <a:cxn ang="0">
-                  <a:pos x="T20" y="T21"/>
-                </a:cxn>
-                <a:cxn ang="0">
-                  <a:pos x="T22" y="T23"/>
-                </a:cxn>
-                <a:cxn ang="0">
-                  <a:pos x="T24" y="T25"/>
-                </a:cxn>
-              </a:cxnLst>
-              <a:rect l="0" t="0" r="r" b="b"/>
-              <a:pathLst>
-                <a:path w="785" h="692">
-                  <a:moveTo>
-                    <a:pt x="225" y="692"/>
-                  </a:moveTo>
-                  <a:cubicBezTo>
-                    <a:pt x="207" y="692"/>
-                    <a:pt x="185" y="680"/>
-                    <a:pt x="177" y="665"/>
-                  </a:cubicBezTo>
-                  <a:cubicBezTo>
-                    <a:pt x="9" y="374"/>
-                    <a:pt x="9" y="374"/>
-                    <a:pt x="9" y="374"/>
-                  </a:cubicBezTo>
-                  <a:cubicBezTo>
-                    <a:pt x="0" y="358"/>
-                    <a:pt x="0" y="334"/>
-                    <a:pt x="9" y="318"/>
-                  </a:cubicBezTo>
-                  <a:cubicBezTo>
-                    <a:pt x="177" y="27"/>
-                    <a:pt x="177" y="27"/>
-                    <a:pt x="177" y="27"/>
-                  </a:cubicBezTo>
-                  <a:cubicBezTo>
-                    <a:pt x="185" y="12"/>
-                    <a:pt x="207" y="0"/>
-                    <a:pt x="225" y="0"/>
-                  </a:cubicBezTo>
-                  <a:cubicBezTo>
-                    <a:pt x="561" y="0"/>
-                    <a:pt x="561" y="0"/>
-                    <a:pt x="561" y="0"/>
-                  </a:cubicBezTo>
-                  <a:cubicBezTo>
-                    <a:pt x="578" y="0"/>
-                    <a:pt x="600" y="12"/>
-                    <a:pt x="609" y="27"/>
-                  </a:cubicBezTo>
-                  <a:cubicBezTo>
-                    <a:pt x="777" y="318"/>
-                    <a:pt x="777" y="318"/>
-                    <a:pt x="777" y="318"/>
-                  </a:cubicBezTo>
-                  <a:cubicBezTo>
-                    <a:pt x="785" y="334"/>
-                    <a:pt x="785" y="358"/>
-                    <a:pt x="777" y="374"/>
-                  </a:cubicBezTo>
-                  <a:cubicBezTo>
-                    <a:pt x="609" y="665"/>
-                    <a:pt x="609" y="665"/>
-                    <a:pt x="609" y="665"/>
-                  </a:cubicBezTo>
-                  <a:cubicBezTo>
-                    <a:pt x="600" y="680"/>
-                    <a:pt x="578" y="692"/>
-                    <a:pt x="561" y="692"/>
-                  </a:cubicBezTo>
-                  <a:lnTo>
-                    <a:pt x="225" y="692"/>
-                  </a:lnTo>
-                  <a:close/>
-                </a:path>
-              </a:pathLst>
-            </a:custGeom>
-            <a:noFill/>
-            <a:ln w="28575" cmpd="sng">
-              <a:solidFill>
-                <a:schemeClr val="tx1"/>
-              </a:solidFill>
-            </a:ln>
-          </p:spPr>
-          <p:txBody>
-            <a:bodyPr vert="horz" wrap="square" lIns="91440" tIns="45720" rIns="91440" bIns="45720" numCol="1" anchor="t" anchorCtr="0" compatLnSpc="1">
-              <a:prstTxWarp prst="textNoShape">
-                <a:avLst/>
-              </a:prstTxWarp>
-            </a:bodyPr>
-            <a:lstStyle/>
-            <a:p>
-              <a:endParaRPr lang="en-US"/>
-            </a:p>
-          </p:txBody>
-        </p:sp>
-      </p:grpSp>
-      <p:sp>
-        <p:nvSpPr>
-          <p:cNvPr id="2" name="Title 1">
-            <a:extLst>
-              <a:ext uri="{FF2B5EF4-FFF2-40B4-BE49-F238E27FC236}">
-                <a16:creationId xmlns:a16="http://schemas.microsoft.com/office/drawing/2014/main" id="{05B462F1-C180-2283-7339-0B49070EFF39}"/>
-              </a:ext>
-            </a:extLst>
-          </p:cNvPr>
-          <p:cNvSpPr>
-            <a:spLocks noGrp="1"/>
-          </p:cNvSpPr>
-          <p:nvPr>
-            <p:ph type="title"/>
-          </p:nvPr>
-        </p:nvSpPr>
-        <p:spPr>
-          <a:xfrm>
-            <a:off x="965200" y="1371190"/>
-            <a:ext cx="3363170" cy="2183042"/>
-          </a:xfrm>
-        </p:spPr>
-        <p:txBody>
-          <a:bodyPr anchor="b">
-            <a:normAutofit/>
-          </a:bodyPr>
-          <a:lstStyle/>
-          <a:p>
-            <a:r>
-              <a:rPr lang="en-US" sz="4000"/>
-              <a:t>Attention to the rescue</a:t>
-            </a:r>
-          </a:p>
-        </p:txBody>
-      </p:sp>
-      <p:sp>
-        <p:nvSpPr>
-          <p:cNvPr id="6157" name="Freeform 5">
-            <a:extLst>
-              <a:ext uri="{FF2B5EF4-FFF2-40B4-BE49-F238E27FC236}">
-                <a16:creationId xmlns:a16="http://schemas.microsoft.com/office/drawing/2014/main" id="{BD2BFF02-DF78-4F07-B176-52514E13127D}"/>
-              </a:ext>
-              <a:ext uri="{C183D7F6-B498-43B3-948B-1728B52AA6E4}">
-                <adec:decorative xmlns:adec="http://schemas.microsoft.com/office/drawing/2017/decorative" val="1"/>
-              </a:ext>
-            </a:extLst>
-          </p:cNvPr>
-          <p:cNvSpPr>
-            <a:spLocks noGrp="1" noRot="1" noChangeAspect="1" noMove="1" noResize="1" noEditPoints="1" noAdjustHandles="1" noChangeArrowheads="1" noChangeShapeType="1" noTextEdit="1"/>
-          </p:cNvSpPr>
-          <p:nvPr>
-            <p:extLst>
-              <p:ext uri="{386F3935-93C4-4BCD-93E2-E3B085C9AB24}">
-                <p16:designElem xmlns:p16="http://schemas.microsoft.com/office/powerpoint/2015/main" val="1"/>
-              </p:ext>
-            </p:extLst>
-          </p:nvPr>
-        </p:nvSpPr>
-        <p:spPr bwMode="auto">
-          <a:xfrm>
-            <a:off x="7062174" y="1653645"/>
-            <a:ext cx="4689240" cy="4115025"/>
+        </p:nvSpPr>
+        <p:spPr>
+          <a:xfrm>
+            <a:off x="4797494" y="2395728"/>
+            <a:ext cx="4243589" cy="18288"/>
           </a:xfrm>
           <a:custGeom>
             <a:avLst/>
             <a:gdLst>
-              <a:gd name="T0" fmla="*/ 781 w 1099"/>
-              <a:gd name="T1" fmla="*/ 0 h 968"/>
-              <a:gd name="T2" fmla="*/ 318 w 1099"/>
-              <a:gd name="T3" fmla="*/ 0 h 968"/>
-              <a:gd name="T4" fmla="*/ 246 w 1099"/>
-              <a:gd name="T5" fmla="*/ 42 h 968"/>
-              <a:gd name="T6" fmla="*/ 15 w 1099"/>
-              <a:gd name="T7" fmla="*/ 443 h 968"/>
-              <a:gd name="T8" fmla="*/ 15 w 1099"/>
-              <a:gd name="T9" fmla="*/ 525 h 968"/>
-              <a:gd name="T10" fmla="*/ 246 w 1099"/>
-              <a:gd name="T11" fmla="*/ 926 h 968"/>
-              <a:gd name="T12" fmla="*/ 318 w 1099"/>
-              <a:gd name="T13" fmla="*/ 968 h 968"/>
-              <a:gd name="T14" fmla="*/ 781 w 1099"/>
-              <a:gd name="T15" fmla="*/ 968 h 968"/>
-              <a:gd name="T16" fmla="*/ 852 w 1099"/>
-              <a:gd name="T17" fmla="*/ 926 h 968"/>
-              <a:gd name="T18" fmla="*/ 1084 w 1099"/>
-              <a:gd name="T19" fmla="*/ 525 h 968"/>
-              <a:gd name="T20" fmla="*/ 1084 w 1099"/>
-              <a:gd name="T21" fmla="*/ 443 h 968"/>
-              <a:gd name="T22" fmla="*/ 852 w 1099"/>
-              <a:gd name="T23" fmla="*/ 42 h 968"/>
-              <a:gd name="T24" fmla="*/ 781 w 1099"/>
-              <a:gd name="T25" fmla="*/ 0 h 968"/>
-            </a:gdLst>
-            <a:ahLst/>
-            <a:cxnLst>
-              <a:cxn ang="0">
-                <a:pos x="T0" y="T1"/>
-              </a:cxn>
-              <a:cxn ang="0">
-                <a:pos x="T2" y="T3"/>
-              </a:cxn>
-              <a:cxn ang="0">
-                <a:pos x="T4" y="T5"/>
-              </a:cxn>
-              <a:cxn ang="0">
-                <a:pos x="T6" y="T7"/>
-              </a:cxn>
-              <a:cxn ang="0">
-                <a:pos x="T8" y="T9"/>
-              </a:cxn>
-              <a:cxn ang="0">
-                <a:pos x="T10" y="T11"/>
-              </a:cxn>
-              <a:cxn ang="0">
-                <a:pos x="T12" y="T13"/>
-              </a:cxn>
-              <a:cxn ang="0">
-                <a:pos x="T14" y="T15"/>
-              </a:cxn>
-              <a:cxn ang="0">
-                <a:pos x="T16" y="T17"/>
-              </a:cxn>
-              <a:cxn ang="0">
-                <a:pos x="T18" y="T19"/>
-              </a:cxn>
-              <a:cxn ang="0">
-                <a:pos x="T20" y="T21"/>
-              </a:cxn>
-              <a:cxn ang="0">
-                <a:pos x="T22" y="T23"/>
-              </a:cxn>
-              <a:cxn ang="0">
-                <a:pos x="T24" y="T25"/>
-              </a:cxn>
-            </a:cxnLst>
-            <a:rect l="0" t="0" r="r" b="b"/>
-            <a:pathLst>
-              <a:path w="1099" h="968">
-                <a:moveTo>
-                  <a:pt x="781" y="0"/>
-                </a:moveTo>
-                <a:cubicBezTo>
-                  <a:pt x="318" y="0"/>
-                  <a:pt x="318" y="0"/>
-                  <a:pt x="318" y="0"/>
-                </a:cubicBezTo>
-                <a:cubicBezTo>
-                  <a:pt x="288" y="0"/>
-                  <a:pt x="261" y="16"/>
-                  <a:pt x="246" y="42"/>
-                </a:cubicBezTo>
-                <a:cubicBezTo>
-                  <a:pt x="15" y="443"/>
-                  <a:pt x="15" y="443"/>
-                  <a:pt x="15" y="443"/>
-                </a:cubicBezTo>
-                <a:cubicBezTo>
-                  <a:pt x="0" y="468"/>
-                  <a:pt x="0" y="500"/>
-                  <a:pt x="15" y="525"/>
-                </a:cubicBezTo>
-                <a:cubicBezTo>
-                  <a:pt x="246" y="926"/>
-                  <a:pt x="246" y="926"/>
-                  <a:pt x="246" y="926"/>
-                </a:cubicBezTo>
-                <a:cubicBezTo>
-                  <a:pt x="261" y="952"/>
-                  <a:pt x="288" y="968"/>
-                  <a:pt x="318" y="968"/>
-                </a:cubicBezTo>
-                <a:cubicBezTo>
-                  <a:pt x="781" y="968"/>
-                  <a:pt x="781" y="968"/>
-                  <a:pt x="781" y="968"/>
-                </a:cubicBezTo>
-                <a:cubicBezTo>
-                  <a:pt x="810" y="968"/>
-                  <a:pt x="838" y="952"/>
-                  <a:pt x="852" y="926"/>
-                </a:cubicBezTo>
-                <a:cubicBezTo>
-                  <a:pt x="1084" y="525"/>
-                  <a:pt x="1084" y="525"/>
-                  <a:pt x="1084" y="525"/>
-                </a:cubicBezTo>
-                <a:cubicBezTo>
-                  <a:pt x="1099" y="500"/>
-                  <a:pt x="1099" y="468"/>
-                  <a:pt x="1084" y="443"/>
-                </a:cubicBezTo>
-                <a:cubicBezTo>
-                  <a:pt x="852" y="42"/>
-                  <a:pt x="852" y="42"/>
-                  <a:pt x="852" y="42"/>
-                </a:cubicBezTo>
-                <a:cubicBezTo>
-                  <a:pt x="838" y="16"/>
-                  <a:pt x="810" y="0"/>
-                  <a:pt x="781" y="0"/>
-                </a:cubicBezTo>
-                <a:close/>
-              </a:path>
-            </a:pathLst>
-          </a:custGeom>
-          <a:noFill/>
-          <a:ln w="50800" cap="flat">
-            <a:solidFill>
-              <a:schemeClr val="tx1"/>
-            </a:solidFill>
-            <a:prstDash val="solid"/>
-            <a:miter lim="800000"/>
-            <a:headEnd/>
-            <a:tailEnd/>
-          </a:ln>
-        </p:spPr>
-        <p:txBody>
-          <a:bodyPr vert="horz" wrap="square" lIns="91440" tIns="45720" rIns="91440" bIns="45720" numCol="1" anchor="t" anchorCtr="0" compatLnSpc="1">
-            <a:prstTxWarp prst="textNoShape">
-              <a:avLst/>
-            </a:prstTxWarp>
-          </a:bodyPr>
-          <a:lstStyle/>
-          <a:p>
-            <a:endParaRPr lang="en-US" dirty="0"/>
-          </a:p>
-        </p:txBody>
-      </p:sp>
-      <p:sp>
-        <p:nvSpPr>
-          <p:cNvPr id="6159" name="Freeform: Shape 6158">
-            <a:extLst>
-              <a:ext uri="{FF2B5EF4-FFF2-40B4-BE49-F238E27FC236}">
-                <a16:creationId xmlns:a16="http://schemas.microsoft.com/office/drawing/2014/main" id="{0DB06EAB-7D8C-403A-86C5-B5FD79A13650}"/>
-              </a:ext>
-              <a:ext uri="{C183D7F6-B498-43B3-948B-1728B52AA6E4}">
-                <adec:decorative xmlns:adec="http://schemas.microsoft.com/office/drawing/2017/decorative" val="1"/>
-              </a:ext>
-            </a:extLst>
-          </p:cNvPr>
-          <p:cNvSpPr>
-            <a:spLocks noGrp="1" noRot="1" noChangeAspect="1" noMove="1" noResize="1" noEditPoints="1" noAdjustHandles="1" noChangeArrowheads="1" noChangeShapeType="1" noTextEdit="1"/>
-          </p:cNvSpPr>
-          <p:nvPr>
-            <p:extLst>
-              <p:ext uri="{386F3935-93C4-4BCD-93E2-E3B085C9AB24}">
-                <p16:designElem xmlns:p16="http://schemas.microsoft.com/office/powerpoint/2015/main" val="1"/>
-              </p:ext>
-            </p:extLst>
-          </p:nvPr>
-        </p:nvSpPr>
-        <p:spPr>
-          <a:xfrm>
-            <a:off x="4542865" y="634058"/>
-            <a:ext cx="3154669" cy="2796247"/>
-          </a:xfrm>
-          <a:custGeom>
-            <a:avLst/>
-            <a:gdLst>
-              <a:gd name="connsiteX0" fmla="*/ 853538 w 2991693"/>
-              <a:gd name="connsiteY0" fmla="*/ 0 h 2651787"/>
-              <a:gd name="connsiteX1" fmla="*/ 2141030 w 2991693"/>
-              <a:gd name="connsiteY1" fmla="*/ 0 h 2651787"/>
-              <a:gd name="connsiteX2" fmla="*/ 2324957 w 2991693"/>
-              <a:gd name="connsiteY2" fmla="*/ 103466 h 2651787"/>
-              <a:gd name="connsiteX3" fmla="*/ 2968702 w 2991693"/>
-              <a:gd name="connsiteY3" fmla="*/ 1218596 h 2651787"/>
-              <a:gd name="connsiteX4" fmla="*/ 2968702 w 2991693"/>
-              <a:gd name="connsiteY4" fmla="*/ 1433192 h 2651787"/>
-              <a:gd name="connsiteX5" fmla="*/ 2324957 w 2991693"/>
-              <a:gd name="connsiteY5" fmla="*/ 2548321 h 2651787"/>
-              <a:gd name="connsiteX6" fmla="*/ 2141030 w 2991693"/>
-              <a:gd name="connsiteY6" fmla="*/ 2651787 h 2651787"/>
-              <a:gd name="connsiteX7" fmla="*/ 853538 w 2991693"/>
-              <a:gd name="connsiteY7" fmla="*/ 2651787 h 2651787"/>
-              <a:gd name="connsiteX8" fmla="*/ 669612 w 2991693"/>
-              <a:gd name="connsiteY8" fmla="*/ 2548321 h 2651787"/>
-              <a:gd name="connsiteX9" fmla="*/ 25866 w 2991693"/>
-              <a:gd name="connsiteY9" fmla="*/ 1433192 h 2651787"/>
-              <a:gd name="connsiteX10" fmla="*/ 25866 w 2991693"/>
-              <a:gd name="connsiteY10" fmla="*/ 1218596 h 2651787"/>
-              <a:gd name="connsiteX11" fmla="*/ 669612 w 2991693"/>
-              <a:gd name="connsiteY11" fmla="*/ 103466 h 2651787"/>
-              <a:gd name="connsiteX12" fmla="*/ 853538 w 2991693"/>
-              <a:gd name="connsiteY12" fmla="*/ 0 h 2651787"/>
+              <a:gd name="connsiteX0" fmla="*/ 0 w 4243589"/>
+              <a:gd name="connsiteY0" fmla="*/ 0 h 18288"/>
+              <a:gd name="connsiteX1" fmla="*/ 478919 w 4243589"/>
+              <a:gd name="connsiteY1" fmla="*/ 0 h 18288"/>
+              <a:gd name="connsiteX2" fmla="*/ 957839 w 4243589"/>
+              <a:gd name="connsiteY2" fmla="*/ 0 h 18288"/>
+              <a:gd name="connsiteX3" fmla="*/ 1521630 w 4243589"/>
+              <a:gd name="connsiteY3" fmla="*/ 0 h 18288"/>
+              <a:gd name="connsiteX4" fmla="*/ 2212729 w 4243589"/>
+              <a:gd name="connsiteY4" fmla="*/ 0 h 18288"/>
+              <a:gd name="connsiteX5" fmla="*/ 2734084 w 4243589"/>
+              <a:gd name="connsiteY5" fmla="*/ 0 h 18288"/>
+              <a:gd name="connsiteX6" fmla="*/ 3255439 w 4243589"/>
+              <a:gd name="connsiteY6" fmla="*/ 0 h 18288"/>
+              <a:gd name="connsiteX7" fmla="*/ 4243589 w 4243589"/>
+              <a:gd name="connsiteY7" fmla="*/ 0 h 18288"/>
+              <a:gd name="connsiteX8" fmla="*/ 4243589 w 4243589"/>
+              <a:gd name="connsiteY8" fmla="*/ 18288 h 18288"/>
+              <a:gd name="connsiteX9" fmla="*/ 3594926 w 4243589"/>
+              <a:gd name="connsiteY9" fmla="*/ 18288 h 18288"/>
+              <a:gd name="connsiteX10" fmla="*/ 3073571 w 4243589"/>
+              <a:gd name="connsiteY10" fmla="*/ 18288 h 18288"/>
+              <a:gd name="connsiteX11" fmla="*/ 2552216 w 4243589"/>
+              <a:gd name="connsiteY11" fmla="*/ 18288 h 18288"/>
+              <a:gd name="connsiteX12" fmla="*/ 1903553 w 4243589"/>
+              <a:gd name="connsiteY12" fmla="*/ 18288 h 18288"/>
+              <a:gd name="connsiteX13" fmla="*/ 1212454 w 4243589"/>
+              <a:gd name="connsiteY13" fmla="*/ 18288 h 18288"/>
+              <a:gd name="connsiteX14" fmla="*/ 733535 w 4243589"/>
+              <a:gd name="connsiteY14" fmla="*/ 18288 h 18288"/>
+              <a:gd name="connsiteX15" fmla="*/ 0 w 4243589"/>
+              <a:gd name="connsiteY15" fmla="*/ 18288 h 18288"/>
+              <a:gd name="connsiteX16" fmla="*/ 0 w 4243589"/>
+              <a:gd name="connsiteY16" fmla="*/ 0 h 18288"/>
             </a:gdLst>
             <a:ahLst/>
             <a:cxnLst>
@@ -12204,293 +11451,215 @@
               <a:cxn ang="0">
                 <a:pos x="connsiteX12" y="connsiteY12"/>
               </a:cxn>
+              <a:cxn ang="0">
+                <a:pos x="connsiteX13" y="connsiteY13"/>
+              </a:cxn>
+              <a:cxn ang="0">
+                <a:pos x="connsiteX14" y="connsiteY14"/>
+              </a:cxn>
+              <a:cxn ang="0">
+                <a:pos x="connsiteX15" y="connsiteY15"/>
+              </a:cxn>
+              <a:cxn ang="0">
+                <a:pos x="connsiteX16" y="connsiteY16"/>
+              </a:cxn>
             </a:cxnLst>
             <a:rect l="l" t="t" r="r" b="b"/>
             <a:pathLst>
-              <a:path w="2991693" h="2651787">
+              <a:path w="4243589" h="18288" fill="none" extrusionOk="0">
                 <a:moveTo>
-                  <a:pt x="853538" y="0"/>
+                  <a:pt x="0" y="0"/>
                 </a:moveTo>
                 <a:cubicBezTo>
-                  <a:pt x="2141030" y="0"/>
-                  <a:pt x="2141030" y="0"/>
-                  <a:pt x="2141030" y="0"/>
+                  <a:pt x="213395" y="-21006"/>
+                  <a:pt x="307421" y="-18116"/>
+                  <a:pt x="478919" y="0"/>
                 </a:cubicBezTo>
                 <a:cubicBezTo>
-                  <a:pt x="2206170" y="0"/>
-                  <a:pt x="2290471" y="45985"/>
-                  <a:pt x="2324957" y="103466"/>
+                  <a:pt x="650417" y="18116"/>
+                  <a:pt x="831092" y="-21237"/>
+                  <a:pt x="957839" y="0"/>
                 </a:cubicBezTo>
                 <a:cubicBezTo>
-                  <a:pt x="2968702" y="1218596"/>
-                  <a:pt x="2968702" y="1218596"/>
-                  <a:pt x="2968702" y="1218596"/>
+                  <a:pt x="1084586" y="21237"/>
+                  <a:pt x="1301682" y="25124"/>
+                  <a:pt x="1521630" y="0"/>
                 </a:cubicBezTo>
                 <a:cubicBezTo>
-                  <a:pt x="2999357" y="1279909"/>
-                  <a:pt x="2999357" y="1371878"/>
-                  <a:pt x="2968702" y="1433192"/>
+                  <a:pt x="1741578" y="-25124"/>
+                  <a:pt x="1970269" y="-29139"/>
+                  <a:pt x="2212729" y="0"/>
                 </a:cubicBezTo>
                 <a:cubicBezTo>
-                  <a:pt x="2324957" y="2548321"/>
-                  <a:pt x="2324957" y="2548321"/>
-                  <a:pt x="2324957" y="2548321"/>
+                  <a:pt x="2455189" y="29139"/>
+                  <a:pt x="2558847" y="-4796"/>
+                  <a:pt x="2734084" y="0"/>
                 </a:cubicBezTo>
                 <a:cubicBezTo>
-                  <a:pt x="2290471" y="2605803"/>
-                  <a:pt x="2206170" y="2651787"/>
-                  <a:pt x="2141030" y="2651787"/>
-                </a:cubicBezTo>
-                <a:lnTo>
-                  <a:pt x="853538" y="2651787"/>
-                </a:lnTo>
-                <a:cubicBezTo>
-                  <a:pt x="784566" y="2651787"/>
-                  <a:pt x="700266" y="2605803"/>
-                  <a:pt x="669612" y="2548321"/>
+                  <a:pt x="2909321" y="4796"/>
+                  <a:pt x="3097217" y="-13409"/>
+                  <a:pt x="3255439" y="0"/>
                 </a:cubicBezTo>
                 <a:cubicBezTo>
-                  <a:pt x="25866" y="1433192"/>
-                  <a:pt x="25866" y="1433192"/>
-                  <a:pt x="25866" y="1433192"/>
+                  <a:pt x="3413662" y="13409"/>
+                  <a:pt x="3979999" y="-10121"/>
+                  <a:pt x="4243589" y="0"/>
                 </a:cubicBezTo>
                 <a:cubicBezTo>
-                  <a:pt x="-8621" y="1371878"/>
-                  <a:pt x="-8621" y="1279909"/>
-                  <a:pt x="25866" y="1218596"/>
+                  <a:pt x="4244484" y="8974"/>
+                  <a:pt x="4243043" y="9359"/>
+                  <a:pt x="4243589" y="18288"/>
                 </a:cubicBezTo>
                 <a:cubicBezTo>
-                  <a:pt x="669612" y="103466"/>
-                  <a:pt x="669612" y="103466"/>
-                  <a:pt x="669612" y="103466"/>
+                  <a:pt x="4058777" y="31246"/>
+                  <a:pt x="3910348" y="3158"/>
+                  <a:pt x="3594926" y="18288"/>
                 </a:cubicBezTo>
                 <a:cubicBezTo>
-                  <a:pt x="700266" y="45985"/>
-                  <a:pt x="784566" y="0"/>
-                  <a:pt x="853538" y="0"/>
+                  <a:pt x="3279504" y="33418"/>
+                  <a:pt x="3319955" y="-3977"/>
+                  <a:pt x="3073571" y="18288"/>
+                </a:cubicBezTo>
+                <a:cubicBezTo>
+                  <a:pt x="2827187" y="40553"/>
+                  <a:pt x="2767387" y="1863"/>
+                  <a:pt x="2552216" y="18288"/>
+                </a:cubicBezTo>
+                <a:cubicBezTo>
+                  <a:pt x="2337046" y="34713"/>
+                  <a:pt x="2181871" y="19527"/>
+                  <a:pt x="1903553" y="18288"/>
+                </a:cubicBezTo>
+                <a:cubicBezTo>
+                  <a:pt x="1625235" y="17049"/>
+                  <a:pt x="1557672" y="24174"/>
+                  <a:pt x="1212454" y="18288"/>
+                </a:cubicBezTo>
+                <a:cubicBezTo>
+                  <a:pt x="867236" y="12402"/>
+                  <a:pt x="874382" y="15627"/>
+                  <a:pt x="733535" y="18288"/>
+                </a:cubicBezTo>
+                <a:cubicBezTo>
+                  <a:pt x="592688" y="20949"/>
+                  <a:pt x="183477" y="14753"/>
+                  <a:pt x="0" y="18288"/>
+                </a:cubicBezTo>
+                <a:cubicBezTo>
+                  <a:pt x="-229" y="14222"/>
+                  <a:pt x="509" y="5816"/>
+                  <a:pt x="0" y="0"/>
+                </a:cubicBezTo>
+                <a:close/>
+              </a:path>
+              <a:path w="4243589" h="18288" stroke="0" extrusionOk="0">
+                <a:moveTo>
+                  <a:pt x="0" y="0"/>
+                </a:moveTo>
+                <a:cubicBezTo>
+                  <a:pt x="143690" y="16630"/>
+                  <a:pt x="266667" y="14847"/>
+                  <a:pt x="521355" y="0"/>
+                </a:cubicBezTo>
+                <a:cubicBezTo>
+                  <a:pt x="776043" y="-14847"/>
+                  <a:pt x="814491" y="-17363"/>
+                  <a:pt x="1000275" y="0"/>
+                </a:cubicBezTo>
+                <a:cubicBezTo>
+                  <a:pt x="1186059" y="17363"/>
+                  <a:pt x="1352504" y="-23507"/>
+                  <a:pt x="1521630" y="0"/>
+                </a:cubicBezTo>
+                <a:cubicBezTo>
+                  <a:pt x="1690756" y="23507"/>
+                  <a:pt x="1889525" y="5871"/>
+                  <a:pt x="2127857" y="0"/>
+                </a:cubicBezTo>
+                <a:cubicBezTo>
+                  <a:pt x="2366189" y="-5871"/>
+                  <a:pt x="2620628" y="-27997"/>
+                  <a:pt x="2776520" y="0"/>
+                </a:cubicBezTo>
+                <a:cubicBezTo>
+                  <a:pt x="2932412" y="27997"/>
+                  <a:pt x="3131683" y="-25073"/>
+                  <a:pt x="3467618" y="0"/>
+                </a:cubicBezTo>
+                <a:cubicBezTo>
+                  <a:pt x="3803553" y="25073"/>
+                  <a:pt x="4017371" y="3071"/>
+                  <a:pt x="4243589" y="0"/>
+                </a:cubicBezTo>
+                <a:cubicBezTo>
+                  <a:pt x="4243134" y="6162"/>
+                  <a:pt x="4243492" y="11775"/>
+                  <a:pt x="4243589" y="18288"/>
+                </a:cubicBezTo>
+                <a:cubicBezTo>
+                  <a:pt x="4017834" y="-5779"/>
+                  <a:pt x="3834586" y="13376"/>
+                  <a:pt x="3594926" y="18288"/>
+                </a:cubicBezTo>
+                <a:cubicBezTo>
+                  <a:pt x="3355266" y="23200"/>
+                  <a:pt x="3204179" y="2869"/>
+                  <a:pt x="2903827" y="18288"/>
+                </a:cubicBezTo>
+                <a:cubicBezTo>
+                  <a:pt x="2603475" y="33707"/>
+                  <a:pt x="2526187" y="46187"/>
+                  <a:pt x="2212729" y="18288"/>
+                </a:cubicBezTo>
+                <a:cubicBezTo>
+                  <a:pt x="1899271" y="-9611"/>
+                  <a:pt x="1966289" y="29692"/>
+                  <a:pt x="1733809" y="18288"/>
+                </a:cubicBezTo>
+                <a:cubicBezTo>
+                  <a:pt x="1501329" y="6884"/>
+                  <a:pt x="1343612" y="12492"/>
+                  <a:pt x="1085146" y="18288"/>
+                </a:cubicBezTo>
+                <a:cubicBezTo>
+                  <a:pt x="826680" y="24084"/>
+                  <a:pt x="778184" y="35607"/>
+                  <a:pt x="521355" y="18288"/>
+                </a:cubicBezTo>
+                <a:cubicBezTo>
+                  <a:pt x="264526" y="969"/>
+                  <a:pt x="120277" y="4268"/>
+                  <a:pt x="0" y="18288"/>
+                </a:cubicBezTo>
+                <a:cubicBezTo>
+                  <a:pt x="766" y="10800"/>
+                  <a:pt x="-457" y="8180"/>
+                  <a:pt x="0" y="0"/>
                 </a:cubicBezTo>
                 <a:close/>
               </a:path>
             </a:pathLst>
           </a:custGeom>
-          <a:noFill/>
-          <a:ln w="50800" cap="flat">
+          <a:solidFill>
+            <a:schemeClr val="accent2"/>
+          </a:solidFill>
+          <a:ln w="41275" cap="rnd">
             <a:solidFill>
-              <a:schemeClr val="tx1"/>
+              <a:schemeClr val="accent2"/>
             </a:solidFill>
-            <a:prstDash val="solid"/>
-            <a:miter lim="800000"/>
-            <a:headEnd/>
-            <a:tailEnd/>
-          </a:ln>
-        </p:spPr>
-        <p:txBody>
-          <a:bodyPr vert="horz" wrap="square" lIns="91440" tIns="45720" rIns="91440" bIns="45720" numCol="1" anchor="t" anchorCtr="0" compatLnSpc="1">
-            <a:prstTxWarp prst="textNoShape">
-              <a:avLst/>
-            </a:prstTxWarp>
-          </a:bodyPr>
-          <a:lstStyle/>
-          <a:p>
-            <a:endParaRPr lang="en-US" dirty="0">
-              <a:solidFill>
-                <a:schemeClr val="tx1"/>
-              </a:solidFill>
-            </a:endParaRPr>
-          </a:p>
-        </p:txBody>
-      </p:sp>
-      <p:pic>
-        <p:nvPicPr>
-          <p:cNvPr id="5" name="Picture 4" descr="Shape&#10;&#10;Description automatically generated with medium confidence">
-            <a:extLst>
-              <a:ext uri="{FF2B5EF4-FFF2-40B4-BE49-F238E27FC236}">
-                <a16:creationId xmlns:a16="http://schemas.microsoft.com/office/drawing/2014/main" id="{46B3D093-4C72-84DF-6CA7-C4F27D07E229}"/>
-              </a:ext>
-            </a:extLst>
-          </p:cNvPr>
-          <p:cNvPicPr>
-            <a:picLocks noChangeAspect="1"/>
-          </p:cNvPicPr>
-          <p:nvPr/>
-        </p:nvPicPr>
-        <p:blipFill>
-          <a:blip r:embed="rId2">
-            <a:extLst>
-              <a:ext uri="{28A0092B-C50C-407E-A947-70E740481C1C}">
-                <a14:useLocalDpi xmlns:a14="http://schemas.microsoft.com/office/drawing/2010/main" val="0"/>
-              </a:ext>
-            </a:extLst>
-          </a:blip>
-          <a:stretch>
-            <a:fillRect/>
-          </a:stretch>
-        </p:blipFill>
-        <p:spPr>
-          <a:xfrm>
-            <a:off x="5196964" y="1545514"/>
-            <a:ext cx="1846470" cy="973333"/>
-          </a:xfrm>
-          <a:prstGeom prst="rect">
-            <a:avLst/>
-          </a:prstGeom>
-        </p:spPr>
-      </p:pic>
-      <p:sp>
-        <p:nvSpPr>
-          <p:cNvPr id="3" name="Content Placeholder 2">
-            <a:extLst>
-              <a:ext uri="{FF2B5EF4-FFF2-40B4-BE49-F238E27FC236}">
-                <a16:creationId xmlns:a16="http://schemas.microsoft.com/office/drawing/2014/main" id="{96F5230B-F8A4-C8E4-4C74-A1C627ED0DD6}"/>
-              </a:ext>
-            </a:extLst>
-          </p:cNvPr>
-          <p:cNvSpPr>
-            <a:spLocks noGrp="1"/>
-          </p:cNvSpPr>
-          <p:nvPr>
-            <p:ph idx="1"/>
-          </p:nvPr>
-        </p:nvSpPr>
-        <p:spPr>
-          <a:xfrm>
-            <a:off x="965199" y="3729161"/>
-            <a:ext cx="5690043" cy="2277321"/>
-          </a:xfrm>
-        </p:spPr>
-        <p:txBody>
-          <a:bodyPr>
-            <a:normAutofit/>
-          </a:bodyPr>
-          <a:lstStyle/>
-          <a:p>
-            <a:r>
-              <a:rPr lang="en-US" sz="2400"/>
-              <a:t>Note the bi-directional and forward-only components</a:t>
-            </a:r>
-          </a:p>
-          <a:p>
-            <a:endParaRPr lang="en-US" sz="2400"/>
-          </a:p>
-        </p:txBody>
-      </p:sp>
-      <p:pic>
-        <p:nvPicPr>
-          <p:cNvPr id="6146" name="Picture 2">
-            <a:extLst>
-              <a:ext uri="{FF2B5EF4-FFF2-40B4-BE49-F238E27FC236}">
-                <a16:creationId xmlns:a16="http://schemas.microsoft.com/office/drawing/2014/main" id="{9931CE32-99F8-9D81-6F54-27E7844FC618}"/>
-              </a:ext>
-            </a:extLst>
-          </p:cNvPr>
-          <p:cNvPicPr>
-            <a:picLocks noChangeAspect="1" noChangeArrowheads="1"/>
-          </p:cNvPicPr>
-          <p:nvPr/>
-        </p:nvPicPr>
-        <p:blipFill>
-          <a:blip r:embed="rId3">
-            <a:extLst>
-              <a:ext uri="{28A0092B-C50C-407E-A947-70E740481C1C}">
-                <a14:useLocalDpi xmlns:a14="http://schemas.microsoft.com/office/drawing/2010/main" val="0"/>
-              </a:ext>
-            </a:extLst>
-          </a:blip>
-          <a:stretch>
-            <a:fillRect/>
-          </a:stretch>
-        </p:blipFill>
-        <p:spPr bwMode="auto">
-          <a:xfrm>
-            <a:off x="8450920" y="2102491"/>
-            <a:ext cx="1911748" cy="3217333"/>
-          </a:xfrm>
-          <a:prstGeom prst="rect">
-            <a:avLst/>
-          </a:prstGeom>
-          <a:noFill/>
-          <a:extLst>
-            <a:ext uri="{909E8E84-426E-40DD-AFC4-6F175D3DCCD1}">
-              <a14:hiddenFill xmlns:a14="http://schemas.microsoft.com/office/drawing/2010/main">
-                <a:solidFill>
-                  <a:srgbClr val="FFFFFF"/>
-                </a:solidFill>
-              </a14:hiddenFill>
-            </a:ext>
-          </a:extLst>
-        </p:spPr>
-      </p:pic>
-    </p:spTree>
-    <p:extLst>
-      <p:ext uri="{BB962C8B-B14F-4D97-AF65-F5344CB8AC3E}">
-        <p14:creationId xmlns:p14="http://schemas.microsoft.com/office/powerpoint/2010/main" val="1626933104"/>
-      </p:ext>
-    </p:extLst>
-  </p:cSld>
-  <p:clrMapOvr>
-    <a:masterClrMapping/>
-  </p:clrMapOvr>
-</p:sld>
-</file>
-
-<file path=ppt/slides/slide9.xml><?xml version="1.0" encoding="utf-8"?>
-<p:sld xmlns:a="http://schemas.openxmlformats.org/drawingml/2006/main" xmlns:r="http://schemas.openxmlformats.org/officeDocument/2006/relationships" xmlns:p="http://schemas.openxmlformats.org/presentationml/2006/main">
-  <p:cSld>
-    <p:bg>
-      <p:bgPr>
-        <a:solidFill>
-          <a:schemeClr val="bg1"/>
-        </a:solidFill>
-        <a:effectLst/>
-      </p:bgPr>
-    </p:bg>
-    <p:spTree>
-      <p:nvGrpSpPr>
-        <p:cNvPr id="1" name=""/>
-        <p:cNvGrpSpPr/>
-        <p:nvPr/>
-      </p:nvGrpSpPr>
-      <p:grpSpPr>
-        <a:xfrm>
-          <a:off x="0" y="0"/>
-          <a:ext cx="0" cy="0"/>
-          <a:chOff x="0" y="0"/>
-          <a:chExt cx="0" cy="0"/>
-        </a:xfrm>
-      </p:grpSpPr>
-      <p:sp useBgFill="1">
-        <p:nvSpPr>
-          <p:cNvPr id="8" name="Rectangle 7">
-            <a:extLst>
-              <a:ext uri="{FF2B5EF4-FFF2-40B4-BE49-F238E27FC236}">
-                <a16:creationId xmlns:a16="http://schemas.microsoft.com/office/drawing/2014/main" id="{DAF1966E-FD40-4A4A-B61B-C4DF7FA05F06}"/>
-              </a:ext>
-              <a:ext uri="{C183D7F6-B498-43B3-948B-1728B52AA6E4}">
-                <adec:decorative xmlns:adec="http://schemas.microsoft.com/office/drawing/2017/decorative" val="1"/>
-              </a:ext>
-            </a:extLst>
-          </p:cNvPr>
-          <p:cNvSpPr>
-            <a:spLocks noGrp="1" noRot="1" noChangeAspect="1" noMove="1" noResize="1" noEditPoints="1" noAdjustHandles="1" noChangeArrowheads="1" noChangeShapeType="1" noTextEdit="1"/>
-          </p:cNvSpPr>
-          <p:nvPr>
-            <p:extLst>
-              <p:ext uri="{386F3935-93C4-4BCD-93E2-E3B085C9AB24}">
-                <p16:designElem xmlns:p16="http://schemas.microsoft.com/office/powerpoint/2015/main" val="1"/>
-              </p:ext>
-            </p:extLst>
-          </p:nvPr>
-        </p:nvSpPr>
-        <p:spPr>
-          <a:xfrm>
-            <a:off x="0" y="0"/>
-            <a:ext cx="12192000" cy="6858000"/>
-          </a:xfrm>
-          <a:prstGeom prst="rect">
-            <a:avLst/>
-          </a:prstGeom>
-          <a:ln>
-            <a:noFill/>
+            <a:round/>
+            <a:extLst>
+              <a:ext uri="{C807C97D-BFC1-408E-A445-0C87EB9F89A2}">
+                <ask:lineSketchStyleProps xmlns:ask="http://schemas.microsoft.com/office/drawing/2018/sketchyshapes" sd="2727557108">
+                  <a:prstGeom prst="rect">
+                    <a:avLst/>
+                  </a:prstGeom>
+                  <ask:type>
+                    <ask:lineSketchFreehand/>
+                  </ask:type>
+                </ask:lineSketchStyleProps>
+              </a:ext>
+            </a:extLst>
           </a:ln>
         </p:spPr>
         <p:style>
@@ -12518,201 +11687,48 @@
           </a:p>
         </p:txBody>
       </p:sp>
-      <p:sp useBgFill="1">
-        <p:nvSpPr>
-          <p:cNvPr id="10" name="Rectangle 9">
-            <a:extLst>
-              <a:ext uri="{FF2B5EF4-FFF2-40B4-BE49-F238E27FC236}">
-                <a16:creationId xmlns:a16="http://schemas.microsoft.com/office/drawing/2014/main" id="{047BFA19-D45E-416B-A404-7AF2F3F27017}"/>
-              </a:ext>
-              <a:ext uri="{C183D7F6-B498-43B3-948B-1728B52AA6E4}">
-                <adec:decorative xmlns:adec="http://schemas.microsoft.com/office/drawing/2017/decorative" val="1"/>
-              </a:ext>
-            </a:extLst>
-          </p:cNvPr>
-          <p:cNvSpPr>
-            <a:spLocks noGrp="1" noRot="1" noChangeAspect="1" noMove="1" noResize="1" noEditPoints="1" noAdjustHandles="1" noChangeArrowheads="1" noChangeShapeType="1" noTextEdit="1"/>
-          </p:cNvSpPr>
-          <p:nvPr>
-            <p:extLst>
-              <p:ext uri="{386F3935-93C4-4BCD-93E2-E3B085C9AB24}">
-                <p16:designElem xmlns:p16="http://schemas.microsoft.com/office/powerpoint/2015/main" val="1"/>
-              </p:ext>
-            </p:extLst>
-          </p:nvPr>
-        </p:nvSpPr>
-        <p:spPr>
-          <a:xfrm>
-            <a:off x="558209" y="0"/>
-            <a:ext cx="11167447" cy="2018806"/>
+      <p:pic>
+        <p:nvPicPr>
+          <p:cNvPr id="5" name="Picture 4" descr="Shape&#10;&#10;Description automatically generated with medium confidence">
+            <a:extLst>
+              <a:ext uri="{FF2B5EF4-FFF2-40B4-BE49-F238E27FC236}">
+                <a16:creationId xmlns:a16="http://schemas.microsoft.com/office/drawing/2014/main" id="{46B3D093-4C72-84DF-6CA7-C4F27D07E229}"/>
+              </a:ext>
+            </a:extLst>
+          </p:cNvPr>
+          <p:cNvPicPr>
+            <a:picLocks noChangeAspect="1"/>
+          </p:cNvPicPr>
+          <p:nvPr/>
+        </p:nvPicPr>
+        <p:blipFill>
+          <a:blip r:embed="rId3">
+            <a:extLst>
+              <a:ext uri="{28A0092B-C50C-407E-A947-70E740481C1C}">
+                <a14:useLocalDpi xmlns:a14="http://schemas.microsoft.com/office/drawing/2010/main" val="0"/>
+              </a:ext>
+            </a:extLst>
+          </a:blip>
+          <a:stretch>
+            <a:fillRect/>
+          </a:stretch>
+        </p:blipFill>
+        <p:spPr>
+          <a:xfrm>
+            <a:off x="6407016" y="4179046"/>
+            <a:ext cx="2392941" cy="1261396"/>
           </a:xfrm>
           <a:prstGeom prst="rect">
             <a:avLst/>
           </a:prstGeom>
-          <a:ln w="9525">
-            <a:solidFill>
-              <a:srgbClr val="E1E1E1"/>
-            </a:solidFill>
-          </a:ln>
-          <a:effectLst>
-            <a:outerShdw blurRad="50800" dist="38100" dir="2700000" algn="tl" rotWithShape="0">
-              <a:schemeClr val="bg1">
-                <a:lumMod val="85000"/>
-                <a:alpha val="50000"/>
-              </a:schemeClr>
-            </a:outerShdw>
-          </a:effectLst>
-        </p:spPr>
-        <p:style>
-          <a:lnRef idx="2">
-            <a:schemeClr val="accent1">
-              <a:shade val="50000"/>
-            </a:schemeClr>
-          </a:lnRef>
-          <a:fillRef idx="1">
-            <a:schemeClr val="accent1"/>
-          </a:fillRef>
-          <a:effectRef idx="0">
-            <a:schemeClr val="accent1"/>
-          </a:effectRef>
-          <a:fontRef idx="minor">
-            <a:schemeClr val="lt1"/>
-          </a:fontRef>
-        </p:style>
-        <p:txBody>
-          <a:bodyPr rtlCol="0" anchor="ctr"/>
-          <a:lstStyle/>
-          <a:p>
-            <a:pPr marL="0" marR="0" lvl="0" indent="0" algn="ctr" defTabSz="914400" rtl="0" eaLnBrk="1" fontAlgn="auto" latinLnBrk="0" hangingPunct="1">
-              <a:lnSpc>
-                <a:spcPct val="100000"/>
-              </a:lnSpc>
-              <a:spcBef>
-                <a:spcPts val="0"/>
-              </a:spcBef>
-              <a:spcAft>
-                <a:spcPts val="0"/>
-              </a:spcAft>
-              <a:buClrTx/>
-              <a:buSzTx/>
-              <a:buFontTx/>
-              <a:buNone/>
-              <a:tabLst/>
-              <a:defRPr/>
-            </a:pPr>
-            <a:endParaRPr kumimoji="0" lang="en-US" sz="1800" b="0" i="0" u="none" strike="noStrike" kern="1200" cap="none" spc="0" normalizeH="0" baseline="0" noProof="0">
-              <a:ln>
-                <a:noFill/>
-              </a:ln>
-              <a:solidFill>
-                <a:prstClr val="white"/>
-              </a:solidFill>
-              <a:effectLst/>
-              <a:uLnTx/>
-              <a:uFillTx/>
-              <a:latin typeface="Calibri" panose="020F0502020204030204"/>
-              <a:ea typeface="+mn-ea"/>
-              <a:cs typeface="+mn-cs"/>
-            </a:endParaRPr>
-          </a:p>
-        </p:txBody>
-      </p:sp>
-      <p:sp useBgFill="1">
-        <p:nvSpPr>
-          <p:cNvPr id="12" name="Rectangle 11">
-            <a:extLst>
-              <a:ext uri="{FF2B5EF4-FFF2-40B4-BE49-F238E27FC236}">
-                <a16:creationId xmlns:a16="http://schemas.microsoft.com/office/drawing/2014/main" id="{8E0105E7-23DB-4CF2-8258-FF47C7620F6E}"/>
-              </a:ext>
-              <a:ext uri="{C183D7F6-B498-43B3-948B-1728B52AA6E4}">
-                <adec:decorative xmlns:adec="http://schemas.microsoft.com/office/drawing/2017/decorative" val="1"/>
-              </a:ext>
-            </a:extLst>
-          </p:cNvPr>
-          <p:cNvSpPr>
-            <a:spLocks noGrp="1" noRot="1" noChangeAspect="1" noMove="1" noResize="1" noEditPoints="1" noAdjustHandles="1" noChangeArrowheads="1" noChangeShapeType="1" noTextEdit="1"/>
-          </p:cNvSpPr>
-          <p:nvPr>
-            <p:extLst>
-              <p:ext uri="{386F3935-93C4-4BCD-93E2-E3B085C9AB24}">
-                <p16:designElem xmlns:p16="http://schemas.microsoft.com/office/powerpoint/2015/main" val="1"/>
-              </p:ext>
-            </p:extLst>
-          </p:nvPr>
-        </p:nvSpPr>
-        <p:spPr>
-          <a:xfrm>
-            <a:off x="566928" y="0"/>
-            <a:ext cx="11155680" cy="2011680"/>
-          </a:xfrm>
-          <a:prstGeom prst="rect">
-            <a:avLst/>
-          </a:prstGeom>
-          <a:ln w="9525">
-            <a:noFill/>
-          </a:ln>
-          <a:effectLst/>
-        </p:spPr>
-        <p:style>
-          <a:lnRef idx="2">
-            <a:schemeClr val="accent1">
-              <a:shade val="50000"/>
-            </a:schemeClr>
-          </a:lnRef>
-          <a:fillRef idx="1">
-            <a:schemeClr val="accent1"/>
-          </a:fillRef>
-          <a:effectRef idx="0">
-            <a:schemeClr val="accent1"/>
-          </a:effectRef>
-          <a:fontRef idx="minor">
-            <a:schemeClr val="lt1"/>
-          </a:fontRef>
-        </p:style>
-        <p:txBody>
-          <a:bodyPr rtlCol="0" anchor="ctr"/>
-          <a:lstStyle/>
-          <a:p>
-            <a:pPr marL="0" marR="0" lvl="0" indent="0" algn="ctr" defTabSz="914400" rtl="0" eaLnBrk="1" fontAlgn="auto" latinLnBrk="0" hangingPunct="1">
-              <a:lnSpc>
-                <a:spcPct val="100000"/>
-              </a:lnSpc>
-              <a:spcBef>
-                <a:spcPts val="0"/>
-              </a:spcBef>
-              <a:spcAft>
-                <a:spcPts val="0"/>
-              </a:spcAft>
-              <a:buClrTx/>
-              <a:buSzTx/>
-              <a:buFontTx/>
-              <a:buNone/>
-              <a:tabLst/>
-              <a:defRPr/>
-            </a:pPr>
-            <a:endParaRPr kumimoji="0" lang="en-US" sz="1800" b="0" i="0" u="none" strike="noStrike" kern="1200" cap="none" spc="0" normalizeH="0" baseline="0" noProof="0">
-              <a:ln>
-                <a:noFill/>
-              </a:ln>
-              <a:solidFill>
-                <a:prstClr val="white"/>
-              </a:solidFill>
-              <a:effectLst/>
-              <a:uLnTx/>
-              <a:uFillTx/>
-              <a:latin typeface="Calibri" panose="020F0502020204030204"/>
-              <a:ea typeface="+mn-ea"/>
-              <a:cs typeface="+mn-cs"/>
-            </a:endParaRPr>
-          </a:p>
-        </p:txBody>
-      </p:sp>
-      <p:sp>
-        <p:nvSpPr>
-          <p:cNvPr id="2" name="Title 1">
-            <a:extLst>
-              <a:ext uri="{FF2B5EF4-FFF2-40B4-BE49-F238E27FC236}">
-                <a16:creationId xmlns:a16="http://schemas.microsoft.com/office/drawing/2014/main" id="{F71B561A-13AC-C492-B6A7-FB325F6DC675}"/>
+        </p:spPr>
+      </p:pic>
+      <p:sp>
+        <p:nvSpPr>
+          <p:cNvPr id="3" name="Content Placeholder 2">
+            <a:extLst>
+              <a:ext uri="{FF2B5EF4-FFF2-40B4-BE49-F238E27FC236}">
+                <a16:creationId xmlns:a16="http://schemas.microsoft.com/office/drawing/2014/main" id="{96F5230B-F8A4-C8E4-4C74-A1C627ED0DD6}"/>
               </a:ext>
             </a:extLst>
           </p:cNvPr>
@@ -12720,13 +11736,13 @@
             <a:spLocks noGrp="1"/>
           </p:cNvSpPr>
           <p:nvPr>
-            <p:ph type="title"/>
-          </p:nvPr>
-        </p:nvSpPr>
-        <p:spPr>
-          <a:xfrm>
-            <a:off x="1115568" y="548640"/>
-            <a:ext cx="10168128" cy="1179576"/>
+            <p:ph idx="1"/>
+          </p:nvPr>
+        </p:nvSpPr>
+        <p:spPr>
+          <a:xfrm>
+            <a:off x="4797494" y="2706624"/>
+            <a:ext cx="6755626" cy="3483864"/>
           </a:xfrm>
         </p:spPr>
         <p:txBody>
@@ -12736,125 +11752,31 @@
           <a:lstStyle/>
           <a:p>
             <a:r>
-              <a:rPr lang="en-US" sz="4000"/>
-              <a:t>Attention to the rescue</a:t>
-            </a:r>
-          </a:p>
-        </p:txBody>
-      </p:sp>
-      <p:sp>
-        <p:nvSpPr>
-          <p:cNvPr id="14" name="Rectangle 13">
-            <a:extLst>
-              <a:ext uri="{FF2B5EF4-FFF2-40B4-BE49-F238E27FC236}">
-                <a16:creationId xmlns:a16="http://schemas.microsoft.com/office/drawing/2014/main" id="{074B4F7D-14B2-478B-8BF5-01E4E0C5D263}"/>
-              </a:ext>
-              <a:ext uri="{C183D7F6-B498-43B3-948B-1728B52AA6E4}">
-                <adec:decorative xmlns:adec="http://schemas.microsoft.com/office/drawing/2017/decorative" val="1"/>
-              </a:ext>
-            </a:extLst>
-          </p:cNvPr>
-          <p:cNvSpPr>
-            <a:spLocks noGrp="1" noRot="1" noChangeAspect="1" noMove="1" noResize="1" noEditPoints="1" noAdjustHandles="1" noChangeArrowheads="1" noChangeShapeType="1" noTextEdit="1"/>
-          </p:cNvSpPr>
-          <p:nvPr>
-            <p:extLst>
-              <p:ext uri="{386F3935-93C4-4BCD-93E2-E3B085C9AB24}">
-                <p16:designElem xmlns:p16="http://schemas.microsoft.com/office/powerpoint/2015/main" val="1"/>
-              </p:ext>
-            </p:extLst>
-          </p:nvPr>
-        </p:nvSpPr>
-        <p:spPr>
-          <a:xfrm>
-            <a:off x="498834" y="758952"/>
-            <a:ext cx="128016" cy="704088"/>
-          </a:xfrm>
-          <a:prstGeom prst="rect">
-            <a:avLst/>
-          </a:prstGeom>
-          <a:solidFill>
-            <a:schemeClr val="accent2"/>
-          </a:solidFill>
-          <a:ln>
-            <a:noFill/>
-          </a:ln>
-        </p:spPr>
-        <p:style>
-          <a:lnRef idx="2">
-            <a:schemeClr val="accent1">
-              <a:shade val="50000"/>
-            </a:schemeClr>
-          </a:lnRef>
-          <a:fillRef idx="1">
-            <a:schemeClr val="accent1"/>
-          </a:fillRef>
-          <a:effectRef idx="0">
-            <a:schemeClr val="accent1"/>
-          </a:effectRef>
-          <a:fontRef idx="minor">
-            <a:schemeClr val="lt1"/>
-          </a:fontRef>
-        </p:style>
-        <p:txBody>
-          <a:bodyPr rtlCol="0" anchor="ctr"/>
-          <a:lstStyle/>
-          <a:p>
-            <a:pPr algn="ctr"/>
-            <a:endParaRPr lang="en-US">
-              <a:solidFill>
-                <a:prstClr val="white"/>
-              </a:solidFill>
-              <a:latin typeface="Calibri" panose="020F0502020204030204"/>
-            </a:endParaRPr>
-          </a:p>
-        </p:txBody>
-      </p:sp>
-      <p:sp>
-        <p:nvSpPr>
-          <p:cNvPr id="3" name="Content Placeholder 2">
-            <a:extLst>
-              <a:ext uri="{FF2B5EF4-FFF2-40B4-BE49-F238E27FC236}">
-                <a16:creationId xmlns:a16="http://schemas.microsoft.com/office/drawing/2014/main" id="{F14AFE79-3A67-B0D0-071D-AA85D1E64F26}"/>
-              </a:ext>
-            </a:extLst>
-          </p:cNvPr>
-          <p:cNvSpPr>
-            <a:spLocks noGrp="1"/>
-          </p:cNvSpPr>
-          <p:nvPr>
-            <p:ph idx="1"/>
-          </p:nvPr>
-        </p:nvSpPr>
-        <p:spPr>
-          <a:xfrm>
-            <a:off x="1115568" y="2481943"/>
-            <a:ext cx="10168128" cy="3695020"/>
-          </a:xfrm>
-        </p:spPr>
-        <p:txBody>
-          <a:bodyPr>
-            <a:normAutofit/>
-          </a:bodyPr>
-          <a:lstStyle/>
-          <a:p>
-            <a:r>
-              <a:rPr lang="en-US" sz="2200"/>
-              <a:t>Originally the weighting coefficients were found using a single-layer, feed-forward network that was co-trained with the rest of the model</a:t>
-            </a:r>
-          </a:p>
-          <a:p>
-            <a:r>
-              <a:rPr lang="en-US" sz="2200"/>
-              <a:t>In practice this worked well, but due was a memory hog</a:t>
-            </a:r>
+              <a:rPr lang="en-US" sz="2200" dirty="0"/>
+              <a:t>Note the bi-directional and forward-only components</a:t>
+            </a:r>
+          </a:p>
+          <a:p>
+            <a:r>
+              <a:rPr lang="en-US" sz="2200" dirty="0"/>
+              <a:t>Note how, at each timestep, the output isn’t considered just one input and a latent state, but all of the inputs.</a:t>
+            </a:r>
+          </a:p>
+          <a:p>
+            <a:pPr marL="0" indent="0">
+              <a:buNone/>
+            </a:pPr>
+            <a:endParaRPr lang="en-US" sz="2200" dirty="0"/>
+          </a:p>
+          <a:p>
+            <a:endParaRPr lang="en-US" sz="2200" dirty="0"/>
           </a:p>
         </p:txBody>
       </p:sp>
     </p:spTree>
     <p:extLst>
       <p:ext uri="{BB962C8B-B14F-4D97-AF65-F5344CB8AC3E}">
-        <p14:creationId xmlns:p14="http://schemas.microsoft.com/office/powerpoint/2010/main" val="335513003"/>
+        <p14:creationId xmlns:p14="http://schemas.microsoft.com/office/powerpoint/2010/main" val="1626933104"/>
       </p:ext>
     </p:extLst>
   </p:cSld>

--- a/benr/Attention.pptx
+++ b/benr/Attention.pptx
@@ -7,23 +7,25 @@
   <p:sldIdLst>
     <p:sldId id="256" r:id="rId2"/>
     <p:sldId id="257" r:id="rId3"/>
-    <p:sldId id="276" r:id="rId4"/>
-    <p:sldId id="258" r:id="rId5"/>
-    <p:sldId id="259" r:id="rId6"/>
-    <p:sldId id="260" r:id="rId7"/>
-    <p:sldId id="261" r:id="rId8"/>
-    <p:sldId id="262" r:id="rId9"/>
-    <p:sldId id="263" r:id="rId10"/>
-    <p:sldId id="264" r:id="rId11"/>
-    <p:sldId id="265" r:id="rId12"/>
-    <p:sldId id="266" r:id="rId13"/>
-    <p:sldId id="267" r:id="rId14"/>
-    <p:sldId id="270" r:id="rId15"/>
-    <p:sldId id="271" r:id="rId16"/>
-    <p:sldId id="272" r:id="rId17"/>
-    <p:sldId id="273" r:id="rId18"/>
-    <p:sldId id="274" r:id="rId19"/>
-    <p:sldId id="275" r:id="rId20"/>
+    <p:sldId id="277" r:id="rId4"/>
+    <p:sldId id="276" r:id="rId5"/>
+    <p:sldId id="278" r:id="rId6"/>
+    <p:sldId id="258" r:id="rId7"/>
+    <p:sldId id="259" r:id="rId8"/>
+    <p:sldId id="260" r:id="rId9"/>
+    <p:sldId id="261" r:id="rId10"/>
+    <p:sldId id="262" r:id="rId11"/>
+    <p:sldId id="263" r:id="rId12"/>
+    <p:sldId id="264" r:id="rId13"/>
+    <p:sldId id="265" r:id="rId14"/>
+    <p:sldId id="266" r:id="rId15"/>
+    <p:sldId id="267" r:id="rId16"/>
+    <p:sldId id="270" r:id="rId17"/>
+    <p:sldId id="271" r:id="rId18"/>
+    <p:sldId id="272" r:id="rId19"/>
+    <p:sldId id="273" r:id="rId20"/>
+    <p:sldId id="274" r:id="rId21"/>
+    <p:sldId id="275" r:id="rId22"/>
   </p:sldIdLst>
   <p:sldSz cx="12192000" cy="6858000"/>
   <p:notesSz cx="6858000" cy="9144000"/>
@@ -3832,7 +3834,7 @@
           <a:lstStyle/>
           <a:p>
             <a:r>
-              <a:rPr lang="en-US" sz="7200"/>
+              <a:rPr lang="en-US" sz="7200" dirty="0"/>
               <a:t>Transformers: Attention</a:t>
             </a:r>
           </a:p>
@@ -3962,41 +3964,6 @@
               <a:ea typeface="+mn-ea"/>
               <a:cs typeface="+mn-cs"/>
             </a:endParaRPr>
-          </a:p>
-        </p:txBody>
-      </p:sp>
-      <p:sp>
-        <p:nvSpPr>
-          <p:cNvPr id="5" name="TextBox 4">
-            <a:extLst>
-              <a:ext uri="{FF2B5EF4-FFF2-40B4-BE49-F238E27FC236}">
-                <a16:creationId xmlns:a16="http://schemas.microsoft.com/office/drawing/2014/main" id="{2EAFB8D5-7770-A201-0B1D-6DEC801D3644}"/>
-              </a:ext>
-            </a:extLst>
-          </p:cNvPr>
-          <p:cNvSpPr txBox="1"/>
-          <p:nvPr/>
-        </p:nvSpPr>
-        <p:spPr>
-          <a:xfrm>
-            <a:off x="3048000" y="3248344"/>
-            <a:ext cx="6096000" cy="369332"/>
-          </a:xfrm>
-          <a:prstGeom prst="rect">
-            <a:avLst/>
-          </a:prstGeom>
-          <a:noFill/>
-        </p:spPr>
-        <p:txBody>
-          <a:bodyPr wrap="square">
-            <a:spAutoFit/>
-          </a:bodyPr>
-          <a:lstStyle/>
-          <a:p>
-            <a:r>
-              <a:rPr lang="en-US" dirty="0"/>
-              <a:t>https://en.wikipedia.org/wiki/Isolated_ground#p-lang-btn</a:t>
-            </a:r>
           </a:p>
         </p:txBody>
       </p:sp>
@@ -4292,7 +4259,7 @@
           <p:cNvPr id="2" name="Title 1">
             <a:extLst>
               <a:ext uri="{FF2B5EF4-FFF2-40B4-BE49-F238E27FC236}">
-                <a16:creationId xmlns:a16="http://schemas.microsoft.com/office/drawing/2014/main" id="{F71B561A-13AC-C492-B6A7-FB325F6DC675}"/>
+                <a16:creationId xmlns:a16="http://schemas.microsoft.com/office/drawing/2014/main" id="{39624F12-E5F9-7075-1E1C-D7CD5ECE6A37}"/>
               </a:ext>
             </a:extLst>
           </p:cNvPr>
@@ -4316,8 +4283,8 @@
           <a:lstStyle/>
           <a:p>
             <a:r>
-              <a:rPr lang="en-US" sz="4000" dirty="0"/>
-              <a:t>Not all inputs are equal</a:t>
+              <a:rPr lang="en-US" sz="4000"/>
+              <a:t>Attention to the rescue</a:t>
             </a:r>
           </a:p>
         </p:txBody>
@@ -4395,7 +4362,7 @@
           <p:cNvPr id="3" name="Content Placeholder 2">
             <a:extLst>
               <a:ext uri="{FF2B5EF4-FFF2-40B4-BE49-F238E27FC236}">
-                <a16:creationId xmlns:a16="http://schemas.microsoft.com/office/drawing/2014/main" id="{F14AFE79-3A67-B0D0-071D-AA85D1E64F26}"/>
+                <a16:creationId xmlns:a16="http://schemas.microsoft.com/office/drawing/2014/main" id="{16EC3815-5E4C-16D1-729D-7777FEC5E279}"/>
               </a:ext>
             </a:extLst>
           </p:cNvPr>
@@ -4419,44 +4386,51 @@
           <a:lstStyle/>
           <a:p>
             <a:r>
-              <a:rPr lang="en-US" sz="2200" dirty="0"/>
-              <a:t>The point is to apply weights to the inputs</a:t>
-            </a:r>
-          </a:p>
-          <a:p>
-            <a:r>
-              <a:rPr lang="en-US" sz="2200" dirty="0"/>
-              <a:t>In </a:t>
-            </a:r>
-            <a:r>
-              <a:rPr lang="en-US" sz="2200" b="0" i="1" dirty="0">
+              <a:rPr lang="en-US" sz="2200" b="0" i="0" u="sng" dirty="0">
                 <a:effectLst/>
+                <a:latin typeface="Helvetica Neue"/>
+                <a:hlinkClick r:id="rId2"/>
               </a:rPr>
-              <a:t>2016: Neural Machine Translation by Jointly Learning to Align and Translate</a:t>
+              <a:t>https://arxiv.org/abs/1409.0473</a:t>
             </a:r>
             <a:r>
               <a:rPr lang="en-US" sz="2200" b="0" i="0" dirty="0">
                 <a:effectLst/>
+                <a:latin typeface="Helvetica Neue"/>
               </a:rPr>
-              <a:t>, </a:t>
-            </a:r>
+              <a:t> (2016: Neural Machine Translation by Jointly Learning to Align and Translate)</a:t>
+            </a:r>
+          </a:p>
+          <a:p>
             <a:r>
               <a:rPr lang="en-US" sz="2200" dirty="0"/>
-              <a:t>the weighting coefficients were found using a single-layer, feed-forward network that was co-trained with the rest of the model</a:t>
+              <a:t>Uses an RNN for the encoder and decoder</a:t>
             </a:r>
           </a:p>
           <a:p>
             <a:r>
               <a:rPr lang="en-US" sz="2200" dirty="0"/>
-              <a:t>In practice this worked well, but problematic due to being a memory / computation hog</a:t>
-            </a:r>
+              <a:t>The encoder RNN bi-directional, whereas the decoder is forward-only</a:t>
+            </a:r>
+          </a:p>
+          <a:p>
+            <a:r>
+              <a:rPr lang="en-US" sz="2200" dirty="0"/>
+              <a:t>The decoder sources not only from its own latent state as it progresses, but also a weighted sum of each of the time steps of the encoder</a:t>
+            </a:r>
+          </a:p>
+          <a:p>
+            <a:endParaRPr lang="en-US" sz="2200" dirty="0"/>
+          </a:p>
+          <a:p>
+            <a:endParaRPr lang="en-US" sz="2200" dirty="0"/>
           </a:p>
         </p:txBody>
       </p:sp>
     </p:spTree>
     <p:extLst>
       <p:ext uri="{BB962C8B-B14F-4D97-AF65-F5344CB8AC3E}">
-        <p14:creationId xmlns:p14="http://schemas.microsoft.com/office/powerpoint/2010/main" val="335513003"/>
+        <p14:creationId xmlns:p14="http://schemas.microsoft.com/office/powerpoint/2010/main" val="571946434"/>
       </p:ext>
     </p:extLst>
   </p:cSld>
@@ -4493,6 +4467,614 @@
       </p:grpSpPr>
       <p:sp useBgFill="1">
         <p:nvSpPr>
+          <p:cNvPr id="6164" name="Rectangle 6163">
+            <a:extLst>
+              <a:ext uri="{FF2B5EF4-FFF2-40B4-BE49-F238E27FC236}">
+                <a16:creationId xmlns:a16="http://schemas.microsoft.com/office/drawing/2014/main" id="{5AC1364A-3E3D-4F0D-8776-78AF3A270DD6}"/>
+              </a:ext>
+              <a:ext uri="{C183D7F6-B498-43B3-948B-1728B52AA6E4}">
+                <adec:decorative xmlns:adec="http://schemas.microsoft.com/office/drawing/2017/decorative" val="1"/>
+              </a:ext>
+            </a:extLst>
+          </p:cNvPr>
+          <p:cNvSpPr>
+            <a:spLocks noGrp="1" noRot="1" noChangeAspect="1" noMove="1" noResize="1" noEditPoints="1" noAdjustHandles="1" noChangeArrowheads="1" noChangeShapeType="1" noTextEdit="1"/>
+          </p:cNvSpPr>
+          <p:nvPr>
+            <p:extLst>
+              <p:ext uri="{386F3935-93C4-4BCD-93E2-E3B085C9AB24}">
+                <p16:designElem xmlns:p16="http://schemas.microsoft.com/office/powerpoint/2015/main" val="1"/>
+              </p:ext>
+            </p:extLst>
+          </p:nvPr>
+        </p:nvSpPr>
+        <p:spPr>
+          <a:xfrm>
+            <a:off x="0" y="0"/>
+            <a:ext cx="12188952" cy="6858000"/>
+          </a:xfrm>
+          <a:prstGeom prst="rect">
+            <a:avLst/>
+          </a:prstGeom>
+          <a:ln>
+            <a:noFill/>
+          </a:ln>
+        </p:spPr>
+        <p:style>
+          <a:lnRef idx="2">
+            <a:schemeClr val="accent1">
+              <a:shade val="50000"/>
+            </a:schemeClr>
+          </a:lnRef>
+          <a:fillRef idx="1">
+            <a:schemeClr val="accent1"/>
+          </a:fillRef>
+          <a:effectRef idx="0">
+            <a:schemeClr val="accent1"/>
+          </a:effectRef>
+          <a:fontRef idx="minor">
+            <a:schemeClr val="lt1"/>
+          </a:fontRef>
+        </p:style>
+        <p:txBody>
+          <a:bodyPr rtlCol="0" anchor="ctr"/>
+          <a:lstStyle/>
+          <a:p>
+            <a:pPr algn="ctr"/>
+            <a:endParaRPr lang="en-US"/>
+          </a:p>
+        </p:txBody>
+      </p:sp>
+      <p:sp>
+        <p:nvSpPr>
+          <p:cNvPr id="2" name="Title 1">
+            <a:extLst>
+              <a:ext uri="{FF2B5EF4-FFF2-40B4-BE49-F238E27FC236}">
+                <a16:creationId xmlns:a16="http://schemas.microsoft.com/office/drawing/2014/main" id="{05B462F1-C180-2283-7339-0B49070EFF39}"/>
+              </a:ext>
+            </a:extLst>
+          </p:cNvPr>
+          <p:cNvSpPr>
+            <a:spLocks noGrp="1"/>
+          </p:cNvSpPr>
+          <p:nvPr>
+            <p:ph type="title"/>
+          </p:nvPr>
+        </p:nvSpPr>
+        <p:spPr>
+          <a:xfrm>
+            <a:off x="4797501" y="329184"/>
+            <a:ext cx="6755626" cy="1783080"/>
+          </a:xfrm>
+        </p:spPr>
+        <p:txBody>
+          <a:bodyPr anchor="b">
+            <a:normAutofit/>
+          </a:bodyPr>
+          <a:lstStyle/>
+          <a:p>
+            <a:r>
+              <a:rPr lang="en-US" sz="5400" dirty="0"/>
+              <a:t>A visual</a:t>
+            </a:r>
+          </a:p>
+        </p:txBody>
+      </p:sp>
+      <p:pic>
+        <p:nvPicPr>
+          <p:cNvPr id="6146" name="Picture 2">
+            <a:extLst>
+              <a:ext uri="{FF2B5EF4-FFF2-40B4-BE49-F238E27FC236}">
+                <a16:creationId xmlns:a16="http://schemas.microsoft.com/office/drawing/2014/main" id="{9931CE32-99F8-9D81-6F54-27E7844FC618}"/>
+              </a:ext>
+            </a:extLst>
+          </p:cNvPr>
+          <p:cNvPicPr>
+            <a:picLocks noChangeAspect="1" noChangeArrowheads="1"/>
+          </p:cNvPicPr>
+          <p:nvPr/>
+        </p:nvPicPr>
+        <p:blipFill>
+          <a:blip r:embed="rId2">
+            <a:extLst>
+              <a:ext uri="{28A0092B-C50C-407E-A947-70E740481C1C}">
+                <a14:useLocalDpi xmlns:a14="http://schemas.microsoft.com/office/drawing/2010/main" val="0"/>
+              </a:ext>
+            </a:extLst>
+          </a:blip>
+          <a:stretch>
+            <a:fillRect/>
+          </a:stretch>
+        </p:blipFill>
+        <p:spPr bwMode="auto">
+          <a:xfrm>
+            <a:off x="930973" y="0"/>
+            <a:ext cx="3230689" cy="5437014"/>
+          </a:xfrm>
+          <a:prstGeom prst="rect">
+            <a:avLst/>
+          </a:prstGeom>
+          <a:noFill/>
+          <a:extLst>
+            <a:ext uri="{909E8E84-426E-40DD-AFC4-6F175D3DCCD1}">
+              <a14:hiddenFill xmlns:a14="http://schemas.microsoft.com/office/drawing/2010/main">
+                <a:solidFill>
+                  <a:srgbClr val="FFFFFF"/>
+                </a:solidFill>
+              </a14:hiddenFill>
+            </a:ext>
+          </a:extLst>
+        </p:spPr>
+      </p:pic>
+      <p:sp>
+        <p:nvSpPr>
+          <p:cNvPr id="6166" name="sketchy line">
+            <a:extLst>
+              <a:ext uri="{FF2B5EF4-FFF2-40B4-BE49-F238E27FC236}">
+                <a16:creationId xmlns:a16="http://schemas.microsoft.com/office/drawing/2014/main" id="{3FCFB1DE-0B7E-48CC-BA90-B2AB0889F9D6}"/>
+              </a:ext>
+              <a:ext uri="{C183D7F6-B498-43B3-948B-1728B52AA6E4}">
+                <adec:decorative xmlns:adec="http://schemas.microsoft.com/office/drawing/2017/decorative" val="1"/>
+              </a:ext>
+            </a:extLst>
+          </p:cNvPr>
+          <p:cNvSpPr>
+            <a:spLocks noGrp="1" noRot="1" noChangeAspect="1" noMove="1" noResize="1" noEditPoints="1" noAdjustHandles="1" noChangeArrowheads="1" noChangeShapeType="1" noTextEdit="1"/>
+          </p:cNvSpPr>
+          <p:nvPr>
+            <p:extLst>
+              <p:ext uri="{386F3935-93C4-4BCD-93E2-E3B085C9AB24}">
+                <p16:designElem xmlns:p16="http://schemas.microsoft.com/office/powerpoint/2015/main" val="1"/>
+              </p:ext>
+            </p:extLst>
+          </p:nvPr>
+        </p:nvSpPr>
+        <p:spPr>
+          <a:xfrm>
+            <a:off x="4797494" y="2395728"/>
+            <a:ext cx="4243589" cy="18288"/>
+          </a:xfrm>
+          <a:custGeom>
+            <a:avLst/>
+            <a:gdLst>
+              <a:gd name="connsiteX0" fmla="*/ 0 w 4243589"/>
+              <a:gd name="connsiteY0" fmla="*/ 0 h 18288"/>
+              <a:gd name="connsiteX1" fmla="*/ 478919 w 4243589"/>
+              <a:gd name="connsiteY1" fmla="*/ 0 h 18288"/>
+              <a:gd name="connsiteX2" fmla="*/ 957839 w 4243589"/>
+              <a:gd name="connsiteY2" fmla="*/ 0 h 18288"/>
+              <a:gd name="connsiteX3" fmla="*/ 1521630 w 4243589"/>
+              <a:gd name="connsiteY3" fmla="*/ 0 h 18288"/>
+              <a:gd name="connsiteX4" fmla="*/ 2212729 w 4243589"/>
+              <a:gd name="connsiteY4" fmla="*/ 0 h 18288"/>
+              <a:gd name="connsiteX5" fmla="*/ 2734084 w 4243589"/>
+              <a:gd name="connsiteY5" fmla="*/ 0 h 18288"/>
+              <a:gd name="connsiteX6" fmla="*/ 3255439 w 4243589"/>
+              <a:gd name="connsiteY6" fmla="*/ 0 h 18288"/>
+              <a:gd name="connsiteX7" fmla="*/ 4243589 w 4243589"/>
+              <a:gd name="connsiteY7" fmla="*/ 0 h 18288"/>
+              <a:gd name="connsiteX8" fmla="*/ 4243589 w 4243589"/>
+              <a:gd name="connsiteY8" fmla="*/ 18288 h 18288"/>
+              <a:gd name="connsiteX9" fmla="*/ 3594926 w 4243589"/>
+              <a:gd name="connsiteY9" fmla="*/ 18288 h 18288"/>
+              <a:gd name="connsiteX10" fmla="*/ 3073571 w 4243589"/>
+              <a:gd name="connsiteY10" fmla="*/ 18288 h 18288"/>
+              <a:gd name="connsiteX11" fmla="*/ 2552216 w 4243589"/>
+              <a:gd name="connsiteY11" fmla="*/ 18288 h 18288"/>
+              <a:gd name="connsiteX12" fmla="*/ 1903553 w 4243589"/>
+              <a:gd name="connsiteY12" fmla="*/ 18288 h 18288"/>
+              <a:gd name="connsiteX13" fmla="*/ 1212454 w 4243589"/>
+              <a:gd name="connsiteY13" fmla="*/ 18288 h 18288"/>
+              <a:gd name="connsiteX14" fmla="*/ 733535 w 4243589"/>
+              <a:gd name="connsiteY14" fmla="*/ 18288 h 18288"/>
+              <a:gd name="connsiteX15" fmla="*/ 0 w 4243589"/>
+              <a:gd name="connsiteY15" fmla="*/ 18288 h 18288"/>
+              <a:gd name="connsiteX16" fmla="*/ 0 w 4243589"/>
+              <a:gd name="connsiteY16" fmla="*/ 0 h 18288"/>
+            </a:gdLst>
+            <a:ahLst/>
+            <a:cxnLst>
+              <a:cxn ang="0">
+                <a:pos x="connsiteX0" y="connsiteY0"/>
+              </a:cxn>
+              <a:cxn ang="0">
+                <a:pos x="connsiteX1" y="connsiteY1"/>
+              </a:cxn>
+              <a:cxn ang="0">
+                <a:pos x="connsiteX2" y="connsiteY2"/>
+              </a:cxn>
+              <a:cxn ang="0">
+                <a:pos x="connsiteX3" y="connsiteY3"/>
+              </a:cxn>
+              <a:cxn ang="0">
+                <a:pos x="connsiteX4" y="connsiteY4"/>
+              </a:cxn>
+              <a:cxn ang="0">
+                <a:pos x="connsiteX5" y="connsiteY5"/>
+              </a:cxn>
+              <a:cxn ang="0">
+                <a:pos x="connsiteX6" y="connsiteY6"/>
+              </a:cxn>
+              <a:cxn ang="0">
+                <a:pos x="connsiteX7" y="connsiteY7"/>
+              </a:cxn>
+              <a:cxn ang="0">
+                <a:pos x="connsiteX8" y="connsiteY8"/>
+              </a:cxn>
+              <a:cxn ang="0">
+                <a:pos x="connsiteX9" y="connsiteY9"/>
+              </a:cxn>
+              <a:cxn ang="0">
+                <a:pos x="connsiteX10" y="connsiteY10"/>
+              </a:cxn>
+              <a:cxn ang="0">
+                <a:pos x="connsiteX11" y="connsiteY11"/>
+              </a:cxn>
+              <a:cxn ang="0">
+                <a:pos x="connsiteX12" y="connsiteY12"/>
+              </a:cxn>
+              <a:cxn ang="0">
+                <a:pos x="connsiteX13" y="connsiteY13"/>
+              </a:cxn>
+              <a:cxn ang="0">
+                <a:pos x="connsiteX14" y="connsiteY14"/>
+              </a:cxn>
+              <a:cxn ang="0">
+                <a:pos x="connsiteX15" y="connsiteY15"/>
+              </a:cxn>
+              <a:cxn ang="0">
+                <a:pos x="connsiteX16" y="connsiteY16"/>
+              </a:cxn>
+            </a:cxnLst>
+            <a:rect l="l" t="t" r="r" b="b"/>
+            <a:pathLst>
+              <a:path w="4243589" h="18288" fill="none" extrusionOk="0">
+                <a:moveTo>
+                  <a:pt x="0" y="0"/>
+                </a:moveTo>
+                <a:cubicBezTo>
+                  <a:pt x="213395" y="-21006"/>
+                  <a:pt x="307421" y="-18116"/>
+                  <a:pt x="478919" y="0"/>
+                </a:cubicBezTo>
+                <a:cubicBezTo>
+                  <a:pt x="650417" y="18116"/>
+                  <a:pt x="831092" y="-21237"/>
+                  <a:pt x="957839" y="0"/>
+                </a:cubicBezTo>
+                <a:cubicBezTo>
+                  <a:pt x="1084586" y="21237"/>
+                  <a:pt x="1301682" y="25124"/>
+                  <a:pt x="1521630" y="0"/>
+                </a:cubicBezTo>
+                <a:cubicBezTo>
+                  <a:pt x="1741578" y="-25124"/>
+                  <a:pt x="1970269" y="-29139"/>
+                  <a:pt x="2212729" y="0"/>
+                </a:cubicBezTo>
+                <a:cubicBezTo>
+                  <a:pt x="2455189" y="29139"/>
+                  <a:pt x="2558847" y="-4796"/>
+                  <a:pt x="2734084" y="0"/>
+                </a:cubicBezTo>
+                <a:cubicBezTo>
+                  <a:pt x="2909321" y="4796"/>
+                  <a:pt x="3097217" y="-13409"/>
+                  <a:pt x="3255439" y="0"/>
+                </a:cubicBezTo>
+                <a:cubicBezTo>
+                  <a:pt x="3413662" y="13409"/>
+                  <a:pt x="3979999" y="-10121"/>
+                  <a:pt x="4243589" y="0"/>
+                </a:cubicBezTo>
+                <a:cubicBezTo>
+                  <a:pt x="4244484" y="8974"/>
+                  <a:pt x="4243043" y="9359"/>
+                  <a:pt x="4243589" y="18288"/>
+                </a:cubicBezTo>
+                <a:cubicBezTo>
+                  <a:pt x="4058777" y="31246"/>
+                  <a:pt x="3910348" y="3158"/>
+                  <a:pt x="3594926" y="18288"/>
+                </a:cubicBezTo>
+                <a:cubicBezTo>
+                  <a:pt x="3279504" y="33418"/>
+                  <a:pt x="3319955" y="-3977"/>
+                  <a:pt x="3073571" y="18288"/>
+                </a:cubicBezTo>
+                <a:cubicBezTo>
+                  <a:pt x="2827187" y="40553"/>
+                  <a:pt x="2767387" y="1863"/>
+                  <a:pt x="2552216" y="18288"/>
+                </a:cubicBezTo>
+                <a:cubicBezTo>
+                  <a:pt x="2337046" y="34713"/>
+                  <a:pt x="2181871" y="19527"/>
+                  <a:pt x="1903553" y="18288"/>
+                </a:cubicBezTo>
+                <a:cubicBezTo>
+                  <a:pt x="1625235" y="17049"/>
+                  <a:pt x="1557672" y="24174"/>
+                  <a:pt x="1212454" y="18288"/>
+                </a:cubicBezTo>
+                <a:cubicBezTo>
+                  <a:pt x="867236" y="12402"/>
+                  <a:pt x="874382" y="15627"/>
+                  <a:pt x="733535" y="18288"/>
+                </a:cubicBezTo>
+                <a:cubicBezTo>
+                  <a:pt x="592688" y="20949"/>
+                  <a:pt x="183477" y="14753"/>
+                  <a:pt x="0" y="18288"/>
+                </a:cubicBezTo>
+                <a:cubicBezTo>
+                  <a:pt x="-229" y="14222"/>
+                  <a:pt x="509" y="5816"/>
+                  <a:pt x="0" y="0"/>
+                </a:cubicBezTo>
+                <a:close/>
+              </a:path>
+              <a:path w="4243589" h="18288" stroke="0" extrusionOk="0">
+                <a:moveTo>
+                  <a:pt x="0" y="0"/>
+                </a:moveTo>
+                <a:cubicBezTo>
+                  <a:pt x="143690" y="16630"/>
+                  <a:pt x="266667" y="14847"/>
+                  <a:pt x="521355" y="0"/>
+                </a:cubicBezTo>
+                <a:cubicBezTo>
+                  <a:pt x="776043" y="-14847"/>
+                  <a:pt x="814491" y="-17363"/>
+                  <a:pt x="1000275" y="0"/>
+                </a:cubicBezTo>
+                <a:cubicBezTo>
+                  <a:pt x="1186059" y="17363"/>
+                  <a:pt x="1352504" y="-23507"/>
+                  <a:pt x="1521630" y="0"/>
+                </a:cubicBezTo>
+                <a:cubicBezTo>
+                  <a:pt x="1690756" y="23507"/>
+                  <a:pt x="1889525" y="5871"/>
+                  <a:pt x="2127857" y="0"/>
+                </a:cubicBezTo>
+                <a:cubicBezTo>
+                  <a:pt x="2366189" y="-5871"/>
+                  <a:pt x="2620628" y="-27997"/>
+                  <a:pt x="2776520" y="0"/>
+                </a:cubicBezTo>
+                <a:cubicBezTo>
+                  <a:pt x="2932412" y="27997"/>
+                  <a:pt x="3131683" y="-25073"/>
+                  <a:pt x="3467618" y="0"/>
+                </a:cubicBezTo>
+                <a:cubicBezTo>
+                  <a:pt x="3803553" y="25073"/>
+                  <a:pt x="4017371" y="3071"/>
+                  <a:pt x="4243589" y="0"/>
+                </a:cubicBezTo>
+                <a:cubicBezTo>
+                  <a:pt x="4243134" y="6162"/>
+                  <a:pt x="4243492" y="11775"/>
+                  <a:pt x="4243589" y="18288"/>
+                </a:cubicBezTo>
+                <a:cubicBezTo>
+                  <a:pt x="4017834" y="-5779"/>
+                  <a:pt x="3834586" y="13376"/>
+                  <a:pt x="3594926" y="18288"/>
+                </a:cubicBezTo>
+                <a:cubicBezTo>
+                  <a:pt x="3355266" y="23200"/>
+                  <a:pt x="3204179" y="2869"/>
+                  <a:pt x="2903827" y="18288"/>
+                </a:cubicBezTo>
+                <a:cubicBezTo>
+                  <a:pt x="2603475" y="33707"/>
+                  <a:pt x="2526187" y="46187"/>
+                  <a:pt x="2212729" y="18288"/>
+                </a:cubicBezTo>
+                <a:cubicBezTo>
+                  <a:pt x="1899271" y="-9611"/>
+                  <a:pt x="1966289" y="29692"/>
+                  <a:pt x="1733809" y="18288"/>
+                </a:cubicBezTo>
+                <a:cubicBezTo>
+                  <a:pt x="1501329" y="6884"/>
+                  <a:pt x="1343612" y="12492"/>
+                  <a:pt x="1085146" y="18288"/>
+                </a:cubicBezTo>
+                <a:cubicBezTo>
+                  <a:pt x="826680" y="24084"/>
+                  <a:pt x="778184" y="35607"/>
+                  <a:pt x="521355" y="18288"/>
+                </a:cubicBezTo>
+                <a:cubicBezTo>
+                  <a:pt x="264526" y="969"/>
+                  <a:pt x="120277" y="4268"/>
+                  <a:pt x="0" y="18288"/>
+                </a:cubicBezTo>
+                <a:cubicBezTo>
+                  <a:pt x="766" y="10800"/>
+                  <a:pt x="-457" y="8180"/>
+                  <a:pt x="0" y="0"/>
+                </a:cubicBezTo>
+                <a:close/>
+              </a:path>
+            </a:pathLst>
+          </a:custGeom>
+          <a:solidFill>
+            <a:schemeClr val="accent2"/>
+          </a:solidFill>
+          <a:ln w="41275" cap="rnd">
+            <a:solidFill>
+              <a:schemeClr val="accent2"/>
+            </a:solidFill>
+            <a:round/>
+            <a:extLst>
+              <a:ext uri="{C807C97D-BFC1-408E-A445-0C87EB9F89A2}">
+                <ask:lineSketchStyleProps xmlns:ask="http://schemas.microsoft.com/office/drawing/2018/sketchyshapes" sd="2727557108">
+                  <a:prstGeom prst="rect">
+                    <a:avLst/>
+                  </a:prstGeom>
+                  <ask:type>
+                    <ask:lineSketchFreehand/>
+                  </ask:type>
+                </ask:lineSketchStyleProps>
+              </a:ext>
+            </a:extLst>
+          </a:ln>
+        </p:spPr>
+        <p:style>
+          <a:lnRef idx="2">
+            <a:schemeClr val="accent1">
+              <a:shade val="50000"/>
+            </a:schemeClr>
+          </a:lnRef>
+          <a:fillRef idx="1">
+            <a:schemeClr val="accent1"/>
+          </a:fillRef>
+          <a:effectRef idx="0">
+            <a:schemeClr val="accent1"/>
+          </a:effectRef>
+          <a:fontRef idx="minor">
+            <a:schemeClr val="lt1"/>
+          </a:fontRef>
+        </p:style>
+        <p:txBody>
+          <a:bodyPr rtlCol="0" anchor="ctr"/>
+          <a:lstStyle/>
+          <a:p>
+            <a:pPr algn="ctr"/>
+            <a:endParaRPr lang="en-US"/>
+          </a:p>
+        </p:txBody>
+      </p:sp>
+      <p:pic>
+        <p:nvPicPr>
+          <p:cNvPr id="5" name="Picture 4" descr="Shape&#10;&#10;Description automatically generated with medium confidence">
+            <a:extLst>
+              <a:ext uri="{FF2B5EF4-FFF2-40B4-BE49-F238E27FC236}">
+                <a16:creationId xmlns:a16="http://schemas.microsoft.com/office/drawing/2014/main" id="{46B3D093-4C72-84DF-6CA7-C4F27D07E229}"/>
+              </a:ext>
+            </a:extLst>
+          </p:cNvPr>
+          <p:cNvPicPr>
+            <a:picLocks noChangeAspect="1"/>
+          </p:cNvPicPr>
+          <p:nvPr/>
+        </p:nvPicPr>
+        <p:blipFill>
+          <a:blip r:embed="rId3">
+            <a:extLst>
+              <a:ext uri="{28A0092B-C50C-407E-A947-70E740481C1C}">
+                <a14:useLocalDpi xmlns:a14="http://schemas.microsoft.com/office/drawing/2010/main" val="0"/>
+              </a:ext>
+            </a:extLst>
+          </a:blip>
+          <a:stretch>
+            <a:fillRect/>
+          </a:stretch>
+        </p:blipFill>
+        <p:spPr>
+          <a:xfrm>
+            <a:off x="6407016" y="4179046"/>
+            <a:ext cx="2392941" cy="1261396"/>
+          </a:xfrm>
+          <a:prstGeom prst="rect">
+            <a:avLst/>
+          </a:prstGeom>
+        </p:spPr>
+      </p:pic>
+      <p:sp>
+        <p:nvSpPr>
+          <p:cNvPr id="3" name="Content Placeholder 2">
+            <a:extLst>
+              <a:ext uri="{FF2B5EF4-FFF2-40B4-BE49-F238E27FC236}">
+                <a16:creationId xmlns:a16="http://schemas.microsoft.com/office/drawing/2014/main" id="{96F5230B-F8A4-C8E4-4C74-A1C627ED0DD6}"/>
+              </a:ext>
+            </a:extLst>
+          </p:cNvPr>
+          <p:cNvSpPr>
+            <a:spLocks noGrp="1"/>
+          </p:cNvSpPr>
+          <p:nvPr>
+            <p:ph idx="1"/>
+          </p:nvPr>
+        </p:nvSpPr>
+        <p:spPr>
+          <a:xfrm>
+            <a:off x="4797494" y="2706624"/>
+            <a:ext cx="6755626" cy="3483864"/>
+          </a:xfrm>
+        </p:spPr>
+        <p:txBody>
+          <a:bodyPr>
+            <a:normAutofit/>
+          </a:bodyPr>
+          <a:lstStyle/>
+          <a:p>
+            <a:r>
+              <a:rPr lang="en-US" sz="2200" dirty="0"/>
+              <a:t>Note the bi-directional and forward-only components</a:t>
+            </a:r>
+          </a:p>
+          <a:p>
+            <a:r>
+              <a:rPr lang="en-US" sz="2200" dirty="0"/>
+              <a:t>Note how, at each timestep, the output isn’t considering just one input and a latent state, but all of the inputs.</a:t>
+            </a:r>
+          </a:p>
+          <a:p>
+            <a:pPr marL="0" indent="0">
+              <a:buNone/>
+            </a:pPr>
+            <a:endParaRPr lang="en-US" sz="2200" dirty="0"/>
+          </a:p>
+          <a:p>
+            <a:endParaRPr lang="en-US" sz="2200" dirty="0"/>
+          </a:p>
+        </p:txBody>
+      </p:sp>
+    </p:spTree>
+    <p:extLst>
+      <p:ext uri="{BB962C8B-B14F-4D97-AF65-F5344CB8AC3E}">
+        <p14:creationId xmlns:p14="http://schemas.microsoft.com/office/powerpoint/2010/main" val="1626933104"/>
+      </p:ext>
+    </p:extLst>
+  </p:cSld>
+  <p:clrMapOvr>
+    <a:masterClrMapping/>
+  </p:clrMapOvr>
+</p:sld>
+</file>
+
+<file path=ppt/slides/slide12.xml><?xml version="1.0" encoding="utf-8"?>
+<p:sld xmlns:a="http://schemas.openxmlformats.org/drawingml/2006/main" xmlns:r="http://schemas.openxmlformats.org/officeDocument/2006/relationships" xmlns:p="http://schemas.openxmlformats.org/presentationml/2006/main">
+  <p:cSld>
+    <p:bg>
+      <p:bgPr>
+        <a:solidFill>
+          <a:schemeClr val="bg1"/>
+        </a:solidFill>
+        <a:effectLst/>
+      </p:bgPr>
+    </p:bg>
+    <p:spTree>
+      <p:nvGrpSpPr>
+        <p:cNvPr id="1" name=""/>
+        <p:cNvGrpSpPr/>
+        <p:nvPr/>
+      </p:nvGrpSpPr>
+      <p:grpSpPr>
+        <a:xfrm>
+          <a:off x="0" y="0"/>
+          <a:ext cx="0" cy="0"/>
+          <a:chOff x="0" y="0"/>
+          <a:chExt cx="0" cy="0"/>
+        </a:xfrm>
+      </p:grpSpPr>
+      <p:sp useBgFill="1">
+        <p:nvSpPr>
           <p:cNvPr id="8" name="Rectangle 7">
             <a:extLst>
               <a:ext uri="{FF2B5EF4-FFF2-40B4-BE49-F238E27FC236}">
@@ -4745,7 +5327,7 @@
           <p:cNvPr id="2" name="Title 1">
             <a:extLst>
               <a:ext uri="{FF2B5EF4-FFF2-40B4-BE49-F238E27FC236}">
-                <a16:creationId xmlns:a16="http://schemas.microsoft.com/office/drawing/2014/main" id="{EBC5EF4D-1712-BEA8-1597-7CD750E4E759}"/>
+                <a16:creationId xmlns:a16="http://schemas.microsoft.com/office/drawing/2014/main" id="{F71B561A-13AC-C492-B6A7-FB325F6DC675}"/>
               </a:ext>
             </a:extLst>
           </p:cNvPr>
@@ -4769,8 +5351,8 @@
           <a:lstStyle/>
           <a:p>
             <a:r>
-              <a:rPr lang="en-US" sz="4000"/>
-              <a:t>Attention is all you need</a:t>
+              <a:rPr lang="en-US" sz="4000" dirty="0"/>
+              <a:t>Not all inputs are equal</a:t>
             </a:r>
           </a:p>
         </p:txBody>
@@ -4848,6 +5430,459 @@
           <p:cNvPr id="3" name="Content Placeholder 2">
             <a:extLst>
               <a:ext uri="{FF2B5EF4-FFF2-40B4-BE49-F238E27FC236}">
+                <a16:creationId xmlns:a16="http://schemas.microsoft.com/office/drawing/2014/main" id="{F14AFE79-3A67-B0D0-071D-AA85D1E64F26}"/>
+              </a:ext>
+            </a:extLst>
+          </p:cNvPr>
+          <p:cNvSpPr>
+            <a:spLocks noGrp="1"/>
+          </p:cNvSpPr>
+          <p:nvPr>
+            <p:ph idx="1"/>
+          </p:nvPr>
+        </p:nvSpPr>
+        <p:spPr>
+          <a:xfrm>
+            <a:off x="1115568" y="2481943"/>
+            <a:ext cx="10168128" cy="3695020"/>
+          </a:xfrm>
+        </p:spPr>
+        <p:txBody>
+          <a:bodyPr>
+            <a:normAutofit/>
+          </a:bodyPr>
+          <a:lstStyle/>
+          <a:p>
+            <a:r>
+              <a:rPr lang="en-US" sz="2200" dirty="0"/>
+              <a:t>The point is to apply weights to the inputs</a:t>
+            </a:r>
+          </a:p>
+          <a:p>
+            <a:r>
+              <a:rPr lang="en-US" sz="2200" dirty="0"/>
+              <a:t>In </a:t>
+            </a:r>
+            <a:r>
+              <a:rPr lang="en-US" sz="2200" b="0" i="1" dirty="0">
+                <a:effectLst/>
+              </a:rPr>
+              <a:t>2016: Neural Machine Translation by Jointly Learning to Align and Translate</a:t>
+            </a:r>
+            <a:r>
+              <a:rPr lang="en-US" sz="2200" b="0" i="0" dirty="0">
+                <a:effectLst/>
+              </a:rPr>
+              <a:t>, </a:t>
+            </a:r>
+            <a:r>
+              <a:rPr lang="en-US" sz="2200" dirty="0"/>
+              <a:t>the weighting coefficients were found using a single-layer, feed-forward network that was co-trained with the rest of the model</a:t>
+            </a:r>
+          </a:p>
+          <a:p>
+            <a:r>
+              <a:rPr lang="en-US" sz="2200" dirty="0"/>
+              <a:t>In practice this worked well, but problematic due to being a memory / computation hog</a:t>
+            </a:r>
+          </a:p>
+        </p:txBody>
+      </p:sp>
+    </p:spTree>
+    <p:extLst>
+      <p:ext uri="{BB962C8B-B14F-4D97-AF65-F5344CB8AC3E}">
+        <p14:creationId xmlns:p14="http://schemas.microsoft.com/office/powerpoint/2010/main" val="335513003"/>
+      </p:ext>
+    </p:extLst>
+  </p:cSld>
+  <p:clrMapOvr>
+    <a:masterClrMapping/>
+  </p:clrMapOvr>
+</p:sld>
+</file>
+
+<file path=ppt/slides/slide13.xml><?xml version="1.0" encoding="utf-8"?>
+<p:sld xmlns:a="http://schemas.openxmlformats.org/drawingml/2006/main" xmlns:r="http://schemas.openxmlformats.org/officeDocument/2006/relationships" xmlns:p="http://schemas.openxmlformats.org/presentationml/2006/main">
+  <p:cSld>
+    <p:bg>
+      <p:bgPr>
+        <a:solidFill>
+          <a:schemeClr val="bg1"/>
+        </a:solidFill>
+        <a:effectLst/>
+      </p:bgPr>
+    </p:bg>
+    <p:spTree>
+      <p:nvGrpSpPr>
+        <p:cNvPr id="1" name=""/>
+        <p:cNvGrpSpPr/>
+        <p:nvPr/>
+      </p:nvGrpSpPr>
+      <p:grpSpPr>
+        <a:xfrm>
+          <a:off x="0" y="0"/>
+          <a:ext cx="0" cy="0"/>
+          <a:chOff x="0" y="0"/>
+          <a:chExt cx="0" cy="0"/>
+        </a:xfrm>
+      </p:grpSpPr>
+      <p:sp useBgFill="1">
+        <p:nvSpPr>
+          <p:cNvPr id="8" name="Rectangle 7">
+            <a:extLst>
+              <a:ext uri="{FF2B5EF4-FFF2-40B4-BE49-F238E27FC236}">
+                <a16:creationId xmlns:a16="http://schemas.microsoft.com/office/drawing/2014/main" id="{DAF1966E-FD40-4A4A-B61B-C4DF7FA05F06}"/>
+              </a:ext>
+              <a:ext uri="{C183D7F6-B498-43B3-948B-1728B52AA6E4}">
+                <adec:decorative xmlns:adec="http://schemas.microsoft.com/office/drawing/2017/decorative" val="1"/>
+              </a:ext>
+            </a:extLst>
+          </p:cNvPr>
+          <p:cNvSpPr>
+            <a:spLocks noGrp="1" noRot="1" noChangeAspect="1" noMove="1" noResize="1" noEditPoints="1" noAdjustHandles="1" noChangeArrowheads="1" noChangeShapeType="1" noTextEdit="1"/>
+          </p:cNvSpPr>
+          <p:nvPr>
+            <p:extLst>
+              <p:ext uri="{386F3935-93C4-4BCD-93E2-E3B085C9AB24}">
+                <p16:designElem xmlns:p16="http://schemas.microsoft.com/office/powerpoint/2015/main" val="1"/>
+              </p:ext>
+            </p:extLst>
+          </p:nvPr>
+        </p:nvSpPr>
+        <p:spPr>
+          <a:xfrm>
+            <a:off x="0" y="0"/>
+            <a:ext cx="12192000" cy="6858000"/>
+          </a:xfrm>
+          <a:prstGeom prst="rect">
+            <a:avLst/>
+          </a:prstGeom>
+          <a:ln>
+            <a:noFill/>
+          </a:ln>
+        </p:spPr>
+        <p:style>
+          <a:lnRef idx="2">
+            <a:schemeClr val="accent1">
+              <a:shade val="50000"/>
+            </a:schemeClr>
+          </a:lnRef>
+          <a:fillRef idx="1">
+            <a:schemeClr val="accent1"/>
+          </a:fillRef>
+          <a:effectRef idx="0">
+            <a:schemeClr val="accent1"/>
+          </a:effectRef>
+          <a:fontRef idx="minor">
+            <a:schemeClr val="lt1"/>
+          </a:fontRef>
+        </p:style>
+        <p:txBody>
+          <a:bodyPr rtlCol="0" anchor="ctr"/>
+          <a:lstStyle/>
+          <a:p>
+            <a:pPr algn="ctr"/>
+            <a:endParaRPr lang="en-US"/>
+          </a:p>
+        </p:txBody>
+      </p:sp>
+      <p:sp useBgFill="1">
+        <p:nvSpPr>
+          <p:cNvPr id="10" name="Rectangle 9">
+            <a:extLst>
+              <a:ext uri="{FF2B5EF4-FFF2-40B4-BE49-F238E27FC236}">
+                <a16:creationId xmlns:a16="http://schemas.microsoft.com/office/drawing/2014/main" id="{047BFA19-D45E-416B-A404-7AF2F3F27017}"/>
+              </a:ext>
+              <a:ext uri="{C183D7F6-B498-43B3-948B-1728B52AA6E4}">
+                <adec:decorative xmlns:adec="http://schemas.microsoft.com/office/drawing/2017/decorative" val="1"/>
+              </a:ext>
+            </a:extLst>
+          </p:cNvPr>
+          <p:cNvSpPr>
+            <a:spLocks noGrp="1" noRot="1" noChangeAspect="1" noMove="1" noResize="1" noEditPoints="1" noAdjustHandles="1" noChangeArrowheads="1" noChangeShapeType="1" noTextEdit="1"/>
+          </p:cNvSpPr>
+          <p:nvPr>
+            <p:extLst>
+              <p:ext uri="{386F3935-93C4-4BCD-93E2-E3B085C9AB24}">
+                <p16:designElem xmlns:p16="http://schemas.microsoft.com/office/powerpoint/2015/main" val="1"/>
+              </p:ext>
+            </p:extLst>
+          </p:nvPr>
+        </p:nvSpPr>
+        <p:spPr>
+          <a:xfrm>
+            <a:off x="558209" y="0"/>
+            <a:ext cx="11167447" cy="2018806"/>
+          </a:xfrm>
+          <a:prstGeom prst="rect">
+            <a:avLst/>
+          </a:prstGeom>
+          <a:ln w="9525">
+            <a:solidFill>
+              <a:srgbClr val="E1E1E1"/>
+            </a:solidFill>
+          </a:ln>
+          <a:effectLst>
+            <a:outerShdw blurRad="50800" dist="38100" dir="2700000" algn="tl" rotWithShape="0">
+              <a:schemeClr val="bg1">
+                <a:lumMod val="85000"/>
+                <a:alpha val="50000"/>
+              </a:schemeClr>
+            </a:outerShdw>
+          </a:effectLst>
+        </p:spPr>
+        <p:style>
+          <a:lnRef idx="2">
+            <a:schemeClr val="accent1">
+              <a:shade val="50000"/>
+            </a:schemeClr>
+          </a:lnRef>
+          <a:fillRef idx="1">
+            <a:schemeClr val="accent1"/>
+          </a:fillRef>
+          <a:effectRef idx="0">
+            <a:schemeClr val="accent1"/>
+          </a:effectRef>
+          <a:fontRef idx="minor">
+            <a:schemeClr val="lt1"/>
+          </a:fontRef>
+        </p:style>
+        <p:txBody>
+          <a:bodyPr rtlCol="0" anchor="ctr"/>
+          <a:lstStyle/>
+          <a:p>
+            <a:pPr marL="0" marR="0" lvl="0" indent="0" algn="ctr" defTabSz="914400" rtl="0" eaLnBrk="1" fontAlgn="auto" latinLnBrk="0" hangingPunct="1">
+              <a:lnSpc>
+                <a:spcPct val="100000"/>
+              </a:lnSpc>
+              <a:spcBef>
+                <a:spcPts val="0"/>
+              </a:spcBef>
+              <a:spcAft>
+                <a:spcPts val="0"/>
+              </a:spcAft>
+              <a:buClrTx/>
+              <a:buSzTx/>
+              <a:buFontTx/>
+              <a:buNone/>
+              <a:tabLst/>
+              <a:defRPr/>
+            </a:pPr>
+            <a:endParaRPr kumimoji="0" lang="en-US" sz="1800" b="0" i="0" u="none" strike="noStrike" kern="1200" cap="none" spc="0" normalizeH="0" baseline="0" noProof="0">
+              <a:ln>
+                <a:noFill/>
+              </a:ln>
+              <a:solidFill>
+                <a:prstClr val="white"/>
+              </a:solidFill>
+              <a:effectLst/>
+              <a:uLnTx/>
+              <a:uFillTx/>
+              <a:latin typeface="Calibri" panose="020F0502020204030204"/>
+              <a:ea typeface="+mn-ea"/>
+              <a:cs typeface="+mn-cs"/>
+            </a:endParaRPr>
+          </a:p>
+        </p:txBody>
+      </p:sp>
+      <p:sp useBgFill="1">
+        <p:nvSpPr>
+          <p:cNvPr id="12" name="Rectangle 11">
+            <a:extLst>
+              <a:ext uri="{FF2B5EF4-FFF2-40B4-BE49-F238E27FC236}">
+                <a16:creationId xmlns:a16="http://schemas.microsoft.com/office/drawing/2014/main" id="{8E0105E7-23DB-4CF2-8258-FF47C7620F6E}"/>
+              </a:ext>
+              <a:ext uri="{C183D7F6-B498-43B3-948B-1728B52AA6E4}">
+                <adec:decorative xmlns:adec="http://schemas.microsoft.com/office/drawing/2017/decorative" val="1"/>
+              </a:ext>
+            </a:extLst>
+          </p:cNvPr>
+          <p:cNvSpPr>
+            <a:spLocks noGrp="1" noRot="1" noChangeAspect="1" noMove="1" noResize="1" noEditPoints="1" noAdjustHandles="1" noChangeArrowheads="1" noChangeShapeType="1" noTextEdit="1"/>
+          </p:cNvSpPr>
+          <p:nvPr>
+            <p:extLst>
+              <p:ext uri="{386F3935-93C4-4BCD-93E2-E3B085C9AB24}">
+                <p16:designElem xmlns:p16="http://schemas.microsoft.com/office/powerpoint/2015/main" val="1"/>
+              </p:ext>
+            </p:extLst>
+          </p:nvPr>
+        </p:nvSpPr>
+        <p:spPr>
+          <a:xfrm>
+            <a:off x="566928" y="0"/>
+            <a:ext cx="11155680" cy="2011680"/>
+          </a:xfrm>
+          <a:prstGeom prst="rect">
+            <a:avLst/>
+          </a:prstGeom>
+          <a:ln w="9525">
+            <a:noFill/>
+          </a:ln>
+          <a:effectLst/>
+        </p:spPr>
+        <p:style>
+          <a:lnRef idx="2">
+            <a:schemeClr val="accent1">
+              <a:shade val="50000"/>
+            </a:schemeClr>
+          </a:lnRef>
+          <a:fillRef idx="1">
+            <a:schemeClr val="accent1"/>
+          </a:fillRef>
+          <a:effectRef idx="0">
+            <a:schemeClr val="accent1"/>
+          </a:effectRef>
+          <a:fontRef idx="minor">
+            <a:schemeClr val="lt1"/>
+          </a:fontRef>
+        </p:style>
+        <p:txBody>
+          <a:bodyPr rtlCol="0" anchor="ctr"/>
+          <a:lstStyle/>
+          <a:p>
+            <a:pPr marL="0" marR="0" lvl="0" indent="0" algn="ctr" defTabSz="914400" rtl="0" eaLnBrk="1" fontAlgn="auto" latinLnBrk="0" hangingPunct="1">
+              <a:lnSpc>
+                <a:spcPct val="100000"/>
+              </a:lnSpc>
+              <a:spcBef>
+                <a:spcPts val="0"/>
+              </a:spcBef>
+              <a:spcAft>
+                <a:spcPts val="0"/>
+              </a:spcAft>
+              <a:buClrTx/>
+              <a:buSzTx/>
+              <a:buFontTx/>
+              <a:buNone/>
+              <a:tabLst/>
+              <a:defRPr/>
+            </a:pPr>
+            <a:endParaRPr kumimoji="0" lang="en-US" sz="1800" b="0" i="0" u="none" strike="noStrike" kern="1200" cap="none" spc="0" normalizeH="0" baseline="0" noProof="0">
+              <a:ln>
+                <a:noFill/>
+              </a:ln>
+              <a:solidFill>
+                <a:prstClr val="white"/>
+              </a:solidFill>
+              <a:effectLst/>
+              <a:uLnTx/>
+              <a:uFillTx/>
+              <a:latin typeface="Calibri" panose="020F0502020204030204"/>
+              <a:ea typeface="+mn-ea"/>
+              <a:cs typeface="+mn-cs"/>
+            </a:endParaRPr>
+          </a:p>
+        </p:txBody>
+      </p:sp>
+      <p:sp>
+        <p:nvSpPr>
+          <p:cNvPr id="2" name="Title 1">
+            <a:extLst>
+              <a:ext uri="{FF2B5EF4-FFF2-40B4-BE49-F238E27FC236}">
+                <a16:creationId xmlns:a16="http://schemas.microsoft.com/office/drawing/2014/main" id="{EBC5EF4D-1712-BEA8-1597-7CD750E4E759}"/>
+              </a:ext>
+            </a:extLst>
+          </p:cNvPr>
+          <p:cNvSpPr>
+            <a:spLocks noGrp="1"/>
+          </p:cNvSpPr>
+          <p:nvPr>
+            <p:ph type="title"/>
+          </p:nvPr>
+        </p:nvSpPr>
+        <p:spPr>
+          <a:xfrm>
+            <a:off x="1115568" y="548640"/>
+            <a:ext cx="10168128" cy="1179576"/>
+          </a:xfrm>
+        </p:spPr>
+        <p:txBody>
+          <a:bodyPr>
+            <a:normAutofit/>
+          </a:bodyPr>
+          <a:lstStyle/>
+          <a:p>
+            <a:r>
+              <a:rPr lang="en-US" sz="4000"/>
+              <a:t>Attention is all you need</a:t>
+            </a:r>
+          </a:p>
+        </p:txBody>
+      </p:sp>
+      <p:sp>
+        <p:nvSpPr>
+          <p:cNvPr id="14" name="Rectangle 13">
+            <a:extLst>
+              <a:ext uri="{FF2B5EF4-FFF2-40B4-BE49-F238E27FC236}">
+                <a16:creationId xmlns:a16="http://schemas.microsoft.com/office/drawing/2014/main" id="{074B4F7D-14B2-478B-8BF5-01E4E0C5D263}"/>
+              </a:ext>
+              <a:ext uri="{C183D7F6-B498-43B3-948B-1728B52AA6E4}">
+                <adec:decorative xmlns:adec="http://schemas.microsoft.com/office/drawing/2017/decorative" val="1"/>
+              </a:ext>
+            </a:extLst>
+          </p:cNvPr>
+          <p:cNvSpPr>
+            <a:spLocks noGrp="1" noRot="1" noChangeAspect="1" noMove="1" noResize="1" noEditPoints="1" noAdjustHandles="1" noChangeArrowheads="1" noChangeShapeType="1" noTextEdit="1"/>
+          </p:cNvSpPr>
+          <p:nvPr>
+            <p:extLst>
+              <p:ext uri="{386F3935-93C4-4BCD-93E2-E3B085C9AB24}">
+                <p16:designElem xmlns:p16="http://schemas.microsoft.com/office/powerpoint/2015/main" val="1"/>
+              </p:ext>
+            </p:extLst>
+          </p:nvPr>
+        </p:nvSpPr>
+        <p:spPr>
+          <a:xfrm>
+            <a:off x="498834" y="758952"/>
+            <a:ext cx="128016" cy="704088"/>
+          </a:xfrm>
+          <a:prstGeom prst="rect">
+            <a:avLst/>
+          </a:prstGeom>
+          <a:solidFill>
+            <a:schemeClr val="accent2"/>
+          </a:solidFill>
+          <a:ln>
+            <a:noFill/>
+          </a:ln>
+        </p:spPr>
+        <p:style>
+          <a:lnRef idx="2">
+            <a:schemeClr val="accent1">
+              <a:shade val="50000"/>
+            </a:schemeClr>
+          </a:lnRef>
+          <a:fillRef idx="1">
+            <a:schemeClr val="accent1"/>
+          </a:fillRef>
+          <a:effectRef idx="0">
+            <a:schemeClr val="accent1"/>
+          </a:effectRef>
+          <a:fontRef idx="minor">
+            <a:schemeClr val="lt1"/>
+          </a:fontRef>
+        </p:style>
+        <p:txBody>
+          <a:bodyPr rtlCol="0" anchor="ctr"/>
+          <a:lstStyle/>
+          <a:p>
+            <a:pPr algn="ctr"/>
+            <a:endParaRPr lang="en-US">
+              <a:solidFill>
+                <a:prstClr val="white"/>
+              </a:solidFill>
+              <a:latin typeface="Calibri" panose="020F0502020204030204"/>
+            </a:endParaRPr>
+          </a:p>
+        </p:txBody>
+      </p:sp>
+      <p:sp>
+        <p:nvSpPr>
+          <p:cNvPr id="3" name="Content Placeholder 2">
+            <a:extLst>
+              <a:ext uri="{FF2B5EF4-FFF2-40B4-BE49-F238E27FC236}">
                 <a16:creationId xmlns:a16="http://schemas.microsoft.com/office/drawing/2014/main" id="{D4CF7761-D07D-A8EB-D66E-9171A48AA515}"/>
               </a:ext>
             </a:extLst>
@@ -4910,7 +5945,7 @@
 </p:sld>
 </file>
 
-<file path=ppt/slides/slide12.xml><?xml version="1.0" encoding="utf-8"?>
+<file path=ppt/slides/slide14.xml><?xml version="1.0" encoding="utf-8"?>
 <p:sld xmlns:a="http://schemas.openxmlformats.org/drawingml/2006/main" xmlns:r="http://schemas.openxmlformats.org/officeDocument/2006/relationships" xmlns:p="http://schemas.openxmlformats.org/presentationml/2006/main">
   <p:cSld>
     <p:bg>
@@ -5971,7 +7006,7 @@
 </p:sld>
 </file>
 
-<file path=ppt/slides/slide13.xml><?xml version="1.0" encoding="utf-8"?>
+<file path=ppt/slides/slide15.xml><?xml version="1.0" encoding="utf-8"?>
 <p:sld xmlns:a="http://schemas.openxmlformats.org/drawingml/2006/main" xmlns:r="http://schemas.openxmlformats.org/officeDocument/2006/relationships" xmlns:p="http://schemas.openxmlformats.org/presentationml/2006/main">
   <p:cSld>
     <p:spTree>
@@ -6192,593 +7227,6 @@
     <p:extLst>
       <p:ext uri="{BB962C8B-B14F-4D97-AF65-F5344CB8AC3E}">
         <p14:creationId xmlns:p14="http://schemas.microsoft.com/office/powerpoint/2010/main" val="138751981"/>
-      </p:ext>
-    </p:extLst>
-  </p:cSld>
-  <p:clrMapOvr>
-    <a:masterClrMapping/>
-  </p:clrMapOvr>
-</p:sld>
-</file>
-
-<file path=ppt/slides/slide14.xml><?xml version="1.0" encoding="utf-8"?>
-<p:sld xmlns:a="http://schemas.openxmlformats.org/drawingml/2006/main" xmlns:r="http://schemas.openxmlformats.org/officeDocument/2006/relationships" xmlns:p="http://schemas.openxmlformats.org/presentationml/2006/main">
-  <p:cSld>
-    <p:bg>
-      <p:bgPr>
-        <a:solidFill>
-          <a:schemeClr val="bg1"/>
-        </a:solidFill>
-        <a:effectLst/>
-      </p:bgPr>
-    </p:bg>
-    <p:spTree>
-      <p:nvGrpSpPr>
-        <p:cNvPr id="1" name=""/>
-        <p:cNvGrpSpPr/>
-        <p:nvPr/>
-      </p:nvGrpSpPr>
-      <p:grpSpPr>
-        <a:xfrm>
-          <a:off x="0" y="0"/>
-          <a:ext cx="0" cy="0"/>
-          <a:chOff x="0" y="0"/>
-          <a:chExt cx="0" cy="0"/>
-        </a:xfrm>
-      </p:grpSpPr>
-      <p:sp useBgFill="1">
-        <p:nvSpPr>
-          <p:cNvPr id="24" name="Rectangle 23">
-            <a:extLst>
-              <a:ext uri="{FF2B5EF4-FFF2-40B4-BE49-F238E27FC236}">
-                <a16:creationId xmlns:a16="http://schemas.microsoft.com/office/drawing/2014/main" id="{D2854001-B4AF-4E18-9D2E-33E37F97A82D}"/>
-              </a:ext>
-              <a:ext uri="{C183D7F6-B498-43B3-948B-1728B52AA6E4}">
-                <adec:decorative xmlns:adec="http://schemas.microsoft.com/office/drawing/2017/decorative" val="1"/>
-              </a:ext>
-            </a:extLst>
-          </p:cNvPr>
-          <p:cNvSpPr>
-            <a:spLocks noGrp="1" noRot="1" noChangeAspect="1" noMove="1" noResize="1" noEditPoints="1" noAdjustHandles="1" noChangeArrowheads="1" noChangeShapeType="1" noTextEdit="1"/>
-          </p:cNvSpPr>
-          <p:nvPr>
-            <p:extLst>
-              <p:ext uri="{386F3935-93C4-4BCD-93E2-E3B085C9AB24}">
-                <p16:designElem xmlns:p16="http://schemas.microsoft.com/office/powerpoint/2015/main" val="1"/>
-              </p:ext>
-            </p:extLst>
-          </p:nvPr>
-        </p:nvSpPr>
-        <p:spPr>
-          <a:xfrm>
-            <a:off x="0" y="0"/>
-            <a:ext cx="12192000" cy="6858000"/>
-          </a:xfrm>
-          <a:prstGeom prst="rect">
-            <a:avLst/>
-          </a:prstGeom>
-          <a:ln>
-            <a:noFill/>
-          </a:ln>
-        </p:spPr>
-        <p:style>
-          <a:lnRef idx="2">
-            <a:schemeClr val="accent1">
-              <a:shade val="50000"/>
-            </a:schemeClr>
-          </a:lnRef>
-          <a:fillRef idx="1">
-            <a:schemeClr val="accent1"/>
-          </a:fillRef>
-          <a:effectRef idx="0">
-            <a:schemeClr val="accent1"/>
-          </a:effectRef>
-          <a:fontRef idx="minor">
-            <a:schemeClr val="lt1"/>
-          </a:fontRef>
-        </p:style>
-        <p:txBody>
-          <a:bodyPr rtlCol="0" anchor="ctr"/>
-          <a:lstStyle/>
-          <a:p>
-            <a:pPr algn="ctr"/>
-            <a:endParaRPr lang="en-US"/>
-          </a:p>
-        </p:txBody>
-      </p:sp>
-      <p:sp>
-        <p:nvSpPr>
-          <p:cNvPr id="2" name="Title 1">
-            <a:extLst>
-              <a:ext uri="{FF2B5EF4-FFF2-40B4-BE49-F238E27FC236}">
-                <a16:creationId xmlns:a16="http://schemas.microsoft.com/office/drawing/2014/main" id="{EBC5EF4D-1712-BEA8-1597-7CD750E4E759}"/>
-              </a:ext>
-            </a:extLst>
-          </p:cNvPr>
-          <p:cNvSpPr>
-            <a:spLocks noGrp="1"/>
-          </p:cNvSpPr>
-          <p:nvPr>
-            <p:ph type="title"/>
-          </p:nvPr>
-        </p:nvSpPr>
-        <p:spPr>
-          <a:xfrm>
-            <a:off x="612648" y="1078992"/>
-            <a:ext cx="6268770" cy="1536192"/>
-          </a:xfrm>
-        </p:spPr>
-        <p:txBody>
-          <a:bodyPr anchor="b">
-            <a:normAutofit/>
-          </a:bodyPr>
-          <a:lstStyle/>
-          <a:p>
-            <a:r>
-              <a:rPr lang="en-US" sz="5200"/>
-              <a:t>Some immediate problems</a:t>
-            </a:r>
-          </a:p>
-        </p:txBody>
-      </p:sp>
-      <p:sp>
-        <p:nvSpPr>
-          <p:cNvPr id="26" name="Rectangle 25">
-            <a:extLst>
-              <a:ext uri="{FF2B5EF4-FFF2-40B4-BE49-F238E27FC236}">
-                <a16:creationId xmlns:a16="http://schemas.microsoft.com/office/drawing/2014/main" id="{8AEA628B-C8FF-4D0B-B111-F101F580B15D}"/>
-              </a:ext>
-              <a:ext uri="{C183D7F6-B498-43B3-948B-1728B52AA6E4}">
-                <adec:decorative xmlns:adec="http://schemas.microsoft.com/office/drawing/2017/decorative" val="1"/>
-              </a:ext>
-            </a:extLst>
-          </p:cNvPr>
-          <p:cNvSpPr>
-            <a:spLocks noGrp="1" noRot="1" noChangeAspect="1" noMove="1" noResize="1" noEditPoints="1" noAdjustHandles="1" noChangeArrowheads="1" noChangeShapeType="1" noTextEdit="1"/>
-          </p:cNvSpPr>
-          <p:nvPr>
-            <p:extLst>
-              <p:ext uri="{386F3935-93C4-4BCD-93E2-E3B085C9AB24}">
-                <p16:designElem xmlns:p16="http://schemas.microsoft.com/office/powerpoint/2015/main" val="1"/>
-              </p:ext>
-            </p:extLst>
-          </p:nvPr>
-        </p:nvSpPr>
-        <p:spPr>
-          <a:xfrm rot="5400000">
-            <a:off x="853202" y="363389"/>
-            <a:ext cx="73152" cy="548640"/>
-          </a:xfrm>
-          <a:prstGeom prst="rect">
-            <a:avLst/>
-          </a:prstGeom>
-          <a:solidFill>
-            <a:schemeClr val="accent2"/>
-          </a:solidFill>
-          <a:ln>
-            <a:noFill/>
-          </a:ln>
-        </p:spPr>
-        <p:style>
-          <a:lnRef idx="2">
-            <a:schemeClr val="accent1">
-              <a:shade val="50000"/>
-            </a:schemeClr>
-          </a:lnRef>
-          <a:fillRef idx="1">
-            <a:schemeClr val="accent1"/>
-          </a:fillRef>
-          <a:effectRef idx="0">
-            <a:schemeClr val="accent1"/>
-          </a:effectRef>
-          <a:fontRef idx="minor">
-            <a:schemeClr val="lt1"/>
-          </a:fontRef>
-        </p:style>
-        <p:txBody>
-          <a:bodyPr rtlCol="0" anchor="ctr"/>
-          <a:lstStyle/>
-          <a:p>
-            <a:pPr marL="0" marR="0" lvl="0" indent="0" algn="ctr" defTabSz="914400" rtl="0" eaLnBrk="1" fontAlgn="auto" latinLnBrk="0" hangingPunct="1">
-              <a:lnSpc>
-                <a:spcPct val="100000"/>
-              </a:lnSpc>
-              <a:spcBef>
-                <a:spcPts val="0"/>
-              </a:spcBef>
-              <a:spcAft>
-                <a:spcPts val="0"/>
-              </a:spcAft>
-              <a:buClrTx/>
-              <a:buSzTx/>
-              <a:buFontTx/>
-              <a:buNone/>
-              <a:tabLst/>
-              <a:defRPr/>
-            </a:pPr>
-            <a:endParaRPr kumimoji="0" lang="en-US" sz="1800" b="0" i="0" u="none" strike="noStrike" kern="1200" cap="none" spc="0" normalizeH="0" baseline="0" noProof="0">
-              <a:ln>
-                <a:noFill/>
-              </a:ln>
-              <a:solidFill>
-                <a:prstClr val="white"/>
-              </a:solidFill>
-              <a:effectLst/>
-              <a:uLnTx/>
-              <a:uFillTx/>
-              <a:latin typeface="Calibri" panose="020F0502020204030204"/>
-              <a:ea typeface="+mn-ea"/>
-              <a:cs typeface="+mn-cs"/>
-            </a:endParaRPr>
-          </a:p>
-        </p:txBody>
-      </p:sp>
-      <p:sp>
-        <p:nvSpPr>
-          <p:cNvPr id="28" name="Rectangle 27">
-            <a:extLst>
-              <a:ext uri="{FF2B5EF4-FFF2-40B4-BE49-F238E27FC236}">
-                <a16:creationId xmlns:a16="http://schemas.microsoft.com/office/drawing/2014/main" id="{42663BD0-064C-40FC-A331-F49FCA9536AA}"/>
-              </a:ext>
-              <a:ext uri="{C183D7F6-B498-43B3-948B-1728B52AA6E4}">
-                <adec:decorative xmlns:adec="http://schemas.microsoft.com/office/drawing/2017/decorative" val="1"/>
-              </a:ext>
-            </a:extLst>
-          </p:cNvPr>
-          <p:cNvSpPr>
-            <a:spLocks noGrp="1" noRot="1" noChangeAspect="1" noMove="1" noResize="1" noEditPoints="1" noAdjustHandles="1" noChangeArrowheads="1" noChangeShapeType="1" noTextEdit="1"/>
-          </p:cNvSpPr>
-          <p:nvPr>
-            <p:extLst>
-              <p:ext uri="{386F3935-93C4-4BCD-93E2-E3B085C9AB24}">
-                <p16:designElem xmlns:p16="http://schemas.microsoft.com/office/powerpoint/2015/main" val="1"/>
-              </p:ext>
-            </p:extLst>
-          </p:nvPr>
-        </p:nvSpPr>
-        <p:spPr>
-          <a:xfrm>
-            <a:off x="618506" y="2935541"/>
-            <a:ext cx="6217920" cy="18288"/>
-          </a:xfrm>
-          <a:prstGeom prst="rect">
-            <a:avLst/>
-          </a:prstGeom>
-          <a:solidFill>
-            <a:srgbClr val="D5D5D5"/>
-          </a:solidFill>
-          <a:ln w="3175">
-            <a:noFill/>
-          </a:ln>
-          <a:effectLst/>
-        </p:spPr>
-        <p:style>
-          <a:lnRef idx="2">
-            <a:schemeClr val="accent1">
-              <a:shade val="50000"/>
-            </a:schemeClr>
-          </a:lnRef>
-          <a:fillRef idx="1">
-            <a:schemeClr val="accent1"/>
-          </a:fillRef>
-          <a:effectRef idx="0">
-            <a:schemeClr val="accent1"/>
-          </a:effectRef>
-          <a:fontRef idx="minor">
-            <a:schemeClr val="lt1"/>
-          </a:fontRef>
-        </p:style>
-        <p:txBody>
-          <a:bodyPr rtlCol="0" anchor="ctr"/>
-          <a:lstStyle/>
-          <a:p>
-            <a:pPr algn="ctr"/>
-            <a:endParaRPr lang="en-US">
-              <a:solidFill>
-                <a:prstClr val="white"/>
-              </a:solidFill>
-              <a:latin typeface="Calibri" panose="020F0502020204030204"/>
-            </a:endParaRPr>
-          </a:p>
-        </p:txBody>
-      </p:sp>
-      <p:sp>
-        <p:nvSpPr>
-          <p:cNvPr id="3" name="Content Placeholder 2">
-            <a:extLst>
-              <a:ext uri="{FF2B5EF4-FFF2-40B4-BE49-F238E27FC236}">
-                <a16:creationId xmlns:a16="http://schemas.microsoft.com/office/drawing/2014/main" id="{D4CF7761-D07D-A8EB-D66E-9171A48AA515}"/>
-              </a:ext>
-            </a:extLst>
-          </p:cNvPr>
-          <p:cNvSpPr>
-            <a:spLocks noGrp="1"/>
-          </p:cNvSpPr>
-          <p:nvPr>
-            <p:ph idx="1"/>
-          </p:nvPr>
-        </p:nvSpPr>
-        <p:spPr>
-          <a:xfrm>
-            <a:off x="639270" y="3355848"/>
-            <a:ext cx="6244957" cy="2825496"/>
-          </a:xfrm>
-        </p:spPr>
-        <p:txBody>
-          <a:bodyPr>
-            <a:normAutofit/>
-          </a:bodyPr>
-          <a:lstStyle/>
-          <a:p>
-            <a:r>
-              <a:rPr lang="en-US" sz="2200" dirty="0"/>
-              <a:t>Since each embedding vector is dotted with all other vectors, it will also be dotted with itself (and therefore likely the largest). Typically, this isn’t a problem, but it’s not necessarily optimal. </a:t>
-            </a:r>
-          </a:p>
-          <a:p>
-            <a:r>
-              <a:rPr lang="en-US" sz="2200" dirty="0"/>
-              <a:t>There are no tunable or learnable parameters as of yet</a:t>
-            </a:r>
-          </a:p>
-        </p:txBody>
-      </p:sp>
-      <p:pic>
-        <p:nvPicPr>
-          <p:cNvPr id="19" name="Picture 4" descr="Question mark on green pastel background">
-            <a:extLst>
-              <a:ext uri="{FF2B5EF4-FFF2-40B4-BE49-F238E27FC236}">
-                <a16:creationId xmlns:a16="http://schemas.microsoft.com/office/drawing/2014/main" id="{FA825D66-3ED3-6E04-BA6B-8D839F843F86}"/>
-              </a:ext>
-            </a:extLst>
-          </p:cNvPr>
-          <p:cNvPicPr>
-            <a:picLocks noChangeAspect="1"/>
-          </p:cNvPicPr>
-          <p:nvPr/>
-        </p:nvPicPr>
-        <p:blipFill rotWithShape="1">
-          <a:blip r:embed="rId2"/>
-          <a:srcRect l="42672" r="2862" b="1"/>
-          <a:stretch/>
-        </p:blipFill>
-        <p:spPr>
-          <a:xfrm>
-            <a:off x="7684007" y="603504"/>
-            <a:ext cx="4050792" cy="5577840"/>
-          </a:xfrm>
-          <a:prstGeom prst="rect">
-            <a:avLst/>
-          </a:prstGeom>
-        </p:spPr>
-      </p:pic>
-    </p:spTree>
-    <p:extLst>
-      <p:ext uri="{BB962C8B-B14F-4D97-AF65-F5344CB8AC3E}">
-        <p14:creationId xmlns:p14="http://schemas.microsoft.com/office/powerpoint/2010/main" val="3710280074"/>
-      </p:ext>
-    </p:extLst>
-  </p:cSld>
-  <p:clrMapOvr>
-    <a:masterClrMapping/>
-  </p:clrMapOvr>
-</p:sld>
-</file>
-
-<file path=ppt/slides/slide15.xml><?xml version="1.0" encoding="utf-8"?>
-<p:sld xmlns:a="http://schemas.openxmlformats.org/drawingml/2006/main" xmlns:r="http://schemas.openxmlformats.org/officeDocument/2006/relationships" xmlns:p="http://schemas.openxmlformats.org/presentationml/2006/main">
-  <p:cSld>
-    <p:bg>
-      <p:bgPr>
-        <a:solidFill>
-          <a:schemeClr val="bg1"/>
-        </a:solidFill>
-        <a:effectLst/>
-      </p:bgPr>
-    </p:bg>
-    <p:spTree>
-      <p:nvGrpSpPr>
-        <p:cNvPr id="1" name=""/>
-        <p:cNvGrpSpPr/>
-        <p:nvPr/>
-      </p:nvGrpSpPr>
-      <p:grpSpPr>
-        <a:xfrm>
-          <a:off x="0" y="0"/>
-          <a:ext cx="0" cy="0"/>
-          <a:chOff x="0" y="0"/>
-          <a:chExt cx="0" cy="0"/>
-        </a:xfrm>
-      </p:grpSpPr>
-      <p:sp>
-        <p:nvSpPr>
-          <p:cNvPr id="2" name="Title 1">
-            <a:extLst>
-              <a:ext uri="{FF2B5EF4-FFF2-40B4-BE49-F238E27FC236}">
-                <a16:creationId xmlns:a16="http://schemas.microsoft.com/office/drawing/2014/main" id="{99912B7F-E6C3-1793-C0B0-42F7143C7C93}"/>
-              </a:ext>
-            </a:extLst>
-          </p:cNvPr>
-          <p:cNvSpPr>
-            <a:spLocks noGrp="1"/>
-          </p:cNvSpPr>
-          <p:nvPr>
-            <p:ph type="title"/>
-          </p:nvPr>
-        </p:nvSpPr>
-        <p:spPr>
-          <a:xfrm>
-            <a:off x="4965430" y="629268"/>
-            <a:ext cx="6586491" cy="1286160"/>
-          </a:xfrm>
-        </p:spPr>
-        <p:txBody>
-          <a:bodyPr anchor="b">
-            <a:normAutofit/>
-          </a:bodyPr>
-          <a:lstStyle/>
-          <a:p>
-            <a:r>
-              <a:rPr lang="en-US" sz="4100"/>
-              <a:t>Keys, values and queries: making things tunable</a:t>
-            </a:r>
-          </a:p>
-        </p:txBody>
-      </p:sp>
-      <p:sp>
-        <p:nvSpPr>
-          <p:cNvPr id="13" name="Content Placeholder 2">
-            <a:extLst>
-              <a:ext uri="{FF2B5EF4-FFF2-40B4-BE49-F238E27FC236}">
-                <a16:creationId xmlns:a16="http://schemas.microsoft.com/office/drawing/2014/main" id="{9B94F27D-C34E-CF98-521F-297D486B9FC6}"/>
-              </a:ext>
-            </a:extLst>
-          </p:cNvPr>
-          <p:cNvSpPr>
-            <a:spLocks noGrp="1"/>
-          </p:cNvSpPr>
-          <p:nvPr>
-            <p:ph idx="1"/>
-          </p:nvPr>
-        </p:nvSpPr>
-        <p:spPr>
-          <a:xfrm>
-            <a:off x="4965431" y="2438400"/>
-            <a:ext cx="6586489" cy="3785419"/>
-          </a:xfrm>
-        </p:spPr>
-        <p:txBody>
-          <a:bodyPr>
-            <a:normAutofit/>
-          </a:bodyPr>
-          <a:lstStyle/>
-          <a:p>
-            <a:r>
-              <a:rPr lang="en-US" sz="2000"/>
-              <a:t>The paper introduces an alternate view of the embedding vectors depending on how they’re being used. </a:t>
-            </a:r>
-          </a:p>
-          <a:p>
-            <a:pPr lvl="1"/>
-            <a:r>
-              <a:rPr lang="en-US" sz="2000"/>
-              <a:t>As the input vector it’s known as the “value”,</a:t>
-            </a:r>
-          </a:p>
-          <a:p>
-            <a:pPr lvl="1"/>
-            <a:r>
-              <a:rPr lang="en-US" sz="2000"/>
-              <a:t>As the input vector being dotted against all other vectors it’s the “query”, </a:t>
-            </a:r>
-          </a:p>
-          <a:p>
-            <a:pPr lvl="1"/>
-            <a:r>
-              <a:rPr lang="en-US" sz="2000"/>
-              <a:t>The “other vectors” are known as they “keys”</a:t>
-            </a:r>
-          </a:p>
-          <a:p>
-            <a:r>
-              <a:rPr lang="en-US" sz="2000"/>
-              <a:t>They take this naming scheme from databases, but it’s not entirely clear why. </a:t>
-            </a:r>
-          </a:p>
-          <a:p>
-            <a:r>
-              <a:rPr lang="en-US" sz="2000"/>
-              <a:t>Important, however, is we have three new labels for the same set of vectors</a:t>
-            </a:r>
-          </a:p>
-        </p:txBody>
-      </p:sp>
-      <p:pic>
-        <p:nvPicPr>
-          <p:cNvPr id="5" name="Picture 4" descr="Question mark on green pastel background">
-            <a:extLst>
-              <a:ext uri="{FF2B5EF4-FFF2-40B4-BE49-F238E27FC236}">
-                <a16:creationId xmlns:a16="http://schemas.microsoft.com/office/drawing/2014/main" id="{6AE27304-A6BB-998E-63F3-2C07FDCE399D}"/>
-              </a:ext>
-            </a:extLst>
-          </p:cNvPr>
-          <p:cNvPicPr>
-            <a:picLocks noChangeAspect="1"/>
-          </p:cNvPicPr>
-          <p:nvPr/>
-        </p:nvPicPr>
-        <p:blipFill rotWithShape="1">
-          <a:blip r:embed="rId2"/>
-          <a:srcRect l="44648" r="4656"/>
-          <a:stretch/>
-        </p:blipFill>
-        <p:spPr>
-          <a:xfrm>
-            <a:off x="20" y="10"/>
-            <a:ext cx="4635571" cy="6857990"/>
-          </a:xfrm>
-          <a:prstGeom prst="rect">
-            <a:avLst/>
-          </a:prstGeom>
-          <a:effectLst/>
-        </p:spPr>
-      </p:pic>
-      <p:cxnSp>
-        <p:nvCxnSpPr>
-          <p:cNvPr id="14" name="Straight Connector 8">
-            <a:extLst>
-              <a:ext uri="{FF2B5EF4-FFF2-40B4-BE49-F238E27FC236}">
-                <a16:creationId xmlns:a16="http://schemas.microsoft.com/office/drawing/2014/main" id="{A7F400EE-A8A5-48AF-B4D6-291B52C6F0B0}"/>
-              </a:ext>
-              <a:ext uri="{C183D7F6-B498-43B3-948B-1728B52AA6E4}">
-                <adec:decorative xmlns:adec="http://schemas.microsoft.com/office/drawing/2017/decorative" val="1"/>
-              </a:ext>
-            </a:extLst>
-          </p:cNvPr>
-          <p:cNvCxnSpPr>
-            <a:cxnSpLocks noGrp="1" noRot="1" noChangeAspect="1" noMove="1" noResize="1" noEditPoints="1" noAdjustHandles="1" noChangeArrowheads="1" noChangeShapeType="1"/>
-          </p:cNvCxnSpPr>
-          <p:nvPr>
-            <p:extLst>
-              <p:ext uri="{386F3935-93C4-4BCD-93E2-E3B085C9AB24}">
-                <p16:designElem xmlns:p16="http://schemas.microsoft.com/office/powerpoint/2015/main" val="1"/>
-              </p:ext>
-            </p:extLst>
-          </p:nvPr>
-        </p:nvCxnSpPr>
-        <p:spPr>
-          <a:xfrm>
-            <a:off x="5080934" y="2115117"/>
-            <a:ext cx="6309360" cy="0"/>
-          </a:xfrm>
-          <a:prstGeom prst="line">
-            <a:avLst/>
-          </a:prstGeom>
-          <a:ln w="19050">
-            <a:solidFill>
-              <a:srgbClr val="589195"/>
-            </a:solidFill>
-          </a:ln>
-        </p:spPr>
-        <p:style>
-          <a:lnRef idx="1">
-            <a:schemeClr val="accent1"/>
-          </a:lnRef>
-          <a:fillRef idx="0">
-            <a:schemeClr val="accent1"/>
-          </a:fillRef>
-          <a:effectRef idx="0">
-            <a:schemeClr val="accent1"/>
-          </a:effectRef>
-          <a:fontRef idx="minor">
-            <a:schemeClr val="tx1"/>
-          </a:fontRef>
-        </p:style>
-      </p:cxnSp>
-    </p:spTree>
-    <p:extLst>
-      <p:ext uri="{BB962C8B-B14F-4D97-AF65-F5344CB8AC3E}">
-        <p14:creationId xmlns:p14="http://schemas.microsoft.com/office/powerpoint/2010/main" val="3077588808"/>
       </p:ext>
     </p:extLst>
   </p:cSld>
@@ -6815,10 +7263,10 @@
       </p:grpSpPr>
       <p:sp useBgFill="1">
         <p:nvSpPr>
-          <p:cNvPr id="17" name="Rectangle 9">
-            <a:extLst>
-              <a:ext uri="{FF2B5EF4-FFF2-40B4-BE49-F238E27FC236}">
-                <a16:creationId xmlns:a16="http://schemas.microsoft.com/office/drawing/2014/main" id="{1ECAB1E8-8195-4748-BE71-FF806D86892E}"/>
+          <p:cNvPr id="24" name="Rectangle 23">
+            <a:extLst>
+              <a:ext uri="{FF2B5EF4-FFF2-40B4-BE49-F238E27FC236}">
+                <a16:creationId xmlns:a16="http://schemas.microsoft.com/office/drawing/2014/main" id="{D2854001-B4AF-4E18-9D2E-33E37F97A82D}"/>
               </a:ext>
               <a:ext uri="{C183D7F6-B498-43B3-948B-1728B52AA6E4}">
                 <adec:decorative xmlns:adec="http://schemas.microsoft.com/office/drawing/2017/decorative" val="1"/>
@@ -6873,12 +7321,47 @@
           </a:p>
         </p:txBody>
       </p:sp>
-      <p:sp useBgFill="1">
-        <p:nvSpPr>
-          <p:cNvPr id="18" name="!!text rectangle">
-            <a:extLst>
-              <a:ext uri="{FF2B5EF4-FFF2-40B4-BE49-F238E27FC236}">
-                <a16:creationId xmlns:a16="http://schemas.microsoft.com/office/drawing/2014/main" id="{57F6BDD4-E066-4008-8011-6CC31AEB4556}"/>
+      <p:sp>
+        <p:nvSpPr>
+          <p:cNvPr id="2" name="Title 1">
+            <a:extLst>
+              <a:ext uri="{FF2B5EF4-FFF2-40B4-BE49-F238E27FC236}">
+                <a16:creationId xmlns:a16="http://schemas.microsoft.com/office/drawing/2014/main" id="{EBC5EF4D-1712-BEA8-1597-7CD750E4E759}"/>
+              </a:ext>
+            </a:extLst>
+          </p:cNvPr>
+          <p:cNvSpPr>
+            <a:spLocks noGrp="1"/>
+          </p:cNvSpPr>
+          <p:nvPr>
+            <p:ph type="title"/>
+          </p:nvPr>
+        </p:nvSpPr>
+        <p:spPr>
+          <a:xfrm>
+            <a:off x="612648" y="1078992"/>
+            <a:ext cx="6268770" cy="1536192"/>
+          </a:xfrm>
+        </p:spPr>
+        <p:txBody>
+          <a:bodyPr anchor="b">
+            <a:normAutofit/>
+          </a:bodyPr>
+          <a:lstStyle/>
+          <a:p>
+            <a:r>
+              <a:rPr lang="en-US" sz="5200"/>
+              <a:t>Some immediate problems</a:t>
+            </a:r>
+          </a:p>
+        </p:txBody>
+      </p:sp>
+      <p:sp>
+        <p:nvSpPr>
+          <p:cNvPr id="26" name="Rectangle 25">
+            <a:extLst>
+              <a:ext uri="{FF2B5EF4-FFF2-40B4-BE49-F238E27FC236}">
+                <a16:creationId xmlns:a16="http://schemas.microsoft.com/office/drawing/2014/main" id="{8AEA628B-C8FF-4D0B-B111-F101F580B15D}"/>
               </a:ext>
               <a:ext uri="{C183D7F6-B498-43B3-948B-1728B52AA6E4}">
                 <adec:decorative xmlns:adec="http://schemas.microsoft.com/office/drawing/2017/decorative" val="1"/>
@@ -6897,26 +7380,19 @@
           </p:nvPr>
         </p:nvSpPr>
         <p:spPr>
-          <a:xfrm>
-            <a:off x="409575" y="633619"/>
-            <a:ext cx="4279383" cy="5495925"/>
+          <a:xfrm rot="5400000">
+            <a:off x="853202" y="363389"/>
+            <a:ext cx="73152" cy="548640"/>
           </a:xfrm>
           <a:prstGeom prst="rect">
             <a:avLst/>
           </a:prstGeom>
-          <a:ln w="9525">
-            <a:solidFill>
-              <a:srgbClr val="E1E1E1"/>
-            </a:solidFill>
+          <a:solidFill>
+            <a:schemeClr val="accent2"/>
+          </a:solidFill>
+          <a:ln>
+            <a:noFill/>
           </a:ln>
-          <a:effectLst>
-            <a:outerShdw blurRad="50800" dist="38100" dir="2700000" algn="tl" rotWithShape="0">
-              <a:schemeClr val="bg1">
-                <a:lumMod val="85000"/>
-                <a:alpha val="50000"/>
-              </a:schemeClr>
-            </a:outerShdw>
-          </a:effectLst>
         </p:spPr>
         <p:style>
           <a:lnRef idx="2">
@@ -6974,45 +7450,10 @@
       </p:sp>
       <p:sp>
         <p:nvSpPr>
-          <p:cNvPr id="2" name="Title 1">
-            <a:extLst>
-              <a:ext uri="{FF2B5EF4-FFF2-40B4-BE49-F238E27FC236}">
-                <a16:creationId xmlns:a16="http://schemas.microsoft.com/office/drawing/2014/main" id="{05B462F1-C180-2283-7339-0B49070EFF39}"/>
-              </a:ext>
-            </a:extLst>
-          </p:cNvPr>
-          <p:cNvSpPr>
-            <a:spLocks noGrp="1"/>
-          </p:cNvSpPr>
-          <p:nvPr>
-            <p:ph type="title"/>
-          </p:nvPr>
-        </p:nvSpPr>
-        <p:spPr>
-          <a:xfrm>
-            <a:off x="841247" y="978619"/>
-            <a:ext cx="3410712" cy="1106424"/>
-          </a:xfrm>
-        </p:spPr>
-        <p:txBody>
-          <a:bodyPr>
-            <a:normAutofit/>
-          </a:bodyPr>
-          <a:lstStyle/>
-          <a:p>
-            <a:r>
-              <a:rPr lang="en-US" sz="2800"/>
-              <a:t>It looks like this</a:t>
-            </a:r>
-          </a:p>
-        </p:txBody>
-      </p:sp>
-      <p:sp>
-        <p:nvSpPr>
-          <p:cNvPr id="19" name="!!accent">
-            <a:extLst>
-              <a:ext uri="{FF2B5EF4-FFF2-40B4-BE49-F238E27FC236}">
-                <a16:creationId xmlns:a16="http://schemas.microsoft.com/office/drawing/2014/main" id="{2711A8FB-68FC-45FC-B01E-38F809E2D439}"/>
+          <p:cNvPr id="28" name="Rectangle 27">
+            <a:extLst>
+              <a:ext uri="{FF2B5EF4-FFF2-40B4-BE49-F238E27FC236}">
+                <a16:creationId xmlns:a16="http://schemas.microsoft.com/office/drawing/2014/main" id="{42663BD0-064C-40FC-A331-F49FCA9536AA}"/>
               </a:ext>
               <a:ext uri="{C183D7F6-B498-43B3-948B-1728B52AA6E4}">
                 <adec:decorative xmlns:adec="http://schemas.microsoft.com/office/drawing/2017/decorative" val="1"/>
@@ -7032,18 +7473,19 @@
         </p:nvSpPr>
         <p:spPr>
           <a:xfrm>
-            <a:off x="345567" y="1170432"/>
-            <a:ext cx="128016" cy="704088"/>
+            <a:off x="618506" y="2935541"/>
+            <a:ext cx="6217920" cy="18288"/>
           </a:xfrm>
           <a:prstGeom prst="rect">
             <a:avLst/>
           </a:prstGeom>
           <a:solidFill>
-            <a:schemeClr val="accent2"/>
+            <a:srgbClr val="D5D5D5"/>
           </a:solidFill>
-          <a:ln>
+          <a:ln w="3175">
             <a:noFill/>
           </a:ln>
+          <a:effectLst/>
         </p:spPr>
         <p:style>
           <a:lnRef idx="2">
@@ -7077,103 +7519,10 @@
       </p:sp>
       <p:sp>
         <p:nvSpPr>
-          <p:cNvPr id="16" name="Rectangle 15">
-            <a:extLst>
-              <a:ext uri="{FF2B5EF4-FFF2-40B4-BE49-F238E27FC236}">
-                <a16:creationId xmlns:a16="http://schemas.microsoft.com/office/drawing/2014/main" id="{2A865FE3-5FC9-4049-87CF-30019C46C0F5}"/>
-              </a:ext>
-              <a:ext uri="{C183D7F6-B498-43B3-948B-1728B52AA6E4}">
-                <adec:decorative xmlns:adec="http://schemas.microsoft.com/office/drawing/2017/decorative" val="1"/>
-              </a:ext>
-            </a:extLst>
-          </p:cNvPr>
-          <p:cNvSpPr>
-            <a:spLocks noGrp="1" noRot="1" noChangeAspect="1" noMove="1" noResize="1" noEditPoints="1" noAdjustHandles="1" noChangeArrowheads="1" noChangeShapeType="1" noTextEdit="1"/>
-          </p:cNvSpPr>
-          <p:nvPr>
-            <p:extLst>
-              <p:ext uri="{386F3935-93C4-4BCD-93E2-E3B085C9AB24}">
-                <p16:designElem xmlns:p16="http://schemas.microsoft.com/office/powerpoint/2015/main" val="1"/>
-              </p:ext>
-            </p:extLst>
-          </p:nvPr>
-        </p:nvSpPr>
-        <p:spPr>
-          <a:xfrm>
-            <a:off x="877459" y="2121408"/>
-            <a:ext cx="3328416" cy="9144"/>
-          </a:xfrm>
-          <a:prstGeom prst="rect">
-            <a:avLst/>
-          </a:prstGeom>
-          <a:solidFill>
-            <a:srgbClr val="D5D5D5"/>
-          </a:solidFill>
-          <a:ln w="3175">
-            <a:noFill/>
-          </a:ln>
-          <a:effectLst/>
-        </p:spPr>
-        <p:style>
-          <a:lnRef idx="2">
-            <a:schemeClr val="accent1">
-              <a:shade val="50000"/>
-            </a:schemeClr>
-          </a:lnRef>
-          <a:fillRef idx="1">
-            <a:schemeClr val="accent1"/>
-          </a:fillRef>
-          <a:effectRef idx="0">
-            <a:schemeClr val="accent1"/>
-          </a:effectRef>
-          <a:fontRef idx="minor">
-            <a:schemeClr val="lt1"/>
-          </a:fontRef>
-        </p:style>
-        <p:txBody>
-          <a:bodyPr rtlCol="0" anchor="ctr"/>
-          <a:lstStyle/>
-          <a:p>
-            <a:pPr marL="0" marR="0" lvl="0" indent="0" algn="ctr" defTabSz="914400" rtl="0" eaLnBrk="1" fontAlgn="auto" latinLnBrk="0" hangingPunct="1">
-              <a:lnSpc>
-                <a:spcPct val="100000"/>
-              </a:lnSpc>
-              <a:spcBef>
-                <a:spcPts val="0"/>
-              </a:spcBef>
-              <a:spcAft>
-                <a:spcPts val="0"/>
-              </a:spcAft>
-              <a:buClrTx/>
-              <a:buSzTx/>
-              <a:buFontTx/>
-              <a:buNone/>
-              <a:tabLst/>
-              <a:defRPr/>
-            </a:pPr>
-            <a:endParaRPr kumimoji="0" lang="en-US" sz="1800" b="0" i="0" u="none" strike="noStrike" kern="1200" cap="none" spc="0" normalizeH="0" baseline="0" noProof="0">
-              <a:ln>
-                <a:noFill/>
-              </a:ln>
-              <a:solidFill>
-                <a:prstClr val="white"/>
-              </a:solidFill>
-              <a:effectLst/>
-              <a:uLnTx/>
-              <a:uFillTx/>
-              <a:latin typeface="Calibri" panose="020F0502020204030204"/>
-              <a:ea typeface="+mn-ea"/>
-              <a:cs typeface="+mn-cs"/>
-            </a:endParaRPr>
-          </a:p>
-        </p:txBody>
-      </p:sp>
-      <p:sp>
-        <p:nvSpPr>
           <p:cNvPr id="3" name="Content Placeholder 2">
             <a:extLst>
               <a:ext uri="{FF2B5EF4-FFF2-40B4-BE49-F238E27FC236}">
-                <a16:creationId xmlns:a16="http://schemas.microsoft.com/office/drawing/2014/main" id="{96F5230B-F8A4-C8E4-4C74-A1C627ED0DD6}"/>
+                <a16:creationId xmlns:a16="http://schemas.microsoft.com/office/drawing/2014/main" id="{D4CF7761-D07D-A8EB-D66E-9171A48AA515}"/>
               </a:ext>
             </a:extLst>
           </p:cNvPr>
@@ -7186,8 +7535,8 @@
         </p:nvSpPr>
         <p:spPr>
           <a:xfrm>
-            <a:off x="841247" y="2359152"/>
-            <a:ext cx="3410712" cy="3425043"/>
+            <a:off x="639270" y="3355848"/>
+            <a:ext cx="6244957" cy="2825496"/>
           </a:xfrm>
         </p:spPr>
         <p:txBody>
@@ -7197,24 +7546,24 @@
           <a:lstStyle/>
           <a:p>
             <a:r>
-              <a:rPr lang="en-US" sz="1700"/>
-              <a:t>Note how the _same_ vector can be referred to using three different names</a:t>
-            </a:r>
-          </a:p>
-          <a:p>
-            <a:r>
-              <a:rPr lang="en-US" sz="1700"/>
-              <a:t>Why?</a:t>
+              <a:rPr lang="en-US" sz="2200" dirty="0"/>
+              <a:t>Since each embedding vector is dotted with all other vectors, it will also be dotted with itself (and therefore likely the largest). Typically, this isn’t a problem, but it’s not necessarily optimal. </a:t>
+            </a:r>
+          </a:p>
+          <a:p>
+            <a:r>
+              <a:rPr lang="en-US" sz="2200" dirty="0"/>
+              <a:t>There are no tunable or learnable parameters as of yet</a:t>
             </a:r>
           </a:p>
         </p:txBody>
       </p:sp>
       <p:pic>
         <p:nvPicPr>
-          <p:cNvPr id="5" name="Picture 4">
-            <a:extLst>
-              <a:ext uri="{FF2B5EF4-FFF2-40B4-BE49-F238E27FC236}">
-                <a16:creationId xmlns:a16="http://schemas.microsoft.com/office/drawing/2014/main" id="{A1512F5F-F6EF-1FE8-6859-9240511ECC60}"/>
+          <p:cNvPr id="19" name="Picture 4" descr="Question mark on green pastel background">
+            <a:extLst>
+              <a:ext uri="{FF2B5EF4-FFF2-40B4-BE49-F238E27FC236}">
+                <a16:creationId xmlns:a16="http://schemas.microsoft.com/office/drawing/2014/main" id="{FA825D66-3ED3-6E04-BA6B-8D839F843F86}"/>
               </a:ext>
             </a:extLst>
           </p:cNvPr>
@@ -7225,13 +7574,13 @@
         </p:nvPicPr>
         <p:blipFill rotWithShape="1">
           <a:blip r:embed="rId2"/>
-          <a:srcRect l="3991" r="1" b="1"/>
+          <a:srcRect l="42672" r="2862" b="1"/>
           <a:stretch/>
         </p:blipFill>
         <p:spPr>
           <a:xfrm>
-            <a:off x="5124450" y="634382"/>
-            <a:ext cx="6657213" cy="5495162"/>
+            <a:off x="7684007" y="603504"/>
+            <a:ext cx="4050792" cy="5577840"/>
           </a:xfrm>
           <a:prstGeom prst="rect">
             <a:avLst/>
@@ -7241,7 +7590,7 @@
     </p:spTree>
     <p:extLst>
       <p:ext uri="{BB962C8B-B14F-4D97-AF65-F5344CB8AC3E}">
-        <p14:creationId xmlns:p14="http://schemas.microsoft.com/office/powerpoint/2010/main" val="1247036467"/>
+        <p14:creationId xmlns:p14="http://schemas.microsoft.com/office/powerpoint/2010/main" val="3710280074"/>
       </p:ext>
     </p:extLst>
   </p:cSld>
@@ -7276,171 +7625,12 @@
           <a:chExt cx="0" cy="0"/>
         </a:xfrm>
       </p:grpSpPr>
-      <p:sp useBgFill="1">
-        <p:nvSpPr>
-          <p:cNvPr id="11" name="Rectangle 10">
-            <a:extLst>
-              <a:ext uri="{FF2B5EF4-FFF2-40B4-BE49-F238E27FC236}">
-                <a16:creationId xmlns:a16="http://schemas.microsoft.com/office/drawing/2014/main" id="{1ECAB1E8-8195-4748-BE71-FF806D86892E}"/>
-              </a:ext>
-              <a:ext uri="{C183D7F6-B498-43B3-948B-1728B52AA6E4}">
-                <adec:decorative xmlns:adec="http://schemas.microsoft.com/office/drawing/2017/decorative" val="1"/>
-              </a:ext>
-            </a:extLst>
-          </p:cNvPr>
-          <p:cNvSpPr>
-            <a:spLocks noGrp="1" noRot="1" noChangeAspect="1" noMove="1" noResize="1" noEditPoints="1" noAdjustHandles="1" noChangeArrowheads="1" noChangeShapeType="1" noTextEdit="1"/>
-          </p:cNvSpPr>
-          <p:nvPr>
-            <p:extLst>
-              <p:ext uri="{386F3935-93C4-4BCD-93E2-E3B085C9AB24}">
-                <p16:designElem xmlns:p16="http://schemas.microsoft.com/office/powerpoint/2015/main" val="1"/>
-              </p:ext>
-            </p:extLst>
-          </p:nvPr>
-        </p:nvSpPr>
-        <p:spPr>
-          <a:xfrm>
-            <a:off x="0" y="0"/>
-            <a:ext cx="12192000" cy="6858000"/>
-          </a:xfrm>
-          <a:prstGeom prst="rect">
-            <a:avLst/>
-          </a:prstGeom>
-          <a:ln>
-            <a:noFill/>
-          </a:ln>
-        </p:spPr>
-        <p:style>
-          <a:lnRef idx="2">
-            <a:schemeClr val="accent1">
-              <a:shade val="50000"/>
-            </a:schemeClr>
-          </a:lnRef>
-          <a:fillRef idx="1">
-            <a:schemeClr val="accent1"/>
-          </a:fillRef>
-          <a:effectRef idx="0">
-            <a:schemeClr val="accent1"/>
-          </a:effectRef>
-          <a:fontRef idx="minor">
-            <a:schemeClr val="lt1"/>
-          </a:fontRef>
-        </p:style>
-        <p:txBody>
-          <a:bodyPr rtlCol="0" anchor="ctr"/>
-          <a:lstStyle/>
-          <a:p>
-            <a:pPr algn="ctr"/>
-            <a:endParaRPr lang="en-US"/>
-          </a:p>
-        </p:txBody>
-      </p:sp>
-      <p:sp useBgFill="1">
-        <p:nvSpPr>
-          <p:cNvPr id="13" name="!!text rectangle">
-            <a:extLst>
-              <a:ext uri="{FF2B5EF4-FFF2-40B4-BE49-F238E27FC236}">
-                <a16:creationId xmlns:a16="http://schemas.microsoft.com/office/drawing/2014/main" id="{57F6BDD4-E066-4008-8011-6CC31AEB4556}"/>
-              </a:ext>
-              <a:ext uri="{C183D7F6-B498-43B3-948B-1728B52AA6E4}">
-                <adec:decorative xmlns:adec="http://schemas.microsoft.com/office/drawing/2017/decorative" val="1"/>
-              </a:ext>
-            </a:extLst>
-          </p:cNvPr>
-          <p:cNvSpPr>
-            <a:spLocks noGrp="1" noRot="1" noChangeAspect="1" noMove="1" noResize="1" noEditPoints="1" noAdjustHandles="1" noChangeArrowheads="1" noChangeShapeType="1" noTextEdit="1"/>
-          </p:cNvSpPr>
-          <p:nvPr>
-            <p:extLst>
-              <p:ext uri="{386F3935-93C4-4BCD-93E2-E3B085C9AB24}">
-                <p16:designElem xmlns:p16="http://schemas.microsoft.com/office/powerpoint/2015/main" val="1"/>
-              </p:ext>
-            </p:extLst>
-          </p:nvPr>
-        </p:nvSpPr>
-        <p:spPr>
-          <a:xfrm>
-            <a:off x="409575" y="633619"/>
-            <a:ext cx="4279383" cy="5495925"/>
-          </a:xfrm>
-          <a:prstGeom prst="rect">
-            <a:avLst/>
-          </a:prstGeom>
-          <a:ln w="9525">
-            <a:solidFill>
-              <a:srgbClr val="E1E1E1"/>
-            </a:solidFill>
-          </a:ln>
-          <a:effectLst>
-            <a:outerShdw blurRad="50800" dist="38100" dir="2700000" algn="tl" rotWithShape="0">
-              <a:schemeClr val="bg1">
-                <a:lumMod val="85000"/>
-                <a:alpha val="50000"/>
-              </a:schemeClr>
-            </a:outerShdw>
-          </a:effectLst>
-        </p:spPr>
-        <p:style>
-          <a:lnRef idx="2">
-            <a:schemeClr val="accent1">
-              <a:shade val="50000"/>
-            </a:schemeClr>
-          </a:lnRef>
-          <a:fillRef idx="1">
-            <a:schemeClr val="accent1"/>
-          </a:fillRef>
-          <a:effectRef idx="0">
-            <a:schemeClr val="accent1"/>
-          </a:effectRef>
-          <a:fontRef idx="minor">
-            <a:schemeClr val="lt1"/>
-          </a:fontRef>
-        </p:style>
-        <p:txBody>
-          <a:bodyPr rtlCol="0" anchor="ctr"/>
-          <a:lstStyle/>
-          <a:p>
-            <a:pPr marL="0" marR="0" lvl="0" indent="0" algn="ctr" defTabSz="914400" rtl="0" eaLnBrk="1" fontAlgn="auto" latinLnBrk="0" hangingPunct="1">
-              <a:lnSpc>
-                <a:spcPct val="100000"/>
-              </a:lnSpc>
-              <a:spcBef>
-                <a:spcPts val="0"/>
-              </a:spcBef>
-              <a:spcAft>
-                <a:spcPts val="0"/>
-              </a:spcAft>
-              <a:buClrTx/>
-              <a:buSzTx/>
-              <a:buFontTx/>
-              <a:buNone/>
-              <a:tabLst/>
-              <a:defRPr/>
-            </a:pPr>
-            <a:endParaRPr kumimoji="0" lang="en-US" sz="1800" b="0" i="0" u="none" strike="noStrike" kern="1200" cap="none" spc="0" normalizeH="0" baseline="0" noProof="0">
-              <a:ln>
-                <a:noFill/>
-              </a:ln>
-              <a:solidFill>
-                <a:prstClr val="white"/>
-              </a:solidFill>
-              <a:effectLst/>
-              <a:uLnTx/>
-              <a:uFillTx/>
-              <a:latin typeface="Calibri" panose="020F0502020204030204"/>
-              <a:ea typeface="+mn-ea"/>
-              <a:cs typeface="+mn-cs"/>
-            </a:endParaRPr>
-          </a:p>
-        </p:txBody>
-      </p:sp>
       <p:sp>
         <p:nvSpPr>
           <p:cNvPr id="2" name="Title 1">
             <a:extLst>
               <a:ext uri="{FF2B5EF4-FFF2-40B4-BE49-F238E27FC236}">
-                <a16:creationId xmlns:a16="http://schemas.microsoft.com/office/drawing/2014/main" id="{05B462F1-C180-2283-7339-0B49070EFF39}"/>
+                <a16:creationId xmlns:a16="http://schemas.microsoft.com/office/drawing/2014/main" id="{99912B7F-E6C3-1793-C0B0-42F7143C7C93}"/>
               </a:ext>
             </a:extLst>
           </p:cNvPr>
@@ -7453,8 +7643,43 @@
         </p:nvSpPr>
         <p:spPr>
           <a:xfrm>
-            <a:off x="841247" y="978619"/>
-            <a:ext cx="3410712" cy="1106424"/>
+            <a:off x="4965430" y="629268"/>
+            <a:ext cx="6586491" cy="1286160"/>
+          </a:xfrm>
+        </p:spPr>
+        <p:txBody>
+          <a:bodyPr anchor="b">
+            <a:normAutofit/>
+          </a:bodyPr>
+          <a:lstStyle/>
+          <a:p>
+            <a:r>
+              <a:rPr lang="en-US" sz="4100"/>
+              <a:t>Keys, values and queries: making things tunable</a:t>
+            </a:r>
+          </a:p>
+        </p:txBody>
+      </p:sp>
+      <p:sp>
+        <p:nvSpPr>
+          <p:cNvPr id="13" name="Content Placeholder 2">
+            <a:extLst>
+              <a:ext uri="{FF2B5EF4-FFF2-40B4-BE49-F238E27FC236}">
+                <a16:creationId xmlns:a16="http://schemas.microsoft.com/office/drawing/2014/main" id="{9B94F27D-C34E-CF98-521F-297D486B9FC6}"/>
+              </a:ext>
+            </a:extLst>
+          </p:cNvPr>
+          <p:cNvSpPr>
+            <a:spLocks noGrp="1"/>
+          </p:cNvSpPr>
+          <p:nvPr>
+            <p:ph idx="1"/>
+          </p:nvPr>
+        </p:nvSpPr>
+        <p:spPr>
+          <a:xfrm>
+            <a:off x="4965431" y="2438400"/>
+            <a:ext cx="6586489" cy="3785419"/>
           </a:xfrm>
         </p:spPr>
         <p:txBody>
@@ -7464,229 +7689,51 @@
           <a:lstStyle/>
           <a:p>
             <a:r>
-              <a:rPr lang="en-US" sz="2400"/>
-              <a:t>We can now add learnable weight matrices</a:t>
-            </a:r>
-          </a:p>
-        </p:txBody>
-      </p:sp>
-      <p:sp>
-        <p:nvSpPr>
-          <p:cNvPr id="15" name="!!accent">
-            <a:extLst>
-              <a:ext uri="{FF2B5EF4-FFF2-40B4-BE49-F238E27FC236}">
-                <a16:creationId xmlns:a16="http://schemas.microsoft.com/office/drawing/2014/main" id="{2711A8FB-68FC-45FC-B01E-38F809E2D439}"/>
-              </a:ext>
-              <a:ext uri="{C183D7F6-B498-43B3-948B-1728B52AA6E4}">
-                <adec:decorative xmlns:adec="http://schemas.microsoft.com/office/drawing/2017/decorative" val="1"/>
-              </a:ext>
-            </a:extLst>
-          </p:cNvPr>
-          <p:cNvSpPr>
-            <a:spLocks noGrp="1" noRot="1" noChangeAspect="1" noMove="1" noResize="1" noEditPoints="1" noAdjustHandles="1" noChangeArrowheads="1" noChangeShapeType="1" noTextEdit="1"/>
-          </p:cNvSpPr>
-          <p:nvPr>
-            <p:extLst>
-              <p:ext uri="{386F3935-93C4-4BCD-93E2-E3B085C9AB24}">
-                <p16:designElem xmlns:p16="http://schemas.microsoft.com/office/powerpoint/2015/main" val="1"/>
-              </p:ext>
-            </p:extLst>
-          </p:nvPr>
-        </p:nvSpPr>
-        <p:spPr>
-          <a:xfrm>
-            <a:off x="345567" y="1170432"/>
-            <a:ext cx="128016" cy="704088"/>
-          </a:xfrm>
-          <a:prstGeom prst="rect">
-            <a:avLst/>
-          </a:prstGeom>
-          <a:solidFill>
-            <a:schemeClr val="accent2"/>
-          </a:solidFill>
-          <a:ln>
-            <a:noFill/>
-          </a:ln>
-        </p:spPr>
-        <p:style>
-          <a:lnRef idx="2">
-            <a:schemeClr val="accent1">
-              <a:shade val="50000"/>
-            </a:schemeClr>
-          </a:lnRef>
-          <a:fillRef idx="1">
-            <a:schemeClr val="accent1"/>
-          </a:fillRef>
-          <a:effectRef idx="0">
-            <a:schemeClr val="accent1"/>
-          </a:effectRef>
-          <a:fontRef idx="minor">
-            <a:schemeClr val="lt1"/>
-          </a:fontRef>
-        </p:style>
-        <p:txBody>
-          <a:bodyPr rtlCol="0" anchor="ctr"/>
-          <a:lstStyle/>
-          <a:p>
-            <a:pPr algn="ctr"/>
-            <a:endParaRPr lang="en-US">
-              <a:solidFill>
-                <a:prstClr val="white"/>
-              </a:solidFill>
-              <a:latin typeface="Calibri" panose="020F0502020204030204"/>
-            </a:endParaRPr>
-          </a:p>
-        </p:txBody>
-      </p:sp>
-      <p:sp>
-        <p:nvSpPr>
-          <p:cNvPr id="17" name="Rectangle 16">
-            <a:extLst>
-              <a:ext uri="{FF2B5EF4-FFF2-40B4-BE49-F238E27FC236}">
-                <a16:creationId xmlns:a16="http://schemas.microsoft.com/office/drawing/2014/main" id="{2A865FE3-5FC9-4049-87CF-30019C46C0F5}"/>
-              </a:ext>
-              <a:ext uri="{C183D7F6-B498-43B3-948B-1728B52AA6E4}">
-                <adec:decorative xmlns:adec="http://schemas.microsoft.com/office/drawing/2017/decorative" val="1"/>
-              </a:ext>
-            </a:extLst>
-          </p:cNvPr>
-          <p:cNvSpPr>
-            <a:spLocks noGrp="1" noRot="1" noChangeAspect="1" noMove="1" noResize="1" noEditPoints="1" noAdjustHandles="1" noChangeArrowheads="1" noChangeShapeType="1" noTextEdit="1"/>
-          </p:cNvSpPr>
-          <p:nvPr>
-            <p:extLst>
-              <p:ext uri="{386F3935-93C4-4BCD-93E2-E3B085C9AB24}">
-                <p16:designElem xmlns:p16="http://schemas.microsoft.com/office/powerpoint/2015/main" val="1"/>
-              </p:ext>
-            </p:extLst>
-          </p:nvPr>
-        </p:nvSpPr>
-        <p:spPr>
-          <a:xfrm>
-            <a:off x="877459" y="2121408"/>
-            <a:ext cx="3328416" cy="9144"/>
-          </a:xfrm>
-          <a:prstGeom prst="rect">
-            <a:avLst/>
-          </a:prstGeom>
-          <a:solidFill>
-            <a:srgbClr val="D5D5D5"/>
-          </a:solidFill>
-          <a:ln w="3175">
-            <a:noFill/>
-          </a:ln>
-          <a:effectLst/>
-        </p:spPr>
-        <p:style>
-          <a:lnRef idx="2">
-            <a:schemeClr val="accent1">
-              <a:shade val="50000"/>
-            </a:schemeClr>
-          </a:lnRef>
-          <a:fillRef idx="1">
-            <a:schemeClr val="accent1"/>
-          </a:fillRef>
-          <a:effectRef idx="0">
-            <a:schemeClr val="accent1"/>
-          </a:effectRef>
-          <a:fontRef idx="minor">
-            <a:schemeClr val="lt1"/>
-          </a:fontRef>
-        </p:style>
-        <p:txBody>
-          <a:bodyPr rtlCol="0" anchor="ctr"/>
-          <a:lstStyle/>
-          <a:p>
-            <a:pPr marL="0" marR="0" lvl="0" indent="0" algn="ctr" defTabSz="914400" rtl="0" eaLnBrk="1" fontAlgn="auto" latinLnBrk="0" hangingPunct="1">
-              <a:lnSpc>
-                <a:spcPct val="100000"/>
-              </a:lnSpc>
-              <a:spcBef>
-                <a:spcPts val="0"/>
-              </a:spcBef>
-              <a:spcAft>
-                <a:spcPts val="0"/>
-              </a:spcAft>
-              <a:buClrTx/>
-              <a:buSzTx/>
-              <a:buFontTx/>
-              <a:buNone/>
-              <a:tabLst/>
-              <a:defRPr/>
-            </a:pPr>
-            <a:endParaRPr kumimoji="0" lang="en-US" sz="1800" b="0" i="0" u="none" strike="noStrike" kern="1200" cap="none" spc="0" normalizeH="0" baseline="0" noProof="0">
-              <a:ln>
-                <a:noFill/>
-              </a:ln>
-              <a:solidFill>
-                <a:prstClr val="white"/>
-              </a:solidFill>
-              <a:effectLst/>
-              <a:uLnTx/>
-              <a:uFillTx/>
-              <a:latin typeface="Calibri" panose="020F0502020204030204"/>
-              <a:ea typeface="+mn-ea"/>
-              <a:cs typeface="+mn-cs"/>
-            </a:endParaRPr>
-          </a:p>
-        </p:txBody>
-      </p:sp>
-      <p:sp>
-        <p:nvSpPr>
-          <p:cNvPr id="3" name="Content Placeholder 2">
-            <a:extLst>
-              <a:ext uri="{FF2B5EF4-FFF2-40B4-BE49-F238E27FC236}">
-                <a16:creationId xmlns:a16="http://schemas.microsoft.com/office/drawing/2014/main" id="{96F5230B-F8A4-C8E4-4C74-A1C627ED0DD6}"/>
-              </a:ext>
-            </a:extLst>
-          </p:cNvPr>
-          <p:cNvSpPr>
-            <a:spLocks noGrp="1"/>
-          </p:cNvSpPr>
-          <p:nvPr>
-            <p:ph idx="1"/>
-          </p:nvPr>
-        </p:nvSpPr>
-        <p:spPr>
-          <a:xfrm>
-            <a:off x="841247" y="2359152"/>
-            <a:ext cx="3410712" cy="3425043"/>
-          </a:xfrm>
-        </p:spPr>
-        <p:txBody>
-          <a:bodyPr>
-            <a:normAutofit/>
-          </a:bodyPr>
-          <a:lstStyle/>
-          <a:p>
-            <a:r>
-              <a:rPr lang="en-US" sz="1700" dirty="0"/>
-              <a:t>Each form of x</a:t>
-            </a:r>
-            <a:r>
-              <a:rPr lang="en-US" sz="1700" baseline="30000" dirty="0"/>
-              <a:t>5 </a:t>
-            </a:r>
-            <a:r>
-              <a:rPr lang="en-US" sz="1700" dirty="0"/>
-              <a:t>can now become a different vector</a:t>
-            </a:r>
-            <a:endParaRPr lang="en-US" sz="1700" baseline="30000" dirty="0"/>
-          </a:p>
-          <a:p>
-            <a:r>
-              <a:rPr lang="en-US" sz="1700" dirty="0"/>
-              <a:t>The matrices can be learned through back prop</a:t>
+              <a:rPr lang="en-US" sz="2000"/>
+              <a:t>The paper introduces an alternate view of the embedding vectors depending on how they’re being used. </a:t>
+            </a:r>
+          </a:p>
+          <a:p>
+            <a:pPr lvl="1"/>
+            <a:r>
+              <a:rPr lang="en-US" sz="2000"/>
+              <a:t>As the input vector it’s known as the “value”,</a:t>
+            </a:r>
+          </a:p>
+          <a:p>
+            <a:pPr lvl="1"/>
+            <a:r>
+              <a:rPr lang="en-US" sz="2000"/>
+              <a:t>As the input vector being dotted against all other vectors it’s the “query”, </a:t>
+            </a:r>
+          </a:p>
+          <a:p>
+            <a:pPr lvl="1"/>
+            <a:r>
+              <a:rPr lang="en-US" sz="2000"/>
+              <a:t>The “other vectors” are known as they “keys”</a:t>
+            </a:r>
+          </a:p>
+          <a:p>
+            <a:r>
+              <a:rPr lang="en-US" sz="2000"/>
+              <a:t>They take this naming scheme from databases, but it’s not entirely clear why. </a:t>
+            </a:r>
+          </a:p>
+          <a:p>
+            <a:r>
+              <a:rPr lang="en-US" sz="2000"/>
+              <a:t>Important, however, is we have three new labels for the same set of vectors</a:t>
             </a:r>
           </a:p>
         </p:txBody>
       </p:sp>
       <p:pic>
         <p:nvPicPr>
-          <p:cNvPr id="6" name="Picture 5">
-            <a:extLst>
-              <a:ext uri="{FF2B5EF4-FFF2-40B4-BE49-F238E27FC236}">
-                <a16:creationId xmlns:a16="http://schemas.microsoft.com/office/drawing/2014/main" id="{A694B09B-94CE-B611-C77E-78BEC699313C}"/>
+          <p:cNvPr id="5" name="Picture 4" descr="Question mark on green pastel background">
+            <a:extLst>
+              <a:ext uri="{FF2B5EF4-FFF2-40B4-BE49-F238E27FC236}">
+                <a16:creationId xmlns:a16="http://schemas.microsoft.com/office/drawing/2014/main" id="{6AE27304-A6BB-998E-63F3-2C07FDCE399D}"/>
               </a:ext>
             </a:extLst>
           </p:cNvPr>
@@ -7697,23 +7744,76 @@
         </p:nvPicPr>
         <p:blipFill rotWithShape="1">
           <a:blip r:embed="rId2"/>
-          <a:srcRect l="7006" r="1529" b="1"/>
+          <a:srcRect l="44648" r="4656"/>
           <a:stretch/>
         </p:blipFill>
         <p:spPr>
           <a:xfrm>
-            <a:off x="5124450" y="634382"/>
-            <a:ext cx="6657213" cy="5495162"/>
+            <a:off x="20" y="10"/>
+            <a:ext cx="4635571" cy="6857990"/>
           </a:xfrm>
           <a:prstGeom prst="rect">
             <a:avLst/>
           </a:prstGeom>
+          <a:effectLst/>
         </p:spPr>
       </p:pic>
+      <p:cxnSp>
+        <p:nvCxnSpPr>
+          <p:cNvPr id="14" name="Straight Connector 8">
+            <a:extLst>
+              <a:ext uri="{FF2B5EF4-FFF2-40B4-BE49-F238E27FC236}">
+                <a16:creationId xmlns:a16="http://schemas.microsoft.com/office/drawing/2014/main" id="{A7F400EE-A8A5-48AF-B4D6-291B52C6F0B0}"/>
+              </a:ext>
+              <a:ext uri="{C183D7F6-B498-43B3-948B-1728B52AA6E4}">
+                <adec:decorative xmlns:adec="http://schemas.microsoft.com/office/drawing/2017/decorative" val="1"/>
+              </a:ext>
+            </a:extLst>
+          </p:cNvPr>
+          <p:cNvCxnSpPr>
+            <a:cxnSpLocks noGrp="1" noRot="1" noChangeAspect="1" noMove="1" noResize="1" noEditPoints="1" noAdjustHandles="1" noChangeArrowheads="1" noChangeShapeType="1"/>
+          </p:cNvCxnSpPr>
+          <p:nvPr>
+            <p:extLst>
+              <p:ext uri="{386F3935-93C4-4BCD-93E2-E3B085C9AB24}">
+                <p16:designElem xmlns:p16="http://schemas.microsoft.com/office/powerpoint/2015/main" val="1"/>
+              </p:ext>
+            </p:extLst>
+          </p:nvPr>
+        </p:nvCxnSpPr>
+        <p:spPr>
+          <a:xfrm>
+            <a:off x="5080934" y="2115117"/>
+            <a:ext cx="6309360" cy="0"/>
+          </a:xfrm>
+          <a:prstGeom prst="line">
+            <a:avLst/>
+          </a:prstGeom>
+          <a:ln w="19050">
+            <a:solidFill>
+              <a:srgbClr val="589195"/>
+            </a:solidFill>
+          </a:ln>
+        </p:spPr>
+        <p:style>
+          <a:lnRef idx="1">
+            <a:schemeClr val="accent1"/>
+          </a:lnRef>
+          <a:fillRef idx="0">
+            <a:schemeClr val="accent1"/>
+          </a:fillRef>
+          <a:effectRef idx="0">
+            <a:schemeClr val="accent1"/>
+          </a:effectRef>
+          <a:fontRef idx="minor">
+            <a:schemeClr val="tx1"/>
+          </a:fontRef>
+        </p:style>
+      </p:cxnSp>
     </p:spTree>
     <p:extLst>
       <p:ext uri="{BB962C8B-B14F-4D97-AF65-F5344CB8AC3E}">
-        <p14:creationId xmlns:p14="http://schemas.microsoft.com/office/powerpoint/2010/main" val="2799099831"/>
+        <p14:creationId xmlns:p14="http://schemas.microsoft.com/office/powerpoint/2010/main" val="3077588808"/>
       </p:ext>
     </p:extLst>
   </p:cSld>
@@ -7750,10 +7850,10 @@
       </p:grpSpPr>
       <p:sp useBgFill="1">
         <p:nvSpPr>
-          <p:cNvPr id="18" name="Rectangle 9">
-            <a:extLst>
-              <a:ext uri="{FF2B5EF4-FFF2-40B4-BE49-F238E27FC236}">
-                <a16:creationId xmlns:a16="http://schemas.microsoft.com/office/drawing/2014/main" id="{5116E49A-CA4D-4983-969D-19FE3C55F387}"/>
+          <p:cNvPr id="17" name="Rectangle 9">
+            <a:extLst>
+              <a:ext uri="{FF2B5EF4-FFF2-40B4-BE49-F238E27FC236}">
+                <a16:creationId xmlns:a16="http://schemas.microsoft.com/office/drawing/2014/main" id="{1ECAB1E8-8195-4748-BE71-FF806D86892E}"/>
               </a:ext>
               <a:ext uri="{C183D7F6-B498-43B3-948B-1728B52AA6E4}">
                 <adec:decorative xmlns:adec="http://schemas.microsoft.com/office/drawing/2017/decorative" val="1"/>
@@ -7810,7 +7910,7 @@
       </p:sp>
       <p:sp useBgFill="1">
         <p:nvSpPr>
-          <p:cNvPr id="19" name="Rectangle 11">
+          <p:cNvPr id="18" name="!!text rectangle">
             <a:extLst>
               <a:ext uri="{FF2B5EF4-FFF2-40B4-BE49-F238E27FC236}">
                 <a16:creationId xmlns:a16="http://schemas.microsoft.com/office/drawing/2014/main" id="{57F6BDD4-E066-4008-8011-6CC31AEB4556}"/>
@@ -7833,7 +7933,7 @@
         </p:nvSpPr>
         <p:spPr>
           <a:xfrm>
-            <a:off x="7503041" y="633619"/>
+            <a:off x="409575" y="633619"/>
             <a:ext cx="4279383" cy="5495925"/>
           </a:xfrm>
           <a:prstGeom prst="rect">
@@ -7841,7 +7941,7 @@
           </a:prstGeom>
           <a:ln w="9525">
             <a:solidFill>
-              <a:srgbClr val="DEDEDE"/>
+              <a:srgbClr val="E1E1E1"/>
             </a:solidFill>
           </a:ln>
           <a:effectLst>
@@ -7890,7 +7990,7 @@
               <a:tabLst/>
               <a:defRPr/>
             </a:pPr>
-            <a:endParaRPr kumimoji="0" lang="en-US" sz="1800" b="0" i="0" u="none" strike="noStrike" kern="1200" cap="none" spc="0" normalizeH="0" baseline="0" noProof="0" dirty="0">
+            <a:endParaRPr kumimoji="0" lang="en-US" sz="1800" b="0" i="0" u="none" strike="noStrike" kern="1200" cap="none" spc="0" normalizeH="0" baseline="0" noProof="0">
               <a:ln>
                 <a:noFill/>
               </a:ln>
@@ -7925,8 +8025,8 @@
         </p:nvSpPr>
         <p:spPr>
           <a:xfrm>
-            <a:off x="7938533" y="978619"/>
-            <a:ext cx="3404594" cy="1106424"/>
+            <a:off x="841247" y="978619"/>
+            <a:ext cx="3410712" cy="1106424"/>
           </a:xfrm>
         </p:spPr>
         <p:txBody>
@@ -7937,44 +8037,14 @@
           <a:p>
             <a:r>
               <a:rPr lang="en-US" sz="2800"/>
-              <a:t>Scaled dot-product attention</a:t>
-            </a:r>
-          </a:p>
-        </p:txBody>
-      </p:sp>
-      <p:pic>
-        <p:nvPicPr>
-          <p:cNvPr id="5" name="Picture 4">
-            <a:extLst>
-              <a:ext uri="{FF2B5EF4-FFF2-40B4-BE49-F238E27FC236}">
-                <a16:creationId xmlns:a16="http://schemas.microsoft.com/office/drawing/2014/main" id="{78DFFE03-2E08-510B-086D-8D906EE8ED0C}"/>
-              </a:ext>
-            </a:extLst>
-          </p:cNvPr>
-          <p:cNvPicPr>
-            <a:picLocks noChangeAspect="1"/>
-          </p:cNvPicPr>
-          <p:nvPr/>
-        </p:nvPicPr>
-        <p:blipFill>
-          <a:blip r:embed="rId2"/>
-          <a:stretch>
-            <a:fillRect/>
-          </a:stretch>
-        </p:blipFill>
-        <p:spPr>
-          <a:xfrm>
-            <a:off x="1378728" y="630936"/>
-            <a:ext cx="4713192" cy="5495544"/>
-          </a:xfrm>
-          <a:prstGeom prst="rect">
-            <a:avLst/>
-          </a:prstGeom>
-        </p:spPr>
-      </p:pic>
+              <a:t>It looks like this</a:t>
+            </a:r>
+          </a:p>
+        </p:txBody>
+      </p:sp>
       <p:sp>
         <p:nvSpPr>
-          <p:cNvPr id="20" name="Rectangle 13">
+          <p:cNvPr id="19" name="!!accent">
             <a:extLst>
               <a:ext uri="{FF2B5EF4-FFF2-40B4-BE49-F238E27FC236}">
                 <a16:creationId xmlns:a16="http://schemas.microsoft.com/office/drawing/2014/main" id="{2711A8FB-68FC-45FC-B01E-38F809E2D439}"/>
@@ -7997,7 +8067,7 @@
         </p:nvSpPr>
         <p:spPr>
           <a:xfrm>
-            <a:off x="7439033" y="1181536"/>
+            <a:off x="345567" y="1170432"/>
             <a:ext cx="128016" cy="704088"/>
           </a:xfrm>
           <a:prstGeom prst="rect">
@@ -8042,10 +8112,10 @@
       </p:sp>
       <p:sp>
         <p:nvSpPr>
-          <p:cNvPr id="21" name="Rectangle 15">
-            <a:extLst>
-              <a:ext uri="{FF2B5EF4-FFF2-40B4-BE49-F238E27FC236}">
-                <a16:creationId xmlns:a16="http://schemas.microsoft.com/office/drawing/2014/main" id="{281E2DF8-F6D8-4E5C-B76E-E082FD8C1FBD}"/>
+          <p:cNvPr id="16" name="Rectangle 15">
+            <a:extLst>
+              <a:ext uri="{FF2B5EF4-FFF2-40B4-BE49-F238E27FC236}">
+                <a16:creationId xmlns:a16="http://schemas.microsoft.com/office/drawing/2014/main" id="{2A865FE3-5FC9-4049-87CF-30019C46C0F5}"/>
               </a:ext>
               <a:ext uri="{C183D7F6-B498-43B3-948B-1728B52AA6E4}">
                 <adec:decorative xmlns:adec="http://schemas.microsoft.com/office/drawing/2017/decorative" val="1"/>
@@ -8065,7 +8135,7 @@
         </p:nvSpPr>
         <p:spPr>
           <a:xfrm>
-            <a:off x="7965691" y="2095174"/>
+            <a:off x="877459" y="2121408"/>
             <a:ext cx="3328416" cy="9144"/>
           </a:xfrm>
           <a:prstGeom prst="rect">
@@ -8099,12 +8169,36 @@
           <a:bodyPr rtlCol="0" anchor="ctr"/>
           <a:lstStyle/>
           <a:p>
-            <a:pPr algn="ctr"/>
-            <a:endParaRPr lang="en-US">
+            <a:pPr marL="0" marR="0" lvl="0" indent="0" algn="ctr" defTabSz="914400" rtl="0" eaLnBrk="1" fontAlgn="auto" latinLnBrk="0" hangingPunct="1">
+              <a:lnSpc>
+                <a:spcPct val="100000"/>
+              </a:lnSpc>
+              <a:spcBef>
+                <a:spcPts val="0"/>
+              </a:spcBef>
+              <a:spcAft>
+                <a:spcPts val="0"/>
+              </a:spcAft>
+              <a:buClrTx/>
+              <a:buSzTx/>
+              <a:buFontTx/>
+              <a:buNone/>
+              <a:tabLst/>
+              <a:defRPr/>
+            </a:pPr>
+            <a:endParaRPr kumimoji="0" lang="en-US" sz="1800" b="0" i="0" u="none" strike="noStrike" kern="1200" cap="none" spc="0" normalizeH="0" baseline="0" noProof="0">
+              <a:ln>
+                <a:noFill/>
+              </a:ln>
               <a:solidFill>
                 <a:prstClr val="white"/>
               </a:solidFill>
+              <a:effectLst/>
+              <a:uLnTx/>
+              <a:uFillTx/>
               <a:latin typeface="Calibri" panose="020F0502020204030204"/>
+              <a:ea typeface="+mn-ea"/>
+              <a:cs typeface="+mn-cs"/>
             </a:endParaRPr>
           </a:p>
         </p:txBody>
@@ -8127,8 +8221,8 @@
         </p:nvSpPr>
         <p:spPr>
           <a:xfrm>
-            <a:off x="7938532" y="2252870"/>
-            <a:ext cx="3404594" cy="3557016"/>
+            <a:off x="841247" y="2359152"/>
+            <a:ext cx="3410712" cy="3425043"/>
           </a:xfrm>
         </p:spPr>
         <p:txBody>
@@ -8139,34 +8233,50 @@
           <a:p>
             <a:r>
               <a:rPr lang="en-US" sz="1700"/>
-              <a:t>Query and Key matrices are then dotted,</a:t>
-            </a:r>
-            <a:endParaRPr lang="en-US" sz="1700" baseline="30000"/>
+              <a:t>Note how the _same_ vector can be referred to using three different names</a:t>
+            </a:r>
           </a:p>
           <a:p>
             <a:r>
               <a:rPr lang="en-US" sz="1700"/>
-              <a:t>Scaled (to prevent vanishing gradients),</a:t>
-            </a:r>
-          </a:p>
-          <a:p>
-            <a:r>
-              <a:rPr lang="en-US" sz="1700"/>
-              <a:t>Softmax, </a:t>
-            </a:r>
-          </a:p>
-          <a:p>
-            <a:r>
-              <a:rPr lang="en-US" sz="1700"/>
-              <a:t>Final dotting with the Value matrix</a:t>
-            </a:r>
-          </a:p>
-        </p:txBody>
-      </p:sp>
+              <a:t>Why?</a:t>
+            </a:r>
+          </a:p>
+        </p:txBody>
+      </p:sp>
+      <p:pic>
+        <p:nvPicPr>
+          <p:cNvPr id="5" name="Picture 4">
+            <a:extLst>
+              <a:ext uri="{FF2B5EF4-FFF2-40B4-BE49-F238E27FC236}">
+                <a16:creationId xmlns:a16="http://schemas.microsoft.com/office/drawing/2014/main" id="{A1512F5F-F6EF-1FE8-6859-9240511ECC60}"/>
+              </a:ext>
+            </a:extLst>
+          </p:cNvPr>
+          <p:cNvPicPr>
+            <a:picLocks noChangeAspect="1"/>
+          </p:cNvPicPr>
+          <p:nvPr/>
+        </p:nvPicPr>
+        <p:blipFill rotWithShape="1">
+          <a:blip r:embed="rId2"/>
+          <a:srcRect l="3991" r="1" b="1"/>
+          <a:stretch/>
+        </p:blipFill>
+        <p:spPr>
+          <a:xfrm>
+            <a:off x="5124450" y="634382"/>
+            <a:ext cx="6657213" cy="5495162"/>
+          </a:xfrm>
+          <a:prstGeom prst="rect">
+            <a:avLst/>
+          </a:prstGeom>
+        </p:spPr>
+      </p:pic>
     </p:spTree>
     <p:extLst>
       <p:ext uri="{BB962C8B-B14F-4D97-AF65-F5344CB8AC3E}">
-        <p14:creationId xmlns:p14="http://schemas.microsoft.com/office/powerpoint/2010/main" val="956132047"/>
+        <p14:creationId xmlns:p14="http://schemas.microsoft.com/office/powerpoint/2010/main" val="1247036467"/>
       </p:ext>
     </p:extLst>
   </p:cSld>
@@ -8206,7 +8316,7 @@
           <p:cNvPr id="11" name="Rectangle 10">
             <a:extLst>
               <a:ext uri="{FF2B5EF4-FFF2-40B4-BE49-F238E27FC236}">
-                <a16:creationId xmlns:a16="http://schemas.microsoft.com/office/drawing/2014/main" id="{5116E49A-CA4D-4983-969D-19FE3C55F387}"/>
+                <a16:creationId xmlns:a16="http://schemas.microsoft.com/office/drawing/2014/main" id="{1ECAB1E8-8195-4748-BE71-FF806D86892E}"/>
               </a:ext>
               <a:ext uri="{C183D7F6-B498-43B3-948B-1728B52AA6E4}">
                 <adec:decorative xmlns:adec="http://schemas.microsoft.com/office/drawing/2017/decorative" val="1"/>
@@ -8263,7 +8373,7 @@
       </p:sp>
       <p:sp useBgFill="1">
         <p:nvSpPr>
-          <p:cNvPr id="13" name="Rectangle 12">
+          <p:cNvPr id="13" name="!!text rectangle">
             <a:extLst>
               <a:ext uri="{FF2B5EF4-FFF2-40B4-BE49-F238E27FC236}">
                 <a16:creationId xmlns:a16="http://schemas.microsoft.com/office/drawing/2014/main" id="{57F6BDD4-E066-4008-8011-6CC31AEB4556}"/>
@@ -8286,7 +8396,7 @@
         </p:nvSpPr>
         <p:spPr>
           <a:xfrm>
-            <a:off x="7503041" y="633619"/>
+            <a:off x="409575" y="633619"/>
             <a:ext cx="4279383" cy="5495925"/>
           </a:xfrm>
           <a:prstGeom prst="rect">
@@ -8294,7 +8404,7 @@
           </a:prstGeom>
           <a:ln w="9525">
             <a:solidFill>
-              <a:srgbClr val="DEDEDE"/>
+              <a:srgbClr val="E1E1E1"/>
             </a:solidFill>
           </a:ln>
           <a:effectLst>
@@ -8343,7 +8453,7 @@
               <a:tabLst/>
               <a:defRPr/>
             </a:pPr>
-            <a:endParaRPr kumimoji="0" lang="en-US" sz="1800" b="0" i="0" u="none" strike="noStrike" kern="1200" cap="none" spc="0" normalizeH="0" baseline="0" noProof="0" dirty="0">
+            <a:endParaRPr kumimoji="0" lang="en-US" sz="1800" b="0" i="0" u="none" strike="noStrike" kern="1200" cap="none" spc="0" normalizeH="0" baseline="0" noProof="0">
               <a:ln>
                 <a:noFill/>
               </a:ln>
@@ -8378,8 +8488,8 @@
         </p:nvSpPr>
         <p:spPr>
           <a:xfrm>
-            <a:off x="7938533" y="978619"/>
-            <a:ext cx="3404594" cy="1106424"/>
+            <a:off x="841247" y="978619"/>
+            <a:ext cx="3410712" cy="1106424"/>
           </a:xfrm>
         </p:spPr>
         <p:txBody>
@@ -8389,45 +8499,15 @@
           <a:lstStyle/>
           <a:p>
             <a:r>
-              <a:rPr lang="en-US" sz="2800"/>
-              <a:t>Next time</a:t>
-            </a:r>
-          </a:p>
-        </p:txBody>
-      </p:sp>
-      <p:pic>
-        <p:nvPicPr>
-          <p:cNvPr id="6" name="Picture 5">
-            <a:extLst>
-              <a:ext uri="{FF2B5EF4-FFF2-40B4-BE49-F238E27FC236}">
-                <a16:creationId xmlns:a16="http://schemas.microsoft.com/office/drawing/2014/main" id="{E5DD0B85-AFBC-3199-5BFC-1084590AC5E9}"/>
-              </a:ext>
-            </a:extLst>
-          </p:cNvPr>
-          <p:cNvPicPr>
-            <a:picLocks noChangeAspect="1"/>
-          </p:cNvPicPr>
-          <p:nvPr/>
-        </p:nvPicPr>
-        <p:blipFill>
-          <a:blip r:embed="rId2"/>
-          <a:stretch>
-            <a:fillRect/>
-          </a:stretch>
-        </p:blipFill>
-        <p:spPr>
-          <a:xfrm>
-            <a:off x="1825622" y="630936"/>
-            <a:ext cx="3819404" cy="5495544"/>
-          </a:xfrm>
-          <a:prstGeom prst="rect">
-            <a:avLst/>
-          </a:prstGeom>
-        </p:spPr>
-      </p:pic>
+              <a:rPr lang="en-US" sz="2400"/>
+              <a:t>We can now add learnable weight matrices</a:t>
+            </a:r>
+          </a:p>
+        </p:txBody>
+      </p:sp>
       <p:sp>
         <p:nvSpPr>
-          <p:cNvPr id="15" name="Rectangle 14">
+          <p:cNvPr id="15" name="!!accent">
             <a:extLst>
               <a:ext uri="{FF2B5EF4-FFF2-40B4-BE49-F238E27FC236}">
                 <a16:creationId xmlns:a16="http://schemas.microsoft.com/office/drawing/2014/main" id="{2711A8FB-68FC-45FC-B01E-38F809E2D439}"/>
@@ -8450,7 +8530,7 @@
         </p:nvSpPr>
         <p:spPr>
           <a:xfrm>
-            <a:off x="7439033" y="1181536"/>
+            <a:off x="345567" y="1170432"/>
             <a:ext cx="128016" cy="704088"/>
           </a:xfrm>
           <a:prstGeom prst="rect">
@@ -8498,7 +8578,7 @@
           <p:cNvPr id="17" name="Rectangle 16">
             <a:extLst>
               <a:ext uri="{FF2B5EF4-FFF2-40B4-BE49-F238E27FC236}">
-                <a16:creationId xmlns:a16="http://schemas.microsoft.com/office/drawing/2014/main" id="{281E2DF8-F6D8-4E5C-B76E-E082FD8C1FBD}"/>
+                <a16:creationId xmlns:a16="http://schemas.microsoft.com/office/drawing/2014/main" id="{2A865FE3-5FC9-4049-87CF-30019C46C0F5}"/>
               </a:ext>
               <a:ext uri="{C183D7F6-B498-43B3-948B-1728B52AA6E4}">
                 <adec:decorative xmlns:adec="http://schemas.microsoft.com/office/drawing/2017/decorative" val="1"/>
@@ -8518,7 +8598,7 @@
         </p:nvSpPr>
         <p:spPr>
           <a:xfrm>
-            <a:off x="7965691" y="2095174"/>
+            <a:off x="877459" y="2121408"/>
             <a:ext cx="3328416" cy="9144"/>
           </a:xfrm>
           <a:prstGeom prst="rect">
@@ -8552,12 +8632,36 @@
           <a:bodyPr rtlCol="0" anchor="ctr"/>
           <a:lstStyle/>
           <a:p>
-            <a:pPr algn="ctr"/>
-            <a:endParaRPr lang="en-US">
+            <a:pPr marL="0" marR="0" lvl="0" indent="0" algn="ctr" defTabSz="914400" rtl="0" eaLnBrk="1" fontAlgn="auto" latinLnBrk="0" hangingPunct="1">
+              <a:lnSpc>
+                <a:spcPct val="100000"/>
+              </a:lnSpc>
+              <a:spcBef>
+                <a:spcPts val="0"/>
+              </a:spcBef>
+              <a:spcAft>
+                <a:spcPts val="0"/>
+              </a:spcAft>
+              <a:buClrTx/>
+              <a:buSzTx/>
+              <a:buFontTx/>
+              <a:buNone/>
+              <a:tabLst/>
+              <a:defRPr/>
+            </a:pPr>
+            <a:endParaRPr kumimoji="0" lang="en-US" sz="1800" b="0" i="0" u="none" strike="noStrike" kern="1200" cap="none" spc="0" normalizeH="0" baseline="0" noProof="0">
+              <a:ln>
+                <a:noFill/>
+              </a:ln>
               <a:solidFill>
                 <a:prstClr val="white"/>
               </a:solidFill>
+              <a:effectLst/>
+              <a:uLnTx/>
+              <a:uFillTx/>
               <a:latin typeface="Calibri" panose="020F0502020204030204"/>
+              <a:ea typeface="+mn-ea"/>
+              <a:cs typeface="+mn-cs"/>
             </a:endParaRPr>
           </a:p>
         </p:txBody>
@@ -8580,8 +8684,8 @@
         </p:nvSpPr>
         <p:spPr>
           <a:xfrm>
-            <a:off x="7938532" y="2252870"/>
-            <a:ext cx="3404594" cy="3557016"/>
+            <a:off x="841247" y="2359152"/>
+            <a:ext cx="3410712" cy="3425043"/>
           </a:xfrm>
         </p:spPr>
         <p:txBody>
@@ -8592,27 +8696,59 @@
           <a:p>
             <a:r>
               <a:rPr lang="en-US" sz="1700" dirty="0"/>
-              <a:t>How are the matrices learned?</a:t>
-            </a:r>
-          </a:p>
-          <a:p>
+              <a:t>Each form of x</a:t>
+            </a:r>
+            <a:r>
+              <a:rPr lang="en-US" sz="1700" baseline="30000" dirty="0"/>
+              <a:t>5 </a:t>
+            </a:r>
             <a:r>
               <a:rPr lang="en-US" sz="1700" dirty="0"/>
-              <a:t>Multi-head attention</a:t>
-            </a:r>
+              <a:t>can now become a different vector</a:t>
+            </a:r>
+            <a:endParaRPr lang="en-US" sz="1700" baseline="30000" dirty="0"/>
           </a:p>
           <a:p>
             <a:r>
               <a:rPr lang="en-US" sz="1700" dirty="0"/>
-              <a:t>Transformers</a:t>
-            </a:r>
-          </a:p>
-        </p:txBody>
-      </p:sp>
+              <a:t>The matrices can be learned through back prop</a:t>
+            </a:r>
+          </a:p>
+        </p:txBody>
+      </p:sp>
+      <p:pic>
+        <p:nvPicPr>
+          <p:cNvPr id="6" name="Picture 5">
+            <a:extLst>
+              <a:ext uri="{FF2B5EF4-FFF2-40B4-BE49-F238E27FC236}">
+                <a16:creationId xmlns:a16="http://schemas.microsoft.com/office/drawing/2014/main" id="{A694B09B-94CE-B611-C77E-78BEC699313C}"/>
+              </a:ext>
+            </a:extLst>
+          </p:cNvPr>
+          <p:cNvPicPr>
+            <a:picLocks noChangeAspect="1"/>
+          </p:cNvPicPr>
+          <p:nvPr/>
+        </p:nvPicPr>
+        <p:blipFill rotWithShape="1">
+          <a:blip r:embed="rId2"/>
+          <a:srcRect l="7006" r="1529" b="1"/>
+          <a:stretch/>
+        </p:blipFill>
+        <p:spPr>
+          <a:xfrm>
+            <a:off x="5124450" y="634382"/>
+            <a:ext cx="6657213" cy="5495162"/>
+          </a:xfrm>
+          <a:prstGeom prst="rect">
+            <a:avLst/>
+          </a:prstGeom>
+        </p:spPr>
+      </p:pic>
     </p:spTree>
     <p:extLst>
       <p:ext uri="{BB962C8B-B14F-4D97-AF65-F5344CB8AC3E}">
-        <p14:creationId xmlns:p14="http://schemas.microsoft.com/office/powerpoint/2010/main" val="274231525"/>
+        <p14:creationId xmlns:p14="http://schemas.microsoft.com/office/powerpoint/2010/main" val="2799099831"/>
       </p:ext>
     </p:extLst>
   </p:cSld>
@@ -8719,6 +8855,21 @@
             </a:r>
           </a:p>
           <a:p>
+            <a:pPr marL="0" indent="0">
+              <a:buNone/>
+            </a:pPr>
+            <a:endParaRPr lang="en-US" sz="2000" dirty="0"/>
+          </a:p>
+          <a:p>
+            <a:pPr marL="0" indent="0">
+              <a:buNone/>
+            </a:pPr>
+            <a:r>
+              <a:rPr lang="en-US" sz="2000" dirty="0"/>
+              <a:t>It’s probably the most unique part of transformers.</a:t>
+            </a:r>
+          </a:p>
+          <a:p>
             <a:endParaRPr lang="en-US" sz="2000" dirty="0"/>
           </a:p>
           <a:p>
@@ -8821,9 +8972,916 @@
 </p:sld>
 </file>
 
+<file path=ppt/slides/slide20.xml><?xml version="1.0" encoding="utf-8"?>
+<p:sld xmlns:a="http://schemas.openxmlformats.org/drawingml/2006/main" xmlns:r="http://schemas.openxmlformats.org/officeDocument/2006/relationships" xmlns:p="http://schemas.openxmlformats.org/presentationml/2006/main">
+  <p:cSld>
+    <p:bg>
+      <p:bgPr>
+        <a:solidFill>
+          <a:schemeClr val="bg1"/>
+        </a:solidFill>
+        <a:effectLst/>
+      </p:bgPr>
+    </p:bg>
+    <p:spTree>
+      <p:nvGrpSpPr>
+        <p:cNvPr id="1" name=""/>
+        <p:cNvGrpSpPr/>
+        <p:nvPr/>
+      </p:nvGrpSpPr>
+      <p:grpSpPr>
+        <a:xfrm>
+          <a:off x="0" y="0"/>
+          <a:ext cx="0" cy="0"/>
+          <a:chOff x="0" y="0"/>
+          <a:chExt cx="0" cy="0"/>
+        </a:xfrm>
+      </p:grpSpPr>
+      <p:sp useBgFill="1">
+        <p:nvSpPr>
+          <p:cNvPr id="18" name="Rectangle 9">
+            <a:extLst>
+              <a:ext uri="{FF2B5EF4-FFF2-40B4-BE49-F238E27FC236}">
+                <a16:creationId xmlns:a16="http://schemas.microsoft.com/office/drawing/2014/main" id="{5116E49A-CA4D-4983-969D-19FE3C55F387}"/>
+              </a:ext>
+              <a:ext uri="{C183D7F6-B498-43B3-948B-1728B52AA6E4}">
+                <adec:decorative xmlns:adec="http://schemas.microsoft.com/office/drawing/2017/decorative" val="1"/>
+              </a:ext>
+            </a:extLst>
+          </p:cNvPr>
+          <p:cNvSpPr>
+            <a:spLocks noGrp="1" noRot="1" noChangeAspect="1" noMove="1" noResize="1" noEditPoints="1" noAdjustHandles="1" noChangeArrowheads="1" noChangeShapeType="1" noTextEdit="1"/>
+          </p:cNvSpPr>
+          <p:nvPr>
+            <p:extLst>
+              <p:ext uri="{386F3935-93C4-4BCD-93E2-E3B085C9AB24}">
+                <p16:designElem xmlns:p16="http://schemas.microsoft.com/office/powerpoint/2015/main" val="1"/>
+              </p:ext>
+            </p:extLst>
+          </p:nvPr>
+        </p:nvSpPr>
+        <p:spPr>
+          <a:xfrm>
+            <a:off x="0" y="0"/>
+            <a:ext cx="12192000" cy="6858000"/>
+          </a:xfrm>
+          <a:prstGeom prst="rect">
+            <a:avLst/>
+          </a:prstGeom>
+          <a:ln>
+            <a:noFill/>
+          </a:ln>
+        </p:spPr>
+        <p:style>
+          <a:lnRef idx="2">
+            <a:schemeClr val="accent1">
+              <a:shade val="50000"/>
+            </a:schemeClr>
+          </a:lnRef>
+          <a:fillRef idx="1">
+            <a:schemeClr val="accent1"/>
+          </a:fillRef>
+          <a:effectRef idx="0">
+            <a:schemeClr val="accent1"/>
+          </a:effectRef>
+          <a:fontRef idx="minor">
+            <a:schemeClr val="lt1"/>
+          </a:fontRef>
+        </p:style>
+        <p:txBody>
+          <a:bodyPr rtlCol="0" anchor="ctr"/>
+          <a:lstStyle/>
+          <a:p>
+            <a:pPr algn="ctr"/>
+            <a:endParaRPr lang="en-US"/>
+          </a:p>
+        </p:txBody>
+      </p:sp>
+      <p:sp useBgFill="1">
+        <p:nvSpPr>
+          <p:cNvPr id="19" name="Rectangle 11">
+            <a:extLst>
+              <a:ext uri="{FF2B5EF4-FFF2-40B4-BE49-F238E27FC236}">
+                <a16:creationId xmlns:a16="http://schemas.microsoft.com/office/drawing/2014/main" id="{57F6BDD4-E066-4008-8011-6CC31AEB4556}"/>
+              </a:ext>
+              <a:ext uri="{C183D7F6-B498-43B3-948B-1728B52AA6E4}">
+                <adec:decorative xmlns:adec="http://schemas.microsoft.com/office/drawing/2017/decorative" val="1"/>
+              </a:ext>
+            </a:extLst>
+          </p:cNvPr>
+          <p:cNvSpPr>
+            <a:spLocks noGrp="1" noRot="1" noChangeAspect="1" noMove="1" noResize="1" noEditPoints="1" noAdjustHandles="1" noChangeArrowheads="1" noChangeShapeType="1" noTextEdit="1"/>
+          </p:cNvSpPr>
+          <p:nvPr>
+            <p:extLst>
+              <p:ext uri="{386F3935-93C4-4BCD-93E2-E3B085C9AB24}">
+                <p16:designElem xmlns:p16="http://schemas.microsoft.com/office/powerpoint/2015/main" val="1"/>
+              </p:ext>
+            </p:extLst>
+          </p:nvPr>
+        </p:nvSpPr>
+        <p:spPr>
+          <a:xfrm>
+            <a:off x="7503041" y="633619"/>
+            <a:ext cx="4279383" cy="5495925"/>
+          </a:xfrm>
+          <a:prstGeom prst="rect">
+            <a:avLst/>
+          </a:prstGeom>
+          <a:ln w="9525">
+            <a:solidFill>
+              <a:srgbClr val="DEDEDE"/>
+            </a:solidFill>
+          </a:ln>
+          <a:effectLst>
+            <a:outerShdw blurRad="50800" dist="38100" dir="2700000" algn="tl" rotWithShape="0">
+              <a:schemeClr val="bg1">
+                <a:lumMod val="85000"/>
+                <a:alpha val="50000"/>
+              </a:schemeClr>
+            </a:outerShdw>
+          </a:effectLst>
+        </p:spPr>
+        <p:style>
+          <a:lnRef idx="2">
+            <a:schemeClr val="accent1">
+              <a:shade val="50000"/>
+            </a:schemeClr>
+          </a:lnRef>
+          <a:fillRef idx="1">
+            <a:schemeClr val="accent1"/>
+          </a:fillRef>
+          <a:effectRef idx="0">
+            <a:schemeClr val="accent1"/>
+          </a:effectRef>
+          <a:fontRef idx="minor">
+            <a:schemeClr val="lt1"/>
+          </a:fontRef>
+        </p:style>
+        <p:txBody>
+          <a:bodyPr rtlCol="0" anchor="ctr"/>
+          <a:lstStyle/>
+          <a:p>
+            <a:pPr marL="0" marR="0" lvl="0" indent="0" algn="ctr" defTabSz="914400" rtl="0" eaLnBrk="1" fontAlgn="auto" latinLnBrk="0" hangingPunct="1">
+              <a:lnSpc>
+                <a:spcPct val="100000"/>
+              </a:lnSpc>
+              <a:spcBef>
+                <a:spcPts val="0"/>
+              </a:spcBef>
+              <a:spcAft>
+                <a:spcPts val="0"/>
+              </a:spcAft>
+              <a:buClrTx/>
+              <a:buSzTx/>
+              <a:buFontTx/>
+              <a:buNone/>
+              <a:tabLst/>
+              <a:defRPr/>
+            </a:pPr>
+            <a:endParaRPr kumimoji="0" lang="en-US" sz="1800" b="0" i="0" u="none" strike="noStrike" kern="1200" cap="none" spc="0" normalizeH="0" baseline="0" noProof="0" dirty="0">
+              <a:ln>
+                <a:noFill/>
+              </a:ln>
+              <a:solidFill>
+                <a:prstClr val="white"/>
+              </a:solidFill>
+              <a:effectLst/>
+              <a:uLnTx/>
+              <a:uFillTx/>
+              <a:latin typeface="Calibri" panose="020F0502020204030204"/>
+              <a:ea typeface="+mn-ea"/>
+              <a:cs typeface="+mn-cs"/>
+            </a:endParaRPr>
+          </a:p>
+        </p:txBody>
+      </p:sp>
+      <p:sp>
+        <p:nvSpPr>
+          <p:cNvPr id="2" name="Title 1">
+            <a:extLst>
+              <a:ext uri="{FF2B5EF4-FFF2-40B4-BE49-F238E27FC236}">
+                <a16:creationId xmlns:a16="http://schemas.microsoft.com/office/drawing/2014/main" id="{05B462F1-C180-2283-7339-0B49070EFF39}"/>
+              </a:ext>
+            </a:extLst>
+          </p:cNvPr>
+          <p:cNvSpPr>
+            <a:spLocks noGrp="1"/>
+          </p:cNvSpPr>
+          <p:nvPr>
+            <p:ph type="title"/>
+          </p:nvPr>
+        </p:nvSpPr>
+        <p:spPr>
+          <a:xfrm>
+            <a:off x="7938533" y="978619"/>
+            <a:ext cx="3404594" cy="1106424"/>
+          </a:xfrm>
+        </p:spPr>
+        <p:txBody>
+          <a:bodyPr>
+            <a:normAutofit/>
+          </a:bodyPr>
+          <a:lstStyle/>
+          <a:p>
+            <a:r>
+              <a:rPr lang="en-US" sz="2800"/>
+              <a:t>Scaled dot-product attention</a:t>
+            </a:r>
+          </a:p>
+        </p:txBody>
+      </p:sp>
+      <p:pic>
+        <p:nvPicPr>
+          <p:cNvPr id="5" name="Picture 4">
+            <a:extLst>
+              <a:ext uri="{FF2B5EF4-FFF2-40B4-BE49-F238E27FC236}">
+                <a16:creationId xmlns:a16="http://schemas.microsoft.com/office/drawing/2014/main" id="{78DFFE03-2E08-510B-086D-8D906EE8ED0C}"/>
+              </a:ext>
+            </a:extLst>
+          </p:cNvPr>
+          <p:cNvPicPr>
+            <a:picLocks noChangeAspect="1"/>
+          </p:cNvPicPr>
+          <p:nvPr/>
+        </p:nvPicPr>
+        <p:blipFill>
+          <a:blip r:embed="rId2"/>
+          <a:stretch>
+            <a:fillRect/>
+          </a:stretch>
+        </p:blipFill>
+        <p:spPr>
+          <a:xfrm>
+            <a:off x="1378728" y="630936"/>
+            <a:ext cx="4713192" cy="5495544"/>
+          </a:xfrm>
+          <a:prstGeom prst="rect">
+            <a:avLst/>
+          </a:prstGeom>
+        </p:spPr>
+      </p:pic>
+      <p:sp>
+        <p:nvSpPr>
+          <p:cNvPr id="20" name="Rectangle 13">
+            <a:extLst>
+              <a:ext uri="{FF2B5EF4-FFF2-40B4-BE49-F238E27FC236}">
+                <a16:creationId xmlns:a16="http://schemas.microsoft.com/office/drawing/2014/main" id="{2711A8FB-68FC-45FC-B01E-38F809E2D439}"/>
+              </a:ext>
+              <a:ext uri="{C183D7F6-B498-43B3-948B-1728B52AA6E4}">
+                <adec:decorative xmlns:adec="http://schemas.microsoft.com/office/drawing/2017/decorative" val="1"/>
+              </a:ext>
+            </a:extLst>
+          </p:cNvPr>
+          <p:cNvSpPr>
+            <a:spLocks noGrp="1" noRot="1" noChangeAspect="1" noMove="1" noResize="1" noEditPoints="1" noAdjustHandles="1" noChangeArrowheads="1" noChangeShapeType="1" noTextEdit="1"/>
+          </p:cNvSpPr>
+          <p:nvPr>
+            <p:extLst>
+              <p:ext uri="{386F3935-93C4-4BCD-93E2-E3B085C9AB24}">
+                <p16:designElem xmlns:p16="http://schemas.microsoft.com/office/powerpoint/2015/main" val="1"/>
+              </p:ext>
+            </p:extLst>
+          </p:nvPr>
+        </p:nvSpPr>
+        <p:spPr>
+          <a:xfrm>
+            <a:off x="7439033" y="1181536"/>
+            <a:ext cx="128016" cy="704088"/>
+          </a:xfrm>
+          <a:prstGeom prst="rect">
+            <a:avLst/>
+          </a:prstGeom>
+          <a:solidFill>
+            <a:schemeClr val="accent2"/>
+          </a:solidFill>
+          <a:ln>
+            <a:noFill/>
+          </a:ln>
+        </p:spPr>
+        <p:style>
+          <a:lnRef idx="2">
+            <a:schemeClr val="accent1">
+              <a:shade val="50000"/>
+            </a:schemeClr>
+          </a:lnRef>
+          <a:fillRef idx="1">
+            <a:schemeClr val="accent1"/>
+          </a:fillRef>
+          <a:effectRef idx="0">
+            <a:schemeClr val="accent1"/>
+          </a:effectRef>
+          <a:fontRef idx="minor">
+            <a:schemeClr val="lt1"/>
+          </a:fontRef>
+        </p:style>
+        <p:txBody>
+          <a:bodyPr rtlCol="0" anchor="ctr"/>
+          <a:lstStyle/>
+          <a:p>
+            <a:pPr algn="ctr"/>
+            <a:endParaRPr lang="en-US">
+              <a:solidFill>
+                <a:prstClr val="white"/>
+              </a:solidFill>
+              <a:latin typeface="Calibri" panose="020F0502020204030204"/>
+            </a:endParaRPr>
+          </a:p>
+        </p:txBody>
+      </p:sp>
+      <p:sp>
+        <p:nvSpPr>
+          <p:cNvPr id="21" name="Rectangle 15">
+            <a:extLst>
+              <a:ext uri="{FF2B5EF4-FFF2-40B4-BE49-F238E27FC236}">
+                <a16:creationId xmlns:a16="http://schemas.microsoft.com/office/drawing/2014/main" id="{281E2DF8-F6D8-4E5C-B76E-E082FD8C1FBD}"/>
+              </a:ext>
+              <a:ext uri="{C183D7F6-B498-43B3-948B-1728B52AA6E4}">
+                <adec:decorative xmlns:adec="http://schemas.microsoft.com/office/drawing/2017/decorative" val="1"/>
+              </a:ext>
+            </a:extLst>
+          </p:cNvPr>
+          <p:cNvSpPr>
+            <a:spLocks noGrp="1" noRot="1" noChangeAspect="1" noMove="1" noResize="1" noEditPoints="1" noAdjustHandles="1" noChangeArrowheads="1" noChangeShapeType="1" noTextEdit="1"/>
+          </p:cNvSpPr>
+          <p:nvPr>
+            <p:extLst>
+              <p:ext uri="{386F3935-93C4-4BCD-93E2-E3B085C9AB24}">
+                <p16:designElem xmlns:p16="http://schemas.microsoft.com/office/powerpoint/2015/main" val="1"/>
+              </p:ext>
+            </p:extLst>
+          </p:nvPr>
+        </p:nvSpPr>
+        <p:spPr>
+          <a:xfrm>
+            <a:off x="7965691" y="2095174"/>
+            <a:ext cx="3328416" cy="9144"/>
+          </a:xfrm>
+          <a:prstGeom prst="rect">
+            <a:avLst/>
+          </a:prstGeom>
+          <a:solidFill>
+            <a:srgbClr val="D5D5D5"/>
+          </a:solidFill>
+          <a:ln w="3175">
+            <a:noFill/>
+          </a:ln>
+          <a:effectLst/>
+        </p:spPr>
+        <p:style>
+          <a:lnRef idx="2">
+            <a:schemeClr val="accent1">
+              <a:shade val="50000"/>
+            </a:schemeClr>
+          </a:lnRef>
+          <a:fillRef idx="1">
+            <a:schemeClr val="accent1"/>
+          </a:fillRef>
+          <a:effectRef idx="0">
+            <a:schemeClr val="accent1"/>
+          </a:effectRef>
+          <a:fontRef idx="minor">
+            <a:schemeClr val="lt1"/>
+          </a:fontRef>
+        </p:style>
+        <p:txBody>
+          <a:bodyPr rtlCol="0" anchor="ctr"/>
+          <a:lstStyle/>
+          <a:p>
+            <a:pPr algn="ctr"/>
+            <a:endParaRPr lang="en-US">
+              <a:solidFill>
+                <a:prstClr val="white"/>
+              </a:solidFill>
+              <a:latin typeface="Calibri" panose="020F0502020204030204"/>
+            </a:endParaRPr>
+          </a:p>
+        </p:txBody>
+      </p:sp>
+      <p:sp>
+        <p:nvSpPr>
+          <p:cNvPr id="3" name="Content Placeholder 2">
+            <a:extLst>
+              <a:ext uri="{FF2B5EF4-FFF2-40B4-BE49-F238E27FC236}">
+                <a16:creationId xmlns:a16="http://schemas.microsoft.com/office/drawing/2014/main" id="{96F5230B-F8A4-C8E4-4C74-A1C627ED0DD6}"/>
+              </a:ext>
+            </a:extLst>
+          </p:cNvPr>
+          <p:cNvSpPr>
+            <a:spLocks noGrp="1"/>
+          </p:cNvSpPr>
+          <p:nvPr>
+            <p:ph idx="1"/>
+          </p:nvPr>
+        </p:nvSpPr>
+        <p:spPr>
+          <a:xfrm>
+            <a:off x="7938532" y="2252870"/>
+            <a:ext cx="3404594" cy="3557016"/>
+          </a:xfrm>
+        </p:spPr>
+        <p:txBody>
+          <a:bodyPr>
+            <a:normAutofit/>
+          </a:bodyPr>
+          <a:lstStyle/>
+          <a:p>
+            <a:r>
+              <a:rPr lang="en-US" sz="1700"/>
+              <a:t>Query and Key matrices are then dotted,</a:t>
+            </a:r>
+            <a:endParaRPr lang="en-US" sz="1700" baseline="30000"/>
+          </a:p>
+          <a:p>
+            <a:r>
+              <a:rPr lang="en-US" sz="1700"/>
+              <a:t>Scaled (to prevent vanishing gradients),</a:t>
+            </a:r>
+          </a:p>
+          <a:p>
+            <a:r>
+              <a:rPr lang="en-US" sz="1700"/>
+              <a:t>Softmax, </a:t>
+            </a:r>
+          </a:p>
+          <a:p>
+            <a:r>
+              <a:rPr lang="en-US" sz="1700"/>
+              <a:t>Final dotting with the Value matrix</a:t>
+            </a:r>
+          </a:p>
+        </p:txBody>
+      </p:sp>
+    </p:spTree>
+    <p:extLst>
+      <p:ext uri="{BB962C8B-B14F-4D97-AF65-F5344CB8AC3E}">
+        <p14:creationId xmlns:p14="http://schemas.microsoft.com/office/powerpoint/2010/main" val="956132047"/>
+      </p:ext>
+    </p:extLst>
+  </p:cSld>
+  <p:clrMapOvr>
+    <a:masterClrMapping/>
+  </p:clrMapOvr>
+</p:sld>
+</file>
+
+<file path=ppt/slides/slide21.xml><?xml version="1.0" encoding="utf-8"?>
+<p:sld xmlns:a="http://schemas.openxmlformats.org/drawingml/2006/main" xmlns:r="http://schemas.openxmlformats.org/officeDocument/2006/relationships" xmlns:p="http://schemas.openxmlformats.org/presentationml/2006/main">
+  <p:cSld>
+    <p:bg>
+      <p:bgPr>
+        <a:solidFill>
+          <a:schemeClr val="bg1"/>
+        </a:solidFill>
+        <a:effectLst/>
+      </p:bgPr>
+    </p:bg>
+    <p:spTree>
+      <p:nvGrpSpPr>
+        <p:cNvPr id="1" name=""/>
+        <p:cNvGrpSpPr/>
+        <p:nvPr/>
+      </p:nvGrpSpPr>
+      <p:grpSpPr>
+        <a:xfrm>
+          <a:off x="0" y="0"/>
+          <a:ext cx="0" cy="0"/>
+          <a:chOff x="0" y="0"/>
+          <a:chExt cx="0" cy="0"/>
+        </a:xfrm>
+      </p:grpSpPr>
+      <p:sp useBgFill="1">
+        <p:nvSpPr>
+          <p:cNvPr id="11" name="Rectangle 10">
+            <a:extLst>
+              <a:ext uri="{FF2B5EF4-FFF2-40B4-BE49-F238E27FC236}">
+                <a16:creationId xmlns:a16="http://schemas.microsoft.com/office/drawing/2014/main" id="{5116E49A-CA4D-4983-969D-19FE3C55F387}"/>
+              </a:ext>
+              <a:ext uri="{C183D7F6-B498-43B3-948B-1728B52AA6E4}">
+                <adec:decorative xmlns:adec="http://schemas.microsoft.com/office/drawing/2017/decorative" val="1"/>
+              </a:ext>
+            </a:extLst>
+          </p:cNvPr>
+          <p:cNvSpPr>
+            <a:spLocks noGrp="1" noRot="1" noChangeAspect="1" noMove="1" noResize="1" noEditPoints="1" noAdjustHandles="1" noChangeArrowheads="1" noChangeShapeType="1" noTextEdit="1"/>
+          </p:cNvSpPr>
+          <p:nvPr>
+            <p:extLst>
+              <p:ext uri="{386F3935-93C4-4BCD-93E2-E3B085C9AB24}">
+                <p16:designElem xmlns:p16="http://schemas.microsoft.com/office/powerpoint/2015/main" val="1"/>
+              </p:ext>
+            </p:extLst>
+          </p:nvPr>
+        </p:nvSpPr>
+        <p:spPr>
+          <a:xfrm>
+            <a:off x="0" y="0"/>
+            <a:ext cx="12192000" cy="6858000"/>
+          </a:xfrm>
+          <a:prstGeom prst="rect">
+            <a:avLst/>
+          </a:prstGeom>
+          <a:ln>
+            <a:noFill/>
+          </a:ln>
+        </p:spPr>
+        <p:style>
+          <a:lnRef idx="2">
+            <a:schemeClr val="accent1">
+              <a:shade val="50000"/>
+            </a:schemeClr>
+          </a:lnRef>
+          <a:fillRef idx="1">
+            <a:schemeClr val="accent1"/>
+          </a:fillRef>
+          <a:effectRef idx="0">
+            <a:schemeClr val="accent1"/>
+          </a:effectRef>
+          <a:fontRef idx="minor">
+            <a:schemeClr val="lt1"/>
+          </a:fontRef>
+        </p:style>
+        <p:txBody>
+          <a:bodyPr rtlCol="0" anchor="ctr"/>
+          <a:lstStyle/>
+          <a:p>
+            <a:pPr algn="ctr"/>
+            <a:endParaRPr lang="en-US"/>
+          </a:p>
+        </p:txBody>
+      </p:sp>
+      <p:sp useBgFill="1">
+        <p:nvSpPr>
+          <p:cNvPr id="13" name="Rectangle 12">
+            <a:extLst>
+              <a:ext uri="{FF2B5EF4-FFF2-40B4-BE49-F238E27FC236}">
+                <a16:creationId xmlns:a16="http://schemas.microsoft.com/office/drawing/2014/main" id="{57F6BDD4-E066-4008-8011-6CC31AEB4556}"/>
+              </a:ext>
+              <a:ext uri="{C183D7F6-B498-43B3-948B-1728B52AA6E4}">
+                <adec:decorative xmlns:adec="http://schemas.microsoft.com/office/drawing/2017/decorative" val="1"/>
+              </a:ext>
+            </a:extLst>
+          </p:cNvPr>
+          <p:cNvSpPr>
+            <a:spLocks noGrp="1" noRot="1" noChangeAspect="1" noMove="1" noResize="1" noEditPoints="1" noAdjustHandles="1" noChangeArrowheads="1" noChangeShapeType="1" noTextEdit="1"/>
+          </p:cNvSpPr>
+          <p:nvPr>
+            <p:extLst>
+              <p:ext uri="{386F3935-93C4-4BCD-93E2-E3B085C9AB24}">
+                <p16:designElem xmlns:p16="http://schemas.microsoft.com/office/powerpoint/2015/main" val="1"/>
+              </p:ext>
+            </p:extLst>
+          </p:nvPr>
+        </p:nvSpPr>
+        <p:spPr>
+          <a:xfrm>
+            <a:off x="7503041" y="633619"/>
+            <a:ext cx="4279383" cy="5495925"/>
+          </a:xfrm>
+          <a:prstGeom prst="rect">
+            <a:avLst/>
+          </a:prstGeom>
+          <a:ln w="9525">
+            <a:solidFill>
+              <a:srgbClr val="DEDEDE"/>
+            </a:solidFill>
+          </a:ln>
+          <a:effectLst>
+            <a:outerShdw blurRad="50800" dist="38100" dir="2700000" algn="tl" rotWithShape="0">
+              <a:schemeClr val="bg1">
+                <a:lumMod val="85000"/>
+                <a:alpha val="50000"/>
+              </a:schemeClr>
+            </a:outerShdw>
+          </a:effectLst>
+        </p:spPr>
+        <p:style>
+          <a:lnRef idx="2">
+            <a:schemeClr val="accent1">
+              <a:shade val="50000"/>
+            </a:schemeClr>
+          </a:lnRef>
+          <a:fillRef idx="1">
+            <a:schemeClr val="accent1"/>
+          </a:fillRef>
+          <a:effectRef idx="0">
+            <a:schemeClr val="accent1"/>
+          </a:effectRef>
+          <a:fontRef idx="minor">
+            <a:schemeClr val="lt1"/>
+          </a:fontRef>
+        </p:style>
+        <p:txBody>
+          <a:bodyPr rtlCol="0" anchor="ctr"/>
+          <a:lstStyle/>
+          <a:p>
+            <a:pPr marL="0" marR="0" lvl="0" indent="0" algn="ctr" defTabSz="914400" rtl="0" eaLnBrk="1" fontAlgn="auto" latinLnBrk="0" hangingPunct="1">
+              <a:lnSpc>
+                <a:spcPct val="100000"/>
+              </a:lnSpc>
+              <a:spcBef>
+                <a:spcPts val="0"/>
+              </a:spcBef>
+              <a:spcAft>
+                <a:spcPts val="0"/>
+              </a:spcAft>
+              <a:buClrTx/>
+              <a:buSzTx/>
+              <a:buFontTx/>
+              <a:buNone/>
+              <a:tabLst/>
+              <a:defRPr/>
+            </a:pPr>
+            <a:endParaRPr kumimoji="0" lang="en-US" sz="1800" b="0" i="0" u="none" strike="noStrike" kern="1200" cap="none" spc="0" normalizeH="0" baseline="0" noProof="0" dirty="0">
+              <a:ln>
+                <a:noFill/>
+              </a:ln>
+              <a:solidFill>
+                <a:prstClr val="white"/>
+              </a:solidFill>
+              <a:effectLst/>
+              <a:uLnTx/>
+              <a:uFillTx/>
+              <a:latin typeface="Calibri" panose="020F0502020204030204"/>
+              <a:ea typeface="+mn-ea"/>
+              <a:cs typeface="+mn-cs"/>
+            </a:endParaRPr>
+          </a:p>
+        </p:txBody>
+      </p:sp>
+      <p:sp>
+        <p:nvSpPr>
+          <p:cNvPr id="2" name="Title 1">
+            <a:extLst>
+              <a:ext uri="{FF2B5EF4-FFF2-40B4-BE49-F238E27FC236}">
+                <a16:creationId xmlns:a16="http://schemas.microsoft.com/office/drawing/2014/main" id="{05B462F1-C180-2283-7339-0B49070EFF39}"/>
+              </a:ext>
+            </a:extLst>
+          </p:cNvPr>
+          <p:cNvSpPr>
+            <a:spLocks noGrp="1"/>
+          </p:cNvSpPr>
+          <p:nvPr>
+            <p:ph type="title"/>
+          </p:nvPr>
+        </p:nvSpPr>
+        <p:spPr>
+          <a:xfrm>
+            <a:off x="7938533" y="978619"/>
+            <a:ext cx="3404594" cy="1106424"/>
+          </a:xfrm>
+        </p:spPr>
+        <p:txBody>
+          <a:bodyPr>
+            <a:normAutofit/>
+          </a:bodyPr>
+          <a:lstStyle/>
+          <a:p>
+            <a:r>
+              <a:rPr lang="en-US" sz="2800"/>
+              <a:t>Next time</a:t>
+            </a:r>
+          </a:p>
+        </p:txBody>
+      </p:sp>
+      <p:pic>
+        <p:nvPicPr>
+          <p:cNvPr id="6" name="Picture 5">
+            <a:extLst>
+              <a:ext uri="{FF2B5EF4-FFF2-40B4-BE49-F238E27FC236}">
+                <a16:creationId xmlns:a16="http://schemas.microsoft.com/office/drawing/2014/main" id="{E5DD0B85-AFBC-3199-5BFC-1084590AC5E9}"/>
+              </a:ext>
+            </a:extLst>
+          </p:cNvPr>
+          <p:cNvPicPr>
+            <a:picLocks noChangeAspect="1"/>
+          </p:cNvPicPr>
+          <p:nvPr/>
+        </p:nvPicPr>
+        <p:blipFill>
+          <a:blip r:embed="rId2"/>
+          <a:stretch>
+            <a:fillRect/>
+          </a:stretch>
+        </p:blipFill>
+        <p:spPr>
+          <a:xfrm>
+            <a:off x="1825622" y="630936"/>
+            <a:ext cx="3819404" cy="5495544"/>
+          </a:xfrm>
+          <a:prstGeom prst="rect">
+            <a:avLst/>
+          </a:prstGeom>
+        </p:spPr>
+      </p:pic>
+      <p:sp>
+        <p:nvSpPr>
+          <p:cNvPr id="15" name="Rectangle 14">
+            <a:extLst>
+              <a:ext uri="{FF2B5EF4-FFF2-40B4-BE49-F238E27FC236}">
+                <a16:creationId xmlns:a16="http://schemas.microsoft.com/office/drawing/2014/main" id="{2711A8FB-68FC-45FC-B01E-38F809E2D439}"/>
+              </a:ext>
+              <a:ext uri="{C183D7F6-B498-43B3-948B-1728B52AA6E4}">
+                <adec:decorative xmlns:adec="http://schemas.microsoft.com/office/drawing/2017/decorative" val="1"/>
+              </a:ext>
+            </a:extLst>
+          </p:cNvPr>
+          <p:cNvSpPr>
+            <a:spLocks noGrp="1" noRot="1" noChangeAspect="1" noMove="1" noResize="1" noEditPoints="1" noAdjustHandles="1" noChangeArrowheads="1" noChangeShapeType="1" noTextEdit="1"/>
+          </p:cNvSpPr>
+          <p:nvPr>
+            <p:extLst>
+              <p:ext uri="{386F3935-93C4-4BCD-93E2-E3B085C9AB24}">
+                <p16:designElem xmlns:p16="http://schemas.microsoft.com/office/powerpoint/2015/main" val="1"/>
+              </p:ext>
+            </p:extLst>
+          </p:nvPr>
+        </p:nvSpPr>
+        <p:spPr>
+          <a:xfrm>
+            <a:off x="7439033" y="1181536"/>
+            <a:ext cx="128016" cy="704088"/>
+          </a:xfrm>
+          <a:prstGeom prst="rect">
+            <a:avLst/>
+          </a:prstGeom>
+          <a:solidFill>
+            <a:schemeClr val="accent2"/>
+          </a:solidFill>
+          <a:ln>
+            <a:noFill/>
+          </a:ln>
+        </p:spPr>
+        <p:style>
+          <a:lnRef idx="2">
+            <a:schemeClr val="accent1">
+              <a:shade val="50000"/>
+            </a:schemeClr>
+          </a:lnRef>
+          <a:fillRef idx="1">
+            <a:schemeClr val="accent1"/>
+          </a:fillRef>
+          <a:effectRef idx="0">
+            <a:schemeClr val="accent1"/>
+          </a:effectRef>
+          <a:fontRef idx="minor">
+            <a:schemeClr val="lt1"/>
+          </a:fontRef>
+        </p:style>
+        <p:txBody>
+          <a:bodyPr rtlCol="0" anchor="ctr"/>
+          <a:lstStyle/>
+          <a:p>
+            <a:pPr algn="ctr"/>
+            <a:endParaRPr lang="en-US">
+              <a:solidFill>
+                <a:prstClr val="white"/>
+              </a:solidFill>
+              <a:latin typeface="Calibri" panose="020F0502020204030204"/>
+            </a:endParaRPr>
+          </a:p>
+        </p:txBody>
+      </p:sp>
+      <p:sp>
+        <p:nvSpPr>
+          <p:cNvPr id="17" name="Rectangle 16">
+            <a:extLst>
+              <a:ext uri="{FF2B5EF4-FFF2-40B4-BE49-F238E27FC236}">
+                <a16:creationId xmlns:a16="http://schemas.microsoft.com/office/drawing/2014/main" id="{281E2DF8-F6D8-4E5C-B76E-E082FD8C1FBD}"/>
+              </a:ext>
+              <a:ext uri="{C183D7F6-B498-43B3-948B-1728B52AA6E4}">
+                <adec:decorative xmlns:adec="http://schemas.microsoft.com/office/drawing/2017/decorative" val="1"/>
+              </a:ext>
+            </a:extLst>
+          </p:cNvPr>
+          <p:cNvSpPr>
+            <a:spLocks noGrp="1" noRot="1" noChangeAspect="1" noMove="1" noResize="1" noEditPoints="1" noAdjustHandles="1" noChangeArrowheads="1" noChangeShapeType="1" noTextEdit="1"/>
+          </p:cNvSpPr>
+          <p:nvPr>
+            <p:extLst>
+              <p:ext uri="{386F3935-93C4-4BCD-93E2-E3B085C9AB24}">
+                <p16:designElem xmlns:p16="http://schemas.microsoft.com/office/powerpoint/2015/main" val="1"/>
+              </p:ext>
+            </p:extLst>
+          </p:nvPr>
+        </p:nvSpPr>
+        <p:spPr>
+          <a:xfrm>
+            <a:off x="7965691" y="2095174"/>
+            <a:ext cx="3328416" cy="9144"/>
+          </a:xfrm>
+          <a:prstGeom prst="rect">
+            <a:avLst/>
+          </a:prstGeom>
+          <a:solidFill>
+            <a:srgbClr val="D5D5D5"/>
+          </a:solidFill>
+          <a:ln w="3175">
+            <a:noFill/>
+          </a:ln>
+          <a:effectLst/>
+        </p:spPr>
+        <p:style>
+          <a:lnRef idx="2">
+            <a:schemeClr val="accent1">
+              <a:shade val="50000"/>
+            </a:schemeClr>
+          </a:lnRef>
+          <a:fillRef idx="1">
+            <a:schemeClr val="accent1"/>
+          </a:fillRef>
+          <a:effectRef idx="0">
+            <a:schemeClr val="accent1"/>
+          </a:effectRef>
+          <a:fontRef idx="minor">
+            <a:schemeClr val="lt1"/>
+          </a:fontRef>
+        </p:style>
+        <p:txBody>
+          <a:bodyPr rtlCol="0" anchor="ctr"/>
+          <a:lstStyle/>
+          <a:p>
+            <a:pPr algn="ctr"/>
+            <a:endParaRPr lang="en-US">
+              <a:solidFill>
+                <a:prstClr val="white"/>
+              </a:solidFill>
+              <a:latin typeface="Calibri" panose="020F0502020204030204"/>
+            </a:endParaRPr>
+          </a:p>
+        </p:txBody>
+      </p:sp>
+      <p:sp>
+        <p:nvSpPr>
+          <p:cNvPr id="3" name="Content Placeholder 2">
+            <a:extLst>
+              <a:ext uri="{FF2B5EF4-FFF2-40B4-BE49-F238E27FC236}">
+                <a16:creationId xmlns:a16="http://schemas.microsoft.com/office/drawing/2014/main" id="{96F5230B-F8A4-C8E4-4C74-A1C627ED0DD6}"/>
+              </a:ext>
+            </a:extLst>
+          </p:cNvPr>
+          <p:cNvSpPr>
+            <a:spLocks noGrp="1"/>
+          </p:cNvSpPr>
+          <p:nvPr>
+            <p:ph idx="1"/>
+          </p:nvPr>
+        </p:nvSpPr>
+        <p:spPr>
+          <a:xfrm>
+            <a:off x="7938532" y="2252870"/>
+            <a:ext cx="3404594" cy="3557016"/>
+          </a:xfrm>
+        </p:spPr>
+        <p:txBody>
+          <a:bodyPr>
+            <a:normAutofit/>
+          </a:bodyPr>
+          <a:lstStyle/>
+          <a:p>
+            <a:r>
+              <a:rPr lang="en-US" sz="1700" dirty="0"/>
+              <a:t>How are the matrices learned?</a:t>
+            </a:r>
+          </a:p>
+          <a:p>
+            <a:r>
+              <a:rPr lang="en-US" sz="1700" dirty="0"/>
+              <a:t>Multi-head attention</a:t>
+            </a:r>
+          </a:p>
+          <a:p>
+            <a:r>
+              <a:rPr lang="en-US" sz="1700" dirty="0"/>
+              <a:t>Transformers</a:t>
+            </a:r>
+          </a:p>
+        </p:txBody>
+      </p:sp>
+    </p:spTree>
+    <p:extLst>
+      <p:ext uri="{BB962C8B-B14F-4D97-AF65-F5344CB8AC3E}">
+        <p14:creationId xmlns:p14="http://schemas.microsoft.com/office/powerpoint/2010/main" val="274231525"/>
+      </p:ext>
+    </p:extLst>
+  </p:cSld>
+  <p:clrMapOvr>
+    <a:masterClrMapping/>
+  </p:clrMapOvr>
+</p:sld>
+</file>
+
 <file path=ppt/slides/slide3.xml><?xml version="1.0" encoding="utf-8"?>
 <p:sld xmlns:a="http://schemas.openxmlformats.org/drawingml/2006/main" xmlns:r="http://schemas.openxmlformats.org/officeDocument/2006/relationships" xmlns:p="http://schemas.openxmlformats.org/presentationml/2006/main">
   <p:cSld>
+    <p:bg>
+      <p:bgPr>
+        <a:solidFill>
+          <a:schemeClr val="bg1"/>
+        </a:solidFill>
+        <a:effectLst/>
+      </p:bgPr>
+    </p:bg>
     <p:spTree>
       <p:nvGrpSpPr>
         <p:cNvPr id="1" name=""/>
@@ -8856,8 +9914,43 @@
         </p:nvSpPr>
         <p:spPr>
           <a:xfrm>
-            <a:off x="1115568" y="548640"/>
-            <a:ext cx="10168128" cy="1179576"/>
+            <a:off x="4965430" y="629268"/>
+            <a:ext cx="6586491" cy="1286160"/>
+          </a:xfrm>
+        </p:spPr>
+        <p:txBody>
+          <a:bodyPr anchor="b">
+            <a:normAutofit/>
+          </a:bodyPr>
+          <a:lstStyle/>
+          <a:p>
+            <a:r>
+              <a:rPr lang="en-US" dirty="0"/>
+              <a:t>What is attention?</a:t>
+            </a:r>
+          </a:p>
+        </p:txBody>
+      </p:sp>
+      <p:sp>
+        <p:nvSpPr>
+          <p:cNvPr id="3" name="Content Placeholder 2">
+            <a:extLst>
+              <a:ext uri="{FF2B5EF4-FFF2-40B4-BE49-F238E27FC236}">
+                <a16:creationId xmlns:a16="http://schemas.microsoft.com/office/drawing/2014/main" id="{16EC3815-5E4C-16D1-729D-7777FEC5E279}"/>
+              </a:ext>
+            </a:extLst>
+          </p:cNvPr>
+          <p:cNvSpPr>
+            <a:spLocks noGrp="1"/>
+          </p:cNvSpPr>
+          <p:nvPr>
+            <p:ph idx="1"/>
+          </p:nvPr>
+        </p:nvSpPr>
+        <p:spPr>
+          <a:xfrm>
+            <a:off x="4965431" y="2438400"/>
+            <a:ext cx="6586489" cy="3785419"/>
           </a:xfrm>
         </p:spPr>
         <p:txBody>
@@ -8866,96 +9959,171 @@
           </a:bodyPr>
           <a:lstStyle/>
           <a:p>
-            <a:r>
-              <a:rPr lang="en-US" sz="4000" dirty="0"/>
-              <a:t>Attention and sequence-to-sequence models</a:t>
-            </a:r>
-          </a:p>
-        </p:txBody>
-      </p:sp>
-      <p:sp>
-        <p:nvSpPr>
-          <p:cNvPr id="3" name="Content Placeholder 2">
-            <a:extLst>
-              <a:ext uri="{FF2B5EF4-FFF2-40B4-BE49-F238E27FC236}">
-                <a16:creationId xmlns:a16="http://schemas.microsoft.com/office/drawing/2014/main" id="{16EC3815-5E4C-16D1-729D-7777FEC5E279}"/>
-              </a:ext>
-            </a:extLst>
-          </p:cNvPr>
-          <p:cNvSpPr>
-            <a:spLocks noGrp="1"/>
-          </p:cNvSpPr>
-          <p:nvPr>
-            <p:ph idx="1"/>
-          </p:nvPr>
-        </p:nvSpPr>
-        <p:spPr>
-          <a:xfrm>
-            <a:off x="1115568" y="2481943"/>
-            <a:ext cx="10168128" cy="3695020"/>
-          </a:xfrm>
-        </p:spPr>
-        <p:txBody>
-          <a:bodyPr>
-            <a:normAutofit/>
-          </a:bodyPr>
-          <a:lstStyle/>
-          <a:p>
-            <a:r>
-              <a:rPr lang="en-US" sz="2200" dirty="0"/>
-              <a:t>Attention is found most notably in sequence-to-sequence models</a:t>
-            </a:r>
-          </a:p>
-          <a:p>
-            <a:pPr lvl="1"/>
-            <a:r>
-              <a:rPr lang="en-US" sz="1800" dirty="0"/>
-              <a:t>A sequence-to-sequence layer is a neural network layer that takes as an input a sequence of elements and outputs another. </a:t>
-            </a:r>
-          </a:p>
-          <a:p>
-            <a:pPr lvl="1"/>
-            <a:r>
-              <a:rPr lang="en-US" sz="1800" dirty="0"/>
-              <a:t>It is often used in language translation tasks, but the input can be pixels instead of words, so there’s a direct application in image processing as well.</a:t>
-            </a:r>
-          </a:p>
-          <a:p>
-            <a:r>
-              <a:rPr lang="en-US" sz="2200" dirty="0"/>
-              <a:t>Sequence-to-sequence layers can be causal (can only look backwards), or non-</a:t>
-            </a:r>
-            <a:r>
-              <a:rPr lang="en-US" sz="2200" dirty="0" err="1"/>
-              <a:t>causual</a:t>
-            </a:r>
-            <a:r>
-              <a:rPr lang="en-US" sz="2200" dirty="0"/>
-              <a:t> (forward and backwards). The need to “look around” is where attention comes in.</a:t>
-            </a:r>
-          </a:p>
-          <a:p>
-            <a:r>
-              <a:rPr lang="en-US" sz="2200" b="1" dirty="0"/>
-              <a:t>The goal</a:t>
-            </a:r>
-            <a:r>
-              <a:rPr lang="en-US" sz="2200" dirty="0"/>
-              <a:t> is to provide an implementation which can be executed fast (in parallel) and allow for distant comparison of elements in a performant manner. </a:t>
-            </a:r>
-          </a:p>
-          <a:p>
-            <a:endParaRPr lang="en-US" sz="2200" dirty="0"/>
-          </a:p>
-          <a:p>
-            <a:endParaRPr lang="en-US" sz="2200" dirty="0"/>
-          </a:p>
-        </p:txBody>
-      </p:sp>
+            <a:pPr marL="0" indent="0">
+              <a:buNone/>
+            </a:pPr>
+            <a:r>
+              <a:rPr lang="en-US" sz="2000" dirty="0"/>
+              <a:t>Attention is the concept of applying differing degrees of attention to an input sequence. </a:t>
+            </a:r>
+          </a:p>
+          <a:p>
+            <a:pPr marL="0" indent="0">
+              <a:buNone/>
+            </a:pPr>
+            <a:endParaRPr lang="en-US" sz="2000" dirty="0"/>
+          </a:p>
+          <a:p>
+            <a:pPr marL="0" indent="0">
+              <a:buNone/>
+            </a:pPr>
+            <a:r>
+              <a:rPr lang="en-US" sz="2000" dirty="0"/>
+              <a:t>So, for sequence-to-sequence models, an output at timestep </a:t>
+            </a:r>
+            <a:r>
+              <a:rPr lang="en-US" sz="2000" i="1" dirty="0"/>
+              <a:t>t</a:t>
+            </a:r>
+            <a:r>
+              <a:rPr lang="en-US" sz="2000" dirty="0"/>
+              <a:t> considers more than the input at timestep </a:t>
+            </a:r>
+            <a:r>
+              <a:rPr lang="en-US" sz="2000" i="1" dirty="0"/>
+              <a:t>t</a:t>
+            </a:r>
+            <a:r>
+              <a:rPr lang="en-US" sz="2000" dirty="0"/>
+              <a:t>. </a:t>
+            </a:r>
+          </a:p>
+          <a:p>
+            <a:pPr marL="0" indent="0">
+              <a:buNone/>
+            </a:pPr>
+            <a:endParaRPr lang="en-US" sz="2000" dirty="0"/>
+          </a:p>
+          <a:p>
+            <a:pPr marL="0" indent="0">
+              <a:buNone/>
+            </a:pPr>
+            <a:r>
+              <a:rPr lang="en-US" sz="2000" dirty="0"/>
+              <a:t>Greatly improves performance and reduces overhead</a:t>
+            </a:r>
+          </a:p>
+          <a:p>
+            <a:endParaRPr lang="en-US" sz="2000" dirty="0"/>
+          </a:p>
+          <a:p>
+            <a:endParaRPr lang="en-US" sz="2000" dirty="0"/>
+          </a:p>
+        </p:txBody>
+      </p:sp>
+      <p:cxnSp>
+        <p:nvCxnSpPr>
+          <p:cNvPr id="20" name="Straight Connector 19">
+            <a:extLst>
+              <a:ext uri="{FF2B5EF4-FFF2-40B4-BE49-F238E27FC236}">
+                <a16:creationId xmlns:a16="http://schemas.microsoft.com/office/drawing/2014/main" id="{A7F400EE-A8A5-48AF-B4D6-291B52C6F0B0}"/>
+              </a:ext>
+              <a:ext uri="{C183D7F6-B498-43B3-948B-1728B52AA6E4}">
+                <adec:decorative xmlns:adec="http://schemas.microsoft.com/office/drawing/2017/decorative" val="1"/>
+              </a:ext>
+            </a:extLst>
+          </p:cNvPr>
+          <p:cNvCxnSpPr>
+            <a:cxnSpLocks noGrp="1" noRot="1" noChangeAspect="1" noMove="1" noResize="1" noEditPoints="1" noAdjustHandles="1" noChangeArrowheads="1" noChangeShapeType="1"/>
+          </p:cNvCxnSpPr>
+          <p:nvPr>
+            <p:extLst>
+              <p:ext uri="{386F3935-93C4-4BCD-93E2-E3B085C9AB24}">
+                <p16:designElem xmlns:p16="http://schemas.microsoft.com/office/powerpoint/2015/main" val="1"/>
+              </p:ext>
+            </p:extLst>
+          </p:nvPr>
+        </p:nvCxnSpPr>
+        <p:spPr>
+          <a:xfrm>
+            <a:off x="5080934" y="2115117"/>
+            <a:ext cx="6309360" cy="0"/>
+          </a:xfrm>
+          <a:prstGeom prst="line">
+            <a:avLst/>
+          </a:prstGeom>
+          <a:ln w="19050">
+            <a:solidFill>
+              <a:srgbClr val="3A5C8F"/>
+            </a:solidFill>
+          </a:ln>
+        </p:spPr>
+        <p:style>
+          <a:lnRef idx="1">
+            <a:schemeClr val="accent1"/>
+          </a:lnRef>
+          <a:fillRef idx="0">
+            <a:schemeClr val="accent1"/>
+          </a:fillRef>
+          <a:effectRef idx="0">
+            <a:schemeClr val="accent1"/>
+          </a:effectRef>
+          <a:fontRef idx="minor">
+            <a:schemeClr val="tx1"/>
+          </a:fontRef>
+        </p:style>
+      </p:cxnSp>
+      <p:pic>
+        <p:nvPicPr>
+          <p:cNvPr id="1028" name="Picture 4" descr="Attention is all you need: Discovering the Transformer paper | by Eduardo  Muñoz | Towards Data Science">
+            <a:extLst>
+              <a:ext uri="{FF2B5EF4-FFF2-40B4-BE49-F238E27FC236}">
+                <a16:creationId xmlns:a16="http://schemas.microsoft.com/office/drawing/2014/main" id="{9CC027B6-135D-F697-299B-4BD770BB11BB}"/>
+              </a:ext>
+            </a:extLst>
+          </p:cNvPr>
+          <p:cNvPicPr>
+            <a:picLocks noChangeAspect="1" noChangeArrowheads="1"/>
+          </p:cNvPicPr>
+          <p:nvPr/>
+        </p:nvPicPr>
+        <p:blipFill>
+          <a:blip r:embed="rId2">
+            <a:extLst>
+              <a:ext uri="{28A0092B-C50C-407E-A947-70E740481C1C}">
+                <a14:useLocalDpi xmlns:a14="http://schemas.microsoft.com/office/drawing/2010/main" val="0"/>
+              </a:ext>
+            </a:extLst>
+          </a:blip>
+          <a:srcRect/>
+          <a:stretch>
+            <a:fillRect/>
+          </a:stretch>
+        </p:blipFill>
+        <p:spPr bwMode="auto">
+          <a:xfrm>
+            <a:off x="217171" y="48033"/>
+            <a:ext cx="4668338" cy="6337160"/>
+          </a:xfrm>
+          <a:prstGeom prst="rect">
+            <a:avLst/>
+          </a:prstGeom>
+          <a:noFill/>
+          <a:extLst>
+            <a:ext uri="{909E8E84-426E-40DD-AFC4-6F175D3DCCD1}">
+              <a14:hiddenFill xmlns:a14="http://schemas.microsoft.com/office/drawing/2010/main">
+                <a:solidFill>
+                  <a:srgbClr val="FFFFFF"/>
+                </a:solidFill>
+              </a14:hiddenFill>
+            </a:ext>
+          </a:extLst>
+        </p:spPr>
+      </p:pic>
     </p:spTree>
     <p:extLst>
       <p:ext uri="{BB962C8B-B14F-4D97-AF65-F5344CB8AC3E}">
-        <p14:creationId xmlns:p14="http://schemas.microsoft.com/office/powerpoint/2010/main" val="839162451"/>
+        <p14:creationId xmlns:p14="http://schemas.microsoft.com/office/powerpoint/2010/main" val="2276897774"/>
       </p:ext>
     </p:extLst>
   </p:cSld>
@@ -8992,10 +10160,10 @@
       </p:grpSpPr>
       <p:sp useBgFill="1">
         <p:nvSpPr>
-          <p:cNvPr id="1038" name="Rectangle 1037">
-            <a:extLst>
-              <a:ext uri="{FF2B5EF4-FFF2-40B4-BE49-F238E27FC236}">
-                <a16:creationId xmlns:a16="http://schemas.microsoft.com/office/drawing/2014/main" id="{2550BE34-C2B8-49B8-8519-67A8CAD51AE9}"/>
+          <p:cNvPr id="8" name="Rectangle 7">
+            <a:extLst>
+              <a:ext uri="{FF2B5EF4-FFF2-40B4-BE49-F238E27FC236}">
+                <a16:creationId xmlns:a16="http://schemas.microsoft.com/office/drawing/2014/main" id="{100EDD19-6802-4EC3-95CE-CFFAB042CFD6}"/>
               </a:ext>
               <a:ext uri="{C183D7F6-B498-43B3-948B-1728B52AA6E4}">
                 <adec:decorative xmlns:adec="http://schemas.microsoft.com/office/drawing/2017/decorative" val="1"/>
@@ -9016,7 +10184,7 @@
         <p:spPr>
           <a:xfrm>
             <a:off x="0" y="0"/>
-            <a:ext cx="12192000" cy="6858000"/>
+            <a:ext cx="12188952" cy="6858000"/>
           </a:xfrm>
           <a:prstGeom prst="rect">
             <a:avLst/>
@@ -9050,12 +10218,47 @@
           </a:p>
         </p:txBody>
       </p:sp>
-      <p:sp useBgFill="1">
-        <p:nvSpPr>
-          <p:cNvPr id="1040" name="Rectangle 1039">
-            <a:extLst>
-              <a:ext uri="{FF2B5EF4-FFF2-40B4-BE49-F238E27FC236}">
-                <a16:creationId xmlns:a16="http://schemas.microsoft.com/office/drawing/2014/main" id="{A7457DD9-5A45-400A-AB4B-4B4EDECA25F1}"/>
+      <p:sp>
+        <p:nvSpPr>
+          <p:cNvPr id="2" name="Title 1">
+            <a:extLst>
+              <a:ext uri="{FF2B5EF4-FFF2-40B4-BE49-F238E27FC236}">
+                <a16:creationId xmlns:a16="http://schemas.microsoft.com/office/drawing/2014/main" id="{39624F12-E5F9-7075-1E1C-D7CD5ECE6A37}"/>
+              </a:ext>
+            </a:extLst>
+          </p:cNvPr>
+          <p:cNvSpPr>
+            <a:spLocks noGrp="1"/>
+          </p:cNvSpPr>
+          <p:nvPr>
+            <p:ph type="title"/>
+          </p:nvPr>
+        </p:nvSpPr>
+        <p:spPr>
+          <a:xfrm>
+            <a:off x="838200" y="365125"/>
+            <a:ext cx="10515600" cy="1325563"/>
+          </a:xfrm>
+        </p:spPr>
+        <p:txBody>
+          <a:bodyPr>
+            <a:normAutofit/>
+          </a:bodyPr>
+          <a:lstStyle/>
+          <a:p>
+            <a:r>
+              <a:rPr lang="en-US" sz="4200" dirty="0"/>
+              <a:t>Attention and sequence-to-sequence layers</a:t>
+            </a:r>
+          </a:p>
+        </p:txBody>
+      </p:sp>
+      <p:sp>
+        <p:nvSpPr>
+          <p:cNvPr id="10" name="sketch line">
+            <a:extLst>
+              <a:ext uri="{FF2B5EF4-FFF2-40B4-BE49-F238E27FC236}">
+                <a16:creationId xmlns:a16="http://schemas.microsoft.com/office/drawing/2014/main" id="{DB17E863-922E-4C26-BD64-E8FD41D28661}"/>
               </a:ext>
               <a:ext uri="{C183D7F6-B498-43B3-948B-1728B52AA6E4}">
                 <adec:decorative xmlns:adec="http://schemas.microsoft.com/office/drawing/2017/decorative" val="1"/>
@@ -9075,2340 +10278,84 @@
         </p:nvSpPr>
         <p:spPr>
           <a:xfrm>
-            <a:off x="554416" y="365125"/>
-            <a:ext cx="11167447" cy="2089317"/>
-          </a:xfrm>
-          <a:prstGeom prst="rect">
-            <a:avLst/>
-          </a:prstGeom>
-          <a:ln w="12700">
-            <a:solidFill>
-              <a:srgbClr val="DEDEDE"/>
-            </a:solidFill>
-          </a:ln>
-          <a:effectLst>
-            <a:outerShdw blurRad="50800" dist="38100" dir="2700000" algn="tl" rotWithShape="0">
-              <a:schemeClr val="bg2">
-                <a:lumMod val="85000"/>
-                <a:alpha val="50000"/>
-              </a:schemeClr>
-            </a:outerShdw>
-          </a:effectLst>
-        </p:spPr>
-        <p:style>
-          <a:lnRef idx="2">
-            <a:schemeClr val="accent1">
-              <a:shade val="50000"/>
-            </a:schemeClr>
-          </a:lnRef>
-          <a:fillRef idx="1">
-            <a:schemeClr val="accent1"/>
-          </a:fillRef>
-          <a:effectRef idx="0">
-            <a:schemeClr val="accent1"/>
-          </a:effectRef>
-          <a:fontRef idx="minor">
-            <a:schemeClr val="lt1"/>
-          </a:fontRef>
-        </p:style>
-        <p:txBody>
-          <a:bodyPr rtlCol="0" anchor="ctr"/>
-          <a:lstStyle/>
-          <a:p>
-            <a:pPr marL="0" marR="0" lvl="0" indent="0" algn="ctr" defTabSz="914400" rtl="0" eaLnBrk="1" fontAlgn="auto" latinLnBrk="0" hangingPunct="1">
-              <a:lnSpc>
-                <a:spcPct val="100000"/>
-              </a:lnSpc>
-              <a:spcBef>
-                <a:spcPts val="0"/>
-              </a:spcBef>
-              <a:spcAft>
-                <a:spcPts val="0"/>
-              </a:spcAft>
-              <a:buClrTx/>
-              <a:buSzTx/>
-              <a:buFontTx/>
-              <a:buNone/>
-              <a:tabLst/>
-              <a:defRPr/>
-            </a:pPr>
-            <a:endParaRPr kumimoji="0" lang="en-US" sz="1800" b="0" i="0" u="none" strike="noStrike" kern="1200" cap="none" spc="0" normalizeH="0" baseline="0" noProof="0">
-              <a:ln>
-                <a:noFill/>
-              </a:ln>
-              <a:solidFill>
-                <a:prstClr val="white"/>
-              </a:solidFill>
-              <a:effectLst/>
-              <a:uLnTx/>
-              <a:uFillTx/>
-              <a:latin typeface="Calibri" panose="020F0502020204030204"/>
-              <a:ea typeface="+mn-ea"/>
-              <a:cs typeface="+mn-cs"/>
-            </a:endParaRPr>
-          </a:p>
-        </p:txBody>
-      </p:sp>
-      <p:sp>
-        <p:nvSpPr>
-          <p:cNvPr id="2" name="Title 1">
-            <a:extLst>
-              <a:ext uri="{FF2B5EF4-FFF2-40B4-BE49-F238E27FC236}">
-                <a16:creationId xmlns:a16="http://schemas.microsoft.com/office/drawing/2014/main" id="{05B462F1-C180-2283-7339-0B49070EFF39}"/>
-              </a:ext>
-            </a:extLst>
-          </p:cNvPr>
-          <p:cNvSpPr>
-            <a:spLocks noGrp="1"/>
-          </p:cNvSpPr>
-          <p:nvPr>
-            <p:ph type="title"/>
-          </p:nvPr>
-        </p:nvSpPr>
-        <p:spPr>
-          <a:xfrm>
-            <a:off x="1046746" y="586822"/>
-            <a:ext cx="3560252" cy="1645920"/>
-          </a:xfrm>
-        </p:spPr>
-        <p:txBody>
-          <a:bodyPr>
-            <a:normAutofit/>
-          </a:bodyPr>
-          <a:lstStyle/>
-          <a:p>
-            <a:r>
-              <a:rPr lang="en-US" sz="3200"/>
-              <a:t>Two forms of sequence-to-sequence</a:t>
-            </a:r>
-          </a:p>
-        </p:txBody>
-      </p:sp>
-      <p:sp>
-        <p:nvSpPr>
-          <p:cNvPr id="1042" name="Rectangle 1041">
-            <a:extLst>
-              <a:ext uri="{FF2B5EF4-FFF2-40B4-BE49-F238E27FC236}">
-                <a16:creationId xmlns:a16="http://schemas.microsoft.com/office/drawing/2014/main" id="{441CF7D6-A660-431A-B0BB-140A0D5556B6}"/>
-              </a:ext>
-              <a:ext uri="{C183D7F6-B498-43B3-948B-1728B52AA6E4}">
-                <adec:decorative xmlns:adec="http://schemas.microsoft.com/office/drawing/2017/decorative" val="1"/>
-              </a:ext>
-            </a:extLst>
-          </p:cNvPr>
-          <p:cNvSpPr>
-            <a:spLocks noGrp="1" noRot="1" noChangeAspect="1" noMove="1" noResize="1" noEditPoints="1" noAdjustHandles="1" noChangeArrowheads="1" noChangeShapeType="1" noTextEdit="1"/>
-          </p:cNvSpPr>
-          <p:nvPr>
-            <p:extLst>
-              <p:ext uri="{386F3935-93C4-4BCD-93E2-E3B085C9AB24}">
-                <p16:designElem xmlns:p16="http://schemas.microsoft.com/office/powerpoint/2015/main" val="1"/>
-              </p:ext>
-            </p:extLst>
-          </p:nvPr>
-        </p:nvSpPr>
-        <p:spPr>
-          <a:xfrm>
-            <a:off x="490408" y="1057739"/>
-            <a:ext cx="128016" cy="704088"/>
-          </a:xfrm>
-          <a:prstGeom prst="rect">
-            <a:avLst/>
-          </a:prstGeom>
-          <a:solidFill>
-            <a:schemeClr val="accent2"/>
-          </a:solidFill>
-          <a:ln>
-            <a:noFill/>
-          </a:ln>
-        </p:spPr>
-        <p:style>
-          <a:lnRef idx="2">
-            <a:schemeClr val="accent1">
-              <a:shade val="50000"/>
-            </a:schemeClr>
-          </a:lnRef>
-          <a:fillRef idx="1">
-            <a:schemeClr val="accent1"/>
-          </a:fillRef>
-          <a:effectRef idx="0">
-            <a:schemeClr val="accent1"/>
-          </a:effectRef>
-          <a:fontRef idx="minor">
-            <a:schemeClr val="lt1"/>
-          </a:fontRef>
-        </p:style>
-        <p:txBody>
-          <a:bodyPr rtlCol="0" anchor="ctr"/>
-          <a:lstStyle/>
-          <a:p>
-            <a:pPr algn="ctr"/>
-            <a:endParaRPr lang="en-US" dirty="0">
-              <a:solidFill>
-                <a:prstClr val="white"/>
-              </a:solidFill>
-              <a:latin typeface="Calibri" panose="020F0502020204030204"/>
-            </a:endParaRPr>
-          </a:p>
-        </p:txBody>
-      </p:sp>
-      <p:sp>
-        <p:nvSpPr>
-          <p:cNvPr id="1044" name="Rectangle 1043">
-            <a:extLst>
-              <a:ext uri="{FF2B5EF4-FFF2-40B4-BE49-F238E27FC236}">
-                <a16:creationId xmlns:a16="http://schemas.microsoft.com/office/drawing/2014/main" id="{0570A85B-3810-4F95-97B0-CBF4CCDB381C}"/>
-              </a:ext>
-              <a:ext uri="{C183D7F6-B498-43B3-948B-1728B52AA6E4}">
-                <adec:decorative xmlns:adec="http://schemas.microsoft.com/office/drawing/2017/decorative" val="1"/>
-              </a:ext>
-            </a:extLst>
-          </p:cNvPr>
-          <p:cNvSpPr>
-            <a:spLocks noGrp="1" noRot="1" noChangeAspect="1" noMove="1" noResize="1" noEditPoints="1" noAdjustHandles="1" noChangeArrowheads="1" noChangeShapeType="1" noTextEdit="1"/>
-          </p:cNvSpPr>
-          <p:nvPr>
-            <p:extLst>
-              <p:ext uri="{386F3935-93C4-4BCD-93E2-E3B085C9AB24}">
-                <p16:designElem xmlns:p16="http://schemas.microsoft.com/office/powerpoint/2015/main" val="1"/>
-              </p:ext>
-            </p:extLst>
-          </p:nvPr>
-        </p:nvSpPr>
-        <p:spPr>
-          <a:xfrm rot="5400000">
-            <a:off x="4243541" y="1400638"/>
-            <a:ext cx="1463040" cy="18288"/>
-          </a:xfrm>
-          <a:prstGeom prst="rect">
-            <a:avLst/>
-          </a:prstGeom>
-          <a:solidFill>
-            <a:srgbClr val="D5D5D5"/>
-          </a:solidFill>
-          <a:ln w="3175">
-            <a:noFill/>
-          </a:ln>
-          <a:effectLst/>
-        </p:spPr>
-        <p:style>
-          <a:lnRef idx="2">
-            <a:schemeClr val="accent1">
-              <a:shade val="50000"/>
-            </a:schemeClr>
-          </a:lnRef>
-          <a:fillRef idx="1">
-            <a:schemeClr val="accent1"/>
-          </a:fillRef>
-          <a:effectRef idx="0">
-            <a:schemeClr val="accent1"/>
-          </a:effectRef>
-          <a:fontRef idx="minor">
-            <a:schemeClr val="lt1"/>
-          </a:fontRef>
-        </p:style>
-        <p:txBody>
-          <a:bodyPr rtlCol="0" anchor="ctr"/>
-          <a:lstStyle/>
-          <a:p>
-            <a:pPr algn="ctr"/>
-            <a:endParaRPr lang="en-US">
-              <a:solidFill>
-                <a:prstClr val="white"/>
-              </a:solidFill>
-              <a:latin typeface="Calibri" panose="020F0502020204030204"/>
-            </a:endParaRPr>
-          </a:p>
-        </p:txBody>
-      </p:sp>
-      <p:sp>
-        <p:nvSpPr>
-          <p:cNvPr id="3" name="Content Placeholder 2">
-            <a:extLst>
-              <a:ext uri="{FF2B5EF4-FFF2-40B4-BE49-F238E27FC236}">
-                <a16:creationId xmlns:a16="http://schemas.microsoft.com/office/drawing/2014/main" id="{96F5230B-F8A4-C8E4-4C74-A1C627ED0DD6}"/>
-              </a:ext>
-            </a:extLst>
-          </p:cNvPr>
-          <p:cNvSpPr>
-            <a:spLocks noGrp="1"/>
-          </p:cNvSpPr>
-          <p:nvPr>
-            <p:ph idx="1"/>
-          </p:nvPr>
-        </p:nvSpPr>
-        <p:spPr>
-          <a:xfrm>
-            <a:off x="5351164" y="586822"/>
-            <a:ext cx="6002636" cy="1645920"/>
-          </a:xfrm>
-        </p:spPr>
-        <p:txBody>
-          <a:bodyPr anchor="ctr">
-            <a:normAutofit/>
-          </a:bodyPr>
-          <a:lstStyle/>
-          <a:p>
-            <a:r>
-              <a:rPr lang="en-US" sz="1800"/>
-              <a:t>The recurrent neural network </a:t>
-            </a:r>
-            <a:r>
-              <a:rPr lang="da-DK" sz="1800" b="0" i="0">
-                <a:effectLst/>
-                <a:latin typeface="Helvetica Neue"/>
-              </a:rPr>
-              <a:t>((Cho et al., 2014a) and (Sutskever et al., 2014))</a:t>
-            </a:r>
-            <a:endParaRPr lang="en-US" sz="1800"/>
-          </a:p>
-          <a:p>
-            <a:r>
-              <a:rPr lang="en-US" sz="1800"/>
-              <a:t>Each timestep takes as input an embedding of some sort</a:t>
-            </a:r>
-          </a:p>
-          <a:p>
-            <a:r>
-              <a:rPr lang="en-US" sz="1800"/>
-              <a:t>Each timestep is responsible for creating an embedding</a:t>
-            </a:r>
-          </a:p>
-          <a:p>
-            <a:endParaRPr lang="en-US" sz="1800"/>
-          </a:p>
-        </p:txBody>
-      </p:sp>
-      <p:pic>
-        <p:nvPicPr>
-          <p:cNvPr id="1026" name="Picture 2">
-            <a:extLst>
-              <a:ext uri="{FF2B5EF4-FFF2-40B4-BE49-F238E27FC236}">
-                <a16:creationId xmlns:a16="http://schemas.microsoft.com/office/drawing/2014/main" id="{BC943F7B-87AE-7688-68E8-BFE3051CE1EE}"/>
-              </a:ext>
-            </a:extLst>
-          </p:cNvPr>
-          <p:cNvPicPr>
-            <a:picLocks noChangeAspect="1" noChangeArrowheads="1"/>
-          </p:cNvPicPr>
-          <p:nvPr/>
-        </p:nvPicPr>
-        <p:blipFill>
-          <a:blip r:embed="rId2">
-            <a:extLst>
-              <a:ext uri="{28A0092B-C50C-407E-A947-70E740481C1C}">
-                <a14:useLocalDpi xmlns:a14="http://schemas.microsoft.com/office/drawing/2010/main" val="0"/>
-              </a:ext>
-            </a:extLst>
-          </a:blip>
-          <a:stretch>
-            <a:fillRect/>
-          </a:stretch>
-        </p:blipFill>
-        <p:spPr bwMode="auto">
-          <a:xfrm>
-            <a:off x="1495042" y="2734056"/>
-            <a:ext cx="9290307" cy="3483864"/>
-          </a:xfrm>
-          <a:prstGeom prst="rect">
-            <a:avLst/>
-          </a:prstGeom>
-          <a:noFill/>
-          <a:extLst>
-            <a:ext uri="{909E8E84-426E-40DD-AFC4-6F175D3DCCD1}">
-              <a14:hiddenFill xmlns:a14="http://schemas.microsoft.com/office/drawing/2010/main">
-                <a:solidFill>
-                  <a:srgbClr val="FFFFFF"/>
-                </a:solidFill>
-              </a14:hiddenFill>
-            </a:ext>
-          </a:extLst>
-        </p:spPr>
-      </p:pic>
-    </p:spTree>
-    <p:extLst>
-      <p:ext uri="{BB962C8B-B14F-4D97-AF65-F5344CB8AC3E}">
-        <p14:creationId xmlns:p14="http://schemas.microsoft.com/office/powerpoint/2010/main" val="2958361846"/>
-      </p:ext>
-    </p:extLst>
-  </p:cSld>
-  <p:clrMapOvr>
-    <a:masterClrMapping/>
-  </p:clrMapOvr>
-</p:sld>
-</file>
-
-<file path=ppt/slides/slide5.xml><?xml version="1.0" encoding="utf-8"?>
-<p:sld xmlns:a="http://schemas.openxmlformats.org/drawingml/2006/main" xmlns:r="http://schemas.openxmlformats.org/officeDocument/2006/relationships" xmlns:p="http://schemas.openxmlformats.org/presentationml/2006/main">
-  <p:cSld>
-    <p:bg>
-      <p:bgPr>
-        <a:solidFill>
-          <a:schemeClr val="bg1"/>
-        </a:solidFill>
-        <a:effectLst/>
-      </p:bgPr>
-    </p:bg>
-    <p:spTree>
-      <p:nvGrpSpPr>
-        <p:cNvPr id="1" name=""/>
-        <p:cNvGrpSpPr/>
-        <p:nvPr/>
-      </p:nvGrpSpPr>
-      <p:grpSpPr>
-        <a:xfrm>
-          <a:off x="0" y="0"/>
-          <a:ext cx="0" cy="0"/>
-          <a:chOff x="0" y="0"/>
-          <a:chExt cx="0" cy="0"/>
-        </a:xfrm>
-      </p:grpSpPr>
-      <p:sp useBgFill="1">
-        <p:nvSpPr>
-          <p:cNvPr id="2055" name="Rectangle 2054">
-            <a:extLst>
-              <a:ext uri="{FF2B5EF4-FFF2-40B4-BE49-F238E27FC236}">
-                <a16:creationId xmlns:a16="http://schemas.microsoft.com/office/drawing/2014/main" id="{2550BE34-C2B8-49B8-8519-67A8CAD51AE9}"/>
-              </a:ext>
-              <a:ext uri="{C183D7F6-B498-43B3-948B-1728B52AA6E4}">
-                <adec:decorative xmlns:adec="http://schemas.microsoft.com/office/drawing/2017/decorative" val="1"/>
-              </a:ext>
-            </a:extLst>
-          </p:cNvPr>
-          <p:cNvSpPr>
-            <a:spLocks noGrp="1" noRot="1" noChangeAspect="1" noMove="1" noResize="1" noEditPoints="1" noAdjustHandles="1" noChangeArrowheads="1" noChangeShapeType="1" noTextEdit="1"/>
-          </p:cNvSpPr>
-          <p:nvPr>
-            <p:extLst>
-              <p:ext uri="{386F3935-93C4-4BCD-93E2-E3B085C9AB24}">
-                <p16:designElem xmlns:p16="http://schemas.microsoft.com/office/powerpoint/2015/main" val="1"/>
-              </p:ext>
-            </p:extLst>
-          </p:nvPr>
-        </p:nvSpPr>
-        <p:spPr>
-          <a:xfrm>
-            <a:off x="0" y="0"/>
-            <a:ext cx="12192000" cy="6858000"/>
-          </a:xfrm>
-          <a:prstGeom prst="rect">
-            <a:avLst/>
-          </a:prstGeom>
-          <a:ln>
-            <a:noFill/>
-          </a:ln>
-        </p:spPr>
-        <p:style>
-          <a:lnRef idx="2">
-            <a:schemeClr val="accent1">
-              <a:shade val="50000"/>
-            </a:schemeClr>
-          </a:lnRef>
-          <a:fillRef idx="1">
-            <a:schemeClr val="accent1"/>
-          </a:fillRef>
-          <a:effectRef idx="0">
-            <a:schemeClr val="accent1"/>
-          </a:effectRef>
-          <a:fontRef idx="minor">
-            <a:schemeClr val="lt1"/>
-          </a:fontRef>
-        </p:style>
-        <p:txBody>
-          <a:bodyPr rtlCol="0" anchor="ctr"/>
-          <a:lstStyle/>
-          <a:p>
-            <a:pPr algn="ctr"/>
-            <a:endParaRPr lang="en-US"/>
-          </a:p>
-        </p:txBody>
-      </p:sp>
-      <p:sp useBgFill="1">
-        <p:nvSpPr>
-          <p:cNvPr id="2057" name="Rectangle 2056">
-            <a:extLst>
-              <a:ext uri="{FF2B5EF4-FFF2-40B4-BE49-F238E27FC236}">
-                <a16:creationId xmlns:a16="http://schemas.microsoft.com/office/drawing/2014/main" id="{A7457DD9-5A45-400A-AB4B-4B4EDECA25F1}"/>
-              </a:ext>
-              <a:ext uri="{C183D7F6-B498-43B3-948B-1728B52AA6E4}">
-                <adec:decorative xmlns:adec="http://schemas.microsoft.com/office/drawing/2017/decorative" val="1"/>
-              </a:ext>
-            </a:extLst>
-          </p:cNvPr>
-          <p:cNvSpPr>
-            <a:spLocks noGrp="1" noRot="1" noChangeAspect="1" noMove="1" noResize="1" noEditPoints="1" noAdjustHandles="1" noChangeArrowheads="1" noChangeShapeType="1" noTextEdit="1"/>
-          </p:cNvSpPr>
-          <p:nvPr>
-            <p:extLst>
-              <p:ext uri="{386F3935-93C4-4BCD-93E2-E3B085C9AB24}">
-                <p16:designElem xmlns:p16="http://schemas.microsoft.com/office/powerpoint/2015/main" val="1"/>
-              </p:ext>
-            </p:extLst>
-          </p:nvPr>
-        </p:nvSpPr>
-        <p:spPr>
-          <a:xfrm>
-            <a:off x="554416" y="365125"/>
-            <a:ext cx="11167447" cy="2089317"/>
-          </a:xfrm>
-          <a:prstGeom prst="rect">
-            <a:avLst/>
-          </a:prstGeom>
-          <a:ln w="12700">
-            <a:solidFill>
-              <a:srgbClr val="DEDEDE"/>
-            </a:solidFill>
-          </a:ln>
-          <a:effectLst>
-            <a:outerShdw blurRad="50800" dist="38100" dir="2700000" algn="tl" rotWithShape="0">
-              <a:schemeClr val="bg2">
-                <a:lumMod val="85000"/>
-                <a:alpha val="50000"/>
-              </a:schemeClr>
-            </a:outerShdw>
-          </a:effectLst>
-        </p:spPr>
-        <p:style>
-          <a:lnRef idx="2">
-            <a:schemeClr val="accent1">
-              <a:shade val="50000"/>
-            </a:schemeClr>
-          </a:lnRef>
-          <a:fillRef idx="1">
-            <a:schemeClr val="accent1"/>
-          </a:fillRef>
-          <a:effectRef idx="0">
-            <a:schemeClr val="accent1"/>
-          </a:effectRef>
-          <a:fontRef idx="minor">
-            <a:schemeClr val="lt1"/>
-          </a:fontRef>
-        </p:style>
-        <p:txBody>
-          <a:bodyPr rtlCol="0" anchor="ctr"/>
-          <a:lstStyle/>
-          <a:p>
-            <a:pPr marL="0" marR="0" lvl="0" indent="0" algn="ctr" defTabSz="914400" rtl="0" eaLnBrk="1" fontAlgn="auto" latinLnBrk="0" hangingPunct="1">
-              <a:lnSpc>
-                <a:spcPct val="100000"/>
-              </a:lnSpc>
-              <a:spcBef>
-                <a:spcPts val="0"/>
-              </a:spcBef>
-              <a:spcAft>
-                <a:spcPts val="0"/>
-              </a:spcAft>
-              <a:buClrTx/>
-              <a:buSzTx/>
-              <a:buFontTx/>
-              <a:buNone/>
-              <a:tabLst/>
-              <a:defRPr/>
-            </a:pPr>
-            <a:endParaRPr kumimoji="0" lang="en-US" sz="1800" b="0" i="0" u="none" strike="noStrike" kern="1200" cap="none" spc="0" normalizeH="0" baseline="0" noProof="0">
-              <a:ln>
-                <a:noFill/>
-              </a:ln>
-              <a:solidFill>
-                <a:prstClr val="white"/>
-              </a:solidFill>
-              <a:effectLst/>
-              <a:uLnTx/>
-              <a:uFillTx/>
-              <a:latin typeface="Calibri" panose="020F0502020204030204"/>
-              <a:ea typeface="+mn-ea"/>
-              <a:cs typeface="+mn-cs"/>
-            </a:endParaRPr>
-          </a:p>
-        </p:txBody>
-      </p:sp>
-      <p:sp>
-        <p:nvSpPr>
-          <p:cNvPr id="2" name="Title 1">
-            <a:extLst>
-              <a:ext uri="{FF2B5EF4-FFF2-40B4-BE49-F238E27FC236}">
-                <a16:creationId xmlns:a16="http://schemas.microsoft.com/office/drawing/2014/main" id="{05B462F1-C180-2283-7339-0B49070EFF39}"/>
-              </a:ext>
-            </a:extLst>
-          </p:cNvPr>
-          <p:cNvSpPr>
-            <a:spLocks noGrp="1"/>
-          </p:cNvSpPr>
-          <p:nvPr>
-            <p:ph type="title"/>
-          </p:nvPr>
-        </p:nvSpPr>
-        <p:spPr>
-          <a:xfrm>
-            <a:off x="1046746" y="586822"/>
-            <a:ext cx="3560252" cy="1645920"/>
-          </a:xfrm>
-        </p:spPr>
-        <p:txBody>
-          <a:bodyPr>
-            <a:normAutofit/>
-          </a:bodyPr>
-          <a:lstStyle/>
-          <a:p>
-            <a:r>
-              <a:rPr lang="en-US" sz="3200"/>
-              <a:t>Two forms of sequence-to-sequence</a:t>
-            </a:r>
-          </a:p>
-        </p:txBody>
-      </p:sp>
-      <p:sp>
-        <p:nvSpPr>
-          <p:cNvPr id="2059" name="Rectangle 2058">
-            <a:extLst>
-              <a:ext uri="{FF2B5EF4-FFF2-40B4-BE49-F238E27FC236}">
-                <a16:creationId xmlns:a16="http://schemas.microsoft.com/office/drawing/2014/main" id="{441CF7D6-A660-431A-B0BB-140A0D5556B6}"/>
-              </a:ext>
-              <a:ext uri="{C183D7F6-B498-43B3-948B-1728B52AA6E4}">
-                <adec:decorative xmlns:adec="http://schemas.microsoft.com/office/drawing/2017/decorative" val="1"/>
-              </a:ext>
-            </a:extLst>
-          </p:cNvPr>
-          <p:cNvSpPr>
-            <a:spLocks noGrp="1" noRot="1" noChangeAspect="1" noMove="1" noResize="1" noEditPoints="1" noAdjustHandles="1" noChangeArrowheads="1" noChangeShapeType="1" noTextEdit="1"/>
-          </p:cNvSpPr>
-          <p:nvPr>
-            <p:extLst>
-              <p:ext uri="{386F3935-93C4-4BCD-93E2-E3B085C9AB24}">
-                <p16:designElem xmlns:p16="http://schemas.microsoft.com/office/powerpoint/2015/main" val="1"/>
-              </p:ext>
-            </p:extLst>
-          </p:nvPr>
-        </p:nvSpPr>
-        <p:spPr>
-          <a:xfrm>
-            <a:off x="490408" y="1057739"/>
-            <a:ext cx="128016" cy="704088"/>
-          </a:xfrm>
-          <a:prstGeom prst="rect">
-            <a:avLst/>
-          </a:prstGeom>
-          <a:solidFill>
-            <a:schemeClr val="accent2"/>
-          </a:solidFill>
-          <a:ln>
-            <a:noFill/>
-          </a:ln>
-        </p:spPr>
-        <p:style>
-          <a:lnRef idx="2">
-            <a:schemeClr val="accent1">
-              <a:shade val="50000"/>
-            </a:schemeClr>
-          </a:lnRef>
-          <a:fillRef idx="1">
-            <a:schemeClr val="accent1"/>
-          </a:fillRef>
-          <a:effectRef idx="0">
-            <a:schemeClr val="accent1"/>
-          </a:effectRef>
-          <a:fontRef idx="minor">
-            <a:schemeClr val="lt1"/>
-          </a:fontRef>
-        </p:style>
-        <p:txBody>
-          <a:bodyPr rtlCol="0" anchor="ctr"/>
-          <a:lstStyle/>
-          <a:p>
-            <a:pPr algn="ctr"/>
-            <a:endParaRPr lang="en-US" dirty="0">
-              <a:solidFill>
-                <a:prstClr val="white"/>
-              </a:solidFill>
-              <a:latin typeface="Calibri" panose="020F0502020204030204"/>
-            </a:endParaRPr>
-          </a:p>
-        </p:txBody>
-      </p:sp>
-      <p:sp>
-        <p:nvSpPr>
-          <p:cNvPr id="2061" name="Rectangle 2060">
-            <a:extLst>
-              <a:ext uri="{FF2B5EF4-FFF2-40B4-BE49-F238E27FC236}">
-                <a16:creationId xmlns:a16="http://schemas.microsoft.com/office/drawing/2014/main" id="{0570A85B-3810-4F95-97B0-CBF4CCDB381C}"/>
-              </a:ext>
-              <a:ext uri="{C183D7F6-B498-43B3-948B-1728B52AA6E4}">
-                <adec:decorative xmlns:adec="http://schemas.microsoft.com/office/drawing/2017/decorative" val="1"/>
-              </a:ext>
-            </a:extLst>
-          </p:cNvPr>
-          <p:cNvSpPr>
-            <a:spLocks noGrp="1" noRot="1" noChangeAspect="1" noMove="1" noResize="1" noEditPoints="1" noAdjustHandles="1" noChangeArrowheads="1" noChangeShapeType="1" noTextEdit="1"/>
-          </p:cNvSpPr>
-          <p:nvPr>
-            <p:extLst>
-              <p:ext uri="{386F3935-93C4-4BCD-93E2-E3B085C9AB24}">
-                <p16:designElem xmlns:p16="http://schemas.microsoft.com/office/powerpoint/2015/main" val="1"/>
-              </p:ext>
-            </p:extLst>
-          </p:nvPr>
-        </p:nvSpPr>
-        <p:spPr>
-          <a:xfrm rot="5400000">
-            <a:off x="4243541" y="1400638"/>
-            <a:ext cx="1463040" cy="18288"/>
-          </a:xfrm>
-          <a:prstGeom prst="rect">
-            <a:avLst/>
-          </a:prstGeom>
-          <a:solidFill>
-            <a:srgbClr val="D5D5D5"/>
-          </a:solidFill>
-          <a:ln w="3175">
-            <a:noFill/>
-          </a:ln>
-          <a:effectLst/>
-        </p:spPr>
-        <p:style>
-          <a:lnRef idx="2">
-            <a:schemeClr val="accent1">
-              <a:shade val="50000"/>
-            </a:schemeClr>
-          </a:lnRef>
-          <a:fillRef idx="1">
-            <a:schemeClr val="accent1"/>
-          </a:fillRef>
-          <a:effectRef idx="0">
-            <a:schemeClr val="accent1"/>
-          </a:effectRef>
-          <a:fontRef idx="minor">
-            <a:schemeClr val="lt1"/>
-          </a:fontRef>
-        </p:style>
-        <p:txBody>
-          <a:bodyPr rtlCol="0" anchor="ctr"/>
-          <a:lstStyle/>
-          <a:p>
-            <a:pPr algn="ctr"/>
-            <a:endParaRPr lang="en-US">
-              <a:solidFill>
-                <a:prstClr val="white"/>
-              </a:solidFill>
-              <a:latin typeface="Calibri" panose="020F0502020204030204"/>
-            </a:endParaRPr>
-          </a:p>
-        </p:txBody>
-      </p:sp>
-      <p:sp>
-        <p:nvSpPr>
-          <p:cNvPr id="3" name="Content Placeholder 2">
-            <a:extLst>
-              <a:ext uri="{FF2B5EF4-FFF2-40B4-BE49-F238E27FC236}">
-                <a16:creationId xmlns:a16="http://schemas.microsoft.com/office/drawing/2014/main" id="{96F5230B-F8A4-C8E4-4C74-A1C627ED0DD6}"/>
-              </a:ext>
-            </a:extLst>
-          </p:cNvPr>
-          <p:cNvSpPr>
-            <a:spLocks noGrp="1"/>
-          </p:cNvSpPr>
-          <p:nvPr>
-            <p:ph idx="1"/>
-          </p:nvPr>
-        </p:nvSpPr>
-        <p:spPr>
-          <a:xfrm>
-            <a:off x="5351164" y="586822"/>
-            <a:ext cx="6002636" cy="1645920"/>
-          </a:xfrm>
-        </p:spPr>
-        <p:txBody>
-          <a:bodyPr anchor="ctr">
-            <a:normAutofit/>
-          </a:bodyPr>
-          <a:lstStyle/>
-          <a:p>
-            <a:r>
-              <a:rPr lang="en-US" sz="1800"/>
-              <a:t>Very sequential, poorly parallel</a:t>
-            </a:r>
-          </a:p>
-          <a:p>
-            <a:r>
-              <a:rPr lang="en-US" sz="1800"/>
-              <a:t>Single latent state handed from encoder to decoder – think human translator</a:t>
-            </a:r>
-          </a:p>
-          <a:p>
-            <a:endParaRPr lang="en-US" sz="1800"/>
-          </a:p>
-        </p:txBody>
-      </p:sp>
-      <p:pic>
-        <p:nvPicPr>
-          <p:cNvPr id="2050" name="Picture 2">
-            <a:extLst>
-              <a:ext uri="{FF2B5EF4-FFF2-40B4-BE49-F238E27FC236}">
-                <a16:creationId xmlns:a16="http://schemas.microsoft.com/office/drawing/2014/main" id="{D3E193FA-A0D1-E44B-3D73-87A696C60BDC}"/>
-              </a:ext>
-            </a:extLst>
-          </p:cNvPr>
-          <p:cNvPicPr>
-            <a:picLocks noChangeAspect="1" noChangeArrowheads="1"/>
-          </p:cNvPicPr>
-          <p:nvPr/>
-        </p:nvPicPr>
-        <p:blipFill>
-          <a:blip r:embed="rId2">
-            <a:extLst>
-              <a:ext uri="{28A0092B-C50C-407E-A947-70E740481C1C}">
-                <a14:useLocalDpi xmlns:a14="http://schemas.microsoft.com/office/drawing/2010/main" val="0"/>
-              </a:ext>
-            </a:extLst>
-          </a:blip>
-          <a:stretch>
-            <a:fillRect/>
-          </a:stretch>
-        </p:blipFill>
-        <p:spPr bwMode="auto">
-          <a:xfrm>
-            <a:off x="3070712" y="2734056"/>
-            <a:ext cx="6138967" cy="3483864"/>
-          </a:xfrm>
-          <a:prstGeom prst="rect">
-            <a:avLst/>
-          </a:prstGeom>
-          <a:noFill/>
-          <a:extLst>
-            <a:ext uri="{909E8E84-426E-40DD-AFC4-6F175D3DCCD1}">
-              <a14:hiddenFill xmlns:a14="http://schemas.microsoft.com/office/drawing/2010/main">
-                <a:solidFill>
-                  <a:srgbClr val="FFFFFF"/>
-                </a:solidFill>
-              </a14:hiddenFill>
-            </a:ext>
-          </a:extLst>
-        </p:spPr>
-      </p:pic>
-    </p:spTree>
-    <p:extLst>
-      <p:ext uri="{BB962C8B-B14F-4D97-AF65-F5344CB8AC3E}">
-        <p14:creationId xmlns:p14="http://schemas.microsoft.com/office/powerpoint/2010/main" val="3086868376"/>
-      </p:ext>
-    </p:extLst>
-  </p:cSld>
-  <p:clrMapOvr>
-    <a:masterClrMapping/>
-  </p:clrMapOvr>
-</p:sld>
-</file>
-
-<file path=ppt/slides/slide6.xml><?xml version="1.0" encoding="utf-8"?>
-<p:sld xmlns:a="http://schemas.openxmlformats.org/drawingml/2006/main" xmlns:r="http://schemas.openxmlformats.org/officeDocument/2006/relationships" xmlns:p="http://schemas.openxmlformats.org/presentationml/2006/main">
-  <p:cSld>
-    <p:bg>
-      <p:bgPr>
-        <a:solidFill>
-          <a:schemeClr val="bg1"/>
-        </a:solidFill>
-        <a:effectLst/>
-      </p:bgPr>
-    </p:bg>
-    <p:spTree>
-      <p:nvGrpSpPr>
-        <p:cNvPr id="1" name=""/>
-        <p:cNvGrpSpPr/>
-        <p:nvPr/>
-      </p:nvGrpSpPr>
-      <p:grpSpPr>
-        <a:xfrm>
-          <a:off x="0" y="0"/>
-          <a:ext cx="0" cy="0"/>
-          <a:chOff x="0" y="0"/>
-          <a:chExt cx="0" cy="0"/>
-        </a:xfrm>
-      </p:grpSpPr>
-      <p:sp useBgFill="1">
-        <p:nvSpPr>
-          <p:cNvPr id="3079" name="Rectangle 3078">
-            <a:extLst>
-              <a:ext uri="{FF2B5EF4-FFF2-40B4-BE49-F238E27FC236}">
-                <a16:creationId xmlns:a16="http://schemas.microsoft.com/office/drawing/2014/main" id="{F94AA2BD-2E3F-4B1D-8127-5744B8115311}"/>
-              </a:ext>
-              <a:ext uri="{C183D7F6-B498-43B3-948B-1728B52AA6E4}">
-                <adec:decorative xmlns:adec="http://schemas.microsoft.com/office/drawing/2017/decorative" val="1"/>
-              </a:ext>
-            </a:extLst>
-          </p:cNvPr>
-          <p:cNvSpPr>
-            <a:spLocks noGrp="1" noRot="1" noChangeAspect="1" noMove="1" noResize="1" noEditPoints="1" noAdjustHandles="1" noChangeArrowheads="1" noChangeShapeType="1" noTextEdit="1"/>
-          </p:cNvSpPr>
-          <p:nvPr>
-            <p:extLst>
-              <p:ext uri="{386F3935-93C4-4BCD-93E2-E3B085C9AB24}">
-                <p16:designElem xmlns:p16="http://schemas.microsoft.com/office/powerpoint/2015/main" val="1"/>
-              </p:ext>
-            </p:extLst>
-          </p:nvPr>
-        </p:nvSpPr>
-        <p:spPr>
-          <a:xfrm>
-            <a:off x="0" y="0"/>
-            <a:ext cx="12192000" cy="6858000"/>
-          </a:xfrm>
-          <a:prstGeom prst="rect">
-            <a:avLst/>
-          </a:prstGeom>
-          <a:ln>
-            <a:noFill/>
-          </a:ln>
-        </p:spPr>
-        <p:style>
-          <a:lnRef idx="2">
-            <a:schemeClr val="accent1">
-              <a:shade val="50000"/>
-            </a:schemeClr>
-          </a:lnRef>
-          <a:fillRef idx="1">
-            <a:schemeClr val="accent1"/>
-          </a:fillRef>
-          <a:effectRef idx="0">
-            <a:schemeClr val="accent1"/>
-          </a:effectRef>
-          <a:fontRef idx="minor">
-            <a:schemeClr val="lt1"/>
-          </a:fontRef>
-        </p:style>
-        <p:txBody>
-          <a:bodyPr rtlCol="0" anchor="ctr"/>
-          <a:lstStyle/>
-          <a:p>
-            <a:pPr algn="ctr"/>
-            <a:endParaRPr lang="en-US"/>
-          </a:p>
-        </p:txBody>
-      </p:sp>
-      <p:sp>
-        <p:nvSpPr>
-          <p:cNvPr id="2" name="Title 1">
-            <a:extLst>
-              <a:ext uri="{FF2B5EF4-FFF2-40B4-BE49-F238E27FC236}">
-                <a16:creationId xmlns:a16="http://schemas.microsoft.com/office/drawing/2014/main" id="{05B462F1-C180-2283-7339-0B49070EFF39}"/>
-              </a:ext>
-            </a:extLst>
-          </p:cNvPr>
-          <p:cNvSpPr>
-            <a:spLocks noGrp="1"/>
-          </p:cNvSpPr>
-          <p:nvPr>
-            <p:ph type="title"/>
-          </p:nvPr>
-        </p:nvSpPr>
-        <p:spPr>
-          <a:xfrm>
-            <a:off x="411480" y="987552"/>
-            <a:ext cx="4485861" cy="1088136"/>
-          </a:xfrm>
-        </p:spPr>
-        <p:txBody>
-          <a:bodyPr anchor="b">
-            <a:normAutofit/>
-          </a:bodyPr>
-          <a:lstStyle/>
-          <a:p>
-            <a:r>
-              <a:rPr lang="en-US" sz="3400"/>
-              <a:t>Two forms of sequence-to-sequence</a:t>
-            </a:r>
-          </a:p>
-        </p:txBody>
-      </p:sp>
-      <p:sp>
-        <p:nvSpPr>
-          <p:cNvPr id="3081" name="Rectangle 3080">
-            <a:extLst>
-              <a:ext uri="{FF2B5EF4-FFF2-40B4-BE49-F238E27FC236}">
-                <a16:creationId xmlns:a16="http://schemas.microsoft.com/office/drawing/2014/main" id="{4BD02261-2DC8-4AA8-9E16-7751AE892445}"/>
-              </a:ext>
-              <a:ext uri="{C183D7F6-B498-43B3-948B-1728B52AA6E4}">
-                <adec:decorative xmlns:adec="http://schemas.microsoft.com/office/drawing/2017/decorative" val="1"/>
-              </a:ext>
-            </a:extLst>
-          </p:cNvPr>
-          <p:cNvSpPr>
-            <a:spLocks noGrp="1" noRot="1" noChangeAspect="1" noMove="1" noResize="1" noEditPoints="1" noAdjustHandles="1" noChangeArrowheads="1" noChangeShapeType="1" noTextEdit="1"/>
-          </p:cNvSpPr>
-          <p:nvPr>
-            <p:extLst>
-              <p:ext uri="{386F3935-93C4-4BCD-93E2-E3B085C9AB24}">
-                <p16:designElem xmlns:p16="http://schemas.microsoft.com/office/powerpoint/2015/main" val="1"/>
-              </p:ext>
-            </p:extLst>
-          </p:nvPr>
-        </p:nvSpPr>
-        <p:spPr>
-          <a:xfrm rot="5400000">
-            <a:off x="649223" y="387939"/>
-            <a:ext cx="73152" cy="548640"/>
-          </a:xfrm>
-          <a:prstGeom prst="rect">
-            <a:avLst/>
-          </a:prstGeom>
-          <a:solidFill>
-            <a:schemeClr val="accent2"/>
-          </a:solidFill>
-          <a:ln>
-            <a:noFill/>
-          </a:ln>
-        </p:spPr>
-        <p:style>
-          <a:lnRef idx="2">
-            <a:schemeClr val="accent1">
-              <a:shade val="50000"/>
-            </a:schemeClr>
-          </a:lnRef>
-          <a:fillRef idx="1">
-            <a:schemeClr val="accent1"/>
-          </a:fillRef>
-          <a:effectRef idx="0">
-            <a:schemeClr val="accent1"/>
-          </a:effectRef>
-          <a:fontRef idx="minor">
-            <a:schemeClr val="lt1"/>
-          </a:fontRef>
-        </p:style>
-        <p:txBody>
-          <a:bodyPr rtlCol="0" anchor="ctr"/>
-          <a:lstStyle/>
-          <a:p>
-            <a:pPr algn="ctr"/>
-            <a:endParaRPr lang="en-US">
-              <a:solidFill>
-                <a:prstClr val="white"/>
-              </a:solidFill>
-              <a:latin typeface="Calibri" panose="020F0502020204030204"/>
-            </a:endParaRPr>
-          </a:p>
-        </p:txBody>
-      </p:sp>
-      <p:sp>
-        <p:nvSpPr>
-          <p:cNvPr id="3083" name="Rectangle 3082">
-            <a:extLst>
-              <a:ext uri="{FF2B5EF4-FFF2-40B4-BE49-F238E27FC236}">
-                <a16:creationId xmlns:a16="http://schemas.microsoft.com/office/drawing/2014/main" id="{3D752CF2-2291-40B5-B462-C17B174C10BC}"/>
-              </a:ext>
-              <a:ext uri="{C183D7F6-B498-43B3-948B-1728B52AA6E4}">
-                <adec:decorative xmlns:adec="http://schemas.microsoft.com/office/drawing/2017/decorative" val="1"/>
-              </a:ext>
-            </a:extLst>
-          </p:cNvPr>
-          <p:cNvSpPr>
-            <a:spLocks noGrp="1" noRot="1" noChangeAspect="1" noMove="1" noResize="1" noEditPoints="1" noAdjustHandles="1" noChangeArrowheads="1" noChangeShapeType="1" noTextEdit="1"/>
-          </p:cNvSpPr>
-          <p:nvPr>
-            <p:extLst>
-              <p:ext uri="{386F3935-93C4-4BCD-93E2-E3B085C9AB24}">
-                <p16:designElem xmlns:p16="http://schemas.microsoft.com/office/powerpoint/2015/main" val="1"/>
-              </p:ext>
-            </p:extLst>
-          </p:nvPr>
-        </p:nvSpPr>
-        <p:spPr>
-          <a:xfrm>
-            <a:off x="411480" y="2286000"/>
-            <a:ext cx="4389120" cy="18288"/>
-          </a:xfrm>
-          <a:prstGeom prst="rect">
-            <a:avLst/>
-          </a:prstGeom>
-          <a:solidFill>
-            <a:srgbClr val="D5D5D5"/>
-          </a:solidFill>
-          <a:ln w="3175">
-            <a:noFill/>
-          </a:ln>
-          <a:effectLst/>
-        </p:spPr>
-        <p:style>
-          <a:lnRef idx="2">
-            <a:schemeClr val="accent1">
-              <a:shade val="50000"/>
-            </a:schemeClr>
-          </a:lnRef>
-          <a:fillRef idx="1">
-            <a:schemeClr val="accent1"/>
-          </a:fillRef>
-          <a:effectRef idx="0">
-            <a:schemeClr val="accent1"/>
-          </a:effectRef>
-          <a:fontRef idx="minor">
-            <a:schemeClr val="lt1"/>
-          </a:fontRef>
-        </p:style>
-        <p:txBody>
-          <a:bodyPr rtlCol="0" anchor="ctr"/>
-          <a:lstStyle/>
-          <a:p>
-            <a:pPr algn="ctr"/>
-            <a:endParaRPr lang="en-US">
-              <a:solidFill>
-                <a:prstClr val="white"/>
-              </a:solidFill>
-              <a:latin typeface="Calibri" panose="020F0502020204030204"/>
-            </a:endParaRPr>
-          </a:p>
-        </p:txBody>
-      </p:sp>
-      <p:sp>
-        <p:nvSpPr>
-          <p:cNvPr id="3" name="Content Placeholder 2">
-            <a:extLst>
-              <a:ext uri="{FF2B5EF4-FFF2-40B4-BE49-F238E27FC236}">
-                <a16:creationId xmlns:a16="http://schemas.microsoft.com/office/drawing/2014/main" id="{96F5230B-F8A4-C8E4-4C74-A1C627ED0DD6}"/>
-              </a:ext>
-            </a:extLst>
-          </p:cNvPr>
-          <p:cNvSpPr>
-            <a:spLocks noGrp="1"/>
-          </p:cNvSpPr>
-          <p:nvPr>
-            <p:ph idx="1"/>
-          </p:nvPr>
-        </p:nvSpPr>
-        <p:spPr>
-          <a:xfrm>
-            <a:off x="411479" y="2688336"/>
-            <a:ext cx="4498848" cy="3584448"/>
-          </a:xfrm>
-        </p:spPr>
-        <p:txBody>
-          <a:bodyPr anchor="t">
-            <a:normAutofit/>
-          </a:bodyPr>
-          <a:lstStyle/>
-          <a:p>
-            <a:r>
-              <a:rPr lang="en-US" sz="1800"/>
-              <a:t>Convolutional network (ConvS2S, ByteNET, etc)</a:t>
-            </a:r>
-          </a:p>
-          <a:p>
-            <a:r>
-              <a:rPr lang="en-US" sz="1800"/>
-              <a:t>Heavily parallel</a:t>
-            </a:r>
-          </a:p>
-          <a:p>
-            <a:r>
-              <a:rPr lang="en-US" sz="1800"/>
-              <a:t>No longer a single latent state</a:t>
-            </a:r>
-          </a:p>
-          <a:p>
-            <a:endParaRPr lang="en-US" sz="1800"/>
-          </a:p>
-        </p:txBody>
-      </p:sp>
-      <p:pic>
-        <p:nvPicPr>
-          <p:cNvPr id="3074" name="Picture 2">
-            <a:extLst>
-              <a:ext uri="{FF2B5EF4-FFF2-40B4-BE49-F238E27FC236}">
-                <a16:creationId xmlns:a16="http://schemas.microsoft.com/office/drawing/2014/main" id="{B1A574B1-1626-3BCA-433F-602E478D7739}"/>
-              </a:ext>
-            </a:extLst>
-          </p:cNvPr>
-          <p:cNvPicPr>
-            <a:picLocks noChangeAspect="1" noChangeArrowheads="1"/>
-          </p:cNvPicPr>
-          <p:nvPr/>
-        </p:nvPicPr>
-        <p:blipFill rotWithShape="1">
-          <a:blip r:embed="rId2">
-            <a:extLst>
-              <a:ext uri="{28A0092B-C50C-407E-A947-70E740481C1C}">
-                <a14:useLocalDpi xmlns:a14="http://schemas.microsoft.com/office/drawing/2010/main" val="0"/>
-              </a:ext>
-            </a:extLst>
-          </a:blip>
-          <a:srcRect t="3009" r="-3" b="-3"/>
-          <a:stretch/>
-        </p:blipFill>
-        <p:spPr bwMode="auto">
-          <a:xfrm>
-            <a:off x="5308052" y="10"/>
-            <a:ext cx="6883948" cy="6857990"/>
-          </a:xfrm>
-          <a:custGeom>
-            <a:avLst/>
-            <a:gdLst/>
-            <a:ahLst/>
-            <a:cxnLst/>
-            <a:rect l="l" t="t" r="r" b="b"/>
-            <a:pathLst>
-              <a:path w="6883948" h="6858000">
-                <a:moveTo>
-                  <a:pt x="365648" y="0"/>
-                </a:moveTo>
-                <a:lnTo>
-                  <a:pt x="6883948" y="0"/>
-                </a:lnTo>
-                <a:lnTo>
-                  <a:pt x="6883948" y="6858000"/>
-                </a:lnTo>
-                <a:lnTo>
-                  <a:pt x="365648" y="6858000"/>
-                </a:lnTo>
-                <a:lnTo>
-                  <a:pt x="360213" y="6835050"/>
-                </a:lnTo>
-                <a:cubicBezTo>
-                  <a:pt x="128263" y="5788167"/>
-                  <a:pt x="0" y="4637179"/>
-                  <a:pt x="0" y="3429001"/>
-                </a:cubicBezTo>
-                <a:cubicBezTo>
-                  <a:pt x="0" y="2220824"/>
-                  <a:pt x="128263" y="1069835"/>
-                  <a:pt x="360213" y="22952"/>
-                </a:cubicBezTo>
-                <a:close/>
-              </a:path>
-            </a:pathLst>
-          </a:custGeom>
-          <a:noFill/>
-          <a:effectLst>
-            <a:outerShdw blurRad="50800" dist="38100" dir="10800000" algn="r" rotWithShape="0">
-              <a:schemeClr val="bg1">
-                <a:lumMod val="85000"/>
-                <a:alpha val="30000"/>
-              </a:schemeClr>
-            </a:outerShdw>
-          </a:effectLst>
-          <a:extLst>
-            <a:ext uri="{909E8E84-426E-40DD-AFC4-6F175D3DCCD1}">
-              <a14:hiddenFill xmlns:a14="http://schemas.microsoft.com/office/drawing/2010/main">
-                <a:solidFill>
-                  <a:srgbClr val="FFFFFF"/>
-                </a:solidFill>
-              </a14:hiddenFill>
-            </a:ext>
-          </a:extLst>
-        </p:spPr>
-      </p:pic>
-    </p:spTree>
-    <p:extLst>
-      <p:ext uri="{BB962C8B-B14F-4D97-AF65-F5344CB8AC3E}">
-        <p14:creationId xmlns:p14="http://schemas.microsoft.com/office/powerpoint/2010/main" val="3715255452"/>
-      </p:ext>
-    </p:extLst>
-  </p:cSld>
-  <p:clrMapOvr>
-    <a:masterClrMapping/>
-  </p:clrMapOvr>
-</p:sld>
-</file>
-
-<file path=ppt/slides/slide7.xml><?xml version="1.0" encoding="utf-8"?>
-<p:sld xmlns:a="http://schemas.openxmlformats.org/drawingml/2006/main" xmlns:r="http://schemas.openxmlformats.org/officeDocument/2006/relationships" xmlns:p="http://schemas.openxmlformats.org/presentationml/2006/main">
-  <p:cSld>
-    <p:bg>
-      <p:bgPr>
-        <a:solidFill>
-          <a:schemeClr val="bg1"/>
-        </a:solidFill>
-        <a:effectLst/>
-      </p:bgPr>
-    </p:bg>
-    <p:spTree>
-      <p:nvGrpSpPr>
-        <p:cNvPr id="1" name=""/>
-        <p:cNvGrpSpPr/>
-        <p:nvPr/>
-      </p:nvGrpSpPr>
-      <p:grpSpPr>
-        <a:xfrm>
-          <a:off x="0" y="0"/>
-          <a:ext cx="0" cy="0"/>
-          <a:chOff x="0" y="0"/>
-          <a:chExt cx="0" cy="0"/>
-        </a:xfrm>
-      </p:grpSpPr>
-      <p:sp useBgFill="1">
-        <p:nvSpPr>
-          <p:cNvPr id="3079" name="Rectangle 3078">
-            <a:extLst>
-              <a:ext uri="{FF2B5EF4-FFF2-40B4-BE49-F238E27FC236}">
-                <a16:creationId xmlns:a16="http://schemas.microsoft.com/office/drawing/2014/main" id="{F94AA2BD-2E3F-4B1D-8127-5744B8115311}"/>
-              </a:ext>
-              <a:ext uri="{C183D7F6-B498-43B3-948B-1728B52AA6E4}">
-                <adec:decorative xmlns:adec="http://schemas.microsoft.com/office/drawing/2017/decorative" val="1"/>
-              </a:ext>
-            </a:extLst>
-          </p:cNvPr>
-          <p:cNvSpPr>
-            <a:spLocks noGrp="1" noRot="1" noChangeAspect="1" noMove="1" noResize="1" noEditPoints="1" noAdjustHandles="1" noChangeArrowheads="1" noChangeShapeType="1" noTextEdit="1"/>
-          </p:cNvSpPr>
-          <p:nvPr>
-            <p:extLst>
-              <p:ext uri="{386F3935-93C4-4BCD-93E2-E3B085C9AB24}">
-                <p16:designElem xmlns:p16="http://schemas.microsoft.com/office/powerpoint/2015/main" val="1"/>
-              </p:ext>
-            </p:extLst>
-          </p:nvPr>
-        </p:nvSpPr>
-        <p:spPr>
-          <a:xfrm>
-            <a:off x="0" y="0"/>
-            <a:ext cx="12192000" cy="6858000"/>
-          </a:xfrm>
-          <a:prstGeom prst="rect">
-            <a:avLst/>
-          </a:prstGeom>
-          <a:ln>
-            <a:noFill/>
-          </a:ln>
-        </p:spPr>
-        <p:style>
-          <a:lnRef idx="2">
-            <a:schemeClr val="accent1">
-              <a:shade val="50000"/>
-            </a:schemeClr>
-          </a:lnRef>
-          <a:fillRef idx="1">
-            <a:schemeClr val="accent1"/>
-          </a:fillRef>
-          <a:effectRef idx="0">
-            <a:schemeClr val="accent1"/>
-          </a:effectRef>
-          <a:fontRef idx="minor">
-            <a:schemeClr val="lt1"/>
-          </a:fontRef>
-        </p:style>
-        <p:txBody>
-          <a:bodyPr rtlCol="0" anchor="ctr"/>
-          <a:lstStyle/>
-          <a:p>
-            <a:pPr algn="ctr"/>
-            <a:endParaRPr lang="en-US"/>
-          </a:p>
-        </p:txBody>
-      </p:sp>
-      <p:sp>
-        <p:nvSpPr>
-          <p:cNvPr id="2" name="Title 1">
-            <a:extLst>
-              <a:ext uri="{FF2B5EF4-FFF2-40B4-BE49-F238E27FC236}">
-                <a16:creationId xmlns:a16="http://schemas.microsoft.com/office/drawing/2014/main" id="{05B462F1-C180-2283-7339-0B49070EFF39}"/>
-              </a:ext>
-            </a:extLst>
-          </p:cNvPr>
-          <p:cNvSpPr>
-            <a:spLocks noGrp="1"/>
-          </p:cNvSpPr>
-          <p:nvPr>
-            <p:ph type="title"/>
-          </p:nvPr>
-        </p:nvSpPr>
-        <p:spPr>
-          <a:xfrm>
-            <a:off x="411480" y="987552"/>
-            <a:ext cx="4485861" cy="1088136"/>
-          </a:xfrm>
-        </p:spPr>
-        <p:txBody>
-          <a:bodyPr anchor="b">
-            <a:normAutofit/>
-          </a:bodyPr>
-          <a:lstStyle/>
-          <a:p>
-            <a:r>
-              <a:rPr lang="en-US" sz="3400"/>
-              <a:t>Two forms of sequence-to-sequence</a:t>
-            </a:r>
-          </a:p>
-        </p:txBody>
-      </p:sp>
-      <p:sp>
-        <p:nvSpPr>
-          <p:cNvPr id="3081" name="Rectangle 3080">
-            <a:extLst>
-              <a:ext uri="{FF2B5EF4-FFF2-40B4-BE49-F238E27FC236}">
-                <a16:creationId xmlns:a16="http://schemas.microsoft.com/office/drawing/2014/main" id="{4BD02261-2DC8-4AA8-9E16-7751AE892445}"/>
-              </a:ext>
-              <a:ext uri="{C183D7F6-B498-43B3-948B-1728B52AA6E4}">
-                <adec:decorative xmlns:adec="http://schemas.microsoft.com/office/drawing/2017/decorative" val="1"/>
-              </a:ext>
-            </a:extLst>
-          </p:cNvPr>
-          <p:cNvSpPr>
-            <a:spLocks noGrp="1" noRot="1" noChangeAspect="1" noMove="1" noResize="1" noEditPoints="1" noAdjustHandles="1" noChangeArrowheads="1" noChangeShapeType="1" noTextEdit="1"/>
-          </p:cNvSpPr>
-          <p:nvPr>
-            <p:extLst>
-              <p:ext uri="{386F3935-93C4-4BCD-93E2-E3B085C9AB24}">
-                <p16:designElem xmlns:p16="http://schemas.microsoft.com/office/powerpoint/2015/main" val="1"/>
-              </p:ext>
-            </p:extLst>
-          </p:nvPr>
-        </p:nvSpPr>
-        <p:spPr>
-          <a:xfrm rot="5400000">
-            <a:off x="649223" y="387939"/>
-            <a:ext cx="73152" cy="548640"/>
-          </a:xfrm>
-          <a:prstGeom prst="rect">
-            <a:avLst/>
-          </a:prstGeom>
-          <a:solidFill>
-            <a:schemeClr val="accent2"/>
-          </a:solidFill>
-          <a:ln>
-            <a:noFill/>
-          </a:ln>
-        </p:spPr>
-        <p:style>
-          <a:lnRef idx="2">
-            <a:schemeClr val="accent1">
-              <a:shade val="50000"/>
-            </a:schemeClr>
-          </a:lnRef>
-          <a:fillRef idx="1">
-            <a:schemeClr val="accent1"/>
-          </a:fillRef>
-          <a:effectRef idx="0">
-            <a:schemeClr val="accent1"/>
-          </a:effectRef>
-          <a:fontRef idx="minor">
-            <a:schemeClr val="lt1"/>
-          </a:fontRef>
-        </p:style>
-        <p:txBody>
-          <a:bodyPr rtlCol="0" anchor="ctr"/>
-          <a:lstStyle/>
-          <a:p>
-            <a:pPr algn="ctr"/>
-            <a:endParaRPr lang="en-US">
-              <a:solidFill>
-                <a:prstClr val="white"/>
-              </a:solidFill>
-              <a:latin typeface="Calibri" panose="020F0502020204030204"/>
-            </a:endParaRPr>
-          </a:p>
-        </p:txBody>
-      </p:sp>
-      <p:sp>
-        <p:nvSpPr>
-          <p:cNvPr id="3083" name="Rectangle 3082">
-            <a:extLst>
-              <a:ext uri="{FF2B5EF4-FFF2-40B4-BE49-F238E27FC236}">
-                <a16:creationId xmlns:a16="http://schemas.microsoft.com/office/drawing/2014/main" id="{3D752CF2-2291-40B5-B462-C17B174C10BC}"/>
-              </a:ext>
-              <a:ext uri="{C183D7F6-B498-43B3-948B-1728B52AA6E4}">
-                <adec:decorative xmlns:adec="http://schemas.microsoft.com/office/drawing/2017/decorative" val="1"/>
-              </a:ext>
-            </a:extLst>
-          </p:cNvPr>
-          <p:cNvSpPr>
-            <a:spLocks noGrp="1" noRot="1" noChangeAspect="1" noMove="1" noResize="1" noEditPoints="1" noAdjustHandles="1" noChangeArrowheads="1" noChangeShapeType="1" noTextEdit="1"/>
-          </p:cNvSpPr>
-          <p:nvPr>
-            <p:extLst>
-              <p:ext uri="{386F3935-93C4-4BCD-93E2-E3B085C9AB24}">
-                <p16:designElem xmlns:p16="http://schemas.microsoft.com/office/powerpoint/2015/main" val="1"/>
-              </p:ext>
-            </p:extLst>
-          </p:nvPr>
-        </p:nvSpPr>
-        <p:spPr>
-          <a:xfrm>
-            <a:off x="411480" y="2286000"/>
-            <a:ext cx="4389120" cy="18288"/>
-          </a:xfrm>
-          <a:prstGeom prst="rect">
-            <a:avLst/>
-          </a:prstGeom>
-          <a:solidFill>
-            <a:srgbClr val="D5D5D5"/>
-          </a:solidFill>
-          <a:ln w="3175">
-            <a:noFill/>
-          </a:ln>
-          <a:effectLst/>
-        </p:spPr>
-        <p:style>
-          <a:lnRef idx="2">
-            <a:schemeClr val="accent1">
-              <a:shade val="50000"/>
-            </a:schemeClr>
-          </a:lnRef>
-          <a:fillRef idx="1">
-            <a:schemeClr val="accent1"/>
-          </a:fillRef>
-          <a:effectRef idx="0">
-            <a:schemeClr val="accent1"/>
-          </a:effectRef>
-          <a:fontRef idx="minor">
-            <a:schemeClr val="lt1"/>
-          </a:fontRef>
-        </p:style>
-        <p:txBody>
-          <a:bodyPr rtlCol="0" anchor="ctr"/>
-          <a:lstStyle/>
-          <a:p>
-            <a:pPr algn="ctr"/>
-            <a:endParaRPr lang="en-US">
-              <a:solidFill>
-                <a:prstClr val="white"/>
-              </a:solidFill>
-              <a:latin typeface="Calibri" panose="020F0502020204030204"/>
-            </a:endParaRPr>
-          </a:p>
-        </p:txBody>
-      </p:sp>
-      <p:sp>
-        <p:nvSpPr>
-          <p:cNvPr id="3" name="Content Placeholder 2">
-            <a:extLst>
-              <a:ext uri="{FF2B5EF4-FFF2-40B4-BE49-F238E27FC236}">
-                <a16:creationId xmlns:a16="http://schemas.microsoft.com/office/drawing/2014/main" id="{96F5230B-F8A4-C8E4-4C74-A1C627ED0DD6}"/>
-              </a:ext>
-            </a:extLst>
-          </p:cNvPr>
-          <p:cNvSpPr>
-            <a:spLocks noGrp="1"/>
-          </p:cNvSpPr>
-          <p:nvPr>
-            <p:ph idx="1"/>
-          </p:nvPr>
-        </p:nvSpPr>
-        <p:spPr>
-          <a:xfrm>
-            <a:off x="411479" y="2688336"/>
-            <a:ext cx="4498848" cy="3584448"/>
-          </a:xfrm>
-        </p:spPr>
-        <p:txBody>
-          <a:bodyPr anchor="t">
-            <a:normAutofit/>
-          </a:bodyPr>
-          <a:lstStyle/>
-          <a:p>
-            <a:r>
-              <a:rPr lang="en-US" sz="1800" dirty="0"/>
-              <a:t>Between different time steps: Increasing number of operations due to interconnections to relate distant elements</a:t>
-            </a:r>
-          </a:p>
-          <a:p>
-            <a:pPr lvl="1"/>
-            <a:r>
-              <a:rPr lang="en-US" sz="1400" dirty="0"/>
-              <a:t>Linear # of operations for ConvS2S</a:t>
-            </a:r>
-          </a:p>
-          <a:p>
-            <a:pPr lvl="1"/>
-            <a:r>
-              <a:rPr lang="en-US" sz="1400" dirty="0"/>
-              <a:t>Logarithmic # of operations for </a:t>
-            </a:r>
-            <a:r>
-              <a:rPr lang="en-US" sz="1400" dirty="0" err="1"/>
-              <a:t>ByteNet</a:t>
-            </a:r>
-            <a:endParaRPr lang="en-US" sz="1400" dirty="0"/>
-          </a:p>
-          <a:p>
-            <a:endParaRPr lang="en-US" sz="1800" dirty="0"/>
-          </a:p>
-        </p:txBody>
-      </p:sp>
-      <p:pic>
-        <p:nvPicPr>
-          <p:cNvPr id="3074" name="Picture 2">
-            <a:extLst>
-              <a:ext uri="{FF2B5EF4-FFF2-40B4-BE49-F238E27FC236}">
-                <a16:creationId xmlns:a16="http://schemas.microsoft.com/office/drawing/2014/main" id="{B1A574B1-1626-3BCA-433F-602E478D7739}"/>
-              </a:ext>
-            </a:extLst>
-          </p:cNvPr>
-          <p:cNvPicPr>
-            <a:picLocks noChangeAspect="1" noChangeArrowheads="1"/>
-          </p:cNvPicPr>
-          <p:nvPr/>
-        </p:nvPicPr>
-        <p:blipFill rotWithShape="1">
-          <a:blip r:embed="rId2">
-            <a:extLst>
-              <a:ext uri="{28A0092B-C50C-407E-A947-70E740481C1C}">
-                <a14:useLocalDpi xmlns:a14="http://schemas.microsoft.com/office/drawing/2010/main" val="0"/>
-              </a:ext>
-            </a:extLst>
-          </a:blip>
-          <a:srcRect t="3009" r="-3" b="-3"/>
-          <a:stretch/>
-        </p:blipFill>
-        <p:spPr bwMode="auto">
-          <a:xfrm>
-            <a:off x="5308052" y="10"/>
-            <a:ext cx="6883948" cy="6857990"/>
-          </a:xfrm>
-          <a:custGeom>
-            <a:avLst/>
-            <a:gdLst/>
-            <a:ahLst/>
-            <a:cxnLst/>
-            <a:rect l="l" t="t" r="r" b="b"/>
-            <a:pathLst>
-              <a:path w="6883948" h="6858000">
-                <a:moveTo>
-                  <a:pt x="365648" y="0"/>
-                </a:moveTo>
-                <a:lnTo>
-                  <a:pt x="6883948" y="0"/>
-                </a:lnTo>
-                <a:lnTo>
-                  <a:pt x="6883948" y="6858000"/>
-                </a:lnTo>
-                <a:lnTo>
-                  <a:pt x="365648" y="6858000"/>
-                </a:lnTo>
-                <a:lnTo>
-                  <a:pt x="360213" y="6835050"/>
-                </a:lnTo>
-                <a:cubicBezTo>
-                  <a:pt x="128263" y="5788167"/>
-                  <a:pt x="0" y="4637179"/>
-                  <a:pt x="0" y="3429001"/>
-                </a:cubicBezTo>
-                <a:cubicBezTo>
-                  <a:pt x="0" y="2220824"/>
-                  <a:pt x="128263" y="1069835"/>
-                  <a:pt x="360213" y="22952"/>
-                </a:cubicBezTo>
-                <a:close/>
-              </a:path>
-            </a:pathLst>
-          </a:custGeom>
-          <a:noFill/>
-          <a:effectLst>
-            <a:outerShdw blurRad="50800" dist="38100" dir="10800000" algn="r" rotWithShape="0">
-              <a:schemeClr val="bg1">
-                <a:lumMod val="85000"/>
-                <a:alpha val="30000"/>
-              </a:schemeClr>
-            </a:outerShdw>
-          </a:effectLst>
-          <a:extLst>
-            <a:ext uri="{909E8E84-426E-40DD-AFC4-6F175D3DCCD1}">
-              <a14:hiddenFill xmlns:a14="http://schemas.microsoft.com/office/drawing/2010/main">
-                <a:solidFill>
-                  <a:srgbClr val="FFFFFF"/>
-                </a:solidFill>
-              </a14:hiddenFill>
-            </a:ext>
-          </a:extLst>
-        </p:spPr>
-      </p:pic>
-    </p:spTree>
-    <p:extLst>
-      <p:ext uri="{BB962C8B-B14F-4D97-AF65-F5344CB8AC3E}">
-        <p14:creationId xmlns:p14="http://schemas.microsoft.com/office/powerpoint/2010/main" val="868503423"/>
-      </p:ext>
-    </p:extLst>
-  </p:cSld>
-  <p:clrMapOvr>
-    <a:masterClrMapping/>
-  </p:clrMapOvr>
-</p:sld>
-</file>
-
-<file path=ppt/slides/slide8.xml><?xml version="1.0" encoding="utf-8"?>
-<p:sld xmlns:a="http://schemas.openxmlformats.org/drawingml/2006/main" xmlns:r="http://schemas.openxmlformats.org/officeDocument/2006/relationships" xmlns:p="http://schemas.openxmlformats.org/presentationml/2006/main">
-  <p:cSld>
-    <p:bg>
-      <p:bgPr>
-        <a:solidFill>
-          <a:schemeClr val="bg1"/>
-        </a:solidFill>
-        <a:effectLst/>
-      </p:bgPr>
-    </p:bg>
-    <p:spTree>
-      <p:nvGrpSpPr>
-        <p:cNvPr id="1" name=""/>
-        <p:cNvGrpSpPr/>
-        <p:nvPr/>
-      </p:nvGrpSpPr>
-      <p:grpSpPr>
-        <a:xfrm>
-          <a:off x="0" y="0"/>
-          <a:ext cx="0" cy="0"/>
-          <a:chOff x="0" y="0"/>
-          <a:chExt cx="0" cy="0"/>
-        </a:xfrm>
-      </p:grpSpPr>
-      <p:sp useBgFill="1">
-        <p:nvSpPr>
-          <p:cNvPr id="8" name="Rectangle 7">
-            <a:extLst>
-              <a:ext uri="{FF2B5EF4-FFF2-40B4-BE49-F238E27FC236}">
-                <a16:creationId xmlns:a16="http://schemas.microsoft.com/office/drawing/2014/main" id="{DAF1966E-FD40-4A4A-B61B-C4DF7FA05F06}"/>
-              </a:ext>
-              <a:ext uri="{C183D7F6-B498-43B3-948B-1728B52AA6E4}">
-                <adec:decorative xmlns:adec="http://schemas.microsoft.com/office/drawing/2017/decorative" val="1"/>
-              </a:ext>
-            </a:extLst>
-          </p:cNvPr>
-          <p:cNvSpPr>
-            <a:spLocks noGrp="1" noRot="1" noChangeAspect="1" noMove="1" noResize="1" noEditPoints="1" noAdjustHandles="1" noChangeArrowheads="1" noChangeShapeType="1" noTextEdit="1"/>
-          </p:cNvSpPr>
-          <p:nvPr>
-            <p:extLst>
-              <p:ext uri="{386F3935-93C4-4BCD-93E2-E3B085C9AB24}">
-                <p16:designElem xmlns:p16="http://schemas.microsoft.com/office/powerpoint/2015/main" val="1"/>
-              </p:ext>
-            </p:extLst>
-          </p:nvPr>
-        </p:nvSpPr>
-        <p:spPr>
-          <a:xfrm>
-            <a:off x="0" y="0"/>
-            <a:ext cx="12192000" cy="6858000"/>
-          </a:xfrm>
-          <a:prstGeom prst="rect">
-            <a:avLst/>
-          </a:prstGeom>
-          <a:ln>
-            <a:noFill/>
-          </a:ln>
-        </p:spPr>
-        <p:style>
-          <a:lnRef idx="2">
-            <a:schemeClr val="accent1">
-              <a:shade val="50000"/>
-            </a:schemeClr>
-          </a:lnRef>
-          <a:fillRef idx="1">
-            <a:schemeClr val="accent1"/>
-          </a:fillRef>
-          <a:effectRef idx="0">
-            <a:schemeClr val="accent1"/>
-          </a:effectRef>
-          <a:fontRef idx="minor">
-            <a:schemeClr val="lt1"/>
-          </a:fontRef>
-        </p:style>
-        <p:txBody>
-          <a:bodyPr rtlCol="0" anchor="ctr"/>
-          <a:lstStyle/>
-          <a:p>
-            <a:pPr algn="ctr"/>
-            <a:endParaRPr lang="en-US"/>
-          </a:p>
-        </p:txBody>
-      </p:sp>
-      <p:sp useBgFill="1">
-        <p:nvSpPr>
-          <p:cNvPr id="10" name="Rectangle 9">
-            <a:extLst>
-              <a:ext uri="{FF2B5EF4-FFF2-40B4-BE49-F238E27FC236}">
-                <a16:creationId xmlns:a16="http://schemas.microsoft.com/office/drawing/2014/main" id="{047BFA19-D45E-416B-A404-7AF2F3F27017}"/>
-              </a:ext>
-              <a:ext uri="{C183D7F6-B498-43B3-948B-1728B52AA6E4}">
-                <adec:decorative xmlns:adec="http://schemas.microsoft.com/office/drawing/2017/decorative" val="1"/>
-              </a:ext>
-            </a:extLst>
-          </p:cNvPr>
-          <p:cNvSpPr>
-            <a:spLocks noGrp="1" noRot="1" noChangeAspect="1" noMove="1" noResize="1" noEditPoints="1" noAdjustHandles="1" noChangeArrowheads="1" noChangeShapeType="1" noTextEdit="1"/>
-          </p:cNvSpPr>
-          <p:nvPr>
-            <p:extLst>
-              <p:ext uri="{386F3935-93C4-4BCD-93E2-E3B085C9AB24}">
-                <p16:designElem xmlns:p16="http://schemas.microsoft.com/office/powerpoint/2015/main" val="1"/>
-              </p:ext>
-            </p:extLst>
-          </p:nvPr>
-        </p:nvSpPr>
-        <p:spPr>
-          <a:xfrm>
-            <a:off x="558209" y="0"/>
-            <a:ext cx="11167447" cy="2018806"/>
-          </a:xfrm>
-          <a:prstGeom prst="rect">
-            <a:avLst/>
-          </a:prstGeom>
-          <a:ln w="9525">
-            <a:solidFill>
-              <a:srgbClr val="E1E1E1"/>
-            </a:solidFill>
-          </a:ln>
-          <a:effectLst>
-            <a:outerShdw blurRad="50800" dist="38100" dir="2700000" algn="tl" rotWithShape="0">
-              <a:schemeClr val="bg1">
-                <a:lumMod val="85000"/>
-                <a:alpha val="50000"/>
-              </a:schemeClr>
-            </a:outerShdw>
-          </a:effectLst>
-        </p:spPr>
-        <p:style>
-          <a:lnRef idx="2">
-            <a:schemeClr val="accent1">
-              <a:shade val="50000"/>
-            </a:schemeClr>
-          </a:lnRef>
-          <a:fillRef idx="1">
-            <a:schemeClr val="accent1"/>
-          </a:fillRef>
-          <a:effectRef idx="0">
-            <a:schemeClr val="accent1"/>
-          </a:effectRef>
-          <a:fontRef idx="minor">
-            <a:schemeClr val="lt1"/>
-          </a:fontRef>
-        </p:style>
-        <p:txBody>
-          <a:bodyPr rtlCol="0" anchor="ctr"/>
-          <a:lstStyle/>
-          <a:p>
-            <a:pPr marL="0" marR="0" lvl="0" indent="0" algn="ctr" defTabSz="914400" rtl="0" eaLnBrk="1" fontAlgn="auto" latinLnBrk="0" hangingPunct="1">
-              <a:lnSpc>
-                <a:spcPct val="100000"/>
-              </a:lnSpc>
-              <a:spcBef>
-                <a:spcPts val="0"/>
-              </a:spcBef>
-              <a:spcAft>
-                <a:spcPts val="0"/>
-              </a:spcAft>
-              <a:buClrTx/>
-              <a:buSzTx/>
-              <a:buFontTx/>
-              <a:buNone/>
-              <a:tabLst/>
-              <a:defRPr/>
-            </a:pPr>
-            <a:endParaRPr kumimoji="0" lang="en-US" sz="1800" b="0" i="0" u="none" strike="noStrike" kern="1200" cap="none" spc="0" normalizeH="0" baseline="0" noProof="0">
-              <a:ln>
-                <a:noFill/>
-              </a:ln>
-              <a:solidFill>
-                <a:prstClr val="white"/>
-              </a:solidFill>
-              <a:effectLst/>
-              <a:uLnTx/>
-              <a:uFillTx/>
-              <a:latin typeface="Calibri" panose="020F0502020204030204"/>
-              <a:ea typeface="+mn-ea"/>
-              <a:cs typeface="+mn-cs"/>
-            </a:endParaRPr>
-          </a:p>
-        </p:txBody>
-      </p:sp>
-      <p:sp useBgFill="1">
-        <p:nvSpPr>
-          <p:cNvPr id="12" name="Rectangle 11">
-            <a:extLst>
-              <a:ext uri="{FF2B5EF4-FFF2-40B4-BE49-F238E27FC236}">
-                <a16:creationId xmlns:a16="http://schemas.microsoft.com/office/drawing/2014/main" id="{8E0105E7-23DB-4CF2-8258-FF47C7620F6E}"/>
-              </a:ext>
-              <a:ext uri="{C183D7F6-B498-43B3-948B-1728B52AA6E4}">
-                <adec:decorative xmlns:adec="http://schemas.microsoft.com/office/drawing/2017/decorative" val="1"/>
-              </a:ext>
-            </a:extLst>
-          </p:cNvPr>
-          <p:cNvSpPr>
-            <a:spLocks noGrp="1" noRot="1" noChangeAspect="1" noMove="1" noResize="1" noEditPoints="1" noAdjustHandles="1" noChangeArrowheads="1" noChangeShapeType="1" noTextEdit="1"/>
-          </p:cNvSpPr>
-          <p:nvPr>
-            <p:extLst>
-              <p:ext uri="{386F3935-93C4-4BCD-93E2-E3B085C9AB24}">
-                <p16:designElem xmlns:p16="http://schemas.microsoft.com/office/powerpoint/2015/main" val="1"/>
-              </p:ext>
-            </p:extLst>
-          </p:nvPr>
-        </p:nvSpPr>
-        <p:spPr>
-          <a:xfrm>
-            <a:off x="566928" y="0"/>
-            <a:ext cx="11155680" cy="2011680"/>
-          </a:xfrm>
-          <a:prstGeom prst="rect">
-            <a:avLst/>
-          </a:prstGeom>
-          <a:ln w="9525">
-            <a:noFill/>
-          </a:ln>
-          <a:effectLst/>
-        </p:spPr>
-        <p:style>
-          <a:lnRef idx="2">
-            <a:schemeClr val="accent1">
-              <a:shade val="50000"/>
-            </a:schemeClr>
-          </a:lnRef>
-          <a:fillRef idx="1">
-            <a:schemeClr val="accent1"/>
-          </a:fillRef>
-          <a:effectRef idx="0">
-            <a:schemeClr val="accent1"/>
-          </a:effectRef>
-          <a:fontRef idx="minor">
-            <a:schemeClr val="lt1"/>
-          </a:fontRef>
-        </p:style>
-        <p:txBody>
-          <a:bodyPr rtlCol="0" anchor="ctr"/>
-          <a:lstStyle/>
-          <a:p>
-            <a:pPr marL="0" marR="0" lvl="0" indent="0" algn="ctr" defTabSz="914400" rtl="0" eaLnBrk="1" fontAlgn="auto" latinLnBrk="0" hangingPunct="1">
-              <a:lnSpc>
-                <a:spcPct val="100000"/>
-              </a:lnSpc>
-              <a:spcBef>
-                <a:spcPts val="0"/>
-              </a:spcBef>
-              <a:spcAft>
-                <a:spcPts val="0"/>
-              </a:spcAft>
-              <a:buClrTx/>
-              <a:buSzTx/>
-              <a:buFontTx/>
-              <a:buNone/>
-              <a:tabLst/>
-              <a:defRPr/>
-            </a:pPr>
-            <a:endParaRPr kumimoji="0" lang="en-US" sz="1800" b="0" i="0" u="none" strike="noStrike" kern="1200" cap="none" spc="0" normalizeH="0" baseline="0" noProof="0">
-              <a:ln>
-                <a:noFill/>
-              </a:ln>
-              <a:solidFill>
-                <a:prstClr val="white"/>
-              </a:solidFill>
-              <a:effectLst/>
-              <a:uLnTx/>
-              <a:uFillTx/>
-              <a:latin typeface="Calibri" panose="020F0502020204030204"/>
-              <a:ea typeface="+mn-ea"/>
-              <a:cs typeface="+mn-cs"/>
-            </a:endParaRPr>
-          </a:p>
-        </p:txBody>
-      </p:sp>
-      <p:sp>
-        <p:nvSpPr>
-          <p:cNvPr id="2" name="Title 1">
-            <a:extLst>
-              <a:ext uri="{FF2B5EF4-FFF2-40B4-BE49-F238E27FC236}">
-                <a16:creationId xmlns:a16="http://schemas.microsoft.com/office/drawing/2014/main" id="{39624F12-E5F9-7075-1E1C-D7CD5ECE6A37}"/>
-              </a:ext>
-            </a:extLst>
-          </p:cNvPr>
-          <p:cNvSpPr>
-            <a:spLocks noGrp="1"/>
-          </p:cNvSpPr>
-          <p:nvPr>
-            <p:ph type="title"/>
-          </p:nvPr>
-        </p:nvSpPr>
-        <p:spPr>
-          <a:xfrm>
-            <a:off x="1115568" y="548640"/>
-            <a:ext cx="10168128" cy="1179576"/>
-          </a:xfrm>
-        </p:spPr>
-        <p:txBody>
-          <a:bodyPr>
-            <a:normAutofit/>
-          </a:bodyPr>
-          <a:lstStyle/>
-          <a:p>
-            <a:r>
-              <a:rPr lang="en-US" sz="4000"/>
-              <a:t>Attention to the rescue</a:t>
-            </a:r>
-          </a:p>
-        </p:txBody>
-      </p:sp>
-      <p:sp>
-        <p:nvSpPr>
-          <p:cNvPr id="14" name="Rectangle 13">
-            <a:extLst>
-              <a:ext uri="{FF2B5EF4-FFF2-40B4-BE49-F238E27FC236}">
-                <a16:creationId xmlns:a16="http://schemas.microsoft.com/office/drawing/2014/main" id="{074B4F7D-14B2-478B-8BF5-01E4E0C5D263}"/>
-              </a:ext>
-              <a:ext uri="{C183D7F6-B498-43B3-948B-1728B52AA6E4}">
-                <adec:decorative xmlns:adec="http://schemas.microsoft.com/office/drawing/2017/decorative" val="1"/>
-              </a:ext>
-            </a:extLst>
-          </p:cNvPr>
-          <p:cNvSpPr>
-            <a:spLocks noGrp="1" noRot="1" noChangeAspect="1" noMove="1" noResize="1" noEditPoints="1" noAdjustHandles="1" noChangeArrowheads="1" noChangeShapeType="1" noTextEdit="1"/>
-          </p:cNvSpPr>
-          <p:nvPr>
-            <p:extLst>
-              <p:ext uri="{386F3935-93C4-4BCD-93E2-E3B085C9AB24}">
-                <p16:designElem xmlns:p16="http://schemas.microsoft.com/office/powerpoint/2015/main" val="1"/>
-              </p:ext>
-            </p:extLst>
-          </p:nvPr>
-        </p:nvSpPr>
-        <p:spPr>
-          <a:xfrm>
-            <a:off x="498834" y="758952"/>
-            <a:ext cx="128016" cy="704088"/>
-          </a:xfrm>
-          <a:prstGeom prst="rect">
-            <a:avLst/>
-          </a:prstGeom>
-          <a:solidFill>
-            <a:schemeClr val="accent2"/>
-          </a:solidFill>
-          <a:ln>
-            <a:noFill/>
-          </a:ln>
-        </p:spPr>
-        <p:style>
-          <a:lnRef idx="2">
-            <a:schemeClr val="accent1">
-              <a:shade val="50000"/>
-            </a:schemeClr>
-          </a:lnRef>
-          <a:fillRef idx="1">
-            <a:schemeClr val="accent1"/>
-          </a:fillRef>
-          <a:effectRef idx="0">
-            <a:schemeClr val="accent1"/>
-          </a:effectRef>
-          <a:fontRef idx="minor">
-            <a:schemeClr val="lt1"/>
-          </a:fontRef>
-        </p:style>
-        <p:txBody>
-          <a:bodyPr rtlCol="0" anchor="ctr"/>
-          <a:lstStyle/>
-          <a:p>
-            <a:pPr algn="ctr"/>
-            <a:endParaRPr lang="en-US">
-              <a:solidFill>
-                <a:prstClr val="white"/>
-              </a:solidFill>
-              <a:latin typeface="Calibri" panose="020F0502020204030204"/>
-            </a:endParaRPr>
-          </a:p>
-        </p:txBody>
-      </p:sp>
-      <p:sp>
-        <p:nvSpPr>
-          <p:cNvPr id="3" name="Content Placeholder 2">
-            <a:extLst>
-              <a:ext uri="{FF2B5EF4-FFF2-40B4-BE49-F238E27FC236}">
-                <a16:creationId xmlns:a16="http://schemas.microsoft.com/office/drawing/2014/main" id="{16EC3815-5E4C-16D1-729D-7777FEC5E279}"/>
-              </a:ext>
-            </a:extLst>
-          </p:cNvPr>
-          <p:cNvSpPr>
-            <a:spLocks noGrp="1"/>
-          </p:cNvSpPr>
-          <p:nvPr>
-            <p:ph idx="1"/>
-          </p:nvPr>
-        </p:nvSpPr>
-        <p:spPr>
-          <a:xfrm>
-            <a:off x="1115568" y="2481943"/>
-            <a:ext cx="10168128" cy="3695020"/>
-          </a:xfrm>
-        </p:spPr>
-        <p:txBody>
-          <a:bodyPr>
-            <a:normAutofit/>
-          </a:bodyPr>
-          <a:lstStyle/>
-          <a:p>
-            <a:r>
-              <a:rPr lang="en-US" sz="2200" b="0" i="0" u="sng" dirty="0">
-                <a:effectLst/>
-                <a:latin typeface="Helvetica Neue"/>
-                <a:hlinkClick r:id="rId2"/>
-              </a:rPr>
-              <a:t>https://arxiv.org/abs/1409.0473</a:t>
-            </a:r>
-            <a:r>
-              <a:rPr lang="en-US" sz="2200" b="0" i="0" dirty="0">
-                <a:effectLst/>
-                <a:latin typeface="Helvetica Neue"/>
-              </a:rPr>
-              <a:t> (2016: Neural Machine Translation by Jointly Learning to Align and Translate)</a:t>
-            </a:r>
-          </a:p>
-          <a:p>
-            <a:r>
-              <a:rPr lang="en-US" sz="2200" dirty="0"/>
-              <a:t>Uses an RNN for the encoder and decoder</a:t>
-            </a:r>
-          </a:p>
-          <a:p>
-            <a:r>
-              <a:rPr lang="en-US" sz="2200" dirty="0"/>
-              <a:t>The encoder RNN bi-directional, whereas the decoder is forward-only</a:t>
-            </a:r>
-          </a:p>
-          <a:p>
-            <a:r>
-              <a:rPr lang="en-US" sz="2200" dirty="0"/>
-              <a:t>The decoder sources not only from its own latent state as it progresses, but also a weighted sum of each of the time steps of the encoder</a:t>
-            </a:r>
-          </a:p>
-          <a:p>
-            <a:endParaRPr lang="en-US" sz="2200" dirty="0"/>
-          </a:p>
-          <a:p>
-            <a:endParaRPr lang="en-US" sz="2200" dirty="0"/>
-          </a:p>
-        </p:txBody>
-      </p:sp>
-    </p:spTree>
-    <p:extLst>
-      <p:ext uri="{BB962C8B-B14F-4D97-AF65-F5344CB8AC3E}">
-        <p14:creationId xmlns:p14="http://schemas.microsoft.com/office/powerpoint/2010/main" val="571946434"/>
-      </p:ext>
-    </p:extLst>
-  </p:cSld>
-  <p:clrMapOvr>
-    <a:masterClrMapping/>
-  </p:clrMapOvr>
-</p:sld>
-</file>
-
-<file path=ppt/slides/slide9.xml><?xml version="1.0" encoding="utf-8"?>
-<p:sld xmlns:a="http://schemas.openxmlformats.org/drawingml/2006/main" xmlns:r="http://schemas.openxmlformats.org/officeDocument/2006/relationships" xmlns:p="http://schemas.openxmlformats.org/presentationml/2006/main">
-  <p:cSld>
-    <p:bg>
-      <p:bgPr>
-        <a:solidFill>
-          <a:schemeClr val="bg1"/>
-        </a:solidFill>
-        <a:effectLst/>
-      </p:bgPr>
-    </p:bg>
-    <p:spTree>
-      <p:nvGrpSpPr>
-        <p:cNvPr id="1" name=""/>
-        <p:cNvGrpSpPr/>
-        <p:nvPr/>
-      </p:nvGrpSpPr>
-      <p:grpSpPr>
-        <a:xfrm>
-          <a:off x="0" y="0"/>
-          <a:ext cx="0" cy="0"/>
-          <a:chOff x="0" y="0"/>
-          <a:chExt cx="0" cy="0"/>
-        </a:xfrm>
-      </p:grpSpPr>
-      <p:sp useBgFill="1">
-        <p:nvSpPr>
-          <p:cNvPr id="6164" name="Rectangle 6163">
-            <a:extLst>
-              <a:ext uri="{FF2B5EF4-FFF2-40B4-BE49-F238E27FC236}">
-                <a16:creationId xmlns:a16="http://schemas.microsoft.com/office/drawing/2014/main" id="{5AC1364A-3E3D-4F0D-8776-78AF3A270DD6}"/>
-              </a:ext>
-              <a:ext uri="{C183D7F6-B498-43B3-948B-1728B52AA6E4}">
-                <adec:decorative xmlns:adec="http://schemas.microsoft.com/office/drawing/2017/decorative" val="1"/>
-              </a:ext>
-            </a:extLst>
-          </p:cNvPr>
-          <p:cNvSpPr>
-            <a:spLocks noGrp="1" noRot="1" noChangeAspect="1" noMove="1" noResize="1" noEditPoints="1" noAdjustHandles="1" noChangeArrowheads="1" noChangeShapeType="1" noTextEdit="1"/>
-          </p:cNvSpPr>
-          <p:nvPr>
-            <p:extLst>
-              <p:ext uri="{386F3935-93C4-4BCD-93E2-E3B085C9AB24}">
-                <p16:designElem xmlns:p16="http://schemas.microsoft.com/office/powerpoint/2015/main" val="1"/>
-              </p:ext>
-            </p:extLst>
-          </p:nvPr>
-        </p:nvSpPr>
-        <p:spPr>
-          <a:xfrm>
-            <a:off x="0" y="0"/>
-            <a:ext cx="12188952" cy="6858000"/>
-          </a:xfrm>
-          <a:prstGeom prst="rect">
-            <a:avLst/>
-          </a:prstGeom>
-          <a:ln>
-            <a:noFill/>
-          </a:ln>
-        </p:spPr>
-        <p:style>
-          <a:lnRef idx="2">
-            <a:schemeClr val="accent1">
-              <a:shade val="50000"/>
-            </a:schemeClr>
-          </a:lnRef>
-          <a:fillRef idx="1">
-            <a:schemeClr val="accent1"/>
-          </a:fillRef>
-          <a:effectRef idx="0">
-            <a:schemeClr val="accent1"/>
-          </a:effectRef>
-          <a:fontRef idx="minor">
-            <a:schemeClr val="lt1"/>
-          </a:fontRef>
-        </p:style>
-        <p:txBody>
-          <a:bodyPr rtlCol="0" anchor="ctr"/>
-          <a:lstStyle/>
-          <a:p>
-            <a:pPr algn="ctr"/>
-            <a:endParaRPr lang="en-US"/>
-          </a:p>
-        </p:txBody>
-      </p:sp>
-      <p:sp>
-        <p:nvSpPr>
-          <p:cNvPr id="2" name="Title 1">
-            <a:extLst>
-              <a:ext uri="{FF2B5EF4-FFF2-40B4-BE49-F238E27FC236}">
-                <a16:creationId xmlns:a16="http://schemas.microsoft.com/office/drawing/2014/main" id="{05B462F1-C180-2283-7339-0B49070EFF39}"/>
-              </a:ext>
-            </a:extLst>
-          </p:cNvPr>
-          <p:cNvSpPr>
-            <a:spLocks noGrp="1"/>
-          </p:cNvSpPr>
-          <p:nvPr>
-            <p:ph type="title"/>
-          </p:nvPr>
-        </p:nvSpPr>
-        <p:spPr>
-          <a:xfrm>
-            <a:off x="4797501" y="329184"/>
-            <a:ext cx="6755626" cy="1783080"/>
-          </a:xfrm>
-        </p:spPr>
-        <p:txBody>
-          <a:bodyPr anchor="b">
-            <a:normAutofit/>
-          </a:bodyPr>
-          <a:lstStyle/>
-          <a:p>
-            <a:r>
-              <a:rPr lang="en-US" sz="5400" dirty="0"/>
-              <a:t>A visual</a:t>
-            </a:r>
-          </a:p>
-        </p:txBody>
-      </p:sp>
-      <p:pic>
-        <p:nvPicPr>
-          <p:cNvPr id="6146" name="Picture 2">
-            <a:extLst>
-              <a:ext uri="{FF2B5EF4-FFF2-40B4-BE49-F238E27FC236}">
-                <a16:creationId xmlns:a16="http://schemas.microsoft.com/office/drawing/2014/main" id="{9931CE32-99F8-9D81-6F54-27E7844FC618}"/>
-              </a:ext>
-            </a:extLst>
-          </p:cNvPr>
-          <p:cNvPicPr>
-            <a:picLocks noChangeAspect="1" noChangeArrowheads="1"/>
-          </p:cNvPicPr>
-          <p:nvPr/>
-        </p:nvPicPr>
-        <p:blipFill>
-          <a:blip r:embed="rId2">
-            <a:extLst>
-              <a:ext uri="{28A0092B-C50C-407E-A947-70E740481C1C}">
-                <a14:useLocalDpi xmlns:a14="http://schemas.microsoft.com/office/drawing/2010/main" val="0"/>
-              </a:ext>
-            </a:extLst>
-          </a:blip>
-          <a:stretch>
-            <a:fillRect/>
-          </a:stretch>
-        </p:blipFill>
-        <p:spPr bwMode="auto">
-          <a:xfrm>
-            <a:off x="930973" y="0"/>
-            <a:ext cx="3230689" cy="5437014"/>
-          </a:xfrm>
-          <a:prstGeom prst="rect">
-            <a:avLst/>
-          </a:prstGeom>
-          <a:noFill/>
-          <a:extLst>
-            <a:ext uri="{909E8E84-426E-40DD-AFC4-6F175D3DCCD1}">
-              <a14:hiddenFill xmlns:a14="http://schemas.microsoft.com/office/drawing/2010/main">
-                <a:solidFill>
-                  <a:srgbClr val="FFFFFF"/>
-                </a:solidFill>
-              </a14:hiddenFill>
-            </a:ext>
-          </a:extLst>
-        </p:spPr>
-      </p:pic>
-      <p:sp>
-        <p:nvSpPr>
-          <p:cNvPr id="6166" name="sketchy line">
-            <a:extLst>
-              <a:ext uri="{FF2B5EF4-FFF2-40B4-BE49-F238E27FC236}">
-                <a16:creationId xmlns:a16="http://schemas.microsoft.com/office/drawing/2014/main" id="{3FCFB1DE-0B7E-48CC-BA90-B2AB0889F9D6}"/>
-              </a:ext>
-              <a:ext uri="{C183D7F6-B498-43B3-948B-1728B52AA6E4}">
-                <adec:decorative xmlns:adec="http://schemas.microsoft.com/office/drawing/2017/decorative" val="1"/>
-              </a:ext>
-            </a:extLst>
-          </p:cNvPr>
-          <p:cNvSpPr>
-            <a:spLocks noGrp="1" noRot="1" noChangeAspect="1" noMove="1" noResize="1" noEditPoints="1" noAdjustHandles="1" noChangeArrowheads="1" noChangeShapeType="1" noTextEdit="1"/>
-          </p:cNvSpPr>
-          <p:nvPr>
-            <p:extLst>
-              <p:ext uri="{386F3935-93C4-4BCD-93E2-E3B085C9AB24}">
-                <p16:designElem xmlns:p16="http://schemas.microsoft.com/office/powerpoint/2015/main" val="1"/>
-              </p:ext>
-            </p:extLst>
-          </p:nvPr>
-        </p:nvSpPr>
-        <p:spPr>
-          <a:xfrm>
-            <a:off x="4797494" y="2395728"/>
-            <a:ext cx="4243589" cy="18288"/>
+            <a:off x="669036" y="1677373"/>
+            <a:ext cx="10853928" cy="18288"/>
           </a:xfrm>
           <a:custGeom>
             <a:avLst/>
             <a:gdLst>
-              <a:gd name="connsiteX0" fmla="*/ 0 w 4243589"/>
+              <a:gd name="connsiteX0" fmla="*/ 0 w 10853928"/>
               <a:gd name="connsiteY0" fmla="*/ 0 h 18288"/>
-              <a:gd name="connsiteX1" fmla="*/ 478919 w 4243589"/>
+              <a:gd name="connsiteX1" fmla="*/ 461292 w 10853928"/>
               <a:gd name="connsiteY1" fmla="*/ 0 h 18288"/>
-              <a:gd name="connsiteX2" fmla="*/ 957839 w 4243589"/>
+              <a:gd name="connsiteX2" fmla="*/ 1139662 w 10853928"/>
               <a:gd name="connsiteY2" fmla="*/ 0 h 18288"/>
-              <a:gd name="connsiteX3" fmla="*/ 1521630 w 4243589"/>
+              <a:gd name="connsiteX3" fmla="*/ 1926572 w 10853928"/>
               <a:gd name="connsiteY3" fmla="*/ 0 h 18288"/>
-              <a:gd name="connsiteX4" fmla="*/ 2212729 w 4243589"/>
+              <a:gd name="connsiteX4" fmla="*/ 2279325 w 10853928"/>
               <a:gd name="connsiteY4" fmla="*/ 0 h 18288"/>
-              <a:gd name="connsiteX5" fmla="*/ 2734084 w 4243589"/>
+              <a:gd name="connsiteX5" fmla="*/ 2632078 w 10853928"/>
               <a:gd name="connsiteY5" fmla="*/ 0 h 18288"/>
-              <a:gd name="connsiteX6" fmla="*/ 3255439 w 4243589"/>
+              <a:gd name="connsiteX6" fmla="*/ 3527527 w 10853928"/>
               <a:gd name="connsiteY6" fmla="*/ 0 h 18288"/>
-              <a:gd name="connsiteX7" fmla="*/ 4243589 w 4243589"/>
+              <a:gd name="connsiteX7" fmla="*/ 4205897 w 10853928"/>
               <a:gd name="connsiteY7" fmla="*/ 0 h 18288"/>
-              <a:gd name="connsiteX8" fmla="*/ 4243589 w 4243589"/>
-              <a:gd name="connsiteY8" fmla="*/ 18288 h 18288"/>
-              <a:gd name="connsiteX9" fmla="*/ 3594926 w 4243589"/>
-              <a:gd name="connsiteY9" fmla="*/ 18288 h 18288"/>
-              <a:gd name="connsiteX10" fmla="*/ 3073571 w 4243589"/>
-              <a:gd name="connsiteY10" fmla="*/ 18288 h 18288"/>
-              <a:gd name="connsiteX11" fmla="*/ 2552216 w 4243589"/>
-              <a:gd name="connsiteY11" fmla="*/ 18288 h 18288"/>
-              <a:gd name="connsiteX12" fmla="*/ 1903553 w 4243589"/>
-              <a:gd name="connsiteY12" fmla="*/ 18288 h 18288"/>
-              <a:gd name="connsiteX13" fmla="*/ 1212454 w 4243589"/>
-              <a:gd name="connsiteY13" fmla="*/ 18288 h 18288"/>
-              <a:gd name="connsiteX14" fmla="*/ 733535 w 4243589"/>
-              <a:gd name="connsiteY14" fmla="*/ 18288 h 18288"/>
-              <a:gd name="connsiteX15" fmla="*/ 0 w 4243589"/>
-              <a:gd name="connsiteY15" fmla="*/ 18288 h 18288"/>
-              <a:gd name="connsiteX16" fmla="*/ 0 w 4243589"/>
+              <a:gd name="connsiteX8" fmla="*/ 4558650 w 10853928"/>
+              <a:gd name="connsiteY8" fmla="*/ 0 h 18288"/>
+              <a:gd name="connsiteX9" fmla="*/ 5237020 w 10853928"/>
+              <a:gd name="connsiteY9" fmla="*/ 0 h 18288"/>
+              <a:gd name="connsiteX10" fmla="*/ 6132469 w 10853928"/>
+              <a:gd name="connsiteY10" fmla="*/ 0 h 18288"/>
+              <a:gd name="connsiteX11" fmla="*/ 6702301 w 10853928"/>
+              <a:gd name="connsiteY11" fmla="*/ 0 h 18288"/>
+              <a:gd name="connsiteX12" fmla="*/ 7272132 w 10853928"/>
+              <a:gd name="connsiteY12" fmla="*/ 0 h 18288"/>
+              <a:gd name="connsiteX13" fmla="*/ 7950502 w 10853928"/>
+              <a:gd name="connsiteY13" fmla="*/ 0 h 18288"/>
+              <a:gd name="connsiteX14" fmla="*/ 8737412 w 10853928"/>
+              <a:gd name="connsiteY14" fmla="*/ 0 h 18288"/>
+              <a:gd name="connsiteX15" fmla="*/ 9524322 w 10853928"/>
+              <a:gd name="connsiteY15" fmla="*/ 0 h 18288"/>
+              <a:gd name="connsiteX16" fmla="*/ 10853928 w 10853928"/>
               <a:gd name="connsiteY16" fmla="*/ 0 h 18288"/>
+              <a:gd name="connsiteX17" fmla="*/ 10853928 w 10853928"/>
+              <a:gd name="connsiteY17" fmla="*/ 18288 h 18288"/>
+              <a:gd name="connsiteX18" fmla="*/ 10392636 w 10853928"/>
+              <a:gd name="connsiteY18" fmla="*/ 18288 h 18288"/>
+              <a:gd name="connsiteX19" fmla="*/ 9497187 w 10853928"/>
+              <a:gd name="connsiteY19" fmla="*/ 18288 h 18288"/>
+              <a:gd name="connsiteX20" fmla="*/ 8818817 w 10853928"/>
+              <a:gd name="connsiteY20" fmla="*/ 18288 h 18288"/>
+              <a:gd name="connsiteX21" fmla="*/ 8466064 w 10853928"/>
+              <a:gd name="connsiteY21" fmla="*/ 18288 h 18288"/>
+              <a:gd name="connsiteX22" fmla="*/ 7787693 w 10853928"/>
+              <a:gd name="connsiteY22" fmla="*/ 18288 h 18288"/>
+              <a:gd name="connsiteX23" fmla="*/ 7217862 w 10853928"/>
+              <a:gd name="connsiteY23" fmla="*/ 18288 h 18288"/>
+              <a:gd name="connsiteX24" fmla="*/ 6648031 w 10853928"/>
+              <a:gd name="connsiteY24" fmla="*/ 18288 h 18288"/>
+              <a:gd name="connsiteX25" fmla="*/ 6078200 w 10853928"/>
+              <a:gd name="connsiteY25" fmla="*/ 18288 h 18288"/>
+              <a:gd name="connsiteX26" fmla="*/ 5508368 w 10853928"/>
+              <a:gd name="connsiteY26" fmla="*/ 18288 h 18288"/>
+              <a:gd name="connsiteX27" fmla="*/ 4721459 w 10853928"/>
+              <a:gd name="connsiteY27" fmla="*/ 18288 h 18288"/>
+              <a:gd name="connsiteX28" fmla="*/ 4043088 w 10853928"/>
+              <a:gd name="connsiteY28" fmla="*/ 18288 h 18288"/>
+              <a:gd name="connsiteX29" fmla="*/ 3690336 w 10853928"/>
+              <a:gd name="connsiteY29" fmla="*/ 18288 h 18288"/>
+              <a:gd name="connsiteX30" fmla="*/ 3120504 w 10853928"/>
+              <a:gd name="connsiteY30" fmla="*/ 18288 h 18288"/>
+              <a:gd name="connsiteX31" fmla="*/ 2333595 w 10853928"/>
+              <a:gd name="connsiteY31" fmla="*/ 18288 h 18288"/>
+              <a:gd name="connsiteX32" fmla="*/ 1872303 w 10853928"/>
+              <a:gd name="connsiteY32" fmla="*/ 18288 h 18288"/>
+              <a:gd name="connsiteX33" fmla="*/ 976854 w 10853928"/>
+              <a:gd name="connsiteY33" fmla="*/ 18288 h 18288"/>
+              <a:gd name="connsiteX34" fmla="*/ 0 w 10853928"/>
+              <a:gd name="connsiteY34" fmla="*/ 18288 h 18288"/>
+              <a:gd name="connsiteX35" fmla="*/ 0 w 10853928"/>
+              <a:gd name="connsiteY35" fmla="*/ 0 h 18288"/>
             </a:gdLst>
             <a:ahLst/>
             <a:cxnLst>
@@ -11463,177 +10410,434 @@
               <a:cxn ang="0">
                 <a:pos x="connsiteX16" y="connsiteY16"/>
               </a:cxn>
+              <a:cxn ang="0">
+                <a:pos x="connsiteX17" y="connsiteY17"/>
+              </a:cxn>
+              <a:cxn ang="0">
+                <a:pos x="connsiteX18" y="connsiteY18"/>
+              </a:cxn>
+              <a:cxn ang="0">
+                <a:pos x="connsiteX19" y="connsiteY19"/>
+              </a:cxn>
+              <a:cxn ang="0">
+                <a:pos x="connsiteX20" y="connsiteY20"/>
+              </a:cxn>
+              <a:cxn ang="0">
+                <a:pos x="connsiteX21" y="connsiteY21"/>
+              </a:cxn>
+              <a:cxn ang="0">
+                <a:pos x="connsiteX22" y="connsiteY22"/>
+              </a:cxn>
+              <a:cxn ang="0">
+                <a:pos x="connsiteX23" y="connsiteY23"/>
+              </a:cxn>
+              <a:cxn ang="0">
+                <a:pos x="connsiteX24" y="connsiteY24"/>
+              </a:cxn>
+              <a:cxn ang="0">
+                <a:pos x="connsiteX25" y="connsiteY25"/>
+              </a:cxn>
+              <a:cxn ang="0">
+                <a:pos x="connsiteX26" y="connsiteY26"/>
+              </a:cxn>
+              <a:cxn ang="0">
+                <a:pos x="connsiteX27" y="connsiteY27"/>
+              </a:cxn>
+              <a:cxn ang="0">
+                <a:pos x="connsiteX28" y="connsiteY28"/>
+              </a:cxn>
+              <a:cxn ang="0">
+                <a:pos x="connsiteX29" y="connsiteY29"/>
+              </a:cxn>
+              <a:cxn ang="0">
+                <a:pos x="connsiteX30" y="connsiteY30"/>
+              </a:cxn>
+              <a:cxn ang="0">
+                <a:pos x="connsiteX31" y="connsiteY31"/>
+              </a:cxn>
+              <a:cxn ang="0">
+                <a:pos x="connsiteX32" y="connsiteY32"/>
+              </a:cxn>
+              <a:cxn ang="0">
+                <a:pos x="connsiteX33" y="connsiteY33"/>
+              </a:cxn>
+              <a:cxn ang="0">
+                <a:pos x="connsiteX34" y="connsiteY34"/>
+              </a:cxn>
+              <a:cxn ang="0">
+                <a:pos x="connsiteX35" y="connsiteY35"/>
+              </a:cxn>
             </a:cxnLst>
             <a:rect l="l" t="t" r="r" b="b"/>
             <a:pathLst>
-              <a:path w="4243589" h="18288" fill="none" extrusionOk="0">
+              <a:path w="10853928" h="18288" fill="none" extrusionOk="0">
                 <a:moveTo>
                   <a:pt x="0" y="0"/>
                 </a:moveTo>
                 <a:cubicBezTo>
-                  <a:pt x="213395" y="-21006"/>
-                  <a:pt x="307421" y="-18116"/>
-                  <a:pt x="478919" y="0"/>
-                </a:cubicBezTo>
-                <a:cubicBezTo>
-                  <a:pt x="650417" y="18116"/>
-                  <a:pt x="831092" y="-21237"/>
-                  <a:pt x="957839" y="0"/>
-                </a:cubicBezTo>
-                <a:cubicBezTo>
-                  <a:pt x="1084586" y="21237"/>
-                  <a:pt x="1301682" y="25124"/>
-                  <a:pt x="1521630" y="0"/>
-                </a:cubicBezTo>
-                <a:cubicBezTo>
-                  <a:pt x="1741578" y="-25124"/>
-                  <a:pt x="1970269" y="-29139"/>
-                  <a:pt x="2212729" y="0"/>
-                </a:cubicBezTo>
-                <a:cubicBezTo>
-                  <a:pt x="2455189" y="29139"/>
-                  <a:pt x="2558847" y="-4796"/>
-                  <a:pt x="2734084" y="0"/>
-                </a:cubicBezTo>
-                <a:cubicBezTo>
-                  <a:pt x="2909321" y="4796"/>
-                  <a:pt x="3097217" y="-13409"/>
-                  <a:pt x="3255439" y="0"/>
-                </a:cubicBezTo>
-                <a:cubicBezTo>
-                  <a:pt x="3413662" y="13409"/>
-                  <a:pt x="3979999" y="-10121"/>
-                  <a:pt x="4243589" y="0"/>
-                </a:cubicBezTo>
-                <a:cubicBezTo>
-                  <a:pt x="4244484" y="8974"/>
-                  <a:pt x="4243043" y="9359"/>
-                  <a:pt x="4243589" y="18288"/>
-                </a:cubicBezTo>
-                <a:cubicBezTo>
-                  <a:pt x="4058777" y="31246"/>
-                  <a:pt x="3910348" y="3158"/>
-                  <a:pt x="3594926" y="18288"/>
-                </a:cubicBezTo>
-                <a:cubicBezTo>
-                  <a:pt x="3279504" y="33418"/>
-                  <a:pt x="3319955" y="-3977"/>
-                  <a:pt x="3073571" y="18288"/>
-                </a:cubicBezTo>
-                <a:cubicBezTo>
-                  <a:pt x="2827187" y="40553"/>
-                  <a:pt x="2767387" y="1863"/>
-                  <a:pt x="2552216" y="18288"/>
-                </a:cubicBezTo>
-                <a:cubicBezTo>
-                  <a:pt x="2337046" y="34713"/>
-                  <a:pt x="2181871" y="19527"/>
-                  <a:pt x="1903553" y="18288"/>
-                </a:cubicBezTo>
-                <a:cubicBezTo>
-                  <a:pt x="1625235" y="17049"/>
-                  <a:pt x="1557672" y="24174"/>
-                  <a:pt x="1212454" y="18288"/>
-                </a:cubicBezTo>
-                <a:cubicBezTo>
-                  <a:pt x="867236" y="12402"/>
-                  <a:pt x="874382" y="15627"/>
-                  <a:pt x="733535" y="18288"/>
-                </a:cubicBezTo>
-                <a:cubicBezTo>
-                  <a:pt x="592688" y="20949"/>
-                  <a:pt x="183477" y="14753"/>
+                  <a:pt x="146993" y="-19076"/>
+                  <a:pt x="347684" y="-4790"/>
+                  <a:pt x="461292" y="0"/>
+                </a:cubicBezTo>
+                <a:cubicBezTo>
+                  <a:pt x="574900" y="4790"/>
+                  <a:pt x="808367" y="19821"/>
+                  <a:pt x="1139662" y="0"/>
+                </a:cubicBezTo>
+                <a:cubicBezTo>
+                  <a:pt x="1470957" y="-19821"/>
+                  <a:pt x="1627405" y="5721"/>
+                  <a:pt x="1926572" y="0"/>
+                </a:cubicBezTo>
+                <a:cubicBezTo>
+                  <a:pt x="2225739" y="-5721"/>
+                  <a:pt x="2137730" y="-3235"/>
+                  <a:pt x="2279325" y="0"/>
+                </a:cubicBezTo>
+                <a:cubicBezTo>
+                  <a:pt x="2420920" y="3235"/>
+                  <a:pt x="2456518" y="9685"/>
+                  <a:pt x="2632078" y="0"/>
+                </a:cubicBezTo>
+                <a:cubicBezTo>
+                  <a:pt x="2807638" y="-9685"/>
+                  <a:pt x="3211516" y="-43007"/>
+                  <a:pt x="3527527" y="0"/>
+                </a:cubicBezTo>
+                <a:cubicBezTo>
+                  <a:pt x="3843538" y="43007"/>
+                  <a:pt x="4058833" y="22042"/>
+                  <a:pt x="4205897" y="0"/>
+                </a:cubicBezTo>
+                <a:cubicBezTo>
+                  <a:pt x="4352961" y="-22042"/>
+                  <a:pt x="4474805" y="-11846"/>
+                  <a:pt x="4558650" y="0"/>
+                </a:cubicBezTo>
+                <a:cubicBezTo>
+                  <a:pt x="4642495" y="11846"/>
+                  <a:pt x="5041928" y="-6069"/>
+                  <a:pt x="5237020" y="0"/>
+                </a:cubicBezTo>
+                <a:cubicBezTo>
+                  <a:pt x="5432112" y="6069"/>
+                  <a:pt x="5943266" y="-17479"/>
+                  <a:pt x="6132469" y="0"/>
+                </a:cubicBezTo>
+                <a:cubicBezTo>
+                  <a:pt x="6321672" y="17479"/>
+                  <a:pt x="6483872" y="26234"/>
+                  <a:pt x="6702301" y="0"/>
+                </a:cubicBezTo>
+                <a:cubicBezTo>
+                  <a:pt x="6920730" y="-26234"/>
+                  <a:pt x="6991194" y="-15156"/>
+                  <a:pt x="7272132" y="0"/>
+                </a:cubicBezTo>
+                <a:cubicBezTo>
+                  <a:pt x="7553070" y="15156"/>
+                  <a:pt x="7684444" y="-32961"/>
+                  <a:pt x="7950502" y="0"/>
+                </a:cubicBezTo>
+                <a:cubicBezTo>
+                  <a:pt x="8216560" y="32961"/>
+                  <a:pt x="8493290" y="-10491"/>
+                  <a:pt x="8737412" y="0"/>
+                </a:cubicBezTo>
+                <a:cubicBezTo>
+                  <a:pt x="8981534" y="10491"/>
+                  <a:pt x="9191586" y="-13899"/>
+                  <a:pt x="9524322" y="0"/>
+                </a:cubicBezTo>
+                <a:cubicBezTo>
+                  <a:pt x="9857058" y="13899"/>
+                  <a:pt x="10297509" y="7485"/>
+                  <a:pt x="10853928" y="0"/>
+                </a:cubicBezTo>
+                <a:cubicBezTo>
+                  <a:pt x="10854574" y="4451"/>
+                  <a:pt x="10854418" y="9226"/>
+                  <a:pt x="10853928" y="18288"/>
+                </a:cubicBezTo>
+                <a:cubicBezTo>
+                  <a:pt x="10691638" y="28522"/>
+                  <a:pt x="10574319" y="29578"/>
+                  <a:pt x="10392636" y="18288"/>
+                </a:cubicBezTo>
+                <a:cubicBezTo>
+                  <a:pt x="10210953" y="6998"/>
+                  <a:pt x="9836277" y="-16742"/>
+                  <a:pt x="9497187" y="18288"/>
+                </a:cubicBezTo>
+                <a:cubicBezTo>
+                  <a:pt x="9158097" y="53318"/>
+                  <a:pt x="9119479" y="30714"/>
+                  <a:pt x="8818817" y="18288"/>
+                </a:cubicBezTo>
+                <a:cubicBezTo>
+                  <a:pt x="8518155" y="5863"/>
+                  <a:pt x="8640037" y="6483"/>
+                  <a:pt x="8466064" y="18288"/>
+                </a:cubicBezTo>
+                <a:cubicBezTo>
+                  <a:pt x="8292091" y="30093"/>
+                  <a:pt x="7997656" y="18914"/>
+                  <a:pt x="7787693" y="18288"/>
+                </a:cubicBezTo>
+                <a:cubicBezTo>
+                  <a:pt x="7577730" y="17662"/>
+                  <a:pt x="7412468" y="21416"/>
+                  <a:pt x="7217862" y="18288"/>
+                </a:cubicBezTo>
+                <a:cubicBezTo>
+                  <a:pt x="7023256" y="15160"/>
+                  <a:pt x="6898018" y="14824"/>
+                  <a:pt x="6648031" y="18288"/>
+                </a:cubicBezTo>
+                <a:cubicBezTo>
+                  <a:pt x="6398044" y="21752"/>
+                  <a:pt x="6254402" y="38625"/>
+                  <a:pt x="6078200" y="18288"/>
+                </a:cubicBezTo>
+                <a:cubicBezTo>
+                  <a:pt x="5901998" y="-2049"/>
+                  <a:pt x="5622886" y="3213"/>
+                  <a:pt x="5508368" y="18288"/>
+                </a:cubicBezTo>
+                <a:cubicBezTo>
+                  <a:pt x="5393850" y="33363"/>
+                  <a:pt x="5036260" y="26830"/>
+                  <a:pt x="4721459" y="18288"/>
+                </a:cubicBezTo>
+                <a:cubicBezTo>
+                  <a:pt x="4406658" y="9746"/>
+                  <a:pt x="4239221" y="41551"/>
+                  <a:pt x="4043088" y="18288"/>
+                </a:cubicBezTo>
+                <a:cubicBezTo>
+                  <a:pt x="3846955" y="-4975"/>
+                  <a:pt x="3818802" y="34658"/>
+                  <a:pt x="3690336" y="18288"/>
+                </a:cubicBezTo>
+                <a:cubicBezTo>
+                  <a:pt x="3561870" y="1918"/>
+                  <a:pt x="3265491" y="42194"/>
+                  <a:pt x="3120504" y="18288"/>
+                </a:cubicBezTo>
+                <a:cubicBezTo>
+                  <a:pt x="2975517" y="-5618"/>
+                  <a:pt x="2720254" y="36673"/>
+                  <a:pt x="2333595" y="18288"/>
+                </a:cubicBezTo>
+                <a:cubicBezTo>
+                  <a:pt x="1946936" y="-97"/>
+                  <a:pt x="2097241" y="5776"/>
+                  <a:pt x="1872303" y="18288"/>
+                </a:cubicBezTo>
+                <a:cubicBezTo>
+                  <a:pt x="1647365" y="30800"/>
+                  <a:pt x="1282708" y="45380"/>
+                  <a:pt x="976854" y="18288"/>
+                </a:cubicBezTo>
+                <a:cubicBezTo>
+                  <a:pt x="671000" y="-8804"/>
+                  <a:pt x="408401" y="-12775"/>
                   <a:pt x="0" y="18288"/>
                 </a:cubicBezTo>
                 <a:cubicBezTo>
-                  <a:pt x="-229" y="14222"/>
-                  <a:pt x="509" y="5816"/>
+                  <a:pt x="-213" y="9468"/>
+                  <a:pt x="187" y="4459"/>
                   <a:pt x="0" y="0"/>
                 </a:cubicBezTo>
                 <a:close/>
               </a:path>
-              <a:path w="4243589" h="18288" stroke="0" extrusionOk="0">
+              <a:path w="10853928" h="18288" stroke="0" extrusionOk="0">
                 <a:moveTo>
                   <a:pt x="0" y="0"/>
                 </a:moveTo>
                 <a:cubicBezTo>
-                  <a:pt x="143690" y="16630"/>
-                  <a:pt x="266667" y="14847"/>
-                  <a:pt x="521355" y="0"/>
-                </a:cubicBezTo>
-                <a:cubicBezTo>
-                  <a:pt x="776043" y="-14847"/>
-                  <a:pt x="814491" y="-17363"/>
-                  <a:pt x="1000275" y="0"/>
-                </a:cubicBezTo>
-                <a:cubicBezTo>
-                  <a:pt x="1186059" y="17363"/>
-                  <a:pt x="1352504" y="-23507"/>
-                  <a:pt x="1521630" y="0"/>
-                </a:cubicBezTo>
-                <a:cubicBezTo>
-                  <a:pt x="1690756" y="23507"/>
-                  <a:pt x="1889525" y="5871"/>
-                  <a:pt x="2127857" y="0"/>
-                </a:cubicBezTo>
-                <a:cubicBezTo>
-                  <a:pt x="2366189" y="-5871"/>
-                  <a:pt x="2620628" y="-27997"/>
-                  <a:pt x="2776520" y="0"/>
-                </a:cubicBezTo>
-                <a:cubicBezTo>
-                  <a:pt x="2932412" y="27997"/>
-                  <a:pt x="3131683" y="-25073"/>
-                  <a:pt x="3467618" y="0"/>
-                </a:cubicBezTo>
-                <a:cubicBezTo>
-                  <a:pt x="3803553" y="25073"/>
-                  <a:pt x="4017371" y="3071"/>
-                  <a:pt x="4243589" y="0"/>
-                </a:cubicBezTo>
-                <a:cubicBezTo>
-                  <a:pt x="4243134" y="6162"/>
-                  <a:pt x="4243492" y="11775"/>
-                  <a:pt x="4243589" y="18288"/>
-                </a:cubicBezTo>
-                <a:cubicBezTo>
-                  <a:pt x="4017834" y="-5779"/>
-                  <a:pt x="3834586" y="13376"/>
-                  <a:pt x="3594926" y="18288"/>
-                </a:cubicBezTo>
-                <a:cubicBezTo>
-                  <a:pt x="3355266" y="23200"/>
-                  <a:pt x="3204179" y="2869"/>
-                  <a:pt x="2903827" y="18288"/>
-                </a:cubicBezTo>
-                <a:cubicBezTo>
-                  <a:pt x="2603475" y="33707"/>
-                  <a:pt x="2526187" y="46187"/>
-                  <a:pt x="2212729" y="18288"/>
-                </a:cubicBezTo>
-                <a:cubicBezTo>
-                  <a:pt x="1899271" y="-9611"/>
-                  <a:pt x="1966289" y="29692"/>
-                  <a:pt x="1733809" y="18288"/>
-                </a:cubicBezTo>
-                <a:cubicBezTo>
-                  <a:pt x="1501329" y="6884"/>
-                  <a:pt x="1343612" y="12492"/>
-                  <a:pt x="1085146" y="18288"/>
-                </a:cubicBezTo>
-                <a:cubicBezTo>
-                  <a:pt x="826680" y="24084"/>
-                  <a:pt x="778184" y="35607"/>
-                  <a:pt x="521355" y="18288"/>
-                </a:cubicBezTo>
-                <a:cubicBezTo>
-                  <a:pt x="264526" y="969"/>
-                  <a:pt x="120277" y="4268"/>
+                  <a:pt x="267322" y="15284"/>
+                  <a:pt x="415388" y="-21048"/>
+                  <a:pt x="569831" y="0"/>
+                </a:cubicBezTo>
+                <a:cubicBezTo>
+                  <a:pt x="724274" y="21048"/>
+                  <a:pt x="769333" y="-2353"/>
+                  <a:pt x="922584" y="0"/>
+                </a:cubicBezTo>
+                <a:cubicBezTo>
+                  <a:pt x="1075835" y="2353"/>
+                  <a:pt x="1399490" y="-145"/>
+                  <a:pt x="1818033" y="0"/>
+                </a:cubicBezTo>
+                <a:cubicBezTo>
+                  <a:pt x="2236576" y="145"/>
+                  <a:pt x="2145330" y="5482"/>
+                  <a:pt x="2387864" y="0"/>
+                </a:cubicBezTo>
+                <a:cubicBezTo>
+                  <a:pt x="2630398" y="-5482"/>
+                  <a:pt x="2793207" y="18487"/>
+                  <a:pt x="2957695" y="0"/>
+                </a:cubicBezTo>
+                <a:cubicBezTo>
+                  <a:pt x="3122183" y="-18487"/>
+                  <a:pt x="3579141" y="19003"/>
+                  <a:pt x="3853144" y="0"/>
+                </a:cubicBezTo>
+                <a:cubicBezTo>
+                  <a:pt x="4127147" y="-19003"/>
+                  <a:pt x="4209857" y="12211"/>
+                  <a:pt x="4314436" y="0"/>
+                </a:cubicBezTo>
+                <a:cubicBezTo>
+                  <a:pt x="4419015" y="-12211"/>
+                  <a:pt x="4762459" y="-17220"/>
+                  <a:pt x="5209885" y="0"/>
+                </a:cubicBezTo>
+                <a:cubicBezTo>
+                  <a:pt x="5657311" y="17220"/>
+                  <a:pt x="5692663" y="-3290"/>
+                  <a:pt x="6105335" y="0"/>
+                </a:cubicBezTo>
+                <a:cubicBezTo>
+                  <a:pt x="6518007" y="3290"/>
+                  <a:pt x="6455516" y="-5124"/>
+                  <a:pt x="6783705" y="0"/>
+                </a:cubicBezTo>
+                <a:cubicBezTo>
+                  <a:pt x="7111894" y="5124"/>
+                  <a:pt x="7441941" y="-17829"/>
+                  <a:pt x="7679154" y="0"/>
+                </a:cubicBezTo>
+                <a:cubicBezTo>
+                  <a:pt x="7916367" y="17829"/>
+                  <a:pt x="8102967" y="-24363"/>
+                  <a:pt x="8248985" y="0"/>
+                </a:cubicBezTo>
+                <a:cubicBezTo>
+                  <a:pt x="8395003" y="24363"/>
+                  <a:pt x="8552393" y="25505"/>
+                  <a:pt x="8818817" y="0"/>
+                </a:cubicBezTo>
+                <a:cubicBezTo>
+                  <a:pt x="9085241" y="-25505"/>
+                  <a:pt x="9411308" y="38000"/>
+                  <a:pt x="9605726" y="0"/>
+                </a:cubicBezTo>
+                <a:cubicBezTo>
+                  <a:pt x="9800144" y="-38000"/>
+                  <a:pt x="10006468" y="-25741"/>
+                  <a:pt x="10175558" y="0"/>
+                </a:cubicBezTo>
+                <a:cubicBezTo>
+                  <a:pt x="10344648" y="25741"/>
+                  <a:pt x="10696282" y="695"/>
+                  <a:pt x="10853928" y="0"/>
+                </a:cubicBezTo>
+                <a:cubicBezTo>
+                  <a:pt x="10853521" y="8690"/>
+                  <a:pt x="10853774" y="14141"/>
+                  <a:pt x="10853928" y="18288"/>
+                </a:cubicBezTo>
+                <a:cubicBezTo>
+                  <a:pt x="10608124" y="24255"/>
+                  <a:pt x="10343415" y="22307"/>
+                  <a:pt x="10067018" y="18288"/>
+                </a:cubicBezTo>
+                <a:cubicBezTo>
+                  <a:pt x="9790621" y="14270"/>
+                  <a:pt x="9843266" y="3564"/>
+                  <a:pt x="9714266" y="18288"/>
+                </a:cubicBezTo>
+                <a:cubicBezTo>
+                  <a:pt x="9585266" y="33012"/>
+                  <a:pt x="9379484" y="1875"/>
+                  <a:pt x="9252974" y="18288"/>
+                </a:cubicBezTo>
+                <a:cubicBezTo>
+                  <a:pt x="9126464" y="34701"/>
+                  <a:pt x="8580678" y="-4904"/>
+                  <a:pt x="8357525" y="18288"/>
+                </a:cubicBezTo>
+                <a:cubicBezTo>
+                  <a:pt x="8134372" y="41480"/>
+                  <a:pt x="7903199" y="26458"/>
+                  <a:pt x="7679154" y="18288"/>
+                </a:cubicBezTo>
+                <a:cubicBezTo>
+                  <a:pt x="7455109" y="10118"/>
+                  <a:pt x="7435944" y="27109"/>
+                  <a:pt x="7217862" y="18288"/>
+                </a:cubicBezTo>
+                <a:cubicBezTo>
+                  <a:pt x="6999780" y="9467"/>
+                  <a:pt x="6680409" y="18985"/>
+                  <a:pt x="6539492" y="18288"/>
+                </a:cubicBezTo>
+                <a:cubicBezTo>
+                  <a:pt x="6398575" y="17592"/>
+                  <a:pt x="6312077" y="33018"/>
+                  <a:pt x="6186739" y="18288"/>
+                </a:cubicBezTo>
+                <a:cubicBezTo>
+                  <a:pt x="6061401" y="3558"/>
+                  <a:pt x="5947033" y="12075"/>
+                  <a:pt x="5833986" y="18288"/>
+                </a:cubicBezTo>
+                <a:cubicBezTo>
+                  <a:pt x="5720939" y="24501"/>
+                  <a:pt x="5482226" y="8586"/>
+                  <a:pt x="5155616" y="18288"/>
+                </a:cubicBezTo>
+                <a:cubicBezTo>
+                  <a:pt x="4829006" y="27991"/>
+                  <a:pt x="4841274" y="29316"/>
+                  <a:pt x="4694324" y="18288"/>
+                </a:cubicBezTo>
+                <a:cubicBezTo>
+                  <a:pt x="4547374" y="7260"/>
+                  <a:pt x="4077675" y="7013"/>
+                  <a:pt x="3907414" y="18288"/>
+                </a:cubicBezTo>
+                <a:cubicBezTo>
+                  <a:pt x="3737153" y="29564"/>
+                  <a:pt x="3538393" y="21630"/>
+                  <a:pt x="3446122" y="18288"/>
+                </a:cubicBezTo>
+                <a:cubicBezTo>
+                  <a:pt x="3353851" y="14946"/>
+                  <a:pt x="2990320" y="-8091"/>
+                  <a:pt x="2659212" y="18288"/>
+                </a:cubicBezTo>
+                <a:cubicBezTo>
+                  <a:pt x="2328104" y="44667"/>
+                  <a:pt x="2427653" y="9607"/>
+                  <a:pt x="2306460" y="18288"/>
+                </a:cubicBezTo>
+                <a:cubicBezTo>
+                  <a:pt x="2185267" y="26969"/>
+                  <a:pt x="1719763" y="3717"/>
+                  <a:pt x="1519550" y="18288"/>
+                </a:cubicBezTo>
+                <a:cubicBezTo>
+                  <a:pt x="1319337" y="32860"/>
+                  <a:pt x="1167371" y="17040"/>
+                  <a:pt x="1058258" y="18288"/>
+                </a:cubicBezTo>
+                <a:cubicBezTo>
+                  <a:pt x="949145" y="19536"/>
+                  <a:pt x="780234" y="31447"/>
+                  <a:pt x="705505" y="18288"/>
+                </a:cubicBezTo>
+                <a:cubicBezTo>
+                  <a:pt x="630776" y="5129"/>
+                  <a:pt x="215796" y="30056"/>
                   <a:pt x="0" y="18288"/>
                 </a:cubicBezTo>
                 <a:cubicBezTo>
-                  <a:pt x="766" y="10800"/>
-                  <a:pt x="-457" y="8180"/>
+                  <a:pt x="-53" y="11301"/>
+                  <a:pt x="-649" y="7756"/>
                   <a:pt x="0" y="0"/>
                 </a:cubicBezTo>
                 <a:close/>
@@ -11650,7 +10854,7 @@
             <a:round/>
             <a:extLst>
               <a:ext uri="{C807C97D-BFC1-408E-A445-0C87EB9F89A2}">
-                <ask:lineSketchStyleProps xmlns:ask="http://schemas.microsoft.com/office/drawing/2018/sketchyshapes" sd="2727557108">
+                <ask:lineSketchStyleProps xmlns:ask="http://schemas.microsoft.com/office/drawing/2018/sketchyshapes" sd="1219033472">
                   <a:prstGeom prst="rect">
                     <a:avLst/>
                   </a:prstGeom>
@@ -11687,22 +10891,942 @@
           </a:p>
         </p:txBody>
       </p:sp>
+      <p:sp>
+        <p:nvSpPr>
+          <p:cNvPr id="3" name="Content Placeholder 2">
+            <a:extLst>
+              <a:ext uri="{FF2B5EF4-FFF2-40B4-BE49-F238E27FC236}">
+                <a16:creationId xmlns:a16="http://schemas.microsoft.com/office/drawing/2014/main" id="{16EC3815-5E4C-16D1-729D-7777FEC5E279}"/>
+              </a:ext>
+            </a:extLst>
+          </p:cNvPr>
+          <p:cNvSpPr>
+            <a:spLocks noGrp="1"/>
+          </p:cNvSpPr>
+          <p:nvPr>
+            <p:ph idx="1"/>
+          </p:nvPr>
+        </p:nvSpPr>
+        <p:spPr>
+          <a:xfrm>
+            <a:off x="838200" y="1929384"/>
+            <a:ext cx="10515600" cy="4251960"/>
+          </a:xfrm>
+        </p:spPr>
+        <p:txBody>
+          <a:bodyPr>
+            <a:normAutofit/>
+          </a:bodyPr>
+          <a:lstStyle/>
+          <a:p>
+            <a:r>
+              <a:rPr lang="en-US" sz="2200" dirty="0"/>
+              <a:t>Attention is found most notably in sequence-to-sequence layers</a:t>
+            </a:r>
+          </a:p>
+          <a:p>
+            <a:pPr lvl="1"/>
+            <a:r>
+              <a:rPr lang="en-US" sz="2200" dirty="0"/>
+              <a:t>A sequence-to-sequence layer is a neural network layer that takes as an input a sequence of elements and outputs another. </a:t>
+            </a:r>
+          </a:p>
+          <a:p>
+            <a:pPr lvl="1"/>
+            <a:r>
+              <a:rPr lang="en-US" sz="2200" dirty="0"/>
+              <a:t>It is often used in language translation tasks, but the input can be pixels instead of words, so there’s a direct application in image processing as well.</a:t>
+            </a:r>
+          </a:p>
+          <a:p>
+            <a:r>
+              <a:rPr lang="en-US" sz="2200" dirty="0"/>
+              <a:t>Sequence-to-sequence layers can be causal (can only look backwards), or non-</a:t>
+            </a:r>
+            <a:r>
+              <a:rPr lang="en-US" sz="2200" dirty="0" err="1"/>
+              <a:t>causual</a:t>
+            </a:r>
+            <a:r>
+              <a:rPr lang="en-US" sz="2200" dirty="0"/>
+              <a:t> (forward and backwards). The need to “look around” is where attention comes in.</a:t>
+            </a:r>
+          </a:p>
+          <a:p>
+            <a:r>
+              <a:rPr lang="en-US" sz="2200" b="1" dirty="0"/>
+              <a:t>The goal</a:t>
+            </a:r>
+            <a:r>
+              <a:rPr lang="en-US" sz="2200" dirty="0"/>
+              <a:t> is to provide an implementation which can be executed fast (in parallel) and allow for distant comparison of elements in a performant manner. </a:t>
+            </a:r>
+          </a:p>
+          <a:p>
+            <a:endParaRPr lang="en-US" sz="2200" dirty="0"/>
+          </a:p>
+          <a:p>
+            <a:endParaRPr lang="en-US" sz="2200" dirty="0"/>
+          </a:p>
+        </p:txBody>
+      </p:sp>
+    </p:spTree>
+    <p:extLst>
+      <p:ext uri="{BB962C8B-B14F-4D97-AF65-F5344CB8AC3E}">
+        <p14:creationId xmlns:p14="http://schemas.microsoft.com/office/powerpoint/2010/main" val="839162451"/>
+      </p:ext>
+    </p:extLst>
+  </p:cSld>
+  <p:clrMapOvr>
+    <a:masterClrMapping/>
+  </p:clrMapOvr>
+</p:sld>
+</file>
+
+<file path=ppt/slides/slide5.xml><?xml version="1.0" encoding="utf-8"?>
+<p:sld xmlns:a="http://schemas.openxmlformats.org/drawingml/2006/main" xmlns:r="http://schemas.openxmlformats.org/officeDocument/2006/relationships" xmlns:p="http://schemas.openxmlformats.org/presentationml/2006/main">
+  <p:cSld>
+    <p:bg>
+      <p:bgPr>
+        <a:solidFill>
+          <a:schemeClr val="bg1">
+            <a:tint val="95000"/>
+            <a:satMod val="170000"/>
+          </a:schemeClr>
+        </a:solidFill>
+        <a:effectLst/>
+      </p:bgPr>
+    </p:bg>
+    <p:spTree>
+      <p:nvGrpSpPr>
+        <p:cNvPr id="1" name=""/>
+        <p:cNvGrpSpPr/>
+        <p:nvPr/>
+      </p:nvGrpSpPr>
+      <p:grpSpPr>
+        <a:xfrm>
+          <a:off x="0" y="0"/>
+          <a:ext cx="0" cy="0"/>
+          <a:chOff x="0" y="0"/>
+          <a:chExt cx="0" cy="0"/>
+        </a:xfrm>
+      </p:grpSpPr>
+      <p:sp>
+        <p:nvSpPr>
+          <p:cNvPr id="14" name="Freeform: Shape 13">
+            <a:extLst>
+              <a:ext uri="{FF2B5EF4-FFF2-40B4-BE49-F238E27FC236}">
+                <a16:creationId xmlns:a16="http://schemas.microsoft.com/office/drawing/2014/main" id="{66B332A4-D438-4773-A77F-5ED49A448D9D}"/>
+              </a:ext>
+              <a:ext uri="{C183D7F6-B498-43B3-948B-1728B52AA6E4}">
+                <adec:decorative xmlns:adec="http://schemas.microsoft.com/office/drawing/2017/decorative" val="1"/>
+              </a:ext>
+            </a:extLst>
+          </p:cNvPr>
+          <p:cNvSpPr>
+            <a:spLocks noGrp="1" noRot="1" noChangeAspect="1" noMove="1" noResize="1" noEditPoints="1" noAdjustHandles="1" noChangeArrowheads="1" noChangeShapeType="1" noTextEdit="1"/>
+          </p:cNvSpPr>
+          <p:nvPr>
+            <p:extLst>
+              <p:ext uri="{386F3935-93C4-4BCD-93E2-E3B085C9AB24}">
+                <p16:designElem xmlns:p16="http://schemas.microsoft.com/office/powerpoint/2015/main" val="1"/>
+              </p:ext>
+            </p:extLst>
+          </p:nvPr>
+        </p:nvSpPr>
+        <p:spPr>
+          <a:xfrm>
+            <a:off x="1953768" y="0"/>
+            <a:ext cx="8284464" cy="6858000"/>
+          </a:xfrm>
+          <a:custGeom>
+            <a:avLst/>
+            <a:gdLst>
+              <a:gd name="connsiteX0" fmla="*/ 1818109 w 8284464"/>
+              <a:gd name="connsiteY0" fmla="*/ 0 h 6858000"/>
+              <a:gd name="connsiteX1" fmla="*/ 6466355 w 8284464"/>
+              <a:gd name="connsiteY1" fmla="*/ 0 h 6858000"/>
+              <a:gd name="connsiteX2" fmla="*/ 6620596 w 8284464"/>
+              <a:gd name="connsiteY2" fmla="*/ 109683 h 6858000"/>
+              <a:gd name="connsiteX3" fmla="*/ 8284464 w 8284464"/>
+              <a:gd name="connsiteY3" fmla="*/ 3429000 h 6858000"/>
+              <a:gd name="connsiteX4" fmla="*/ 6620596 w 8284464"/>
+              <a:gd name="connsiteY4" fmla="*/ 6748318 h 6858000"/>
+              <a:gd name="connsiteX5" fmla="*/ 6466355 w 8284464"/>
+              <a:gd name="connsiteY5" fmla="*/ 6858000 h 6858000"/>
+              <a:gd name="connsiteX6" fmla="*/ 1818109 w 8284464"/>
+              <a:gd name="connsiteY6" fmla="*/ 6858000 h 6858000"/>
+              <a:gd name="connsiteX7" fmla="*/ 1663869 w 8284464"/>
+              <a:gd name="connsiteY7" fmla="*/ 6748318 h 6858000"/>
+              <a:gd name="connsiteX8" fmla="*/ 0 w 8284464"/>
+              <a:gd name="connsiteY8" fmla="*/ 3429000 h 6858000"/>
+              <a:gd name="connsiteX9" fmla="*/ 1663869 w 8284464"/>
+              <a:gd name="connsiteY9" fmla="*/ 109683 h 6858000"/>
+            </a:gdLst>
+            <a:ahLst/>
+            <a:cxnLst>
+              <a:cxn ang="0">
+                <a:pos x="connsiteX0" y="connsiteY0"/>
+              </a:cxn>
+              <a:cxn ang="0">
+                <a:pos x="connsiteX1" y="connsiteY1"/>
+              </a:cxn>
+              <a:cxn ang="0">
+                <a:pos x="connsiteX2" y="connsiteY2"/>
+              </a:cxn>
+              <a:cxn ang="0">
+                <a:pos x="connsiteX3" y="connsiteY3"/>
+              </a:cxn>
+              <a:cxn ang="0">
+                <a:pos x="connsiteX4" y="connsiteY4"/>
+              </a:cxn>
+              <a:cxn ang="0">
+                <a:pos x="connsiteX5" y="connsiteY5"/>
+              </a:cxn>
+              <a:cxn ang="0">
+                <a:pos x="connsiteX6" y="connsiteY6"/>
+              </a:cxn>
+              <a:cxn ang="0">
+                <a:pos x="connsiteX7" y="connsiteY7"/>
+              </a:cxn>
+              <a:cxn ang="0">
+                <a:pos x="connsiteX8" y="connsiteY8"/>
+              </a:cxn>
+              <a:cxn ang="0">
+                <a:pos x="connsiteX9" y="connsiteY9"/>
+              </a:cxn>
+            </a:cxnLst>
+            <a:rect l="l" t="t" r="r" b="b"/>
+            <a:pathLst>
+              <a:path w="8284464" h="6858000">
+                <a:moveTo>
+                  <a:pt x="1818109" y="0"/>
+                </a:moveTo>
+                <a:lnTo>
+                  <a:pt x="6466355" y="0"/>
+                </a:lnTo>
+                <a:lnTo>
+                  <a:pt x="6620596" y="109683"/>
+                </a:lnTo>
+                <a:cubicBezTo>
+                  <a:pt x="7630666" y="865069"/>
+                  <a:pt x="8284464" y="2070683"/>
+                  <a:pt x="8284464" y="3429000"/>
+                </a:cubicBezTo>
+                <a:cubicBezTo>
+                  <a:pt x="8284464" y="4787317"/>
+                  <a:pt x="7630666" y="5992931"/>
+                  <a:pt x="6620596" y="6748318"/>
+                </a:cubicBezTo>
+                <a:lnTo>
+                  <a:pt x="6466355" y="6858000"/>
+                </a:lnTo>
+                <a:lnTo>
+                  <a:pt x="1818109" y="6858000"/>
+                </a:lnTo>
+                <a:lnTo>
+                  <a:pt x="1663869" y="6748318"/>
+                </a:lnTo>
+                <a:cubicBezTo>
+                  <a:pt x="653798" y="5992931"/>
+                  <a:pt x="0" y="4787317"/>
+                  <a:pt x="0" y="3429000"/>
+                </a:cubicBezTo>
+                <a:cubicBezTo>
+                  <a:pt x="0" y="2070683"/>
+                  <a:pt x="653798" y="865069"/>
+                  <a:pt x="1663869" y="109683"/>
+                </a:cubicBezTo>
+                <a:close/>
+              </a:path>
+            </a:pathLst>
+          </a:custGeom>
+          <a:solidFill>
+            <a:srgbClr val="FFFFFF">
+              <a:alpha val="80000"/>
+            </a:srgbClr>
+          </a:solidFill>
+          <a:ln>
+            <a:noFill/>
+          </a:ln>
+        </p:spPr>
+        <p:style>
+          <a:lnRef idx="2">
+            <a:schemeClr val="accent1">
+              <a:shade val="50000"/>
+            </a:schemeClr>
+          </a:lnRef>
+          <a:fillRef idx="1">
+            <a:schemeClr val="accent1"/>
+          </a:fillRef>
+          <a:effectRef idx="0">
+            <a:schemeClr val="accent1"/>
+          </a:effectRef>
+          <a:fontRef idx="minor">
+            <a:schemeClr val="lt1"/>
+          </a:fontRef>
+        </p:style>
+        <p:txBody>
+          <a:bodyPr wrap="square" rtlCol="0" anchor="ctr">
+            <a:noAutofit/>
+          </a:bodyPr>
+          <a:lstStyle/>
+          <a:p>
+            <a:pPr algn="ctr"/>
+            <a:endParaRPr lang="en-US"/>
+          </a:p>
+        </p:txBody>
+      </p:sp>
+      <p:sp>
+        <p:nvSpPr>
+          <p:cNvPr id="16" name="Freeform: Shape 15">
+            <a:extLst>
+              <a:ext uri="{FF2B5EF4-FFF2-40B4-BE49-F238E27FC236}">
+                <a16:creationId xmlns:a16="http://schemas.microsoft.com/office/drawing/2014/main" id="{DF9AD32D-FF05-44F4-BD4D-9CEE89B71EB9}"/>
+              </a:ext>
+              <a:ext uri="{C183D7F6-B498-43B3-948B-1728B52AA6E4}">
+                <adec:decorative xmlns:adec="http://schemas.microsoft.com/office/drawing/2017/decorative" val="1"/>
+              </a:ext>
+            </a:extLst>
+          </p:cNvPr>
+          <p:cNvSpPr>
+            <a:spLocks noGrp="1" noRot="1" noChangeAspect="1" noMove="1" noResize="1" noEditPoints="1" noAdjustHandles="1" noChangeArrowheads="1" noChangeShapeType="1" noTextEdit="1"/>
+          </p:cNvSpPr>
+          <p:nvPr>
+            <p:extLst>
+              <p:ext uri="{386F3935-93C4-4BCD-93E2-E3B085C9AB24}">
+                <p16:designElem xmlns:p16="http://schemas.microsoft.com/office/powerpoint/2015/main" val="1"/>
+              </p:ext>
+            </p:extLst>
+          </p:nvPr>
+        </p:nvSpPr>
+        <p:spPr>
+          <a:xfrm>
+            <a:off x="2118360" y="0"/>
+            <a:ext cx="7955280" cy="6858000"/>
+          </a:xfrm>
+          <a:custGeom>
+            <a:avLst/>
+            <a:gdLst>
+              <a:gd name="connsiteX0" fmla="*/ 1962423 w 7955280"/>
+              <a:gd name="connsiteY0" fmla="*/ 0 h 6858000"/>
+              <a:gd name="connsiteX1" fmla="*/ 5992858 w 7955280"/>
+              <a:gd name="connsiteY1" fmla="*/ 0 h 6858000"/>
+              <a:gd name="connsiteX2" fmla="*/ 6040191 w 7955280"/>
+              <a:gd name="connsiteY2" fmla="*/ 27216 h 6858000"/>
+              <a:gd name="connsiteX3" fmla="*/ 7955280 w 7955280"/>
+              <a:gd name="connsiteY3" fmla="*/ 3429000 h 6858000"/>
+              <a:gd name="connsiteX4" fmla="*/ 6040191 w 7955280"/>
+              <a:gd name="connsiteY4" fmla="*/ 6830784 h 6858000"/>
+              <a:gd name="connsiteX5" fmla="*/ 5992858 w 7955280"/>
+              <a:gd name="connsiteY5" fmla="*/ 6858000 h 6858000"/>
+              <a:gd name="connsiteX6" fmla="*/ 1962423 w 7955280"/>
+              <a:gd name="connsiteY6" fmla="*/ 6858000 h 6858000"/>
+              <a:gd name="connsiteX7" fmla="*/ 1915089 w 7955280"/>
+              <a:gd name="connsiteY7" fmla="*/ 6830784 h 6858000"/>
+              <a:gd name="connsiteX8" fmla="*/ 0 w 7955280"/>
+              <a:gd name="connsiteY8" fmla="*/ 3429000 h 6858000"/>
+              <a:gd name="connsiteX9" fmla="*/ 1915089 w 7955280"/>
+              <a:gd name="connsiteY9" fmla="*/ 27216 h 6858000"/>
+            </a:gdLst>
+            <a:ahLst/>
+            <a:cxnLst>
+              <a:cxn ang="0">
+                <a:pos x="connsiteX0" y="connsiteY0"/>
+              </a:cxn>
+              <a:cxn ang="0">
+                <a:pos x="connsiteX1" y="connsiteY1"/>
+              </a:cxn>
+              <a:cxn ang="0">
+                <a:pos x="connsiteX2" y="connsiteY2"/>
+              </a:cxn>
+              <a:cxn ang="0">
+                <a:pos x="connsiteX3" y="connsiteY3"/>
+              </a:cxn>
+              <a:cxn ang="0">
+                <a:pos x="connsiteX4" y="connsiteY4"/>
+              </a:cxn>
+              <a:cxn ang="0">
+                <a:pos x="connsiteX5" y="connsiteY5"/>
+              </a:cxn>
+              <a:cxn ang="0">
+                <a:pos x="connsiteX6" y="connsiteY6"/>
+              </a:cxn>
+              <a:cxn ang="0">
+                <a:pos x="connsiteX7" y="connsiteY7"/>
+              </a:cxn>
+              <a:cxn ang="0">
+                <a:pos x="connsiteX8" y="connsiteY8"/>
+              </a:cxn>
+              <a:cxn ang="0">
+                <a:pos x="connsiteX9" y="connsiteY9"/>
+              </a:cxn>
+            </a:cxnLst>
+            <a:rect l="l" t="t" r="r" b="b"/>
+            <a:pathLst>
+              <a:path w="7955280" h="6858000">
+                <a:moveTo>
+                  <a:pt x="1962423" y="0"/>
+                </a:moveTo>
+                <a:lnTo>
+                  <a:pt x="5992858" y="0"/>
+                </a:lnTo>
+                <a:lnTo>
+                  <a:pt x="6040191" y="27216"/>
+                </a:lnTo>
+                <a:cubicBezTo>
+                  <a:pt x="7188332" y="724844"/>
+                  <a:pt x="7955280" y="1987357"/>
+                  <a:pt x="7955280" y="3429000"/>
+                </a:cubicBezTo>
+                <a:cubicBezTo>
+                  <a:pt x="7955280" y="4870644"/>
+                  <a:pt x="7188332" y="6133157"/>
+                  <a:pt x="6040191" y="6830784"/>
+                </a:cubicBezTo>
+                <a:lnTo>
+                  <a:pt x="5992858" y="6858000"/>
+                </a:lnTo>
+                <a:lnTo>
+                  <a:pt x="1962423" y="6858000"/>
+                </a:lnTo>
+                <a:lnTo>
+                  <a:pt x="1915089" y="6830784"/>
+                </a:lnTo>
+                <a:cubicBezTo>
+                  <a:pt x="766948" y="6133157"/>
+                  <a:pt x="0" y="4870644"/>
+                  <a:pt x="0" y="3429000"/>
+                </a:cubicBezTo>
+                <a:cubicBezTo>
+                  <a:pt x="0" y="1987357"/>
+                  <a:pt x="766948" y="724844"/>
+                  <a:pt x="1915089" y="27216"/>
+                </a:cubicBezTo>
+                <a:close/>
+              </a:path>
+            </a:pathLst>
+          </a:custGeom>
+          <a:solidFill>
+            <a:schemeClr val="tx1"/>
+          </a:solidFill>
+          <a:ln>
+            <a:noFill/>
+          </a:ln>
+        </p:spPr>
+        <p:style>
+          <a:lnRef idx="2">
+            <a:schemeClr val="accent1">
+              <a:shade val="50000"/>
+            </a:schemeClr>
+          </a:lnRef>
+          <a:fillRef idx="1">
+            <a:schemeClr val="accent1"/>
+          </a:fillRef>
+          <a:effectRef idx="0">
+            <a:schemeClr val="accent1"/>
+          </a:effectRef>
+          <a:fontRef idx="minor">
+            <a:schemeClr val="lt1"/>
+          </a:fontRef>
+        </p:style>
+        <p:txBody>
+          <a:bodyPr wrap="square" rtlCol="0" anchor="ctr">
+            <a:noAutofit/>
+          </a:bodyPr>
+          <a:lstStyle/>
+          <a:p>
+            <a:pPr algn="ctr"/>
+            <a:endParaRPr lang="en-US"/>
+          </a:p>
+        </p:txBody>
+      </p:sp>
+      <p:sp>
+        <p:nvSpPr>
+          <p:cNvPr id="2" name="Title 1">
+            <a:extLst>
+              <a:ext uri="{FF2B5EF4-FFF2-40B4-BE49-F238E27FC236}">
+                <a16:creationId xmlns:a16="http://schemas.microsoft.com/office/drawing/2014/main" id="{9DC2BB5C-2BBF-019D-23DE-5E982B72F9F7}"/>
+              </a:ext>
+            </a:extLst>
+          </p:cNvPr>
+          <p:cNvSpPr>
+            <a:spLocks noGrp="1"/>
+          </p:cNvSpPr>
+          <p:nvPr>
+            <p:ph type="title"/>
+          </p:nvPr>
+        </p:nvSpPr>
+        <p:spPr>
+          <a:xfrm>
+            <a:off x="2555631" y="1441938"/>
+            <a:ext cx="7080738" cy="3974124"/>
+          </a:xfrm>
+        </p:spPr>
+        <p:txBody>
+          <a:bodyPr vert="horz" lIns="91440" tIns="45720" rIns="91440" bIns="45720" rtlCol="0" anchor="ctr">
+            <a:normAutofit/>
+          </a:bodyPr>
+          <a:lstStyle/>
+          <a:p>
+            <a:pPr algn="ctr"/>
+            <a:r>
+              <a:rPr lang="en-US" sz="5400" dirty="0">
+                <a:solidFill>
+                  <a:schemeClr val="bg1">
+                    <a:lumMod val="95000"/>
+                    <a:lumOff val="5000"/>
+                  </a:schemeClr>
+                </a:solidFill>
+              </a:rPr>
+              <a:t>What came before attention? A brief history</a:t>
+            </a:r>
+          </a:p>
+        </p:txBody>
+      </p:sp>
+    </p:spTree>
+    <p:extLst>
+      <p:ext uri="{BB962C8B-B14F-4D97-AF65-F5344CB8AC3E}">
+        <p14:creationId xmlns:p14="http://schemas.microsoft.com/office/powerpoint/2010/main" val="4198875095"/>
+      </p:ext>
+    </p:extLst>
+  </p:cSld>
+  <p:clrMapOvr>
+    <a:overrideClrMapping bg1="dk1" tx1="lt1" bg2="dk2" tx2="lt2" accent1="accent1" accent2="accent2" accent3="accent3" accent4="accent4" accent5="accent5" accent6="accent6" hlink="hlink" folHlink="folHlink"/>
+  </p:clrMapOvr>
+</p:sld>
+</file>
+
+<file path=ppt/slides/slide6.xml><?xml version="1.0" encoding="utf-8"?>
+<p:sld xmlns:a="http://schemas.openxmlformats.org/drawingml/2006/main" xmlns:r="http://schemas.openxmlformats.org/officeDocument/2006/relationships" xmlns:p="http://schemas.openxmlformats.org/presentationml/2006/main">
+  <p:cSld>
+    <p:bg>
+      <p:bgPr>
+        <a:solidFill>
+          <a:schemeClr val="bg1"/>
+        </a:solidFill>
+        <a:effectLst/>
+      </p:bgPr>
+    </p:bg>
+    <p:spTree>
+      <p:nvGrpSpPr>
+        <p:cNvPr id="1" name=""/>
+        <p:cNvGrpSpPr/>
+        <p:nvPr/>
+      </p:nvGrpSpPr>
+      <p:grpSpPr>
+        <a:xfrm>
+          <a:off x="0" y="0"/>
+          <a:ext cx="0" cy="0"/>
+          <a:chOff x="0" y="0"/>
+          <a:chExt cx="0" cy="0"/>
+        </a:xfrm>
+      </p:grpSpPr>
+      <p:sp useBgFill="1">
+        <p:nvSpPr>
+          <p:cNvPr id="1038" name="Rectangle 1037">
+            <a:extLst>
+              <a:ext uri="{FF2B5EF4-FFF2-40B4-BE49-F238E27FC236}">
+                <a16:creationId xmlns:a16="http://schemas.microsoft.com/office/drawing/2014/main" id="{2550BE34-C2B8-49B8-8519-67A8CAD51AE9}"/>
+              </a:ext>
+              <a:ext uri="{C183D7F6-B498-43B3-948B-1728B52AA6E4}">
+                <adec:decorative xmlns:adec="http://schemas.microsoft.com/office/drawing/2017/decorative" val="1"/>
+              </a:ext>
+            </a:extLst>
+          </p:cNvPr>
+          <p:cNvSpPr>
+            <a:spLocks noGrp="1" noRot="1" noChangeAspect="1" noMove="1" noResize="1" noEditPoints="1" noAdjustHandles="1" noChangeArrowheads="1" noChangeShapeType="1" noTextEdit="1"/>
+          </p:cNvSpPr>
+          <p:nvPr>
+            <p:extLst>
+              <p:ext uri="{386F3935-93C4-4BCD-93E2-E3B085C9AB24}">
+                <p16:designElem xmlns:p16="http://schemas.microsoft.com/office/powerpoint/2015/main" val="1"/>
+              </p:ext>
+            </p:extLst>
+          </p:nvPr>
+        </p:nvSpPr>
+        <p:spPr>
+          <a:xfrm>
+            <a:off x="0" y="0"/>
+            <a:ext cx="12192000" cy="6858000"/>
+          </a:xfrm>
+          <a:prstGeom prst="rect">
+            <a:avLst/>
+          </a:prstGeom>
+          <a:ln>
+            <a:noFill/>
+          </a:ln>
+        </p:spPr>
+        <p:style>
+          <a:lnRef idx="2">
+            <a:schemeClr val="accent1">
+              <a:shade val="50000"/>
+            </a:schemeClr>
+          </a:lnRef>
+          <a:fillRef idx="1">
+            <a:schemeClr val="accent1"/>
+          </a:fillRef>
+          <a:effectRef idx="0">
+            <a:schemeClr val="accent1"/>
+          </a:effectRef>
+          <a:fontRef idx="minor">
+            <a:schemeClr val="lt1"/>
+          </a:fontRef>
+        </p:style>
+        <p:txBody>
+          <a:bodyPr rtlCol="0" anchor="ctr"/>
+          <a:lstStyle/>
+          <a:p>
+            <a:pPr algn="ctr"/>
+            <a:endParaRPr lang="en-US"/>
+          </a:p>
+        </p:txBody>
+      </p:sp>
+      <p:sp useBgFill="1">
+        <p:nvSpPr>
+          <p:cNvPr id="1040" name="Rectangle 1039">
+            <a:extLst>
+              <a:ext uri="{FF2B5EF4-FFF2-40B4-BE49-F238E27FC236}">
+                <a16:creationId xmlns:a16="http://schemas.microsoft.com/office/drawing/2014/main" id="{A7457DD9-5A45-400A-AB4B-4B4EDECA25F1}"/>
+              </a:ext>
+              <a:ext uri="{C183D7F6-B498-43B3-948B-1728B52AA6E4}">
+                <adec:decorative xmlns:adec="http://schemas.microsoft.com/office/drawing/2017/decorative" val="1"/>
+              </a:ext>
+            </a:extLst>
+          </p:cNvPr>
+          <p:cNvSpPr>
+            <a:spLocks noGrp="1" noRot="1" noChangeAspect="1" noMove="1" noResize="1" noEditPoints="1" noAdjustHandles="1" noChangeArrowheads="1" noChangeShapeType="1" noTextEdit="1"/>
+          </p:cNvSpPr>
+          <p:nvPr>
+            <p:extLst>
+              <p:ext uri="{386F3935-93C4-4BCD-93E2-E3B085C9AB24}">
+                <p16:designElem xmlns:p16="http://schemas.microsoft.com/office/powerpoint/2015/main" val="1"/>
+              </p:ext>
+            </p:extLst>
+          </p:nvPr>
+        </p:nvSpPr>
+        <p:spPr>
+          <a:xfrm>
+            <a:off x="554416" y="365125"/>
+            <a:ext cx="11167447" cy="2089317"/>
+          </a:xfrm>
+          <a:prstGeom prst="rect">
+            <a:avLst/>
+          </a:prstGeom>
+          <a:ln w="12700">
+            <a:solidFill>
+              <a:srgbClr val="DEDEDE"/>
+            </a:solidFill>
+          </a:ln>
+          <a:effectLst>
+            <a:outerShdw blurRad="50800" dist="38100" dir="2700000" algn="tl" rotWithShape="0">
+              <a:schemeClr val="bg2">
+                <a:lumMod val="85000"/>
+                <a:alpha val="50000"/>
+              </a:schemeClr>
+            </a:outerShdw>
+          </a:effectLst>
+        </p:spPr>
+        <p:style>
+          <a:lnRef idx="2">
+            <a:schemeClr val="accent1">
+              <a:shade val="50000"/>
+            </a:schemeClr>
+          </a:lnRef>
+          <a:fillRef idx="1">
+            <a:schemeClr val="accent1"/>
+          </a:fillRef>
+          <a:effectRef idx="0">
+            <a:schemeClr val="accent1"/>
+          </a:effectRef>
+          <a:fontRef idx="minor">
+            <a:schemeClr val="lt1"/>
+          </a:fontRef>
+        </p:style>
+        <p:txBody>
+          <a:bodyPr rtlCol="0" anchor="ctr"/>
+          <a:lstStyle/>
+          <a:p>
+            <a:pPr marL="0" marR="0" lvl="0" indent="0" algn="ctr" defTabSz="914400" rtl="0" eaLnBrk="1" fontAlgn="auto" latinLnBrk="0" hangingPunct="1">
+              <a:lnSpc>
+                <a:spcPct val="100000"/>
+              </a:lnSpc>
+              <a:spcBef>
+                <a:spcPts val="0"/>
+              </a:spcBef>
+              <a:spcAft>
+                <a:spcPts val="0"/>
+              </a:spcAft>
+              <a:buClrTx/>
+              <a:buSzTx/>
+              <a:buFontTx/>
+              <a:buNone/>
+              <a:tabLst/>
+              <a:defRPr/>
+            </a:pPr>
+            <a:endParaRPr kumimoji="0" lang="en-US" sz="1800" b="0" i="0" u="none" strike="noStrike" kern="1200" cap="none" spc="0" normalizeH="0" baseline="0" noProof="0">
+              <a:ln>
+                <a:noFill/>
+              </a:ln>
+              <a:solidFill>
+                <a:prstClr val="white"/>
+              </a:solidFill>
+              <a:effectLst/>
+              <a:uLnTx/>
+              <a:uFillTx/>
+              <a:latin typeface="Calibri" panose="020F0502020204030204"/>
+              <a:ea typeface="+mn-ea"/>
+              <a:cs typeface="+mn-cs"/>
+            </a:endParaRPr>
+          </a:p>
+        </p:txBody>
+      </p:sp>
+      <p:sp>
+        <p:nvSpPr>
+          <p:cNvPr id="2" name="Title 1">
+            <a:extLst>
+              <a:ext uri="{FF2B5EF4-FFF2-40B4-BE49-F238E27FC236}">
+                <a16:creationId xmlns:a16="http://schemas.microsoft.com/office/drawing/2014/main" id="{05B462F1-C180-2283-7339-0B49070EFF39}"/>
+              </a:ext>
+            </a:extLst>
+          </p:cNvPr>
+          <p:cNvSpPr>
+            <a:spLocks noGrp="1"/>
+          </p:cNvSpPr>
+          <p:nvPr>
+            <p:ph type="title"/>
+          </p:nvPr>
+        </p:nvSpPr>
+        <p:spPr>
+          <a:xfrm>
+            <a:off x="1046746" y="586822"/>
+            <a:ext cx="3560252" cy="1645920"/>
+          </a:xfrm>
+        </p:spPr>
+        <p:txBody>
+          <a:bodyPr>
+            <a:normAutofit/>
+          </a:bodyPr>
+          <a:lstStyle/>
+          <a:p>
+            <a:r>
+              <a:rPr lang="en-US" sz="3200"/>
+              <a:t>Two forms of sequence-to-sequence</a:t>
+            </a:r>
+          </a:p>
+        </p:txBody>
+      </p:sp>
+      <p:sp>
+        <p:nvSpPr>
+          <p:cNvPr id="1042" name="Rectangle 1041">
+            <a:extLst>
+              <a:ext uri="{FF2B5EF4-FFF2-40B4-BE49-F238E27FC236}">
+                <a16:creationId xmlns:a16="http://schemas.microsoft.com/office/drawing/2014/main" id="{441CF7D6-A660-431A-B0BB-140A0D5556B6}"/>
+              </a:ext>
+              <a:ext uri="{C183D7F6-B498-43B3-948B-1728B52AA6E4}">
+                <adec:decorative xmlns:adec="http://schemas.microsoft.com/office/drawing/2017/decorative" val="1"/>
+              </a:ext>
+            </a:extLst>
+          </p:cNvPr>
+          <p:cNvSpPr>
+            <a:spLocks noGrp="1" noRot="1" noChangeAspect="1" noMove="1" noResize="1" noEditPoints="1" noAdjustHandles="1" noChangeArrowheads="1" noChangeShapeType="1" noTextEdit="1"/>
+          </p:cNvSpPr>
+          <p:nvPr>
+            <p:extLst>
+              <p:ext uri="{386F3935-93C4-4BCD-93E2-E3B085C9AB24}">
+                <p16:designElem xmlns:p16="http://schemas.microsoft.com/office/powerpoint/2015/main" val="1"/>
+              </p:ext>
+            </p:extLst>
+          </p:nvPr>
+        </p:nvSpPr>
+        <p:spPr>
+          <a:xfrm>
+            <a:off x="490408" y="1057739"/>
+            <a:ext cx="128016" cy="704088"/>
+          </a:xfrm>
+          <a:prstGeom prst="rect">
+            <a:avLst/>
+          </a:prstGeom>
+          <a:solidFill>
+            <a:schemeClr val="accent2"/>
+          </a:solidFill>
+          <a:ln>
+            <a:noFill/>
+          </a:ln>
+        </p:spPr>
+        <p:style>
+          <a:lnRef idx="2">
+            <a:schemeClr val="accent1">
+              <a:shade val="50000"/>
+            </a:schemeClr>
+          </a:lnRef>
+          <a:fillRef idx="1">
+            <a:schemeClr val="accent1"/>
+          </a:fillRef>
+          <a:effectRef idx="0">
+            <a:schemeClr val="accent1"/>
+          </a:effectRef>
+          <a:fontRef idx="minor">
+            <a:schemeClr val="lt1"/>
+          </a:fontRef>
+        </p:style>
+        <p:txBody>
+          <a:bodyPr rtlCol="0" anchor="ctr"/>
+          <a:lstStyle/>
+          <a:p>
+            <a:pPr algn="ctr"/>
+            <a:endParaRPr lang="en-US" dirty="0">
+              <a:solidFill>
+                <a:prstClr val="white"/>
+              </a:solidFill>
+              <a:latin typeface="Calibri" panose="020F0502020204030204"/>
+            </a:endParaRPr>
+          </a:p>
+        </p:txBody>
+      </p:sp>
+      <p:sp>
+        <p:nvSpPr>
+          <p:cNvPr id="1044" name="Rectangle 1043">
+            <a:extLst>
+              <a:ext uri="{FF2B5EF4-FFF2-40B4-BE49-F238E27FC236}">
+                <a16:creationId xmlns:a16="http://schemas.microsoft.com/office/drawing/2014/main" id="{0570A85B-3810-4F95-97B0-CBF4CCDB381C}"/>
+              </a:ext>
+              <a:ext uri="{C183D7F6-B498-43B3-948B-1728B52AA6E4}">
+                <adec:decorative xmlns:adec="http://schemas.microsoft.com/office/drawing/2017/decorative" val="1"/>
+              </a:ext>
+            </a:extLst>
+          </p:cNvPr>
+          <p:cNvSpPr>
+            <a:spLocks noGrp="1" noRot="1" noChangeAspect="1" noMove="1" noResize="1" noEditPoints="1" noAdjustHandles="1" noChangeArrowheads="1" noChangeShapeType="1" noTextEdit="1"/>
+          </p:cNvSpPr>
+          <p:nvPr>
+            <p:extLst>
+              <p:ext uri="{386F3935-93C4-4BCD-93E2-E3B085C9AB24}">
+                <p16:designElem xmlns:p16="http://schemas.microsoft.com/office/powerpoint/2015/main" val="1"/>
+              </p:ext>
+            </p:extLst>
+          </p:nvPr>
+        </p:nvSpPr>
+        <p:spPr>
+          <a:xfrm rot="5400000">
+            <a:off x="4243541" y="1400638"/>
+            <a:ext cx="1463040" cy="18288"/>
+          </a:xfrm>
+          <a:prstGeom prst="rect">
+            <a:avLst/>
+          </a:prstGeom>
+          <a:solidFill>
+            <a:srgbClr val="D5D5D5"/>
+          </a:solidFill>
+          <a:ln w="3175">
+            <a:noFill/>
+          </a:ln>
+          <a:effectLst/>
+        </p:spPr>
+        <p:style>
+          <a:lnRef idx="2">
+            <a:schemeClr val="accent1">
+              <a:shade val="50000"/>
+            </a:schemeClr>
+          </a:lnRef>
+          <a:fillRef idx="1">
+            <a:schemeClr val="accent1"/>
+          </a:fillRef>
+          <a:effectRef idx="0">
+            <a:schemeClr val="accent1"/>
+          </a:effectRef>
+          <a:fontRef idx="minor">
+            <a:schemeClr val="lt1"/>
+          </a:fontRef>
+        </p:style>
+        <p:txBody>
+          <a:bodyPr rtlCol="0" anchor="ctr"/>
+          <a:lstStyle/>
+          <a:p>
+            <a:pPr algn="ctr"/>
+            <a:endParaRPr lang="en-US">
+              <a:solidFill>
+                <a:prstClr val="white"/>
+              </a:solidFill>
+              <a:latin typeface="Calibri" panose="020F0502020204030204"/>
+            </a:endParaRPr>
+          </a:p>
+        </p:txBody>
+      </p:sp>
+      <p:sp>
+        <p:nvSpPr>
+          <p:cNvPr id="3" name="Content Placeholder 2">
+            <a:extLst>
+              <a:ext uri="{FF2B5EF4-FFF2-40B4-BE49-F238E27FC236}">
+                <a16:creationId xmlns:a16="http://schemas.microsoft.com/office/drawing/2014/main" id="{96F5230B-F8A4-C8E4-4C74-A1C627ED0DD6}"/>
+              </a:ext>
+            </a:extLst>
+          </p:cNvPr>
+          <p:cNvSpPr>
+            <a:spLocks noGrp="1"/>
+          </p:cNvSpPr>
+          <p:nvPr>
+            <p:ph idx="1"/>
+          </p:nvPr>
+        </p:nvSpPr>
+        <p:spPr>
+          <a:xfrm>
+            <a:off x="5351164" y="586822"/>
+            <a:ext cx="6002636" cy="1645920"/>
+          </a:xfrm>
+        </p:spPr>
+        <p:txBody>
+          <a:bodyPr anchor="ctr">
+            <a:normAutofit/>
+          </a:bodyPr>
+          <a:lstStyle/>
+          <a:p>
+            <a:r>
+              <a:rPr lang="en-US" sz="1800"/>
+              <a:t>The recurrent neural network </a:t>
+            </a:r>
+            <a:r>
+              <a:rPr lang="da-DK" sz="1800" b="0" i="0">
+                <a:effectLst/>
+                <a:latin typeface="Helvetica Neue"/>
+              </a:rPr>
+              <a:t>((Cho et al., 2014a) and (Sutskever et al., 2014))</a:t>
+            </a:r>
+            <a:endParaRPr lang="en-US" sz="1800"/>
+          </a:p>
+          <a:p>
+            <a:r>
+              <a:rPr lang="en-US" sz="1800"/>
+              <a:t>Each timestep takes as input an embedding of some sort</a:t>
+            </a:r>
+          </a:p>
+          <a:p>
+            <a:r>
+              <a:rPr lang="en-US" sz="1800"/>
+              <a:t>Each timestep is responsible for creating an embedding</a:t>
+            </a:r>
+          </a:p>
+          <a:p>
+            <a:endParaRPr lang="en-US" sz="1800"/>
+          </a:p>
+        </p:txBody>
+      </p:sp>
       <p:pic>
         <p:nvPicPr>
-          <p:cNvPr id="5" name="Picture 4" descr="Shape&#10;&#10;Description automatically generated with medium confidence">
-            <a:extLst>
-              <a:ext uri="{FF2B5EF4-FFF2-40B4-BE49-F238E27FC236}">
-                <a16:creationId xmlns:a16="http://schemas.microsoft.com/office/drawing/2014/main" id="{46B3D093-4C72-84DF-6CA7-C4F27D07E229}"/>
+          <p:cNvPr id="1026" name="Picture 2">
+            <a:extLst>
+              <a:ext uri="{FF2B5EF4-FFF2-40B4-BE49-F238E27FC236}">
+                <a16:creationId xmlns:a16="http://schemas.microsoft.com/office/drawing/2014/main" id="{BC943F7B-87AE-7688-68E8-BFE3051CE1EE}"/>
               </a:ext>
             </a:extLst>
           </p:cNvPr>
           <p:cNvPicPr>
-            <a:picLocks noChangeAspect="1"/>
+            <a:picLocks noChangeAspect="1" noChangeArrowheads="1"/>
           </p:cNvPicPr>
           <p:nvPr/>
         </p:nvPicPr>
         <p:blipFill>
-          <a:blip r:embed="rId3">
+          <a:blip r:embed="rId2">
             <a:extLst>
               <a:ext uri="{28A0092B-C50C-407E-A947-70E740481C1C}">
                 <a14:useLocalDpi xmlns:a14="http://schemas.microsoft.com/office/drawing/2010/main" val="0"/>
@@ -11713,22 +11837,229 @@
             <a:fillRect/>
           </a:stretch>
         </p:blipFill>
-        <p:spPr>
-          <a:xfrm>
-            <a:off x="6407016" y="4179046"/>
-            <a:ext cx="2392941" cy="1261396"/>
+        <p:spPr bwMode="auto">
+          <a:xfrm>
+            <a:off x="1495042" y="2734056"/>
+            <a:ext cx="9290307" cy="3483864"/>
           </a:xfrm>
           <a:prstGeom prst="rect">
             <a:avLst/>
           </a:prstGeom>
+          <a:noFill/>
+          <a:extLst>
+            <a:ext uri="{909E8E84-426E-40DD-AFC4-6F175D3DCCD1}">
+              <a14:hiddenFill xmlns:a14="http://schemas.microsoft.com/office/drawing/2010/main">
+                <a:solidFill>
+                  <a:srgbClr val="FFFFFF"/>
+                </a:solidFill>
+              </a14:hiddenFill>
+            </a:ext>
+          </a:extLst>
         </p:spPr>
       </p:pic>
+    </p:spTree>
+    <p:extLst>
+      <p:ext uri="{BB962C8B-B14F-4D97-AF65-F5344CB8AC3E}">
+        <p14:creationId xmlns:p14="http://schemas.microsoft.com/office/powerpoint/2010/main" val="2958361846"/>
+      </p:ext>
+    </p:extLst>
+  </p:cSld>
+  <p:clrMapOvr>
+    <a:masterClrMapping/>
+  </p:clrMapOvr>
+</p:sld>
+</file>
+
+<file path=ppt/slides/slide7.xml><?xml version="1.0" encoding="utf-8"?>
+<p:sld xmlns:a="http://schemas.openxmlformats.org/drawingml/2006/main" xmlns:r="http://schemas.openxmlformats.org/officeDocument/2006/relationships" xmlns:p="http://schemas.openxmlformats.org/presentationml/2006/main">
+  <p:cSld>
+    <p:bg>
+      <p:bgPr>
+        <a:solidFill>
+          <a:schemeClr val="bg1"/>
+        </a:solidFill>
+        <a:effectLst/>
+      </p:bgPr>
+    </p:bg>
+    <p:spTree>
+      <p:nvGrpSpPr>
+        <p:cNvPr id="1" name=""/>
+        <p:cNvGrpSpPr/>
+        <p:nvPr/>
+      </p:nvGrpSpPr>
+      <p:grpSpPr>
+        <a:xfrm>
+          <a:off x="0" y="0"/>
+          <a:ext cx="0" cy="0"/>
+          <a:chOff x="0" y="0"/>
+          <a:chExt cx="0" cy="0"/>
+        </a:xfrm>
+      </p:grpSpPr>
+      <p:sp useBgFill="1">
+        <p:nvSpPr>
+          <p:cNvPr id="2055" name="Rectangle 2054">
+            <a:extLst>
+              <a:ext uri="{FF2B5EF4-FFF2-40B4-BE49-F238E27FC236}">
+                <a16:creationId xmlns:a16="http://schemas.microsoft.com/office/drawing/2014/main" id="{2550BE34-C2B8-49B8-8519-67A8CAD51AE9}"/>
+              </a:ext>
+              <a:ext uri="{C183D7F6-B498-43B3-948B-1728B52AA6E4}">
+                <adec:decorative xmlns:adec="http://schemas.microsoft.com/office/drawing/2017/decorative" val="1"/>
+              </a:ext>
+            </a:extLst>
+          </p:cNvPr>
+          <p:cNvSpPr>
+            <a:spLocks noGrp="1" noRot="1" noChangeAspect="1" noMove="1" noResize="1" noEditPoints="1" noAdjustHandles="1" noChangeArrowheads="1" noChangeShapeType="1" noTextEdit="1"/>
+          </p:cNvSpPr>
+          <p:nvPr>
+            <p:extLst>
+              <p:ext uri="{386F3935-93C4-4BCD-93E2-E3B085C9AB24}">
+                <p16:designElem xmlns:p16="http://schemas.microsoft.com/office/powerpoint/2015/main" val="1"/>
+              </p:ext>
+            </p:extLst>
+          </p:nvPr>
+        </p:nvSpPr>
+        <p:spPr>
+          <a:xfrm>
+            <a:off x="0" y="0"/>
+            <a:ext cx="12192000" cy="6858000"/>
+          </a:xfrm>
+          <a:prstGeom prst="rect">
+            <a:avLst/>
+          </a:prstGeom>
+          <a:ln>
+            <a:noFill/>
+          </a:ln>
+        </p:spPr>
+        <p:style>
+          <a:lnRef idx="2">
+            <a:schemeClr val="accent1">
+              <a:shade val="50000"/>
+            </a:schemeClr>
+          </a:lnRef>
+          <a:fillRef idx="1">
+            <a:schemeClr val="accent1"/>
+          </a:fillRef>
+          <a:effectRef idx="0">
+            <a:schemeClr val="accent1"/>
+          </a:effectRef>
+          <a:fontRef idx="minor">
+            <a:schemeClr val="lt1"/>
+          </a:fontRef>
+        </p:style>
+        <p:txBody>
+          <a:bodyPr rtlCol="0" anchor="ctr"/>
+          <a:lstStyle/>
+          <a:p>
+            <a:pPr algn="ctr"/>
+            <a:endParaRPr lang="en-US"/>
+          </a:p>
+        </p:txBody>
+      </p:sp>
+      <p:sp useBgFill="1">
+        <p:nvSpPr>
+          <p:cNvPr id="2057" name="Rectangle 2056">
+            <a:extLst>
+              <a:ext uri="{FF2B5EF4-FFF2-40B4-BE49-F238E27FC236}">
+                <a16:creationId xmlns:a16="http://schemas.microsoft.com/office/drawing/2014/main" id="{A7457DD9-5A45-400A-AB4B-4B4EDECA25F1}"/>
+              </a:ext>
+              <a:ext uri="{C183D7F6-B498-43B3-948B-1728B52AA6E4}">
+                <adec:decorative xmlns:adec="http://schemas.microsoft.com/office/drawing/2017/decorative" val="1"/>
+              </a:ext>
+            </a:extLst>
+          </p:cNvPr>
+          <p:cNvSpPr>
+            <a:spLocks noGrp="1" noRot="1" noChangeAspect="1" noMove="1" noResize="1" noEditPoints="1" noAdjustHandles="1" noChangeArrowheads="1" noChangeShapeType="1" noTextEdit="1"/>
+          </p:cNvSpPr>
+          <p:nvPr>
+            <p:extLst>
+              <p:ext uri="{386F3935-93C4-4BCD-93E2-E3B085C9AB24}">
+                <p16:designElem xmlns:p16="http://schemas.microsoft.com/office/powerpoint/2015/main" val="1"/>
+              </p:ext>
+            </p:extLst>
+          </p:nvPr>
+        </p:nvSpPr>
+        <p:spPr>
+          <a:xfrm>
+            <a:off x="554416" y="365125"/>
+            <a:ext cx="11167447" cy="2089317"/>
+          </a:xfrm>
+          <a:prstGeom prst="rect">
+            <a:avLst/>
+          </a:prstGeom>
+          <a:ln w="12700">
+            <a:solidFill>
+              <a:srgbClr val="DEDEDE"/>
+            </a:solidFill>
+          </a:ln>
+          <a:effectLst>
+            <a:outerShdw blurRad="50800" dist="38100" dir="2700000" algn="tl" rotWithShape="0">
+              <a:schemeClr val="bg2">
+                <a:lumMod val="85000"/>
+                <a:alpha val="50000"/>
+              </a:schemeClr>
+            </a:outerShdw>
+          </a:effectLst>
+        </p:spPr>
+        <p:style>
+          <a:lnRef idx="2">
+            <a:schemeClr val="accent1">
+              <a:shade val="50000"/>
+            </a:schemeClr>
+          </a:lnRef>
+          <a:fillRef idx="1">
+            <a:schemeClr val="accent1"/>
+          </a:fillRef>
+          <a:effectRef idx="0">
+            <a:schemeClr val="accent1"/>
+          </a:effectRef>
+          <a:fontRef idx="minor">
+            <a:schemeClr val="lt1"/>
+          </a:fontRef>
+        </p:style>
+        <p:txBody>
+          <a:bodyPr rtlCol="0" anchor="ctr"/>
+          <a:lstStyle/>
+          <a:p>
+            <a:pPr marL="0" marR="0" lvl="0" indent="0" algn="ctr" defTabSz="914400" rtl="0" eaLnBrk="1" fontAlgn="auto" latinLnBrk="0" hangingPunct="1">
+              <a:lnSpc>
+                <a:spcPct val="100000"/>
+              </a:lnSpc>
+              <a:spcBef>
+                <a:spcPts val="0"/>
+              </a:spcBef>
+              <a:spcAft>
+                <a:spcPts val="0"/>
+              </a:spcAft>
+              <a:buClrTx/>
+              <a:buSzTx/>
+              <a:buFontTx/>
+              <a:buNone/>
+              <a:tabLst/>
+              <a:defRPr/>
+            </a:pPr>
+            <a:endParaRPr kumimoji="0" lang="en-US" sz="1800" b="0" i="0" u="none" strike="noStrike" kern="1200" cap="none" spc="0" normalizeH="0" baseline="0" noProof="0">
+              <a:ln>
+                <a:noFill/>
+              </a:ln>
+              <a:solidFill>
+                <a:prstClr val="white"/>
+              </a:solidFill>
+              <a:effectLst/>
+              <a:uLnTx/>
+              <a:uFillTx/>
+              <a:latin typeface="Calibri" panose="020F0502020204030204"/>
+              <a:ea typeface="+mn-ea"/>
+              <a:cs typeface="+mn-cs"/>
+            </a:endParaRPr>
+          </a:p>
+        </p:txBody>
+      </p:sp>
       <p:sp>
         <p:nvSpPr>
-          <p:cNvPr id="3" name="Content Placeholder 2">
-            <a:extLst>
-              <a:ext uri="{FF2B5EF4-FFF2-40B4-BE49-F238E27FC236}">
-                <a16:creationId xmlns:a16="http://schemas.microsoft.com/office/drawing/2014/main" id="{96F5230B-F8A4-C8E4-4C74-A1C627ED0DD6}"/>
+          <p:cNvPr id="2" name="Title 1">
+            <a:extLst>
+              <a:ext uri="{FF2B5EF4-FFF2-40B4-BE49-F238E27FC236}">
+                <a16:creationId xmlns:a16="http://schemas.microsoft.com/office/drawing/2014/main" id="{05B462F1-C180-2283-7339-0B49070EFF39}"/>
               </a:ext>
             </a:extLst>
           </p:cNvPr>
@@ -11736,13 +12067,13 @@
             <a:spLocks noGrp="1"/>
           </p:cNvSpPr>
           <p:nvPr>
-            <p:ph idx="1"/>
-          </p:nvPr>
-        </p:nvSpPr>
-        <p:spPr>
-          <a:xfrm>
-            <a:off x="4797494" y="2706624"/>
-            <a:ext cx="6755626" cy="3483864"/>
+            <p:ph type="title"/>
+          </p:nvPr>
+        </p:nvSpPr>
+        <p:spPr>
+          <a:xfrm>
+            <a:off x="1046746" y="586822"/>
+            <a:ext cx="3560252" cy="1645920"/>
           </a:xfrm>
         </p:spPr>
         <p:txBody>
@@ -11752,31 +12083,1064 @@
           <a:lstStyle/>
           <a:p>
             <a:r>
-              <a:rPr lang="en-US" sz="2200" dirty="0"/>
-              <a:t>Note the bi-directional and forward-only components</a:t>
-            </a:r>
-          </a:p>
-          <a:p>
-            <a:r>
-              <a:rPr lang="en-US" sz="2200" dirty="0"/>
-              <a:t>Note how, at each timestep, the output isn’t considered just one input and a latent state, but all of the inputs.</a:t>
-            </a:r>
-          </a:p>
-          <a:p>
-            <a:pPr marL="0" indent="0">
-              <a:buNone/>
-            </a:pPr>
-            <a:endParaRPr lang="en-US" sz="2200" dirty="0"/>
-          </a:p>
-          <a:p>
-            <a:endParaRPr lang="en-US" sz="2200" dirty="0"/>
-          </a:p>
-        </p:txBody>
-      </p:sp>
+              <a:rPr lang="en-US" sz="3200"/>
+              <a:t>Two forms of sequence-to-sequence</a:t>
+            </a:r>
+          </a:p>
+        </p:txBody>
+      </p:sp>
+      <p:sp>
+        <p:nvSpPr>
+          <p:cNvPr id="2059" name="Rectangle 2058">
+            <a:extLst>
+              <a:ext uri="{FF2B5EF4-FFF2-40B4-BE49-F238E27FC236}">
+                <a16:creationId xmlns:a16="http://schemas.microsoft.com/office/drawing/2014/main" id="{441CF7D6-A660-431A-B0BB-140A0D5556B6}"/>
+              </a:ext>
+              <a:ext uri="{C183D7F6-B498-43B3-948B-1728B52AA6E4}">
+                <adec:decorative xmlns:adec="http://schemas.microsoft.com/office/drawing/2017/decorative" val="1"/>
+              </a:ext>
+            </a:extLst>
+          </p:cNvPr>
+          <p:cNvSpPr>
+            <a:spLocks noGrp="1" noRot="1" noChangeAspect="1" noMove="1" noResize="1" noEditPoints="1" noAdjustHandles="1" noChangeArrowheads="1" noChangeShapeType="1" noTextEdit="1"/>
+          </p:cNvSpPr>
+          <p:nvPr>
+            <p:extLst>
+              <p:ext uri="{386F3935-93C4-4BCD-93E2-E3B085C9AB24}">
+                <p16:designElem xmlns:p16="http://schemas.microsoft.com/office/powerpoint/2015/main" val="1"/>
+              </p:ext>
+            </p:extLst>
+          </p:nvPr>
+        </p:nvSpPr>
+        <p:spPr>
+          <a:xfrm>
+            <a:off x="490408" y="1057739"/>
+            <a:ext cx="128016" cy="704088"/>
+          </a:xfrm>
+          <a:prstGeom prst="rect">
+            <a:avLst/>
+          </a:prstGeom>
+          <a:solidFill>
+            <a:schemeClr val="accent2"/>
+          </a:solidFill>
+          <a:ln>
+            <a:noFill/>
+          </a:ln>
+        </p:spPr>
+        <p:style>
+          <a:lnRef idx="2">
+            <a:schemeClr val="accent1">
+              <a:shade val="50000"/>
+            </a:schemeClr>
+          </a:lnRef>
+          <a:fillRef idx="1">
+            <a:schemeClr val="accent1"/>
+          </a:fillRef>
+          <a:effectRef idx="0">
+            <a:schemeClr val="accent1"/>
+          </a:effectRef>
+          <a:fontRef idx="minor">
+            <a:schemeClr val="lt1"/>
+          </a:fontRef>
+        </p:style>
+        <p:txBody>
+          <a:bodyPr rtlCol="0" anchor="ctr"/>
+          <a:lstStyle/>
+          <a:p>
+            <a:pPr algn="ctr"/>
+            <a:endParaRPr lang="en-US" dirty="0">
+              <a:solidFill>
+                <a:prstClr val="white"/>
+              </a:solidFill>
+              <a:latin typeface="Calibri" panose="020F0502020204030204"/>
+            </a:endParaRPr>
+          </a:p>
+        </p:txBody>
+      </p:sp>
+      <p:sp>
+        <p:nvSpPr>
+          <p:cNvPr id="2061" name="Rectangle 2060">
+            <a:extLst>
+              <a:ext uri="{FF2B5EF4-FFF2-40B4-BE49-F238E27FC236}">
+                <a16:creationId xmlns:a16="http://schemas.microsoft.com/office/drawing/2014/main" id="{0570A85B-3810-4F95-97B0-CBF4CCDB381C}"/>
+              </a:ext>
+              <a:ext uri="{C183D7F6-B498-43B3-948B-1728B52AA6E4}">
+                <adec:decorative xmlns:adec="http://schemas.microsoft.com/office/drawing/2017/decorative" val="1"/>
+              </a:ext>
+            </a:extLst>
+          </p:cNvPr>
+          <p:cNvSpPr>
+            <a:spLocks noGrp="1" noRot="1" noChangeAspect="1" noMove="1" noResize="1" noEditPoints="1" noAdjustHandles="1" noChangeArrowheads="1" noChangeShapeType="1" noTextEdit="1"/>
+          </p:cNvSpPr>
+          <p:nvPr>
+            <p:extLst>
+              <p:ext uri="{386F3935-93C4-4BCD-93E2-E3B085C9AB24}">
+                <p16:designElem xmlns:p16="http://schemas.microsoft.com/office/powerpoint/2015/main" val="1"/>
+              </p:ext>
+            </p:extLst>
+          </p:nvPr>
+        </p:nvSpPr>
+        <p:spPr>
+          <a:xfrm rot="5400000">
+            <a:off x="4243541" y="1400638"/>
+            <a:ext cx="1463040" cy="18288"/>
+          </a:xfrm>
+          <a:prstGeom prst="rect">
+            <a:avLst/>
+          </a:prstGeom>
+          <a:solidFill>
+            <a:srgbClr val="D5D5D5"/>
+          </a:solidFill>
+          <a:ln w="3175">
+            <a:noFill/>
+          </a:ln>
+          <a:effectLst/>
+        </p:spPr>
+        <p:style>
+          <a:lnRef idx="2">
+            <a:schemeClr val="accent1">
+              <a:shade val="50000"/>
+            </a:schemeClr>
+          </a:lnRef>
+          <a:fillRef idx="1">
+            <a:schemeClr val="accent1"/>
+          </a:fillRef>
+          <a:effectRef idx="0">
+            <a:schemeClr val="accent1"/>
+          </a:effectRef>
+          <a:fontRef idx="minor">
+            <a:schemeClr val="lt1"/>
+          </a:fontRef>
+        </p:style>
+        <p:txBody>
+          <a:bodyPr rtlCol="0" anchor="ctr"/>
+          <a:lstStyle/>
+          <a:p>
+            <a:pPr algn="ctr"/>
+            <a:endParaRPr lang="en-US">
+              <a:solidFill>
+                <a:prstClr val="white"/>
+              </a:solidFill>
+              <a:latin typeface="Calibri" panose="020F0502020204030204"/>
+            </a:endParaRPr>
+          </a:p>
+        </p:txBody>
+      </p:sp>
+      <p:sp>
+        <p:nvSpPr>
+          <p:cNvPr id="3" name="Content Placeholder 2">
+            <a:extLst>
+              <a:ext uri="{FF2B5EF4-FFF2-40B4-BE49-F238E27FC236}">
+                <a16:creationId xmlns:a16="http://schemas.microsoft.com/office/drawing/2014/main" id="{96F5230B-F8A4-C8E4-4C74-A1C627ED0DD6}"/>
+              </a:ext>
+            </a:extLst>
+          </p:cNvPr>
+          <p:cNvSpPr>
+            <a:spLocks noGrp="1"/>
+          </p:cNvSpPr>
+          <p:nvPr>
+            <p:ph idx="1"/>
+          </p:nvPr>
+        </p:nvSpPr>
+        <p:spPr>
+          <a:xfrm>
+            <a:off x="5351164" y="586822"/>
+            <a:ext cx="6002636" cy="1645920"/>
+          </a:xfrm>
+        </p:spPr>
+        <p:txBody>
+          <a:bodyPr anchor="ctr">
+            <a:normAutofit/>
+          </a:bodyPr>
+          <a:lstStyle/>
+          <a:p>
+            <a:r>
+              <a:rPr lang="en-US" sz="1800"/>
+              <a:t>Very sequential, poorly parallel</a:t>
+            </a:r>
+          </a:p>
+          <a:p>
+            <a:r>
+              <a:rPr lang="en-US" sz="1800"/>
+              <a:t>Single latent state handed from encoder to decoder – think human translator</a:t>
+            </a:r>
+          </a:p>
+          <a:p>
+            <a:endParaRPr lang="en-US" sz="1800"/>
+          </a:p>
+        </p:txBody>
+      </p:sp>
+      <p:pic>
+        <p:nvPicPr>
+          <p:cNvPr id="2050" name="Picture 2">
+            <a:extLst>
+              <a:ext uri="{FF2B5EF4-FFF2-40B4-BE49-F238E27FC236}">
+                <a16:creationId xmlns:a16="http://schemas.microsoft.com/office/drawing/2014/main" id="{D3E193FA-A0D1-E44B-3D73-87A696C60BDC}"/>
+              </a:ext>
+            </a:extLst>
+          </p:cNvPr>
+          <p:cNvPicPr>
+            <a:picLocks noChangeAspect="1" noChangeArrowheads="1"/>
+          </p:cNvPicPr>
+          <p:nvPr/>
+        </p:nvPicPr>
+        <p:blipFill>
+          <a:blip r:embed="rId2">
+            <a:extLst>
+              <a:ext uri="{28A0092B-C50C-407E-A947-70E740481C1C}">
+                <a14:useLocalDpi xmlns:a14="http://schemas.microsoft.com/office/drawing/2010/main" val="0"/>
+              </a:ext>
+            </a:extLst>
+          </a:blip>
+          <a:stretch>
+            <a:fillRect/>
+          </a:stretch>
+        </p:blipFill>
+        <p:spPr bwMode="auto">
+          <a:xfrm>
+            <a:off x="3070712" y="2734056"/>
+            <a:ext cx="6138967" cy="3483864"/>
+          </a:xfrm>
+          <a:prstGeom prst="rect">
+            <a:avLst/>
+          </a:prstGeom>
+          <a:noFill/>
+          <a:extLst>
+            <a:ext uri="{909E8E84-426E-40DD-AFC4-6F175D3DCCD1}">
+              <a14:hiddenFill xmlns:a14="http://schemas.microsoft.com/office/drawing/2010/main">
+                <a:solidFill>
+                  <a:srgbClr val="FFFFFF"/>
+                </a:solidFill>
+              </a14:hiddenFill>
+            </a:ext>
+          </a:extLst>
+        </p:spPr>
+      </p:pic>
     </p:spTree>
     <p:extLst>
       <p:ext uri="{BB962C8B-B14F-4D97-AF65-F5344CB8AC3E}">
-        <p14:creationId xmlns:p14="http://schemas.microsoft.com/office/powerpoint/2010/main" val="1626933104"/>
+        <p14:creationId xmlns:p14="http://schemas.microsoft.com/office/powerpoint/2010/main" val="3086868376"/>
+      </p:ext>
+    </p:extLst>
+  </p:cSld>
+  <p:clrMapOvr>
+    <a:masterClrMapping/>
+  </p:clrMapOvr>
+</p:sld>
+</file>
+
+<file path=ppt/slides/slide8.xml><?xml version="1.0" encoding="utf-8"?>
+<p:sld xmlns:a="http://schemas.openxmlformats.org/drawingml/2006/main" xmlns:r="http://schemas.openxmlformats.org/officeDocument/2006/relationships" xmlns:p="http://schemas.openxmlformats.org/presentationml/2006/main">
+  <p:cSld>
+    <p:bg>
+      <p:bgPr>
+        <a:solidFill>
+          <a:schemeClr val="bg1"/>
+        </a:solidFill>
+        <a:effectLst/>
+      </p:bgPr>
+    </p:bg>
+    <p:spTree>
+      <p:nvGrpSpPr>
+        <p:cNvPr id="1" name=""/>
+        <p:cNvGrpSpPr/>
+        <p:nvPr/>
+      </p:nvGrpSpPr>
+      <p:grpSpPr>
+        <a:xfrm>
+          <a:off x="0" y="0"/>
+          <a:ext cx="0" cy="0"/>
+          <a:chOff x="0" y="0"/>
+          <a:chExt cx="0" cy="0"/>
+        </a:xfrm>
+      </p:grpSpPr>
+      <p:sp useBgFill="1">
+        <p:nvSpPr>
+          <p:cNvPr id="3079" name="Rectangle 3078">
+            <a:extLst>
+              <a:ext uri="{FF2B5EF4-FFF2-40B4-BE49-F238E27FC236}">
+                <a16:creationId xmlns:a16="http://schemas.microsoft.com/office/drawing/2014/main" id="{F94AA2BD-2E3F-4B1D-8127-5744B8115311}"/>
+              </a:ext>
+              <a:ext uri="{C183D7F6-B498-43B3-948B-1728B52AA6E4}">
+                <adec:decorative xmlns:adec="http://schemas.microsoft.com/office/drawing/2017/decorative" val="1"/>
+              </a:ext>
+            </a:extLst>
+          </p:cNvPr>
+          <p:cNvSpPr>
+            <a:spLocks noGrp="1" noRot="1" noChangeAspect="1" noMove="1" noResize="1" noEditPoints="1" noAdjustHandles="1" noChangeArrowheads="1" noChangeShapeType="1" noTextEdit="1"/>
+          </p:cNvSpPr>
+          <p:nvPr>
+            <p:extLst>
+              <p:ext uri="{386F3935-93C4-4BCD-93E2-E3B085C9AB24}">
+                <p16:designElem xmlns:p16="http://schemas.microsoft.com/office/powerpoint/2015/main" val="1"/>
+              </p:ext>
+            </p:extLst>
+          </p:nvPr>
+        </p:nvSpPr>
+        <p:spPr>
+          <a:xfrm>
+            <a:off x="0" y="0"/>
+            <a:ext cx="12192000" cy="6858000"/>
+          </a:xfrm>
+          <a:prstGeom prst="rect">
+            <a:avLst/>
+          </a:prstGeom>
+          <a:ln>
+            <a:noFill/>
+          </a:ln>
+        </p:spPr>
+        <p:style>
+          <a:lnRef idx="2">
+            <a:schemeClr val="accent1">
+              <a:shade val="50000"/>
+            </a:schemeClr>
+          </a:lnRef>
+          <a:fillRef idx="1">
+            <a:schemeClr val="accent1"/>
+          </a:fillRef>
+          <a:effectRef idx="0">
+            <a:schemeClr val="accent1"/>
+          </a:effectRef>
+          <a:fontRef idx="minor">
+            <a:schemeClr val="lt1"/>
+          </a:fontRef>
+        </p:style>
+        <p:txBody>
+          <a:bodyPr rtlCol="0" anchor="ctr"/>
+          <a:lstStyle/>
+          <a:p>
+            <a:pPr algn="ctr"/>
+            <a:endParaRPr lang="en-US"/>
+          </a:p>
+        </p:txBody>
+      </p:sp>
+      <p:sp>
+        <p:nvSpPr>
+          <p:cNvPr id="2" name="Title 1">
+            <a:extLst>
+              <a:ext uri="{FF2B5EF4-FFF2-40B4-BE49-F238E27FC236}">
+                <a16:creationId xmlns:a16="http://schemas.microsoft.com/office/drawing/2014/main" id="{05B462F1-C180-2283-7339-0B49070EFF39}"/>
+              </a:ext>
+            </a:extLst>
+          </p:cNvPr>
+          <p:cNvSpPr>
+            <a:spLocks noGrp="1"/>
+          </p:cNvSpPr>
+          <p:nvPr>
+            <p:ph type="title"/>
+          </p:nvPr>
+        </p:nvSpPr>
+        <p:spPr>
+          <a:xfrm>
+            <a:off x="411480" y="987552"/>
+            <a:ext cx="4485861" cy="1088136"/>
+          </a:xfrm>
+        </p:spPr>
+        <p:txBody>
+          <a:bodyPr anchor="b">
+            <a:normAutofit/>
+          </a:bodyPr>
+          <a:lstStyle/>
+          <a:p>
+            <a:r>
+              <a:rPr lang="en-US" sz="3400"/>
+              <a:t>Two forms of sequence-to-sequence</a:t>
+            </a:r>
+          </a:p>
+        </p:txBody>
+      </p:sp>
+      <p:sp>
+        <p:nvSpPr>
+          <p:cNvPr id="3081" name="Rectangle 3080">
+            <a:extLst>
+              <a:ext uri="{FF2B5EF4-FFF2-40B4-BE49-F238E27FC236}">
+                <a16:creationId xmlns:a16="http://schemas.microsoft.com/office/drawing/2014/main" id="{4BD02261-2DC8-4AA8-9E16-7751AE892445}"/>
+              </a:ext>
+              <a:ext uri="{C183D7F6-B498-43B3-948B-1728B52AA6E4}">
+                <adec:decorative xmlns:adec="http://schemas.microsoft.com/office/drawing/2017/decorative" val="1"/>
+              </a:ext>
+            </a:extLst>
+          </p:cNvPr>
+          <p:cNvSpPr>
+            <a:spLocks noGrp="1" noRot="1" noChangeAspect="1" noMove="1" noResize="1" noEditPoints="1" noAdjustHandles="1" noChangeArrowheads="1" noChangeShapeType="1" noTextEdit="1"/>
+          </p:cNvSpPr>
+          <p:nvPr>
+            <p:extLst>
+              <p:ext uri="{386F3935-93C4-4BCD-93E2-E3B085C9AB24}">
+                <p16:designElem xmlns:p16="http://schemas.microsoft.com/office/powerpoint/2015/main" val="1"/>
+              </p:ext>
+            </p:extLst>
+          </p:nvPr>
+        </p:nvSpPr>
+        <p:spPr>
+          <a:xfrm rot="5400000">
+            <a:off x="649223" y="387939"/>
+            <a:ext cx="73152" cy="548640"/>
+          </a:xfrm>
+          <a:prstGeom prst="rect">
+            <a:avLst/>
+          </a:prstGeom>
+          <a:solidFill>
+            <a:schemeClr val="accent2"/>
+          </a:solidFill>
+          <a:ln>
+            <a:noFill/>
+          </a:ln>
+        </p:spPr>
+        <p:style>
+          <a:lnRef idx="2">
+            <a:schemeClr val="accent1">
+              <a:shade val="50000"/>
+            </a:schemeClr>
+          </a:lnRef>
+          <a:fillRef idx="1">
+            <a:schemeClr val="accent1"/>
+          </a:fillRef>
+          <a:effectRef idx="0">
+            <a:schemeClr val="accent1"/>
+          </a:effectRef>
+          <a:fontRef idx="minor">
+            <a:schemeClr val="lt1"/>
+          </a:fontRef>
+        </p:style>
+        <p:txBody>
+          <a:bodyPr rtlCol="0" anchor="ctr"/>
+          <a:lstStyle/>
+          <a:p>
+            <a:pPr algn="ctr"/>
+            <a:endParaRPr lang="en-US">
+              <a:solidFill>
+                <a:prstClr val="white"/>
+              </a:solidFill>
+              <a:latin typeface="Calibri" panose="020F0502020204030204"/>
+            </a:endParaRPr>
+          </a:p>
+        </p:txBody>
+      </p:sp>
+      <p:sp>
+        <p:nvSpPr>
+          <p:cNvPr id="3083" name="Rectangle 3082">
+            <a:extLst>
+              <a:ext uri="{FF2B5EF4-FFF2-40B4-BE49-F238E27FC236}">
+                <a16:creationId xmlns:a16="http://schemas.microsoft.com/office/drawing/2014/main" id="{3D752CF2-2291-40B5-B462-C17B174C10BC}"/>
+              </a:ext>
+              <a:ext uri="{C183D7F6-B498-43B3-948B-1728B52AA6E4}">
+                <adec:decorative xmlns:adec="http://schemas.microsoft.com/office/drawing/2017/decorative" val="1"/>
+              </a:ext>
+            </a:extLst>
+          </p:cNvPr>
+          <p:cNvSpPr>
+            <a:spLocks noGrp="1" noRot="1" noChangeAspect="1" noMove="1" noResize="1" noEditPoints="1" noAdjustHandles="1" noChangeArrowheads="1" noChangeShapeType="1" noTextEdit="1"/>
+          </p:cNvSpPr>
+          <p:nvPr>
+            <p:extLst>
+              <p:ext uri="{386F3935-93C4-4BCD-93E2-E3B085C9AB24}">
+                <p16:designElem xmlns:p16="http://schemas.microsoft.com/office/powerpoint/2015/main" val="1"/>
+              </p:ext>
+            </p:extLst>
+          </p:nvPr>
+        </p:nvSpPr>
+        <p:spPr>
+          <a:xfrm>
+            <a:off x="411480" y="2286000"/>
+            <a:ext cx="4389120" cy="18288"/>
+          </a:xfrm>
+          <a:prstGeom prst="rect">
+            <a:avLst/>
+          </a:prstGeom>
+          <a:solidFill>
+            <a:srgbClr val="D5D5D5"/>
+          </a:solidFill>
+          <a:ln w="3175">
+            <a:noFill/>
+          </a:ln>
+          <a:effectLst/>
+        </p:spPr>
+        <p:style>
+          <a:lnRef idx="2">
+            <a:schemeClr val="accent1">
+              <a:shade val="50000"/>
+            </a:schemeClr>
+          </a:lnRef>
+          <a:fillRef idx="1">
+            <a:schemeClr val="accent1"/>
+          </a:fillRef>
+          <a:effectRef idx="0">
+            <a:schemeClr val="accent1"/>
+          </a:effectRef>
+          <a:fontRef idx="minor">
+            <a:schemeClr val="lt1"/>
+          </a:fontRef>
+        </p:style>
+        <p:txBody>
+          <a:bodyPr rtlCol="0" anchor="ctr"/>
+          <a:lstStyle/>
+          <a:p>
+            <a:pPr algn="ctr"/>
+            <a:endParaRPr lang="en-US">
+              <a:solidFill>
+                <a:prstClr val="white"/>
+              </a:solidFill>
+              <a:latin typeface="Calibri" panose="020F0502020204030204"/>
+            </a:endParaRPr>
+          </a:p>
+        </p:txBody>
+      </p:sp>
+      <p:sp>
+        <p:nvSpPr>
+          <p:cNvPr id="3" name="Content Placeholder 2">
+            <a:extLst>
+              <a:ext uri="{FF2B5EF4-FFF2-40B4-BE49-F238E27FC236}">
+                <a16:creationId xmlns:a16="http://schemas.microsoft.com/office/drawing/2014/main" id="{96F5230B-F8A4-C8E4-4C74-A1C627ED0DD6}"/>
+              </a:ext>
+            </a:extLst>
+          </p:cNvPr>
+          <p:cNvSpPr>
+            <a:spLocks noGrp="1"/>
+          </p:cNvSpPr>
+          <p:nvPr>
+            <p:ph idx="1"/>
+          </p:nvPr>
+        </p:nvSpPr>
+        <p:spPr>
+          <a:xfrm>
+            <a:off x="411479" y="2688336"/>
+            <a:ext cx="4498848" cy="3584448"/>
+          </a:xfrm>
+        </p:spPr>
+        <p:txBody>
+          <a:bodyPr anchor="t">
+            <a:normAutofit/>
+          </a:bodyPr>
+          <a:lstStyle/>
+          <a:p>
+            <a:r>
+              <a:rPr lang="en-US" sz="1800"/>
+              <a:t>Convolutional network (ConvS2S, ByteNET, etc)</a:t>
+            </a:r>
+          </a:p>
+          <a:p>
+            <a:r>
+              <a:rPr lang="en-US" sz="1800"/>
+              <a:t>Heavily parallel</a:t>
+            </a:r>
+          </a:p>
+          <a:p>
+            <a:r>
+              <a:rPr lang="en-US" sz="1800"/>
+              <a:t>No longer a single latent state</a:t>
+            </a:r>
+          </a:p>
+          <a:p>
+            <a:endParaRPr lang="en-US" sz="1800"/>
+          </a:p>
+        </p:txBody>
+      </p:sp>
+      <p:pic>
+        <p:nvPicPr>
+          <p:cNvPr id="3074" name="Picture 2">
+            <a:extLst>
+              <a:ext uri="{FF2B5EF4-FFF2-40B4-BE49-F238E27FC236}">
+                <a16:creationId xmlns:a16="http://schemas.microsoft.com/office/drawing/2014/main" id="{B1A574B1-1626-3BCA-433F-602E478D7739}"/>
+              </a:ext>
+            </a:extLst>
+          </p:cNvPr>
+          <p:cNvPicPr>
+            <a:picLocks noChangeAspect="1" noChangeArrowheads="1"/>
+          </p:cNvPicPr>
+          <p:nvPr/>
+        </p:nvPicPr>
+        <p:blipFill rotWithShape="1">
+          <a:blip r:embed="rId2">
+            <a:extLst>
+              <a:ext uri="{28A0092B-C50C-407E-A947-70E740481C1C}">
+                <a14:useLocalDpi xmlns:a14="http://schemas.microsoft.com/office/drawing/2010/main" val="0"/>
+              </a:ext>
+            </a:extLst>
+          </a:blip>
+          <a:srcRect t="3009" r="-3" b="-3"/>
+          <a:stretch/>
+        </p:blipFill>
+        <p:spPr bwMode="auto">
+          <a:xfrm>
+            <a:off x="5308052" y="10"/>
+            <a:ext cx="6883948" cy="6857990"/>
+          </a:xfrm>
+          <a:custGeom>
+            <a:avLst/>
+            <a:gdLst/>
+            <a:ahLst/>
+            <a:cxnLst/>
+            <a:rect l="l" t="t" r="r" b="b"/>
+            <a:pathLst>
+              <a:path w="6883948" h="6858000">
+                <a:moveTo>
+                  <a:pt x="365648" y="0"/>
+                </a:moveTo>
+                <a:lnTo>
+                  <a:pt x="6883948" y="0"/>
+                </a:lnTo>
+                <a:lnTo>
+                  <a:pt x="6883948" y="6858000"/>
+                </a:lnTo>
+                <a:lnTo>
+                  <a:pt x="365648" y="6858000"/>
+                </a:lnTo>
+                <a:lnTo>
+                  <a:pt x="360213" y="6835050"/>
+                </a:lnTo>
+                <a:cubicBezTo>
+                  <a:pt x="128263" y="5788167"/>
+                  <a:pt x="0" y="4637179"/>
+                  <a:pt x="0" y="3429001"/>
+                </a:cubicBezTo>
+                <a:cubicBezTo>
+                  <a:pt x="0" y="2220824"/>
+                  <a:pt x="128263" y="1069835"/>
+                  <a:pt x="360213" y="22952"/>
+                </a:cubicBezTo>
+                <a:close/>
+              </a:path>
+            </a:pathLst>
+          </a:custGeom>
+          <a:noFill/>
+          <a:effectLst>
+            <a:outerShdw blurRad="50800" dist="38100" dir="10800000" algn="r" rotWithShape="0">
+              <a:schemeClr val="bg1">
+                <a:lumMod val="85000"/>
+                <a:alpha val="30000"/>
+              </a:schemeClr>
+            </a:outerShdw>
+          </a:effectLst>
+          <a:extLst>
+            <a:ext uri="{909E8E84-426E-40DD-AFC4-6F175D3DCCD1}">
+              <a14:hiddenFill xmlns:a14="http://schemas.microsoft.com/office/drawing/2010/main">
+                <a:solidFill>
+                  <a:srgbClr val="FFFFFF"/>
+                </a:solidFill>
+              </a14:hiddenFill>
+            </a:ext>
+          </a:extLst>
+        </p:spPr>
+      </p:pic>
+    </p:spTree>
+    <p:extLst>
+      <p:ext uri="{BB962C8B-B14F-4D97-AF65-F5344CB8AC3E}">
+        <p14:creationId xmlns:p14="http://schemas.microsoft.com/office/powerpoint/2010/main" val="3715255452"/>
+      </p:ext>
+    </p:extLst>
+  </p:cSld>
+  <p:clrMapOvr>
+    <a:masterClrMapping/>
+  </p:clrMapOvr>
+</p:sld>
+</file>
+
+<file path=ppt/slides/slide9.xml><?xml version="1.0" encoding="utf-8"?>
+<p:sld xmlns:a="http://schemas.openxmlformats.org/drawingml/2006/main" xmlns:r="http://schemas.openxmlformats.org/officeDocument/2006/relationships" xmlns:p="http://schemas.openxmlformats.org/presentationml/2006/main">
+  <p:cSld>
+    <p:bg>
+      <p:bgPr>
+        <a:solidFill>
+          <a:schemeClr val="bg1"/>
+        </a:solidFill>
+        <a:effectLst/>
+      </p:bgPr>
+    </p:bg>
+    <p:spTree>
+      <p:nvGrpSpPr>
+        <p:cNvPr id="1" name=""/>
+        <p:cNvGrpSpPr/>
+        <p:nvPr/>
+      </p:nvGrpSpPr>
+      <p:grpSpPr>
+        <a:xfrm>
+          <a:off x="0" y="0"/>
+          <a:ext cx="0" cy="0"/>
+          <a:chOff x="0" y="0"/>
+          <a:chExt cx="0" cy="0"/>
+        </a:xfrm>
+      </p:grpSpPr>
+      <p:sp useBgFill="1">
+        <p:nvSpPr>
+          <p:cNvPr id="3079" name="Rectangle 3078">
+            <a:extLst>
+              <a:ext uri="{FF2B5EF4-FFF2-40B4-BE49-F238E27FC236}">
+                <a16:creationId xmlns:a16="http://schemas.microsoft.com/office/drawing/2014/main" id="{F94AA2BD-2E3F-4B1D-8127-5744B8115311}"/>
+              </a:ext>
+              <a:ext uri="{C183D7F6-B498-43B3-948B-1728B52AA6E4}">
+                <adec:decorative xmlns:adec="http://schemas.microsoft.com/office/drawing/2017/decorative" val="1"/>
+              </a:ext>
+            </a:extLst>
+          </p:cNvPr>
+          <p:cNvSpPr>
+            <a:spLocks noGrp="1" noRot="1" noChangeAspect="1" noMove="1" noResize="1" noEditPoints="1" noAdjustHandles="1" noChangeArrowheads="1" noChangeShapeType="1" noTextEdit="1"/>
+          </p:cNvSpPr>
+          <p:nvPr>
+            <p:extLst>
+              <p:ext uri="{386F3935-93C4-4BCD-93E2-E3B085C9AB24}">
+                <p16:designElem xmlns:p16="http://schemas.microsoft.com/office/powerpoint/2015/main" val="1"/>
+              </p:ext>
+            </p:extLst>
+          </p:nvPr>
+        </p:nvSpPr>
+        <p:spPr>
+          <a:xfrm>
+            <a:off x="0" y="0"/>
+            <a:ext cx="12192000" cy="6858000"/>
+          </a:xfrm>
+          <a:prstGeom prst="rect">
+            <a:avLst/>
+          </a:prstGeom>
+          <a:ln>
+            <a:noFill/>
+          </a:ln>
+        </p:spPr>
+        <p:style>
+          <a:lnRef idx="2">
+            <a:schemeClr val="accent1">
+              <a:shade val="50000"/>
+            </a:schemeClr>
+          </a:lnRef>
+          <a:fillRef idx="1">
+            <a:schemeClr val="accent1"/>
+          </a:fillRef>
+          <a:effectRef idx="0">
+            <a:schemeClr val="accent1"/>
+          </a:effectRef>
+          <a:fontRef idx="minor">
+            <a:schemeClr val="lt1"/>
+          </a:fontRef>
+        </p:style>
+        <p:txBody>
+          <a:bodyPr rtlCol="0" anchor="ctr"/>
+          <a:lstStyle/>
+          <a:p>
+            <a:pPr algn="ctr"/>
+            <a:endParaRPr lang="en-US"/>
+          </a:p>
+        </p:txBody>
+      </p:sp>
+      <p:sp>
+        <p:nvSpPr>
+          <p:cNvPr id="2" name="Title 1">
+            <a:extLst>
+              <a:ext uri="{FF2B5EF4-FFF2-40B4-BE49-F238E27FC236}">
+                <a16:creationId xmlns:a16="http://schemas.microsoft.com/office/drawing/2014/main" id="{05B462F1-C180-2283-7339-0B49070EFF39}"/>
+              </a:ext>
+            </a:extLst>
+          </p:cNvPr>
+          <p:cNvSpPr>
+            <a:spLocks noGrp="1"/>
+          </p:cNvSpPr>
+          <p:nvPr>
+            <p:ph type="title"/>
+          </p:nvPr>
+        </p:nvSpPr>
+        <p:spPr>
+          <a:xfrm>
+            <a:off x="411480" y="987552"/>
+            <a:ext cx="4485861" cy="1088136"/>
+          </a:xfrm>
+        </p:spPr>
+        <p:txBody>
+          <a:bodyPr anchor="b">
+            <a:normAutofit/>
+          </a:bodyPr>
+          <a:lstStyle/>
+          <a:p>
+            <a:r>
+              <a:rPr lang="en-US" sz="3400"/>
+              <a:t>Two forms of sequence-to-sequence</a:t>
+            </a:r>
+          </a:p>
+        </p:txBody>
+      </p:sp>
+      <p:sp>
+        <p:nvSpPr>
+          <p:cNvPr id="3081" name="Rectangle 3080">
+            <a:extLst>
+              <a:ext uri="{FF2B5EF4-FFF2-40B4-BE49-F238E27FC236}">
+                <a16:creationId xmlns:a16="http://schemas.microsoft.com/office/drawing/2014/main" id="{4BD02261-2DC8-4AA8-9E16-7751AE892445}"/>
+              </a:ext>
+              <a:ext uri="{C183D7F6-B498-43B3-948B-1728B52AA6E4}">
+                <adec:decorative xmlns:adec="http://schemas.microsoft.com/office/drawing/2017/decorative" val="1"/>
+              </a:ext>
+            </a:extLst>
+          </p:cNvPr>
+          <p:cNvSpPr>
+            <a:spLocks noGrp="1" noRot="1" noChangeAspect="1" noMove="1" noResize="1" noEditPoints="1" noAdjustHandles="1" noChangeArrowheads="1" noChangeShapeType="1" noTextEdit="1"/>
+          </p:cNvSpPr>
+          <p:nvPr>
+            <p:extLst>
+              <p:ext uri="{386F3935-93C4-4BCD-93E2-E3B085C9AB24}">
+                <p16:designElem xmlns:p16="http://schemas.microsoft.com/office/powerpoint/2015/main" val="1"/>
+              </p:ext>
+            </p:extLst>
+          </p:nvPr>
+        </p:nvSpPr>
+        <p:spPr>
+          <a:xfrm rot="5400000">
+            <a:off x="649223" y="387939"/>
+            <a:ext cx="73152" cy="548640"/>
+          </a:xfrm>
+          <a:prstGeom prst="rect">
+            <a:avLst/>
+          </a:prstGeom>
+          <a:solidFill>
+            <a:schemeClr val="accent2"/>
+          </a:solidFill>
+          <a:ln>
+            <a:noFill/>
+          </a:ln>
+        </p:spPr>
+        <p:style>
+          <a:lnRef idx="2">
+            <a:schemeClr val="accent1">
+              <a:shade val="50000"/>
+            </a:schemeClr>
+          </a:lnRef>
+          <a:fillRef idx="1">
+            <a:schemeClr val="accent1"/>
+          </a:fillRef>
+          <a:effectRef idx="0">
+            <a:schemeClr val="accent1"/>
+          </a:effectRef>
+          <a:fontRef idx="minor">
+            <a:schemeClr val="lt1"/>
+          </a:fontRef>
+        </p:style>
+        <p:txBody>
+          <a:bodyPr rtlCol="0" anchor="ctr"/>
+          <a:lstStyle/>
+          <a:p>
+            <a:pPr algn="ctr"/>
+            <a:endParaRPr lang="en-US">
+              <a:solidFill>
+                <a:prstClr val="white"/>
+              </a:solidFill>
+              <a:latin typeface="Calibri" panose="020F0502020204030204"/>
+            </a:endParaRPr>
+          </a:p>
+        </p:txBody>
+      </p:sp>
+      <p:sp>
+        <p:nvSpPr>
+          <p:cNvPr id="3083" name="Rectangle 3082">
+            <a:extLst>
+              <a:ext uri="{FF2B5EF4-FFF2-40B4-BE49-F238E27FC236}">
+                <a16:creationId xmlns:a16="http://schemas.microsoft.com/office/drawing/2014/main" id="{3D752CF2-2291-40B5-B462-C17B174C10BC}"/>
+              </a:ext>
+              <a:ext uri="{C183D7F6-B498-43B3-948B-1728B52AA6E4}">
+                <adec:decorative xmlns:adec="http://schemas.microsoft.com/office/drawing/2017/decorative" val="1"/>
+              </a:ext>
+            </a:extLst>
+          </p:cNvPr>
+          <p:cNvSpPr>
+            <a:spLocks noGrp="1" noRot="1" noChangeAspect="1" noMove="1" noResize="1" noEditPoints="1" noAdjustHandles="1" noChangeArrowheads="1" noChangeShapeType="1" noTextEdit="1"/>
+          </p:cNvSpPr>
+          <p:nvPr>
+            <p:extLst>
+              <p:ext uri="{386F3935-93C4-4BCD-93E2-E3B085C9AB24}">
+                <p16:designElem xmlns:p16="http://schemas.microsoft.com/office/powerpoint/2015/main" val="1"/>
+              </p:ext>
+            </p:extLst>
+          </p:nvPr>
+        </p:nvSpPr>
+        <p:spPr>
+          <a:xfrm>
+            <a:off x="411480" y="2286000"/>
+            <a:ext cx="4389120" cy="18288"/>
+          </a:xfrm>
+          <a:prstGeom prst="rect">
+            <a:avLst/>
+          </a:prstGeom>
+          <a:solidFill>
+            <a:srgbClr val="D5D5D5"/>
+          </a:solidFill>
+          <a:ln w="3175">
+            <a:noFill/>
+          </a:ln>
+          <a:effectLst/>
+        </p:spPr>
+        <p:style>
+          <a:lnRef idx="2">
+            <a:schemeClr val="accent1">
+              <a:shade val="50000"/>
+            </a:schemeClr>
+          </a:lnRef>
+          <a:fillRef idx="1">
+            <a:schemeClr val="accent1"/>
+          </a:fillRef>
+          <a:effectRef idx="0">
+            <a:schemeClr val="accent1"/>
+          </a:effectRef>
+          <a:fontRef idx="minor">
+            <a:schemeClr val="lt1"/>
+          </a:fontRef>
+        </p:style>
+        <p:txBody>
+          <a:bodyPr rtlCol="0" anchor="ctr"/>
+          <a:lstStyle/>
+          <a:p>
+            <a:pPr algn="ctr"/>
+            <a:endParaRPr lang="en-US">
+              <a:solidFill>
+                <a:prstClr val="white"/>
+              </a:solidFill>
+              <a:latin typeface="Calibri" panose="020F0502020204030204"/>
+            </a:endParaRPr>
+          </a:p>
+        </p:txBody>
+      </p:sp>
+      <p:sp>
+        <p:nvSpPr>
+          <p:cNvPr id="3" name="Content Placeholder 2">
+            <a:extLst>
+              <a:ext uri="{FF2B5EF4-FFF2-40B4-BE49-F238E27FC236}">
+                <a16:creationId xmlns:a16="http://schemas.microsoft.com/office/drawing/2014/main" id="{96F5230B-F8A4-C8E4-4C74-A1C627ED0DD6}"/>
+              </a:ext>
+            </a:extLst>
+          </p:cNvPr>
+          <p:cNvSpPr>
+            <a:spLocks noGrp="1"/>
+          </p:cNvSpPr>
+          <p:nvPr>
+            <p:ph idx="1"/>
+          </p:nvPr>
+        </p:nvSpPr>
+        <p:spPr>
+          <a:xfrm>
+            <a:off x="411479" y="2688336"/>
+            <a:ext cx="4498848" cy="3584448"/>
+          </a:xfrm>
+        </p:spPr>
+        <p:txBody>
+          <a:bodyPr anchor="t">
+            <a:normAutofit/>
+          </a:bodyPr>
+          <a:lstStyle/>
+          <a:p>
+            <a:r>
+              <a:rPr lang="en-US" sz="1800" dirty="0"/>
+              <a:t>Between different time steps: Increasing number of operations due to interconnections to relate distant elements</a:t>
+            </a:r>
+          </a:p>
+          <a:p>
+            <a:pPr lvl="1"/>
+            <a:r>
+              <a:rPr lang="en-US" sz="1400" dirty="0"/>
+              <a:t>Linear # of operations for ConvS2S</a:t>
+            </a:r>
+          </a:p>
+          <a:p>
+            <a:pPr lvl="1"/>
+            <a:r>
+              <a:rPr lang="en-US" sz="1400" dirty="0"/>
+              <a:t>Logarithmic # of operations for </a:t>
+            </a:r>
+            <a:r>
+              <a:rPr lang="en-US" sz="1400" dirty="0" err="1"/>
+              <a:t>ByteNet</a:t>
+            </a:r>
+            <a:endParaRPr lang="en-US" sz="1400" dirty="0"/>
+          </a:p>
+          <a:p>
+            <a:endParaRPr lang="en-US" sz="1800" dirty="0"/>
+          </a:p>
+        </p:txBody>
+      </p:sp>
+      <p:pic>
+        <p:nvPicPr>
+          <p:cNvPr id="3074" name="Picture 2">
+            <a:extLst>
+              <a:ext uri="{FF2B5EF4-FFF2-40B4-BE49-F238E27FC236}">
+                <a16:creationId xmlns:a16="http://schemas.microsoft.com/office/drawing/2014/main" id="{B1A574B1-1626-3BCA-433F-602E478D7739}"/>
+              </a:ext>
+            </a:extLst>
+          </p:cNvPr>
+          <p:cNvPicPr>
+            <a:picLocks noChangeAspect="1" noChangeArrowheads="1"/>
+          </p:cNvPicPr>
+          <p:nvPr/>
+        </p:nvPicPr>
+        <p:blipFill rotWithShape="1">
+          <a:blip r:embed="rId2">
+            <a:extLst>
+              <a:ext uri="{28A0092B-C50C-407E-A947-70E740481C1C}">
+                <a14:useLocalDpi xmlns:a14="http://schemas.microsoft.com/office/drawing/2010/main" val="0"/>
+              </a:ext>
+            </a:extLst>
+          </a:blip>
+          <a:srcRect t="3009" r="-3" b="-3"/>
+          <a:stretch/>
+        </p:blipFill>
+        <p:spPr bwMode="auto">
+          <a:xfrm>
+            <a:off x="5308052" y="10"/>
+            <a:ext cx="6883948" cy="6857990"/>
+          </a:xfrm>
+          <a:custGeom>
+            <a:avLst/>
+            <a:gdLst/>
+            <a:ahLst/>
+            <a:cxnLst/>
+            <a:rect l="l" t="t" r="r" b="b"/>
+            <a:pathLst>
+              <a:path w="6883948" h="6858000">
+                <a:moveTo>
+                  <a:pt x="365648" y="0"/>
+                </a:moveTo>
+                <a:lnTo>
+                  <a:pt x="6883948" y="0"/>
+                </a:lnTo>
+                <a:lnTo>
+                  <a:pt x="6883948" y="6858000"/>
+                </a:lnTo>
+                <a:lnTo>
+                  <a:pt x="365648" y="6858000"/>
+                </a:lnTo>
+                <a:lnTo>
+                  <a:pt x="360213" y="6835050"/>
+                </a:lnTo>
+                <a:cubicBezTo>
+                  <a:pt x="128263" y="5788167"/>
+                  <a:pt x="0" y="4637179"/>
+                  <a:pt x="0" y="3429001"/>
+                </a:cubicBezTo>
+                <a:cubicBezTo>
+                  <a:pt x="0" y="2220824"/>
+                  <a:pt x="128263" y="1069835"/>
+                  <a:pt x="360213" y="22952"/>
+                </a:cubicBezTo>
+                <a:close/>
+              </a:path>
+            </a:pathLst>
+          </a:custGeom>
+          <a:noFill/>
+          <a:effectLst>
+            <a:outerShdw blurRad="50800" dist="38100" dir="10800000" algn="r" rotWithShape="0">
+              <a:schemeClr val="bg1">
+                <a:lumMod val="85000"/>
+                <a:alpha val="30000"/>
+              </a:schemeClr>
+            </a:outerShdw>
+          </a:effectLst>
+          <a:extLst>
+            <a:ext uri="{909E8E84-426E-40DD-AFC4-6F175D3DCCD1}">
+              <a14:hiddenFill xmlns:a14="http://schemas.microsoft.com/office/drawing/2010/main">
+                <a:solidFill>
+                  <a:srgbClr val="FFFFFF"/>
+                </a:solidFill>
+              </a14:hiddenFill>
+            </a:ext>
+          </a:extLst>
+        </p:spPr>
+      </p:pic>
+    </p:spTree>
+    <p:extLst>
+      <p:ext uri="{BB962C8B-B14F-4D97-AF65-F5344CB8AC3E}">
+        <p14:creationId xmlns:p14="http://schemas.microsoft.com/office/powerpoint/2010/main" val="868503423"/>
       </p:ext>
     </p:extLst>
   </p:cSld>
